--- a/Etudiants/Constantin/Constantin.MInos.RDPno1.pptx
+++ b/Etudiants/Constantin/Constantin.MInos.RDPno1.pptx
@@ -6,7 +6,7 @@
   </p:sldMasterIdLst>
   <p:sldIdLst>
     <p:sldId id="257" r:id="rId2"/>
-    <p:sldId id="258" r:id="rId3"/>
+    <p:sldId id="259" r:id="rId3"/>
   </p:sldIdLst>
   <p:sldSz cx="12192000" cy="6858000"/>
   <p:notesSz cx="6858000" cy="9144000"/>
@@ -4197,6 +4197,14 @@
 <file path=ppt/slides/slide2.xml><?xml version="1.0" encoding="utf-8"?>
 <p:sld xmlns:a="http://schemas.openxmlformats.org/drawingml/2006/main" xmlns:r="http://schemas.openxmlformats.org/officeDocument/2006/relationships" xmlns:p="http://schemas.openxmlformats.org/presentationml/2006/main">
   <p:cSld>
+    <p:bg>
+      <p:bgPr>
+        <a:solidFill>
+          <a:srgbClr val="000000"/>
+        </a:solidFill>
+        <a:effectLst/>
+      </p:bgPr>
+    </p:bg>
     <p:spTree>
       <p:nvGrpSpPr>
         <p:cNvPr id="1" name=""/>
@@ -4211,15 +4219,174 @@
           <a:chExt cx="0" cy="0"/>
         </a:xfrm>
       </p:grpSpPr>
+      <p:sp>
+        <p:nvSpPr>
+          <p:cNvPr id="28" name="Rectangle 27">
+            <a:extLst>
+              <a:ext uri="{FF2B5EF4-FFF2-40B4-BE49-F238E27FC236}">
+                <a16:creationId xmlns:a16="http://schemas.microsoft.com/office/drawing/2014/main" id="{71B2258F-86CA-4D4D-8270-BC05FCDEBFB3}"/>
+              </a:ext>
+              <a:ext uri="{C183D7F6-B498-43B3-948B-1728B52AA6E4}">
+                <adec:decorative xmlns:adec="http://schemas.microsoft.com/office/drawing/2017/decorative" val="1"/>
+              </a:ext>
+            </a:extLst>
+          </p:cNvPr>
+          <p:cNvSpPr>
+            <a:spLocks noGrp="1" noRot="1" noChangeAspect="1" noMove="1" noResize="1" noEditPoints="1" noAdjustHandles="1" noChangeArrowheads="1" noChangeShapeType="1" noTextEdit="1"/>
+          </p:cNvSpPr>
+          <p:nvPr>
+            <p:extLst>
+              <p:ext uri="{386F3935-93C4-4BCD-93E2-E3B085C9AB24}">
+                <p16:designElem xmlns:p16="http://schemas.microsoft.com/office/powerpoint/2015/main" val="1"/>
+              </p:ext>
+            </p:extLst>
+          </p:nvPr>
+        </p:nvSpPr>
+        <p:spPr>
+          <a:xfrm>
+            <a:off x="0" y="0"/>
+            <a:ext cx="12192000" cy="6857999"/>
+          </a:xfrm>
+          <a:prstGeom prst="rect">
+            <a:avLst/>
+          </a:prstGeom>
+          <a:solidFill>
+            <a:srgbClr val="000000"/>
+          </a:solidFill>
+          <a:ln>
+            <a:noFill/>
+          </a:ln>
+        </p:spPr>
+        <p:style>
+          <a:lnRef idx="2">
+            <a:schemeClr val="accent1">
+              <a:shade val="50000"/>
+            </a:schemeClr>
+          </a:lnRef>
+          <a:fillRef idx="1">
+            <a:schemeClr val="accent1"/>
+          </a:fillRef>
+          <a:effectRef idx="0">
+            <a:schemeClr val="accent1"/>
+          </a:effectRef>
+          <a:fontRef idx="minor">
+            <a:schemeClr val="lt1"/>
+          </a:fontRef>
+        </p:style>
+        <p:txBody>
+          <a:bodyPr rtlCol="0" anchor="ctr"/>
+          <a:lstStyle/>
+          <a:p>
+            <a:pPr algn="ctr"/>
+            <a:endParaRPr lang="en-US"/>
+          </a:p>
+        </p:txBody>
+      </p:sp>
+      <p:pic>
+        <p:nvPicPr>
+          <p:cNvPr id="5" name="Image 4" descr="Une image contenant table, paire&#10;&#10;Description générée automatiquement">
+            <a:extLst>
+              <a:ext uri="{FF2B5EF4-FFF2-40B4-BE49-F238E27FC236}">
+                <a16:creationId xmlns:a16="http://schemas.microsoft.com/office/drawing/2014/main" id="{0B40B6F2-5E85-4AEC-9AA6-FBD9476A5BCF}"/>
+              </a:ext>
+            </a:extLst>
+          </p:cNvPr>
+          <p:cNvPicPr>
+            <a:picLocks noChangeAspect="1"/>
+          </p:cNvPicPr>
+          <p:nvPr/>
+        </p:nvPicPr>
+        <p:blipFill rotWithShape="1">
+          <a:blip r:embed="rId2">
+            <a:alphaModFix amt="50000"/>
+            <a:extLst>
+              <a:ext uri="{28A0092B-C50C-407E-A947-70E740481C1C}">
+                <a14:useLocalDpi xmlns:a14="http://schemas.microsoft.com/office/drawing/2010/main" val="0"/>
+              </a:ext>
+            </a:extLst>
+          </a:blip>
+          <a:srcRect t="6250"/>
+          <a:stretch/>
+        </p:blipFill>
+        <p:spPr>
+          <a:xfrm>
+            <a:off x="-1" y="-30"/>
+            <a:ext cx="12192000" cy="6855958"/>
+          </a:xfrm>
+          <a:prstGeom prst="rect">
+            <a:avLst/>
+          </a:prstGeom>
+        </p:spPr>
+      </p:pic>
+      <p:sp>
+        <p:nvSpPr>
+          <p:cNvPr id="6" name="Rectangle 5">
+            <a:extLst>
+              <a:ext uri="{FF2B5EF4-FFF2-40B4-BE49-F238E27FC236}">
+                <a16:creationId xmlns:a16="http://schemas.microsoft.com/office/drawing/2014/main" id="{F3B50C9F-D1DD-4FE1-86A7-5BD7379FDB93}"/>
+              </a:ext>
+            </a:extLst>
+          </p:cNvPr>
+          <p:cNvSpPr/>
+          <p:nvPr/>
+        </p:nvSpPr>
+        <p:spPr>
+          <a:xfrm>
+            <a:off x="1045534" y="893133"/>
+            <a:ext cx="10884195" cy="928806"/>
+          </a:xfrm>
+          <a:prstGeom prst="rect">
+            <a:avLst/>
+          </a:prstGeom>
+        </p:spPr>
+        <p:txBody>
+          <a:bodyPr vert="horz" lIns="91440" tIns="45720" rIns="91440" bIns="45720" rtlCol="0" anchor="b">
+            <a:normAutofit/>
+          </a:bodyPr>
+          <a:lstStyle/>
+          <a:p>
+            <a:pPr algn="ctr">
+              <a:lnSpc>
+                <a:spcPct val="90000"/>
+              </a:lnSpc>
+              <a:spcBef>
+                <a:spcPct val="0"/>
+              </a:spcBef>
+              <a:spcAft>
+                <a:spcPts val="600"/>
+              </a:spcAft>
+            </a:pPr>
+            <a:r>
+              <a:rPr lang="en-US" sz="6000" b="1" dirty="0" err="1">
+                <a:solidFill>
+                  <a:srgbClr val="FFFFFF"/>
+                </a:solidFill>
+                <a:latin typeface="+mj-lt"/>
+                <a:ea typeface="+mj-ea"/>
+                <a:cs typeface="+mj-cs"/>
+              </a:rPr>
+              <a:t>Titre</a:t>
+            </a:r>
+            <a:endParaRPr lang="en-US" sz="6000" dirty="0">
+              <a:solidFill>
+                <a:srgbClr val="FFFFFF"/>
+              </a:solidFill>
+              <a:latin typeface="+mj-lt"/>
+              <a:ea typeface="+mj-ea"/>
+              <a:cs typeface="+mj-cs"/>
+            </a:endParaRPr>
+          </a:p>
+        </p:txBody>
+      </p:sp>
     </p:spTree>
     <p:extLst>
       <p:ext uri="{BB962C8B-B14F-4D97-AF65-F5344CB8AC3E}">
-        <p14:creationId xmlns:p14="http://schemas.microsoft.com/office/powerpoint/2010/main" val="1678083968"/>
+        <p14:creationId xmlns:p14="http://schemas.microsoft.com/office/powerpoint/2010/main" val="78232518"/>
       </p:ext>
     </p:extLst>
   </p:cSld>
   <p:clrMapOvr>
-    <a:masterClrMapping/>
+    <a:overrideClrMapping bg1="dk1" tx1="lt1" bg2="dk2" tx2="lt2" accent1="accent1" accent2="accent2" accent3="accent3" accent4="accent4" accent5="accent5" accent6="accent6" hlink="hlink" folHlink="folHlink"/>
   </p:clrMapOvr>
 </p:sld>
 </file>

--- a/Etudiants/Constantin/Constantin.MInos.RDPno1.pptx
+++ b/Etudiants/Constantin/Constantin.MInos.RDPno1.pptx
@@ -6,7 +6,13 @@
   </p:sldMasterIdLst>
   <p:sldIdLst>
     <p:sldId id="257" r:id="rId2"/>
-    <p:sldId id="259" r:id="rId3"/>
+    <p:sldId id="267" r:id="rId3"/>
+    <p:sldId id="263" r:id="rId4"/>
+    <p:sldId id="264" r:id="rId5"/>
+    <p:sldId id="260" r:id="rId6"/>
+    <p:sldId id="266" r:id="rId7"/>
+    <p:sldId id="268" r:id="rId8"/>
+    <p:sldId id="269" r:id="rId9"/>
   </p:sldIdLst>
   <p:sldSz cx="12192000" cy="6858000"/>
   <p:notesSz cx="6858000" cy="9144000"/>
@@ -260,7 +266,7 @@
           <a:p>
             <a:fld id="{A5A52D65-5D23-4759-866C-BD4D7E81B3B3}" type="datetimeFigureOut">
               <a:rPr lang="fr-FR" smtClean="0"/>
-              <a:t>28/01/2020</a:t>
+              <a:t>31/01/2020</a:t>
             </a:fld>
             <a:endParaRPr lang="fr-FR"/>
           </a:p>
@@ -458,7 +464,7 @@
           <a:p>
             <a:fld id="{A5A52D65-5D23-4759-866C-BD4D7E81B3B3}" type="datetimeFigureOut">
               <a:rPr lang="fr-FR" smtClean="0"/>
-              <a:t>28/01/2020</a:t>
+              <a:t>31/01/2020</a:t>
             </a:fld>
             <a:endParaRPr lang="fr-FR"/>
           </a:p>
@@ -666,7 +672,7 @@
           <a:p>
             <a:fld id="{A5A52D65-5D23-4759-866C-BD4D7E81B3B3}" type="datetimeFigureOut">
               <a:rPr lang="fr-FR" smtClean="0"/>
-              <a:t>28/01/2020</a:t>
+              <a:t>31/01/2020</a:t>
             </a:fld>
             <a:endParaRPr lang="fr-FR"/>
           </a:p>
@@ -864,7 +870,7 @@
           <a:p>
             <a:fld id="{A5A52D65-5D23-4759-866C-BD4D7E81B3B3}" type="datetimeFigureOut">
               <a:rPr lang="fr-FR" smtClean="0"/>
-              <a:t>28/01/2020</a:t>
+              <a:t>31/01/2020</a:t>
             </a:fld>
             <a:endParaRPr lang="fr-FR"/>
           </a:p>
@@ -1139,7 +1145,7 @@
           <a:p>
             <a:fld id="{A5A52D65-5D23-4759-866C-BD4D7E81B3B3}" type="datetimeFigureOut">
               <a:rPr lang="fr-FR" smtClean="0"/>
-              <a:t>28/01/2020</a:t>
+              <a:t>31/01/2020</a:t>
             </a:fld>
             <a:endParaRPr lang="fr-FR"/>
           </a:p>
@@ -1404,7 +1410,7 @@
           <a:p>
             <a:fld id="{A5A52D65-5D23-4759-866C-BD4D7E81B3B3}" type="datetimeFigureOut">
               <a:rPr lang="fr-FR" smtClean="0"/>
-              <a:t>28/01/2020</a:t>
+              <a:t>31/01/2020</a:t>
             </a:fld>
             <a:endParaRPr lang="fr-FR"/>
           </a:p>
@@ -1816,7 +1822,7 @@
           <a:p>
             <a:fld id="{A5A52D65-5D23-4759-866C-BD4D7E81B3B3}" type="datetimeFigureOut">
               <a:rPr lang="fr-FR" smtClean="0"/>
-              <a:t>28/01/2020</a:t>
+              <a:t>31/01/2020</a:t>
             </a:fld>
             <a:endParaRPr lang="fr-FR"/>
           </a:p>
@@ -1957,7 +1963,7 @@
           <a:p>
             <a:fld id="{A5A52D65-5D23-4759-866C-BD4D7E81B3B3}" type="datetimeFigureOut">
               <a:rPr lang="fr-FR" smtClean="0"/>
-              <a:t>28/01/2020</a:t>
+              <a:t>31/01/2020</a:t>
             </a:fld>
             <a:endParaRPr lang="fr-FR"/>
           </a:p>
@@ -2070,7 +2076,7 @@
           <a:p>
             <a:fld id="{A5A52D65-5D23-4759-866C-BD4D7E81B3B3}" type="datetimeFigureOut">
               <a:rPr lang="fr-FR" smtClean="0"/>
-              <a:t>28/01/2020</a:t>
+              <a:t>31/01/2020</a:t>
             </a:fld>
             <a:endParaRPr lang="fr-FR"/>
           </a:p>
@@ -2381,7 +2387,7 @@
           <a:p>
             <a:fld id="{A5A52D65-5D23-4759-866C-BD4D7E81B3B3}" type="datetimeFigureOut">
               <a:rPr lang="fr-FR" smtClean="0"/>
-              <a:t>28/01/2020</a:t>
+              <a:t>31/01/2020</a:t>
             </a:fld>
             <a:endParaRPr lang="fr-FR"/>
           </a:p>
@@ -2669,7 +2675,7 @@
           <a:p>
             <a:fld id="{A5A52D65-5D23-4759-866C-BD4D7E81B3B3}" type="datetimeFigureOut">
               <a:rPr lang="fr-FR" smtClean="0"/>
-              <a:t>28/01/2020</a:t>
+              <a:t>31/01/2020</a:t>
             </a:fld>
             <a:endParaRPr lang="fr-FR"/>
           </a:p>
@@ -2910,7 +2916,7 @@
           <a:p>
             <a:fld id="{A5A52D65-5D23-4759-866C-BD4D7E81B3B3}" type="datetimeFigureOut">
               <a:rPr lang="fr-FR" smtClean="0"/>
-              <a:t>28/01/2020</a:t>
+              <a:t>31/01/2020</a:t>
             </a:fld>
             <a:endParaRPr lang="fr-FR"/>
           </a:p>
@@ -4199,9 +4205,35 @@
   <p:cSld>
     <p:bg>
       <p:bgPr>
-        <a:solidFill>
-          <a:srgbClr val="000000"/>
-        </a:solidFill>
+        <a:gradFill>
+          <a:gsLst>
+            <a:gs pos="0">
+              <a:schemeClr val="accent1">
+                <a:lumMod val="0"/>
+                <a:lumOff val="100000"/>
+              </a:schemeClr>
+            </a:gs>
+            <a:gs pos="74000">
+              <a:schemeClr val="accent1">
+                <a:lumMod val="45000"/>
+                <a:lumOff val="55000"/>
+              </a:schemeClr>
+            </a:gs>
+            <a:gs pos="83000">
+              <a:schemeClr val="accent1">
+                <a:lumMod val="45000"/>
+                <a:lumOff val="55000"/>
+              </a:schemeClr>
+            </a:gs>
+            <a:gs pos="100000">
+              <a:schemeClr val="accent1">
+                <a:lumMod val="30000"/>
+                <a:lumOff val="70000"/>
+              </a:schemeClr>
+            </a:gs>
+          </a:gsLst>
+          <a:lin ang="5400000" scaled="1"/>
+        </a:gradFill>
         <a:effectLst/>
       </p:bgPr>
     </p:bg>
@@ -4300,6 +4332,21 @@
           <a:blip r:embed="rId2">
             <a:alphaModFix amt="50000"/>
             <a:extLst>
+              <a:ext uri="{BEBA8EAE-BF5A-486C-A8C5-ECC9F3942E4B}">
+                <a14:imgProps xmlns:a14="http://schemas.microsoft.com/office/drawing/2010/main">
+                  <a14:imgLayer r:embed="rId3">
+                    <a14:imgEffect>
+                      <a14:sharpenSoften amount="4000"/>
+                    </a14:imgEffect>
+                    <a14:imgEffect>
+                      <a14:colorTemperature colorTemp="5954"/>
+                    </a14:imgEffect>
+                    <a14:imgEffect>
+                      <a14:brightnessContrast bright="-23000"/>
+                    </a14:imgEffect>
+                  </a14:imgLayer>
+                </a14:imgProps>
+              </a:ext>
               <a:ext uri="{28A0092B-C50C-407E-A947-70E740481C1C}">
                 <a14:useLocalDpi xmlns:a14="http://schemas.microsoft.com/office/drawing/2010/main" val="0"/>
               </a:ext>
@@ -4310,7 +4357,7 @@
         </p:blipFill>
         <p:spPr>
           <a:xfrm>
-            <a:off x="-1" y="-30"/>
+            <a:off x="0" y="0"/>
             <a:ext cx="12192000" cy="6855958"/>
           </a:xfrm>
           <a:prstGeom prst="rect">
@@ -4318,76 +4365,3787 @@
           </a:prstGeom>
         </p:spPr>
       </p:pic>
-      <p:sp>
-        <p:nvSpPr>
-          <p:cNvPr id="6" name="Rectangle 5">
-            <a:extLst>
-              <a:ext uri="{FF2B5EF4-FFF2-40B4-BE49-F238E27FC236}">
-                <a16:creationId xmlns:a16="http://schemas.microsoft.com/office/drawing/2014/main" id="{F3B50C9F-D1DD-4FE1-86A7-5BD7379FDB93}"/>
-              </a:ext>
-            </a:extLst>
-          </p:cNvPr>
-          <p:cNvSpPr/>
-          <p:nvPr/>
-        </p:nvSpPr>
-        <p:spPr>
-          <a:xfrm>
-            <a:off x="1045534" y="893133"/>
-            <a:ext cx="10884195" cy="928806"/>
-          </a:xfrm>
-          <a:prstGeom prst="rect">
-            <a:avLst/>
-          </a:prstGeom>
-        </p:spPr>
-        <p:txBody>
-          <a:bodyPr vert="horz" lIns="91440" tIns="45720" rIns="91440" bIns="45720" rtlCol="0" anchor="b">
-            <a:normAutofit/>
-          </a:bodyPr>
-          <a:lstStyle/>
-          <a:p>
-            <a:pPr algn="ctr">
-              <a:lnSpc>
-                <a:spcPct val="90000"/>
-              </a:lnSpc>
-              <a:spcBef>
-                <a:spcPct val="0"/>
-              </a:spcBef>
-              <a:spcAft>
-                <a:spcPts val="600"/>
-              </a:spcAft>
-            </a:pPr>
-            <a:r>
-              <a:rPr lang="en-US" sz="6000" b="1" dirty="0" err="1">
-                <a:solidFill>
-                  <a:srgbClr val="FFFFFF"/>
-                </a:solidFill>
-                <a:latin typeface="+mj-lt"/>
-                <a:ea typeface="+mj-ea"/>
-                <a:cs typeface="+mj-cs"/>
-              </a:rPr>
-              <a:t>Titre</a:t>
-            </a:r>
-            <a:endParaRPr lang="en-US" sz="6000" dirty="0">
-              <a:solidFill>
-                <a:srgbClr val="FFFFFF"/>
-              </a:solidFill>
-              <a:latin typeface="+mj-lt"/>
-              <a:ea typeface="+mj-ea"/>
-              <a:cs typeface="+mj-cs"/>
-            </a:endParaRPr>
-          </a:p>
-        </p:txBody>
-      </p:sp>
     </p:spTree>
     <p:extLst>
       <p:ext uri="{BB962C8B-B14F-4D97-AF65-F5344CB8AC3E}">
-        <p14:creationId xmlns:p14="http://schemas.microsoft.com/office/powerpoint/2010/main" val="78232518"/>
+        <p14:creationId xmlns:p14="http://schemas.microsoft.com/office/powerpoint/2010/main" val="3621533701"/>
       </p:ext>
     </p:extLst>
   </p:cSld>
   <p:clrMapOvr>
     <a:overrideClrMapping bg1="dk1" tx1="lt1" bg2="dk2" tx2="lt2" accent1="accent1" accent2="accent2" accent3="accent3" accent4="accent4" accent5="accent5" accent6="accent6" hlink="hlink" folHlink="folHlink"/>
   </p:clrMapOvr>
+  <mc:AlternateContent xmlns:mc="http://schemas.openxmlformats.org/markup-compatibility/2006" xmlns:p14="http://schemas.microsoft.com/office/powerpoint/2010/main">
+    <mc:Choice Requires="p14">
+      <p:transition spd="slow" p14:dur="800">
+        <p14:flythrough/>
+      </p:transition>
+    </mc:Choice>
+    <mc:Fallback xmlns="">
+      <p:transition spd="slow">
+        <p:fade/>
+      </p:transition>
+    </mc:Fallback>
+  </mc:AlternateContent>
+</p:sld>
+</file>
+
+<file path=ppt/slides/slide3.xml><?xml version="1.0" encoding="utf-8"?>
+<p:sld xmlns:a="http://schemas.openxmlformats.org/drawingml/2006/main" xmlns:r="http://schemas.openxmlformats.org/officeDocument/2006/relationships" xmlns:p="http://schemas.openxmlformats.org/presentationml/2006/main">
+  <p:cSld>
+    <p:bg>
+      <p:bgPr>
+        <a:gradFill>
+          <a:gsLst>
+            <a:gs pos="0">
+              <a:schemeClr val="accent1">
+                <a:lumMod val="0"/>
+                <a:lumOff val="100000"/>
+              </a:schemeClr>
+            </a:gs>
+            <a:gs pos="74000">
+              <a:schemeClr val="accent1">
+                <a:lumMod val="45000"/>
+                <a:lumOff val="55000"/>
+              </a:schemeClr>
+            </a:gs>
+            <a:gs pos="83000">
+              <a:schemeClr val="accent1">
+                <a:lumMod val="45000"/>
+                <a:lumOff val="55000"/>
+              </a:schemeClr>
+            </a:gs>
+            <a:gs pos="100000">
+              <a:schemeClr val="accent1">
+                <a:lumMod val="30000"/>
+                <a:lumOff val="70000"/>
+              </a:schemeClr>
+            </a:gs>
+          </a:gsLst>
+          <a:lin ang="5400000" scaled="1"/>
+        </a:gradFill>
+        <a:effectLst/>
+      </p:bgPr>
+    </p:bg>
+    <p:spTree>
+      <p:nvGrpSpPr>
+        <p:cNvPr id="1" name=""/>
+        <p:cNvGrpSpPr/>
+        <p:nvPr/>
+      </p:nvGrpSpPr>
+      <p:grpSpPr>
+        <a:xfrm>
+          <a:off x="0" y="0"/>
+          <a:ext cx="0" cy="0"/>
+          <a:chOff x="0" y="0"/>
+          <a:chExt cx="0" cy="0"/>
+        </a:xfrm>
+      </p:grpSpPr>
+      <p:sp>
+        <p:nvSpPr>
+          <p:cNvPr id="28" name="Rectangle 27">
+            <a:extLst>
+              <a:ext uri="{FF2B5EF4-FFF2-40B4-BE49-F238E27FC236}">
+                <a16:creationId xmlns:a16="http://schemas.microsoft.com/office/drawing/2014/main" id="{71B2258F-86CA-4D4D-8270-BC05FCDEBFB3}"/>
+              </a:ext>
+              <a:ext uri="{C183D7F6-B498-43B3-948B-1728B52AA6E4}">
+                <adec:decorative xmlns:adec="http://schemas.microsoft.com/office/drawing/2017/decorative" val="1"/>
+              </a:ext>
+            </a:extLst>
+          </p:cNvPr>
+          <p:cNvSpPr>
+            <a:spLocks noGrp="1" noRot="1" noChangeAspect="1" noMove="1" noResize="1" noEditPoints="1" noAdjustHandles="1" noChangeArrowheads="1" noChangeShapeType="1" noTextEdit="1"/>
+          </p:cNvSpPr>
+          <p:nvPr>
+            <p:extLst>
+              <p:ext uri="{386F3935-93C4-4BCD-93E2-E3B085C9AB24}">
+                <p16:designElem xmlns:p16="http://schemas.microsoft.com/office/powerpoint/2015/main" val="1"/>
+              </p:ext>
+            </p:extLst>
+          </p:nvPr>
+        </p:nvSpPr>
+        <p:spPr>
+          <a:xfrm>
+            <a:off x="0" y="0"/>
+            <a:ext cx="12192000" cy="6857999"/>
+          </a:xfrm>
+          <a:prstGeom prst="rect">
+            <a:avLst/>
+          </a:prstGeom>
+          <a:solidFill>
+            <a:srgbClr val="000000"/>
+          </a:solidFill>
+          <a:ln>
+            <a:noFill/>
+          </a:ln>
+        </p:spPr>
+        <p:style>
+          <a:lnRef idx="2">
+            <a:schemeClr val="accent1">
+              <a:shade val="50000"/>
+            </a:schemeClr>
+          </a:lnRef>
+          <a:fillRef idx="1">
+            <a:schemeClr val="accent1"/>
+          </a:fillRef>
+          <a:effectRef idx="0">
+            <a:schemeClr val="accent1"/>
+          </a:effectRef>
+          <a:fontRef idx="minor">
+            <a:schemeClr val="lt1"/>
+          </a:fontRef>
+        </p:style>
+        <p:txBody>
+          <a:bodyPr rtlCol="0" anchor="ctr"/>
+          <a:lstStyle/>
+          <a:p>
+            <a:pPr algn="ctr"/>
+            <a:endParaRPr lang="en-US"/>
+          </a:p>
+        </p:txBody>
+      </p:sp>
+      <p:pic>
+        <p:nvPicPr>
+          <p:cNvPr id="5" name="Image 4" descr="Une image contenant table, paire&#10;&#10;Description générée automatiquement">
+            <a:extLst>
+              <a:ext uri="{FF2B5EF4-FFF2-40B4-BE49-F238E27FC236}">
+                <a16:creationId xmlns:a16="http://schemas.microsoft.com/office/drawing/2014/main" id="{0B40B6F2-5E85-4AEC-9AA6-FBD9476A5BCF}"/>
+              </a:ext>
+            </a:extLst>
+          </p:cNvPr>
+          <p:cNvPicPr>
+            <a:picLocks noChangeAspect="1"/>
+          </p:cNvPicPr>
+          <p:nvPr/>
+        </p:nvPicPr>
+        <p:blipFill rotWithShape="1">
+          <a:blip r:embed="rId2">
+            <a:alphaModFix amt="50000"/>
+            <a:extLst>
+              <a:ext uri="{BEBA8EAE-BF5A-486C-A8C5-ECC9F3942E4B}">
+                <a14:imgProps xmlns:a14="http://schemas.microsoft.com/office/drawing/2010/main">
+                  <a14:imgLayer r:embed="rId3">
+                    <a14:imgEffect>
+                      <a14:sharpenSoften amount="4000"/>
+                    </a14:imgEffect>
+                    <a14:imgEffect>
+                      <a14:colorTemperature colorTemp="5954"/>
+                    </a14:imgEffect>
+                    <a14:imgEffect>
+                      <a14:brightnessContrast bright="-23000"/>
+                    </a14:imgEffect>
+                  </a14:imgLayer>
+                </a14:imgProps>
+              </a:ext>
+              <a:ext uri="{28A0092B-C50C-407E-A947-70E740481C1C}">
+                <a14:useLocalDpi xmlns:a14="http://schemas.microsoft.com/office/drawing/2010/main" val="0"/>
+              </a:ext>
+            </a:extLst>
+          </a:blip>
+          <a:srcRect t="6250"/>
+          <a:stretch/>
+        </p:blipFill>
+        <p:spPr>
+          <a:xfrm>
+            <a:off x="0" y="0"/>
+            <a:ext cx="12192000" cy="6855958"/>
+          </a:xfrm>
+          <a:prstGeom prst="rect">
+            <a:avLst/>
+          </a:prstGeom>
+        </p:spPr>
+      </p:pic>
+      <p:pic>
+        <p:nvPicPr>
+          <p:cNvPr id="4" name="Image 3">
+            <a:extLst>
+              <a:ext uri="{FF2B5EF4-FFF2-40B4-BE49-F238E27FC236}">
+                <a16:creationId xmlns:a16="http://schemas.microsoft.com/office/drawing/2014/main" id="{2B0E3F2E-9109-4D94-93E3-D1EB2BFB97D0}"/>
+              </a:ext>
+            </a:extLst>
+          </p:cNvPr>
+          <p:cNvPicPr/>
+          <p:nvPr/>
+        </p:nvPicPr>
+        <p:blipFill rotWithShape="1">
+          <a:blip r:embed="rId4" cstate="print">
+            <a:extLst>
+              <a:ext uri="{28A0092B-C50C-407E-A947-70E740481C1C}">
+                <a14:useLocalDpi xmlns:a14="http://schemas.microsoft.com/office/drawing/2010/main" val="0"/>
+              </a:ext>
+            </a:extLst>
+          </a:blip>
+          <a:srcRect l="150" t="4442" r="1"/>
+          <a:stretch/>
+        </p:blipFill>
+        <p:spPr bwMode="auto">
+          <a:xfrm>
+            <a:off x="2112583" y="726108"/>
+            <a:ext cx="6970714" cy="4272557"/>
+          </a:xfrm>
+          <a:prstGeom prst="round2DiagRect">
+            <a:avLst>
+              <a:gd name="adj1" fmla="val 16667"/>
+              <a:gd name="adj2" fmla="val 0"/>
+            </a:avLst>
+          </a:prstGeom>
+          <a:ln w="88900" cap="sq">
+            <a:solidFill>
+              <a:srgbClr val="FFFFFF"/>
+            </a:solidFill>
+            <a:miter lim="800000"/>
+          </a:ln>
+          <a:effectLst>
+            <a:glow rad="571500">
+              <a:schemeClr val="accent3"/>
+            </a:glow>
+            <a:outerShdw blurRad="254000" algn="tl" rotWithShape="0">
+              <a:srgbClr val="000000">
+                <a:alpha val="43000"/>
+              </a:srgbClr>
+            </a:outerShdw>
+          </a:effectLst>
+        </p:spPr>
+      </p:pic>
+      <p:sp>
+        <p:nvSpPr>
+          <p:cNvPr id="6" name="Ellipse 5">
+            <a:extLst>
+              <a:ext uri="{FF2B5EF4-FFF2-40B4-BE49-F238E27FC236}">
+                <a16:creationId xmlns:a16="http://schemas.microsoft.com/office/drawing/2014/main" id="{9536737B-7CBC-47BB-8B2C-94EB575656C8}"/>
+              </a:ext>
+            </a:extLst>
+          </p:cNvPr>
+          <p:cNvSpPr/>
+          <p:nvPr/>
+        </p:nvSpPr>
+        <p:spPr>
+          <a:xfrm>
+            <a:off x="7519925" y="2929351"/>
+            <a:ext cx="580431" cy="474559"/>
+          </a:xfrm>
+          <a:prstGeom prst="ellipse">
+            <a:avLst/>
+          </a:prstGeom>
+          <a:noFill/>
+          <a:ln w="57150">
+            <a:solidFill>
+              <a:srgbClr val="FF0000"/>
+            </a:solidFill>
+          </a:ln>
+        </p:spPr>
+        <p:style>
+          <a:lnRef idx="2">
+            <a:schemeClr val="accent6"/>
+          </a:lnRef>
+          <a:fillRef idx="1">
+            <a:schemeClr val="lt1"/>
+          </a:fillRef>
+          <a:effectRef idx="0">
+            <a:schemeClr val="accent6"/>
+          </a:effectRef>
+          <a:fontRef idx="minor">
+            <a:schemeClr val="dk1"/>
+          </a:fontRef>
+        </p:style>
+        <p:txBody>
+          <a:bodyPr rot="0" spcFirstLastPara="0" vert="horz" wrap="square" lIns="91440" tIns="45720" rIns="91440" bIns="45720" numCol="1" spcCol="0" rtlCol="0" fromWordArt="0" anchor="ctr" anchorCtr="0" forceAA="0" compatLnSpc="1">
+            <a:prstTxWarp prst="textNoShape">
+              <a:avLst/>
+            </a:prstTxWarp>
+            <a:noAutofit/>
+          </a:bodyPr>
+          <a:lstStyle/>
+          <a:p>
+            <a:endParaRPr lang="fr-FR"/>
+          </a:p>
+        </p:txBody>
+      </p:sp>
+      <p:sp>
+        <p:nvSpPr>
+          <p:cNvPr id="17" name="Flèche : double flèche horizontale 16">
+            <a:extLst>
+              <a:ext uri="{FF2B5EF4-FFF2-40B4-BE49-F238E27FC236}">
+                <a16:creationId xmlns:a16="http://schemas.microsoft.com/office/drawing/2014/main" id="{CAF53F4E-941E-4517-AC25-3430AF2C9B92}"/>
+              </a:ext>
+            </a:extLst>
+          </p:cNvPr>
+          <p:cNvSpPr/>
+          <p:nvPr/>
+        </p:nvSpPr>
+        <p:spPr>
+          <a:xfrm rot="16200000">
+            <a:off x="6901100" y="3282294"/>
+            <a:ext cx="428625" cy="234950"/>
+          </a:xfrm>
+          <a:prstGeom prst="leftRightArrow">
+            <a:avLst/>
+          </a:prstGeom>
+          <a:solidFill>
+            <a:srgbClr val="FF0000"/>
+          </a:solidFill>
+          <a:ln>
+            <a:solidFill>
+              <a:schemeClr val="tx1"/>
+            </a:solidFill>
+          </a:ln>
+        </p:spPr>
+        <p:style>
+          <a:lnRef idx="2">
+            <a:schemeClr val="accent1">
+              <a:shade val="50000"/>
+            </a:schemeClr>
+          </a:lnRef>
+          <a:fillRef idx="1">
+            <a:schemeClr val="accent1"/>
+          </a:fillRef>
+          <a:effectRef idx="0">
+            <a:schemeClr val="accent1"/>
+          </a:effectRef>
+          <a:fontRef idx="minor">
+            <a:schemeClr val="lt1"/>
+          </a:fontRef>
+        </p:style>
+        <p:txBody>
+          <a:bodyPr rot="0" spcFirstLastPara="0" vert="horz" wrap="square" lIns="91440" tIns="45720" rIns="91440" bIns="45720" numCol="1" spcCol="0" rtlCol="0" fromWordArt="0" anchor="ctr" anchorCtr="0" forceAA="0" compatLnSpc="1">
+            <a:prstTxWarp prst="textNoShape">
+              <a:avLst/>
+            </a:prstTxWarp>
+            <a:noAutofit/>
+          </a:bodyPr>
+          <a:lstStyle/>
+          <a:p>
+            <a:endParaRPr lang="fr-FR"/>
+          </a:p>
+        </p:txBody>
+      </p:sp>
+      <p:sp>
+        <p:nvSpPr>
+          <p:cNvPr id="18" name="Ellipse 17">
+            <a:extLst>
+              <a:ext uri="{FF2B5EF4-FFF2-40B4-BE49-F238E27FC236}">
+                <a16:creationId xmlns:a16="http://schemas.microsoft.com/office/drawing/2014/main" id="{F3511646-FD20-4433-B746-B539A8BB8567}"/>
+              </a:ext>
+            </a:extLst>
+          </p:cNvPr>
+          <p:cNvSpPr/>
+          <p:nvPr/>
+        </p:nvSpPr>
+        <p:spPr>
+          <a:xfrm>
+            <a:off x="3674997" y="4254103"/>
+            <a:ext cx="514350" cy="428625"/>
+          </a:xfrm>
+          <a:prstGeom prst="ellipse">
+            <a:avLst/>
+          </a:prstGeom>
+          <a:noFill/>
+          <a:ln w="28575">
+            <a:solidFill>
+              <a:schemeClr val="accent4">
+                <a:lumMod val="75000"/>
+              </a:schemeClr>
+            </a:solidFill>
+          </a:ln>
+        </p:spPr>
+        <p:style>
+          <a:lnRef idx="2">
+            <a:schemeClr val="accent6"/>
+          </a:lnRef>
+          <a:fillRef idx="1">
+            <a:schemeClr val="lt1"/>
+          </a:fillRef>
+          <a:effectRef idx="0">
+            <a:schemeClr val="accent6"/>
+          </a:effectRef>
+          <a:fontRef idx="minor">
+            <a:schemeClr val="dk1"/>
+          </a:fontRef>
+        </p:style>
+        <p:txBody>
+          <a:bodyPr rot="0" spcFirstLastPara="0" vert="horz" wrap="square" lIns="91440" tIns="45720" rIns="91440" bIns="45720" numCol="1" spcCol="0" rtlCol="0" fromWordArt="0" anchor="ctr" anchorCtr="0" forceAA="0" compatLnSpc="1">
+            <a:prstTxWarp prst="textNoShape">
+              <a:avLst/>
+            </a:prstTxWarp>
+            <a:noAutofit/>
+          </a:bodyPr>
+          <a:lstStyle/>
+          <a:p>
+            <a:endParaRPr lang="fr-FR"/>
+          </a:p>
+        </p:txBody>
+      </p:sp>
+      <p:sp>
+        <p:nvSpPr>
+          <p:cNvPr id="19" name="Ellipse 18">
+            <a:extLst>
+              <a:ext uri="{FF2B5EF4-FFF2-40B4-BE49-F238E27FC236}">
+                <a16:creationId xmlns:a16="http://schemas.microsoft.com/office/drawing/2014/main" id="{F7DBF7CB-9488-4A48-8806-732FD810C00A}"/>
+              </a:ext>
+            </a:extLst>
+          </p:cNvPr>
+          <p:cNvSpPr/>
+          <p:nvPr/>
+        </p:nvSpPr>
+        <p:spPr>
+          <a:xfrm>
+            <a:off x="5735987" y="4110439"/>
+            <a:ext cx="565943" cy="465780"/>
+          </a:xfrm>
+          <a:prstGeom prst="ellipse">
+            <a:avLst/>
+          </a:prstGeom>
+          <a:noFill/>
+          <a:ln w="28575">
+            <a:solidFill>
+              <a:schemeClr val="accent4">
+                <a:lumMod val="75000"/>
+              </a:schemeClr>
+            </a:solidFill>
+          </a:ln>
+        </p:spPr>
+        <p:style>
+          <a:lnRef idx="2">
+            <a:schemeClr val="accent6"/>
+          </a:lnRef>
+          <a:fillRef idx="1">
+            <a:schemeClr val="lt1"/>
+          </a:fillRef>
+          <a:effectRef idx="0">
+            <a:schemeClr val="accent6"/>
+          </a:effectRef>
+          <a:fontRef idx="minor">
+            <a:schemeClr val="dk1"/>
+          </a:fontRef>
+        </p:style>
+        <p:txBody>
+          <a:bodyPr rot="0" spcFirstLastPara="0" vert="horz" wrap="square" lIns="91440" tIns="45720" rIns="91440" bIns="45720" numCol="1" spcCol="0" rtlCol="0" fromWordArt="0" anchor="ctr" anchorCtr="0" forceAA="0" compatLnSpc="1">
+            <a:prstTxWarp prst="textNoShape">
+              <a:avLst/>
+            </a:prstTxWarp>
+            <a:noAutofit/>
+          </a:bodyPr>
+          <a:lstStyle/>
+          <a:p>
+            <a:endParaRPr lang="fr-FR"/>
+          </a:p>
+        </p:txBody>
+      </p:sp>
+      <p:sp>
+        <p:nvSpPr>
+          <p:cNvPr id="20" name="Ellipse 19">
+            <a:extLst>
+              <a:ext uri="{FF2B5EF4-FFF2-40B4-BE49-F238E27FC236}">
+                <a16:creationId xmlns:a16="http://schemas.microsoft.com/office/drawing/2014/main" id="{6DB13FA4-67FB-4DF7-A52B-EF237D6B0A84}"/>
+              </a:ext>
+            </a:extLst>
+          </p:cNvPr>
+          <p:cNvSpPr/>
+          <p:nvPr/>
+        </p:nvSpPr>
+        <p:spPr>
+          <a:xfrm>
+            <a:off x="7033273" y="3984905"/>
+            <a:ext cx="514350" cy="428625"/>
+          </a:xfrm>
+          <a:prstGeom prst="ellipse">
+            <a:avLst/>
+          </a:prstGeom>
+          <a:noFill/>
+          <a:ln w="28575">
+            <a:solidFill>
+              <a:schemeClr val="accent4">
+                <a:lumMod val="75000"/>
+              </a:schemeClr>
+            </a:solidFill>
+          </a:ln>
+        </p:spPr>
+        <p:style>
+          <a:lnRef idx="2">
+            <a:schemeClr val="accent6"/>
+          </a:lnRef>
+          <a:fillRef idx="1">
+            <a:schemeClr val="lt1"/>
+          </a:fillRef>
+          <a:effectRef idx="0">
+            <a:schemeClr val="accent6"/>
+          </a:effectRef>
+          <a:fontRef idx="minor">
+            <a:schemeClr val="dk1"/>
+          </a:fontRef>
+        </p:style>
+        <p:txBody>
+          <a:bodyPr rot="0" spcFirstLastPara="0" vert="horz" wrap="square" lIns="91440" tIns="45720" rIns="91440" bIns="45720" numCol="1" spcCol="0" rtlCol="0" fromWordArt="0" anchor="ctr" anchorCtr="0" forceAA="0" compatLnSpc="1">
+            <a:prstTxWarp prst="textNoShape">
+              <a:avLst/>
+            </a:prstTxWarp>
+            <a:noAutofit/>
+          </a:bodyPr>
+          <a:lstStyle/>
+          <a:p>
+            <a:endParaRPr lang="fr-FR" dirty="0"/>
+          </a:p>
+        </p:txBody>
+      </p:sp>
+      <p:cxnSp>
+        <p:nvCxnSpPr>
+          <p:cNvPr id="21" name="Connecteur droit 20">
+            <a:extLst>
+              <a:ext uri="{FF2B5EF4-FFF2-40B4-BE49-F238E27FC236}">
+                <a16:creationId xmlns:a16="http://schemas.microsoft.com/office/drawing/2014/main" id="{2D7962F3-A753-4625-9D50-BAF2A33E18C6}"/>
+              </a:ext>
+            </a:extLst>
+          </p:cNvPr>
+          <p:cNvCxnSpPr>
+            <a:cxnSpLocks/>
+          </p:cNvCxnSpPr>
+          <p:nvPr/>
+        </p:nvCxnSpPr>
+        <p:spPr>
+          <a:xfrm>
+            <a:off x="4000659" y="3965908"/>
+            <a:ext cx="504127" cy="948403"/>
+          </a:xfrm>
+          <a:prstGeom prst="line">
+            <a:avLst/>
+          </a:prstGeom>
+          <a:ln>
+            <a:solidFill>
+              <a:srgbClr val="2FC9FF"/>
+            </a:solidFill>
+          </a:ln>
+        </p:spPr>
+        <p:style>
+          <a:lnRef idx="3">
+            <a:schemeClr val="accent1"/>
+          </a:lnRef>
+          <a:fillRef idx="0">
+            <a:schemeClr val="accent1"/>
+          </a:fillRef>
+          <a:effectRef idx="2">
+            <a:schemeClr val="accent1"/>
+          </a:effectRef>
+          <a:fontRef idx="minor">
+            <a:schemeClr val="tx1"/>
+          </a:fontRef>
+        </p:style>
+      </p:cxnSp>
+      <p:cxnSp>
+        <p:nvCxnSpPr>
+          <p:cNvPr id="22" name="Connecteur droit 21">
+            <a:extLst>
+              <a:ext uri="{FF2B5EF4-FFF2-40B4-BE49-F238E27FC236}">
+                <a16:creationId xmlns:a16="http://schemas.microsoft.com/office/drawing/2014/main" id="{CD012602-0399-43EC-9EB6-A9189C157D13}"/>
+              </a:ext>
+            </a:extLst>
+          </p:cNvPr>
+          <p:cNvCxnSpPr>
+            <a:cxnSpLocks/>
+          </p:cNvCxnSpPr>
+          <p:nvPr/>
+        </p:nvCxnSpPr>
+        <p:spPr>
+          <a:xfrm flipH="1">
+            <a:off x="2735954" y="3998510"/>
+            <a:ext cx="887076" cy="830040"/>
+          </a:xfrm>
+          <a:prstGeom prst="line">
+            <a:avLst/>
+          </a:prstGeom>
+          <a:ln>
+            <a:solidFill>
+              <a:schemeClr val="accent4">
+                <a:lumMod val="75000"/>
+              </a:schemeClr>
+            </a:solidFill>
+          </a:ln>
+        </p:spPr>
+        <p:style>
+          <a:lnRef idx="3">
+            <a:schemeClr val="accent1"/>
+          </a:lnRef>
+          <a:fillRef idx="0">
+            <a:schemeClr val="accent1"/>
+          </a:fillRef>
+          <a:effectRef idx="2">
+            <a:schemeClr val="accent1"/>
+          </a:effectRef>
+          <a:fontRef idx="minor">
+            <a:schemeClr val="tx1"/>
+          </a:fontRef>
+        </p:style>
+      </p:cxnSp>
+      <p:sp>
+        <p:nvSpPr>
+          <p:cNvPr id="23" name="Zone de texte 44">
+            <a:extLst>
+              <a:ext uri="{FF2B5EF4-FFF2-40B4-BE49-F238E27FC236}">
+                <a16:creationId xmlns:a16="http://schemas.microsoft.com/office/drawing/2014/main" id="{47DCF074-0BC1-4FD2-91ED-E5FA95287D1E}"/>
+              </a:ext>
+            </a:extLst>
+          </p:cNvPr>
+          <p:cNvSpPr txBox="1"/>
+          <p:nvPr/>
+        </p:nvSpPr>
+        <p:spPr>
+          <a:xfrm>
+            <a:off x="4314205" y="4758237"/>
+            <a:ext cx="1095375" cy="561975"/>
+          </a:xfrm>
+          <a:prstGeom prst="rect">
+            <a:avLst/>
+          </a:prstGeom>
+          <a:solidFill>
+            <a:schemeClr val="lt1"/>
+          </a:solidFill>
+          <a:ln w="28575">
+            <a:solidFill>
+              <a:srgbClr val="2FC9FF"/>
+            </a:solidFill>
+          </a:ln>
+        </p:spPr>
+        <p:txBody>
+          <a:bodyPr rot="0" spcFirstLastPara="0" vert="horz" wrap="square" lIns="91440" tIns="45720" rIns="91440" bIns="45720" numCol="1" spcCol="0" rtlCol="0" fromWordArt="0" anchor="t" anchorCtr="0" forceAA="0" compatLnSpc="1">
+            <a:prstTxWarp prst="textNoShape">
+              <a:avLst/>
+            </a:prstTxWarp>
+            <a:noAutofit/>
+          </a:bodyPr>
+          <a:lstStyle/>
+          <a:p>
+            <a:pPr>
+              <a:lnSpc>
+                <a:spcPct val="107000"/>
+              </a:lnSpc>
+              <a:spcAft>
+                <a:spcPts val="800"/>
+              </a:spcAft>
+            </a:pPr>
+            <a:r>
+              <a:rPr lang="fr-FR" sz="1000" b="1" dirty="0">
+                <a:solidFill>
+                  <a:srgbClr val="2FC9FF"/>
+                </a:solidFill>
+                <a:effectLst/>
+                <a:latin typeface="Calibri" panose="020F0502020204030204" pitchFamily="34" charset="0"/>
+                <a:ea typeface="Calibri" panose="020F0502020204030204" pitchFamily="34" charset="0"/>
+                <a:cs typeface="Calibri" panose="020F0502020204030204" pitchFamily="34" charset="0"/>
+              </a:rPr>
+              <a:t>Application Web de pilotage des actionneurs</a:t>
+            </a:r>
+            <a:endParaRPr lang="fr-FR" sz="1100" dirty="0">
+              <a:effectLst/>
+              <a:latin typeface="Calibri" panose="020F0502020204030204" pitchFamily="34" charset="0"/>
+              <a:ea typeface="Calibri" panose="020F0502020204030204" pitchFamily="34" charset="0"/>
+              <a:cs typeface="Times New Roman" panose="02020603050405020304" pitchFamily="18" charset="0"/>
+            </a:endParaRPr>
+          </a:p>
+        </p:txBody>
+      </p:sp>
+      <p:sp>
+        <p:nvSpPr>
+          <p:cNvPr id="24" name="Zone de texte 45">
+            <a:extLst>
+              <a:ext uri="{FF2B5EF4-FFF2-40B4-BE49-F238E27FC236}">
+                <a16:creationId xmlns:a16="http://schemas.microsoft.com/office/drawing/2014/main" id="{5F8701D6-BB9C-46D6-86DF-57111F79A765}"/>
+              </a:ext>
+            </a:extLst>
+          </p:cNvPr>
+          <p:cNvSpPr txBox="1"/>
+          <p:nvPr/>
+        </p:nvSpPr>
+        <p:spPr>
+          <a:xfrm>
+            <a:off x="1825546" y="4703249"/>
+            <a:ext cx="1095375" cy="561975"/>
+          </a:xfrm>
+          <a:prstGeom prst="rect">
+            <a:avLst/>
+          </a:prstGeom>
+          <a:solidFill>
+            <a:schemeClr val="lt1"/>
+          </a:solidFill>
+          <a:ln w="28575">
+            <a:solidFill>
+              <a:schemeClr val="accent4">
+                <a:lumMod val="75000"/>
+              </a:schemeClr>
+            </a:solidFill>
+          </a:ln>
+        </p:spPr>
+        <p:txBody>
+          <a:bodyPr rot="0" spcFirstLastPara="0" vert="horz" wrap="square" lIns="91440" tIns="45720" rIns="91440" bIns="45720" numCol="1" spcCol="0" rtlCol="0" fromWordArt="0" anchor="t" anchorCtr="0" forceAA="0" compatLnSpc="1">
+            <a:prstTxWarp prst="textNoShape">
+              <a:avLst/>
+            </a:prstTxWarp>
+            <a:noAutofit/>
+          </a:bodyPr>
+          <a:lstStyle/>
+          <a:p>
+            <a:pPr>
+              <a:lnSpc>
+                <a:spcPct val="107000"/>
+              </a:lnSpc>
+              <a:spcAft>
+                <a:spcPts val="800"/>
+              </a:spcAft>
+            </a:pPr>
+            <a:r>
+              <a:rPr lang="fr-FR" sz="1000" b="1" dirty="0">
+                <a:solidFill>
+                  <a:srgbClr val="BF8F00"/>
+                </a:solidFill>
+                <a:effectLst/>
+                <a:latin typeface="Calibri" panose="020F0502020204030204" pitchFamily="34" charset="0"/>
+                <a:ea typeface="Calibri" panose="020F0502020204030204" pitchFamily="34" charset="0"/>
+                <a:cs typeface="Calibri" panose="020F0502020204030204" pitchFamily="34" charset="0"/>
+              </a:rPr>
+              <a:t>Application Web sur l’affichage de l’état de la salle</a:t>
+            </a:r>
+            <a:endParaRPr lang="fr-FR" sz="1100" dirty="0">
+              <a:effectLst/>
+              <a:latin typeface="Calibri" panose="020F0502020204030204" pitchFamily="34" charset="0"/>
+              <a:ea typeface="Calibri" panose="020F0502020204030204" pitchFamily="34" charset="0"/>
+              <a:cs typeface="Times New Roman" panose="02020603050405020304" pitchFamily="18" charset="0"/>
+            </a:endParaRPr>
+          </a:p>
+        </p:txBody>
+      </p:sp>
+      <p:sp>
+        <p:nvSpPr>
+          <p:cNvPr id="25" name="Rectangle : coins arrondis 24">
+            <a:extLst>
+              <a:ext uri="{FF2B5EF4-FFF2-40B4-BE49-F238E27FC236}">
+                <a16:creationId xmlns:a16="http://schemas.microsoft.com/office/drawing/2014/main" id="{23EAFE7F-6184-4EBA-A17F-B5248E85A3AF}"/>
+              </a:ext>
+            </a:extLst>
+          </p:cNvPr>
+          <p:cNvSpPr/>
+          <p:nvPr/>
+        </p:nvSpPr>
+        <p:spPr>
+          <a:xfrm>
+            <a:off x="9873916" y="552943"/>
+            <a:ext cx="1968896" cy="1804353"/>
+          </a:xfrm>
+          <a:prstGeom prst="roundRect">
+            <a:avLst/>
+          </a:prstGeom>
+          <a:solidFill>
+            <a:schemeClr val="tx2"/>
+          </a:solidFill>
+          <a:ln>
+            <a:solidFill>
+              <a:schemeClr val="bg1">
+                <a:lumMod val="75000"/>
+              </a:schemeClr>
+            </a:solidFill>
+          </a:ln>
+          <a:effectLst>
+            <a:glow rad="127000">
+              <a:schemeClr val="accent3">
+                <a:alpha val="40000"/>
+              </a:schemeClr>
+            </a:glow>
+          </a:effectLst>
+        </p:spPr>
+        <p:style>
+          <a:lnRef idx="2">
+            <a:schemeClr val="accent1">
+              <a:shade val="50000"/>
+            </a:schemeClr>
+          </a:lnRef>
+          <a:fillRef idx="1">
+            <a:schemeClr val="accent1"/>
+          </a:fillRef>
+          <a:effectRef idx="0">
+            <a:schemeClr val="accent1"/>
+          </a:effectRef>
+          <a:fontRef idx="minor">
+            <a:schemeClr val="lt1"/>
+          </a:fontRef>
+        </p:style>
+        <p:txBody>
+          <a:bodyPr rot="0" spcFirstLastPara="0" vert="horz" wrap="square" lIns="91440" tIns="45720" rIns="91440" bIns="45720" numCol="1" spcCol="0" rtlCol="0" fromWordArt="0" anchor="ctr" anchorCtr="0" forceAA="0" compatLnSpc="1">
+            <a:prstTxWarp prst="textNoShape">
+              <a:avLst/>
+            </a:prstTxWarp>
+            <a:noAutofit/>
+          </a:bodyPr>
+          <a:lstStyle/>
+          <a:p>
+            <a:endParaRPr lang="fr-FR" dirty="0"/>
+          </a:p>
+        </p:txBody>
+      </p:sp>
+      <p:sp>
+        <p:nvSpPr>
+          <p:cNvPr id="26" name="Rectangle : coins arrondis 25">
+            <a:extLst>
+              <a:ext uri="{FF2B5EF4-FFF2-40B4-BE49-F238E27FC236}">
+                <a16:creationId xmlns:a16="http://schemas.microsoft.com/office/drawing/2014/main" id="{3C9A43EC-7BC4-4ED7-9BAC-E236126B6772}"/>
+              </a:ext>
+            </a:extLst>
+          </p:cNvPr>
+          <p:cNvSpPr/>
+          <p:nvPr/>
+        </p:nvSpPr>
+        <p:spPr>
+          <a:xfrm>
+            <a:off x="10018073" y="696453"/>
+            <a:ext cx="1682630" cy="292598"/>
+          </a:xfrm>
+          <a:prstGeom prst="roundRect">
+            <a:avLst/>
+          </a:prstGeom>
+          <a:solidFill>
+            <a:srgbClr val="FF0000"/>
+          </a:solidFill>
+        </p:spPr>
+        <p:style>
+          <a:lnRef idx="2">
+            <a:schemeClr val="accent1">
+              <a:shade val="50000"/>
+            </a:schemeClr>
+          </a:lnRef>
+          <a:fillRef idx="1">
+            <a:schemeClr val="accent1"/>
+          </a:fillRef>
+          <a:effectRef idx="0">
+            <a:schemeClr val="accent1"/>
+          </a:effectRef>
+          <a:fontRef idx="minor">
+            <a:schemeClr val="lt1"/>
+          </a:fontRef>
+        </p:style>
+        <p:txBody>
+          <a:bodyPr rot="0" spcFirstLastPara="0" vert="horz" wrap="square" lIns="91440" tIns="45720" rIns="91440" bIns="45720" numCol="1" spcCol="0" rtlCol="0" fromWordArt="0" anchor="ctr" anchorCtr="0" forceAA="0" compatLnSpc="1">
+            <a:prstTxWarp prst="textNoShape">
+              <a:avLst/>
+            </a:prstTxWarp>
+            <a:noAutofit/>
+          </a:bodyPr>
+          <a:lstStyle/>
+          <a:p>
+            <a:pPr algn="ctr">
+              <a:lnSpc>
+                <a:spcPct val="107000"/>
+              </a:lnSpc>
+              <a:spcAft>
+                <a:spcPts val="800"/>
+              </a:spcAft>
+            </a:pPr>
+            <a:r>
+              <a:rPr lang="fr-FR" sz="1100">
+                <a:effectLst/>
+                <a:ea typeface="Calibri" panose="020F0502020204030204" pitchFamily="34" charset="0"/>
+                <a:cs typeface="Times New Roman" panose="02020603050405020304" pitchFamily="18" charset="0"/>
+              </a:rPr>
+              <a:t>Constantin</a:t>
+            </a:r>
+          </a:p>
+        </p:txBody>
+      </p:sp>
+      <p:sp>
+        <p:nvSpPr>
+          <p:cNvPr id="27" name="Rectangle : coins arrondis 26">
+            <a:extLst>
+              <a:ext uri="{FF2B5EF4-FFF2-40B4-BE49-F238E27FC236}">
+                <a16:creationId xmlns:a16="http://schemas.microsoft.com/office/drawing/2014/main" id="{9718363A-265A-4999-85DC-5F00848383C1}"/>
+              </a:ext>
+            </a:extLst>
+          </p:cNvPr>
+          <p:cNvSpPr/>
+          <p:nvPr/>
+        </p:nvSpPr>
+        <p:spPr>
+          <a:xfrm>
+            <a:off x="10018708" y="1915653"/>
+            <a:ext cx="1682630" cy="292598"/>
+          </a:xfrm>
+          <a:prstGeom prst="roundRect">
+            <a:avLst/>
+          </a:prstGeom>
+          <a:solidFill>
+            <a:srgbClr val="2FC9FF"/>
+          </a:solidFill>
+        </p:spPr>
+        <p:style>
+          <a:lnRef idx="2">
+            <a:schemeClr val="accent1">
+              <a:shade val="50000"/>
+            </a:schemeClr>
+          </a:lnRef>
+          <a:fillRef idx="1">
+            <a:schemeClr val="accent1"/>
+          </a:fillRef>
+          <a:effectRef idx="0">
+            <a:schemeClr val="accent1"/>
+          </a:effectRef>
+          <a:fontRef idx="minor">
+            <a:schemeClr val="lt1"/>
+          </a:fontRef>
+        </p:style>
+        <p:txBody>
+          <a:bodyPr rot="0" spcFirstLastPara="0" vert="horz" wrap="square" lIns="91440" tIns="45720" rIns="91440" bIns="45720" numCol="1" spcCol="0" rtlCol="0" fromWordArt="0" anchor="ctr" anchorCtr="0" forceAA="0" compatLnSpc="1">
+            <a:prstTxWarp prst="textNoShape">
+              <a:avLst/>
+            </a:prstTxWarp>
+            <a:noAutofit/>
+          </a:bodyPr>
+          <a:lstStyle/>
+          <a:p>
+            <a:pPr algn="ctr">
+              <a:lnSpc>
+                <a:spcPct val="107000"/>
+              </a:lnSpc>
+              <a:spcAft>
+                <a:spcPts val="800"/>
+              </a:spcAft>
+            </a:pPr>
+            <a:r>
+              <a:rPr lang="fr-FR" sz="1100">
+                <a:effectLst/>
+                <a:ea typeface="Calibri" panose="020F0502020204030204" pitchFamily="34" charset="0"/>
+                <a:cs typeface="Times New Roman" panose="02020603050405020304" pitchFamily="18" charset="0"/>
+              </a:rPr>
+              <a:t>Thomas</a:t>
+            </a:r>
+          </a:p>
+        </p:txBody>
+      </p:sp>
+      <p:sp>
+        <p:nvSpPr>
+          <p:cNvPr id="29" name="Rectangle : coins arrondis 28">
+            <a:extLst>
+              <a:ext uri="{FF2B5EF4-FFF2-40B4-BE49-F238E27FC236}">
+                <a16:creationId xmlns:a16="http://schemas.microsoft.com/office/drawing/2014/main" id="{F9AA9A12-D88D-47D1-9C10-7411B90746E7}"/>
+              </a:ext>
+            </a:extLst>
+          </p:cNvPr>
+          <p:cNvSpPr/>
+          <p:nvPr/>
+        </p:nvSpPr>
+        <p:spPr>
+          <a:xfrm>
+            <a:off x="10018708" y="1506078"/>
+            <a:ext cx="1682630" cy="292598"/>
+          </a:xfrm>
+          <a:prstGeom prst="roundRect">
+            <a:avLst/>
+          </a:prstGeom>
+          <a:solidFill>
+            <a:schemeClr val="accent4">
+              <a:lumMod val="75000"/>
+            </a:schemeClr>
+          </a:solidFill>
+        </p:spPr>
+        <p:style>
+          <a:lnRef idx="2">
+            <a:schemeClr val="accent1">
+              <a:shade val="50000"/>
+            </a:schemeClr>
+          </a:lnRef>
+          <a:fillRef idx="1">
+            <a:schemeClr val="accent1"/>
+          </a:fillRef>
+          <a:effectRef idx="0">
+            <a:schemeClr val="accent1"/>
+          </a:effectRef>
+          <a:fontRef idx="minor">
+            <a:schemeClr val="lt1"/>
+          </a:fontRef>
+        </p:style>
+        <p:txBody>
+          <a:bodyPr rot="0" spcFirstLastPara="0" vert="horz" wrap="square" lIns="91440" tIns="45720" rIns="91440" bIns="45720" numCol="1" spcCol="0" rtlCol="0" fromWordArt="0" anchor="ctr" anchorCtr="0" forceAA="0" compatLnSpc="1">
+            <a:prstTxWarp prst="textNoShape">
+              <a:avLst/>
+            </a:prstTxWarp>
+            <a:noAutofit/>
+          </a:bodyPr>
+          <a:lstStyle/>
+          <a:p>
+            <a:pPr algn="ctr">
+              <a:lnSpc>
+                <a:spcPct val="107000"/>
+              </a:lnSpc>
+              <a:spcAft>
+                <a:spcPts val="800"/>
+              </a:spcAft>
+            </a:pPr>
+            <a:r>
+              <a:rPr lang="fr-FR" sz="1100">
+                <a:effectLst/>
+                <a:ea typeface="Calibri" panose="020F0502020204030204" pitchFamily="34" charset="0"/>
+                <a:cs typeface="Times New Roman" panose="02020603050405020304" pitchFamily="18" charset="0"/>
+              </a:rPr>
+              <a:t>Joshua</a:t>
+            </a:r>
+          </a:p>
+        </p:txBody>
+      </p:sp>
+      <p:sp>
+        <p:nvSpPr>
+          <p:cNvPr id="30" name="Rectangle : coins arrondis 29">
+            <a:extLst>
+              <a:ext uri="{FF2B5EF4-FFF2-40B4-BE49-F238E27FC236}">
+                <a16:creationId xmlns:a16="http://schemas.microsoft.com/office/drawing/2014/main" id="{F8344DA6-8165-4122-9B6C-EF52EBE6A90B}"/>
+              </a:ext>
+            </a:extLst>
+          </p:cNvPr>
+          <p:cNvSpPr/>
+          <p:nvPr/>
+        </p:nvSpPr>
+        <p:spPr>
+          <a:xfrm>
+            <a:off x="10018708" y="1106028"/>
+            <a:ext cx="1682630" cy="292598"/>
+          </a:xfrm>
+          <a:prstGeom prst="roundRect">
+            <a:avLst/>
+          </a:prstGeom>
+          <a:solidFill>
+            <a:srgbClr val="1EEA14"/>
+          </a:solidFill>
+        </p:spPr>
+        <p:style>
+          <a:lnRef idx="2">
+            <a:schemeClr val="accent1">
+              <a:shade val="50000"/>
+            </a:schemeClr>
+          </a:lnRef>
+          <a:fillRef idx="1">
+            <a:schemeClr val="accent1"/>
+          </a:fillRef>
+          <a:effectRef idx="0">
+            <a:schemeClr val="accent1"/>
+          </a:effectRef>
+          <a:fontRef idx="minor">
+            <a:schemeClr val="lt1"/>
+          </a:fontRef>
+        </p:style>
+        <p:txBody>
+          <a:bodyPr rot="0" spcFirstLastPara="0" vert="horz" wrap="square" lIns="91440" tIns="45720" rIns="91440" bIns="45720" numCol="1" spcCol="0" rtlCol="0" fromWordArt="0" anchor="ctr" anchorCtr="0" forceAA="0" compatLnSpc="1">
+            <a:prstTxWarp prst="textNoShape">
+              <a:avLst/>
+            </a:prstTxWarp>
+            <a:noAutofit/>
+          </a:bodyPr>
+          <a:lstStyle/>
+          <a:p>
+            <a:pPr algn="ctr">
+              <a:lnSpc>
+                <a:spcPct val="107000"/>
+              </a:lnSpc>
+              <a:spcAft>
+                <a:spcPts val="800"/>
+              </a:spcAft>
+            </a:pPr>
+            <a:r>
+              <a:rPr lang="fr-FR" sz="1100">
+                <a:effectLst/>
+                <a:ea typeface="Calibri" panose="020F0502020204030204" pitchFamily="34" charset="0"/>
+                <a:cs typeface="Times New Roman" panose="02020603050405020304" pitchFamily="18" charset="0"/>
+              </a:rPr>
+              <a:t>Corentin</a:t>
+            </a:r>
+          </a:p>
+        </p:txBody>
+      </p:sp>
+      <p:sp>
+        <p:nvSpPr>
+          <p:cNvPr id="33" name="Rectangle : coins arrondis 32">
+            <a:extLst>
+              <a:ext uri="{FF2B5EF4-FFF2-40B4-BE49-F238E27FC236}">
+                <a16:creationId xmlns:a16="http://schemas.microsoft.com/office/drawing/2014/main" id="{232AFF63-111D-493A-A7C4-EE579496F21B}"/>
+              </a:ext>
+            </a:extLst>
+          </p:cNvPr>
+          <p:cNvSpPr/>
+          <p:nvPr/>
+        </p:nvSpPr>
+        <p:spPr>
+          <a:xfrm>
+            <a:off x="2438400" y="891575"/>
+            <a:ext cx="1575077" cy="643830"/>
+          </a:xfrm>
+          <a:prstGeom prst="roundRect">
+            <a:avLst/>
+          </a:prstGeom>
+          <a:noFill/>
+          <a:ln w="57150">
+            <a:solidFill>
+              <a:srgbClr val="BF9000"/>
+            </a:solidFill>
+          </a:ln>
+        </p:spPr>
+        <p:style>
+          <a:lnRef idx="2">
+            <a:schemeClr val="accent1">
+              <a:shade val="50000"/>
+            </a:schemeClr>
+          </a:lnRef>
+          <a:fillRef idx="1">
+            <a:schemeClr val="accent1"/>
+          </a:fillRef>
+          <a:effectRef idx="0">
+            <a:schemeClr val="accent1"/>
+          </a:effectRef>
+          <a:fontRef idx="minor">
+            <a:schemeClr val="lt1"/>
+          </a:fontRef>
+        </p:style>
+        <p:txBody>
+          <a:bodyPr rtlCol="0" anchor="ctr"/>
+          <a:lstStyle/>
+          <a:p>
+            <a:pPr algn="ctr"/>
+            <a:endParaRPr lang="fr-FR"/>
+          </a:p>
+        </p:txBody>
+      </p:sp>
+      <p:sp>
+        <p:nvSpPr>
+          <p:cNvPr id="34" name="Rectangle : coins arrondis 33">
+            <a:extLst>
+              <a:ext uri="{FF2B5EF4-FFF2-40B4-BE49-F238E27FC236}">
+                <a16:creationId xmlns:a16="http://schemas.microsoft.com/office/drawing/2014/main" id="{B573FEE5-261A-4DA5-B970-A0B5A1DF35F4}"/>
+              </a:ext>
+            </a:extLst>
+          </p:cNvPr>
+          <p:cNvSpPr/>
+          <p:nvPr/>
+        </p:nvSpPr>
+        <p:spPr>
+          <a:xfrm>
+            <a:off x="2438400" y="1705512"/>
+            <a:ext cx="1575077" cy="643830"/>
+          </a:xfrm>
+          <a:prstGeom prst="roundRect">
+            <a:avLst/>
+          </a:prstGeom>
+          <a:noFill/>
+          <a:ln w="57150">
+            <a:solidFill>
+              <a:srgbClr val="FF0000"/>
+            </a:solidFill>
+          </a:ln>
+        </p:spPr>
+        <p:style>
+          <a:lnRef idx="2">
+            <a:schemeClr val="accent1">
+              <a:shade val="50000"/>
+            </a:schemeClr>
+          </a:lnRef>
+          <a:fillRef idx="1">
+            <a:schemeClr val="accent1"/>
+          </a:fillRef>
+          <a:effectRef idx="0">
+            <a:schemeClr val="accent1"/>
+          </a:effectRef>
+          <a:fontRef idx="minor">
+            <a:schemeClr val="lt1"/>
+          </a:fontRef>
+        </p:style>
+        <p:txBody>
+          <a:bodyPr rtlCol="0" anchor="ctr"/>
+          <a:lstStyle/>
+          <a:p>
+            <a:pPr algn="ctr"/>
+            <a:endParaRPr lang="fr-FR"/>
+          </a:p>
+        </p:txBody>
+      </p:sp>
+      <p:sp>
+        <p:nvSpPr>
+          <p:cNvPr id="35" name="Rectangle : coins arrondis 34">
+            <a:extLst>
+              <a:ext uri="{FF2B5EF4-FFF2-40B4-BE49-F238E27FC236}">
+                <a16:creationId xmlns:a16="http://schemas.microsoft.com/office/drawing/2014/main" id="{6FFA8914-4926-42F8-A0ED-BE2D8EC576EF}"/>
+              </a:ext>
+            </a:extLst>
+          </p:cNvPr>
+          <p:cNvSpPr/>
+          <p:nvPr/>
+        </p:nvSpPr>
+        <p:spPr>
+          <a:xfrm>
+            <a:off x="2438400" y="2494240"/>
+            <a:ext cx="1575077" cy="643830"/>
+          </a:xfrm>
+          <a:prstGeom prst="roundRect">
+            <a:avLst/>
+          </a:prstGeom>
+          <a:noFill/>
+          <a:ln w="57150">
+            <a:solidFill>
+              <a:srgbClr val="1EEA14"/>
+            </a:solidFill>
+          </a:ln>
+        </p:spPr>
+        <p:style>
+          <a:lnRef idx="2">
+            <a:schemeClr val="accent1">
+              <a:shade val="50000"/>
+            </a:schemeClr>
+          </a:lnRef>
+          <a:fillRef idx="1">
+            <a:schemeClr val="accent1"/>
+          </a:fillRef>
+          <a:effectRef idx="0">
+            <a:schemeClr val="accent1"/>
+          </a:effectRef>
+          <a:fontRef idx="minor">
+            <a:schemeClr val="lt1"/>
+          </a:fontRef>
+        </p:style>
+        <p:txBody>
+          <a:bodyPr rtlCol="0" anchor="ctr"/>
+          <a:lstStyle/>
+          <a:p>
+            <a:pPr algn="ctr"/>
+            <a:endParaRPr lang="fr-FR"/>
+          </a:p>
+        </p:txBody>
+      </p:sp>
+      <p:sp>
+        <p:nvSpPr>
+          <p:cNvPr id="36" name="Rectangle : coins arrondis 35">
+            <a:extLst>
+              <a:ext uri="{FF2B5EF4-FFF2-40B4-BE49-F238E27FC236}">
+                <a16:creationId xmlns:a16="http://schemas.microsoft.com/office/drawing/2014/main" id="{1248A501-24FC-4349-9C06-81F80CF1C8DD}"/>
+              </a:ext>
+            </a:extLst>
+          </p:cNvPr>
+          <p:cNvSpPr/>
+          <p:nvPr/>
+        </p:nvSpPr>
+        <p:spPr>
+          <a:xfrm>
+            <a:off x="4105791" y="2494240"/>
+            <a:ext cx="1575077" cy="643830"/>
+          </a:xfrm>
+          <a:prstGeom prst="roundRect">
+            <a:avLst/>
+          </a:prstGeom>
+          <a:noFill/>
+          <a:ln w="57150">
+            <a:solidFill>
+              <a:srgbClr val="FF0000"/>
+            </a:solidFill>
+          </a:ln>
+        </p:spPr>
+        <p:style>
+          <a:lnRef idx="2">
+            <a:schemeClr val="accent1">
+              <a:shade val="50000"/>
+            </a:schemeClr>
+          </a:lnRef>
+          <a:fillRef idx="1">
+            <a:schemeClr val="accent1"/>
+          </a:fillRef>
+          <a:effectRef idx="0">
+            <a:schemeClr val="accent1"/>
+          </a:effectRef>
+          <a:fontRef idx="minor">
+            <a:schemeClr val="lt1"/>
+          </a:fontRef>
+        </p:style>
+        <p:txBody>
+          <a:bodyPr rtlCol="0" anchor="ctr"/>
+          <a:lstStyle/>
+          <a:p>
+            <a:pPr algn="ctr"/>
+            <a:endParaRPr lang="fr-FR"/>
+          </a:p>
+        </p:txBody>
+      </p:sp>
+      <p:sp>
+        <p:nvSpPr>
+          <p:cNvPr id="37" name="Rectangle : coins arrondis 36">
+            <a:extLst>
+              <a:ext uri="{FF2B5EF4-FFF2-40B4-BE49-F238E27FC236}">
+                <a16:creationId xmlns:a16="http://schemas.microsoft.com/office/drawing/2014/main" id="{C37D3FEA-3316-43E3-8115-95F9BCF1870B}"/>
+              </a:ext>
+            </a:extLst>
+          </p:cNvPr>
+          <p:cNvSpPr/>
+          <p:nvPr/>
+        </p:nvSpPr>
+        <p:spPr>
+          <a:xfrm>
+            <a:off x="4112324" y="1702694"/>
+            <a:ext cx="1575077" cy="643830"/>
+          </a:xfrm>
+          <a:prstGeom prst="roundRect">
+            <a:avLst/>
+          </a:prstGeom>
+          <a:noFill/>
+          <a:ln w="57150">
+            <a:solidFill>
+              <a:srgbClr val="2FC9FF"/>
+            </a:solidFill>
+          </a:ln>
+        </p:spPr>
+        <p:style>
+          <a:lnRef idx="2">
+            <a:schemeClr val="accent1">
+              <a:shade val="50000"/>
+            </a:schemeClr>
+          </a:lnRef>
+          <a:fillRef idx="1">
+            <a:schemeClr val="accent1"/>
+          </a:fillRef>
+          <a:effectRef idx="0">
+            <a:schemeClr val="accent1"/>
+          </a:effectRef>
+          <a:fontRef idx="minor">
+            <a:schemeClr val="lt1"/>
+          </a:fontRef>
+        </p:style>
+        <p:txBody>
+          <a:bodyPr rtlCol="0" anchor="ctr"/>
+          <a:lstStyle/>
+          <a:p>
+            <a:pPr algn="ctr"/>
+            <a:endParaRPr lang="fr-FR"/>
+          </a:p>
+        </p:txBody>
+      </p:sp>
+      <p:sp>
+        <p:nvSpPr>
+          <p:cNvPr id="38" name="Rectangle : coins arrondis 37">
+            <a:extLst>
+              <a:ext uri="{FF2B5EF4-FFF2-40B4-BE49-F238E27FC236}">
+                <a16:creationId xmlns:a16="http://schemas.microsoft.com/office/drawing/2014/main" id="{D57F6DC2-8801-4000-8A02-6AA9023F5E4D}"/>
+              </a:ext>
+            </a:extLst>
+          </p:cNvPr>
+          <p:cNvSpPr/>
+          <p:nvPr/>
+        </p:nvSpPr>
+        <p:spPr>
+          <a:xfrm>
+            <a:off x="5772994" y="2486744"/>
+            <a:ext cx="1575077" cy="643830"/>
+          </a:xfrm>
+          <a:prstGeom prst="roundRect">
+            <a:avLst/>
+          </a:prstGeom>
+          <a:noFill/>
+          <a:ln w="57150">
+            <a:solidFill>
+              <a:srgbClr val="2FC9FF"/>
+            </a:solidFill>
+          </a:ln>
+        </p:spPr>
+        <p:style>
+          <a:lnRef idx="2">
+            <a:schemeClr val="accent1">
+              <a:shade val="50000"/>
+            </a:schemeClr>
+          </a:lnRef>
+          <a:fillRef idx="1">
+            <a:schemeClr val="accent1"/>
+          </a:fillRef>
+          <a:effectRef idx="0">
+            <a:schemeClr val="accent1"/>
+          </a:effectRef>
+          <a:fontRef idx="minor">
+            <a:schemeClr val="lt1"/>
+          </a:fontRef>
+        </p:style>
+        <p:txBody>
+          <a:bodyPr rtlCol="0" anchor="ctr"/>
+          <a:lstStyle/>
+          <a:p>
+            <a:pPr algn="ctr"/>
+            <a:endParaRPr lang="fr-FR"/>
+          </a:p>
+        </p:txBody>
+      </p:sp>
+      <p:sp>
+        <p:nvSpPr>
+          <p:cNvPr id="39" name="Rectangle : coins arrondis 38">
+            <a:extLst>
+              <a:ext uri="{FF2B5EF4-FFF2-40B4-BE49-F238E27FC236}">
+                <a16:creationId xmlns:a16="http://schemas.microsoft.com/office/drawing/2014/main" id="{36414A44-503F-4BAA-8DD3-565553E2B0A6}"/>
+              </a:ext>
+            </a:extLst>
+          </p:cNvPr>
+          <p:cNvSpPr/>
+          <p:nvPr/>
+        </p:nvSpPr>
+        <p:spPr>
+          <a:xfrm>
+            <a:off x="4111784" y="889939"/>
+            <a:ext cx="1575077" cy="643830"/>
+          </a:xfrm>
+          <a:prstGeom prst="roundRect">
+            <a:avLst/>
+          </a:prstGeom>
+          <a:noFill/>
+          <a:ln w="57150">
+            <a:solidFill>
+              <a:srgbClr val="BF9000"/>
+            </a:solidFill>
+          </a:ln>
+        </p:spPr>
+        <p:style>
+          <a:lnRef idx="2">
+            <a:schemeClr val="accent1">
+              <a:shade val="50000"/>
+            </a:schemeClr>
+          </a:lnRef>
+          <a:fillRef idx="1">
+            <a:schemeClr val="accent1"/>
+          </a:fillRef>
+          <a:effectRef idx="0">
+            <a:schemeClr val="accent1"/>
+          </a:effectRef>
+          <a:fontRef idx="minor">
+            <a:schemeClr val="lt1"/>
+          </a:fontRef>
+        </p:style>
+        <p:txBody>
+          <a:bodyPr rtlCol="0" anchor="ctr"/>
+          <a:lstStyle/>
+          <a:p>
+            <a:pPr algn="ctr"/>
+            <a:endParaRPr lang="fr-FR"/>
+          </a:p>
+        </p:txBody>
+      </p:sp>
+      <p:sp>
+        <p:nvSpPr>
+          <p:cNvPr id="40" name="Rectangle : coins arrondis 39">
+            <a:extLst>
+              <a:ext uri="{FF2B5EF4-FFF2-40B4-BE49-F238E27FC236}">
+                <a16:creationId xmlns:a16="http://schemas.microsoft.com/office/drawing/2014/main" id="{A14304E5-A8EF-49CA-90C8-55520A925714}"/>
+              </a:ext>
+            </a:extLst>
+          </p:cNvPr>
+          <p:cNvSpPr/>
+          <p:nvPr/>
+        </p:nvSpPr>
+        <p:spPr>
+          <a:xfrm>
+            <a:off x="5785211" y="1705512"/>
+            <a:ext cx="1575077" cy="643830"/>
+          </a:xfrm>
+          <a:prstGeom prst="roundRect">
+            <a:avLst/>
+          </a:prstGeom>
+          <a:noFill/>
+          <a:ln w="57150">
+            <a:solidFill>
+              <a:srgbClr val="1EEA14"/>
+            </a:solidFill>
+          </a:ln>
+        </p:spPr>
+        <p:style>
+          <a:lnRef idx="2">
+            <a:schemeClr val="accent1">
+              <a:shade val="50000"/>
+            </a:schemeClr>
+          </a:lnRef>
+          <a:fillRef idx="1">
+            <a:schemeClr val="accent1"/>
+          </a:fillRef>
+          <a:effectRef idx="0">
+            <a:schemeClr val="accent1"/>
+          </a:effectRef>
+          <a:fontRef idx="minor">
+            <a:schemeClr val="lt1"/>
+          </a:fontRef>
+        </p:style>
+        <p:txBody>
+          <a:bodyPr rtlCol="0" anchor="ctr"/>
+          <a:lstStyle/>
+          <a:p>
+            <a:pPr algn="ctr"/>
+            <a:endParaRPr lang="fr-FR"/>
+          </a:p>
+        </p:txBody>
+      </p:sp>
+      <p:sp>
+        <p:nvSpPr>
+          <p:cNvPr id="41" name="Rectangle : coins arrondis 40">
+            <a:extLst>
+              <a:ext uri="{FF2B5EF4-FFF2-40B4-BE49-F238E27FC236}">
+                <a16:creationId xmlns:a16="http://schemas.microsoft.com/office/drawing/2014/main" id="{A16A4C60-5532-43F4-8098-0212FDBCB843}"/>
+              </a:ext>
+            </a:extLst>
+          </p:cNvPr>
+          <p:cNvSpPr/>
+          <p:nvPr/>
+        </p:nvSpPr>
+        <p:spPr>
+          <a:xfrm>
+            <a:off x="5785211" y="891575"/>
+            <a:ext cx="1575077" cy="643830"/>
+          </a:xfrm>
+          <a:prstGeom prst="roundRect">
+            <a:avLst/>
+          </a:prstGeom>
+          <a:noFill/>
+          <a:ln w="57150">
+            <a:solidFill>
+              <a:srgbClr val="BF9000"/>
+            </a:solidFill>
+          </a:ln>
+        </p:spPr>
+        <p:style>
+          <a:lnRef idx="2">
+            <a:schemeClr val="accent1">
+              <a:shade val="50000"/>
+            </a:schemeClr>
+          </a:lnRef>
+          <a:fillRef idx="1">
+            <a:schemeClr val="accent1"/>
+          </a:fillRef>
+          <a:effectRef idx="0">
+            <a:schemeClr val="accent1"/>
+          </a:effectRef>
+          <a:fontRef idx="minor">
+            <a:schemeClr val="lt1"/>
+          </a:fontRef>
+        </p:style>
+        <p:txBody>
+          <a:bodyPr rtlCol="0" anchor="ctr"/>
+          <a:lstStyle/>
+          <a:p>
+            <a:pPr algn="ctr"/>
+            <a:endParaRPr lang="fr-FR"/>
+          </a:p>
+        </p:txBody>
+      </p:sp>
+      <p:sp>
+        <p:nvSpPr>
+          <p:cNvPr id="2" name="Flèche : droite 1">
+            <a:extLst>
+              <a:ext uri="{FF2B5EF4-FFF2-40B4-BE49-F238E27FC236}">
+                <a16:creationId xmlns:a16="http://schemas.microsoft.com/office/drawing/2014/main" id="{3C792532-CEEA-445B-80B7-7554881BD37B}"/>
+              </a:ext>
+            </a:extLst>
+          </p:cNvPr>
+          <p:cNvSpPr/>
+          <p:nvPr/>
+        </p:nvSpPr>
+        <p:spPr>
+          <a:xfrm>
+            <a:off x="4152290" y="3823833"/>
+            <a:ext cx="2799845" cy="234950"/>
+          </a:xfrm>
+          <a:prstGeom prst="rightArrow">
+            <a:avLst/>
+          </a:prstGeom>
+          <a:solidFill>
+            <a:srgbClr val="2FC9FF"/>
+          </a:solidFill>
+          <a:ln>
+            <a:solidFill>
+              <a:schemeClr val="tx1"/>
+            </a:solidFill>
+          </a:ln>
+        </p:spPr>
+        <p:style>
+          <a:lnRef idx="2">
+            <a:schemeClr val="accent1">
+              <a:shade val="50000"/>
+            </a:schemeClr>
+          </a:lnRef>
+          <a:fillRef idx="1">
+            <a:schemeClr val="accent1"/>
+          </a:fillRef>
+          <a:effectRef idx="0">
+            <a:schemeClr val="accent1"/>
+          </a:effectRef>
+          <a:fontRef idx="minor">
+            <a:schemeClr val="lt1"/>
+          </a:fontRef>
+        </p:style>
+        <p:txBody>
+          <a:bodyPr rtlCol="0" anchor="ctr"/>
+          <a:lstStyle/>
+          <a:p>
+            <a:pPr algn="ctr"/>
+            <a:endParaRPr lang="fr-FR"/>
+          </a:p>
+        </p:txBody>
+      </p:sp>
+      <p:sp>
+        <p:nvSpPr>
+          <p:cNvPr id="42" name="Flèche : droite 41">
+            <a:extLst>
+              <a:ext uri="{FF2B5EF4-FFF2-40B4-BE49-F238E27FC236}">
+                <a16:creationId xmlns:a16="http://schemas.microsoft.com/office/drawing/2014/main" id="{FD9540A4-B7A8-4889-9214-34C06B2AF496}"/>
+              </a:ext>
+            </a:extLst>
+          </p:cNvPr>
+          <p:cNvSpPr/>
+          <p:nvPr/>
+        </p:nvSpPr>
+        <p:spPr>
+          <a:xfrm rot="10800000">
+            <a:off x="4089909" y="3559552"/>
+            <a:ext cx="2799845" cy="234950"/>
+          </a:xfrm>
+          <a:prstGeom prst="rightArrow">
+            <a:avLst/>
+          </a:prstGeom>
+          <a:solidFill>
+            <a:srgbClr val="1EEA14"/>
+          </a:solidFill>
+          <a:ln>
+            <a:solidFill>
+              <a:schemeClr val="tx1"/>
+            </a:solidFill>
+          </a:ln>
+        </p:spPr>
+        <p:style>
+          <a:lnRef idx="2">
+            <a:schemeClr val="accent1">
+              <a:shade val="50000"/>
+            </a:schemeClr>
+          </a:lnRef>
+          <a:fillRef idx="1">
+            <a:schemeClr val="accent1"/>
+          </a:fillRef>
+          <a:effectRef idx="0">
+            <a:schemeClr val="accent1"/>
+          </a:effectRef>
+          <a:fontRef idx="minor">
+            <a:schemeClr val="lt1"/>
+          </a:fontRef>
+        </p:style>
+        <p:txBody>
+          <a:bodyPr rtlCol="0" anchor="ctr"/>
+          <a:lstStyle/>
+          <a:p>
+            <a:pPr algn="ctr"/>
+            <a:endParaRPr lang="fr-FR"/>
+          </a:p>
+        </p:txBody>
+      </p:sp>
+    </p:spTree>
+    <p:extLst>
+      <p:ext uri="{BB962C8B-B14F-4D97-AF65-F5344CB8AC3E}">
+        <p14:creationId xmlns:p14="http://schemas.microsoft.com/office/powerpoint/2010/main" val="524900363"/>
+      </p:ext>
+    </p:extLst>
+  </p:cSld>
+  <p:clrMapOvr>
+    <a:overrideClrMapping bg1="dk1" tx1="lt1" bg2="dk2" tx2="lt2" accent1="accent1" accent2="accent2" accent3="accent3" accent4="accent4" accent5="accent5" accent6="accent6" hlink="hlink" folHlink="folHlink"/>
+  </p:clrMapOvr>
+  <mc:AlternateContent xmlns:mc="http://schemas.openxmlformats.org/markup-compatibility/2006" xmlns:p14="http://schemas.microsoft.com/office/powerpoint/2010/main">
+    <mc:Choice Requires="p14">
+      <p:transition spd="slow" p14:dur="800">
+        <p14:flythrough/>
+      </p:transition>
+    </mc:Choice>
+    <mc:Fallback xmlns="">
+      <p:transition spd="slow">
+        <p:fade/>
+      </p:transition>
+    </mc:Fallback>
+  </mc:AlternateContent>
+</p:sld>
+</file>
+
+<file path=ppt/slides/slide4.xml><?xml version="1.0" encoding="utf-8"?>
+<p:sld xmlns:a="http://schemas.openxmlformats.org/drawingml/2006/main" xmlns:r="http://schemas.openxmlformats.org/officeDocument/2006/relationships" xmlns:p="http://schemas.openxmlformats.org/presentationml/2006/main">
+  <p:cSld>
+    <p:bg>
+      <p:bgPr>
+        <a:gradFill>
+          <a:gsLst>
+            <a:gs pos="0">
+              <a:schemeClr val="accent1">
+                <a:lumMod val="0"/>
+                <a:lumOff val="100000"/>
+              </a:schemeClr>
+            </a:gs>
+            <a:gs pos="74000">
+              <a:schemeClr val="accent1">
+                <a:lumMod val="45000"/>
+                <a:lumOff val="55000"/>
+              </a:schemeClr>
+            </a:gs>
+            <a:gs pos="83000">
+              <a:schemeClr val="accent1">
+                <a:lumMod val="45000"/>
+                <a:lumOff val="55000"/>
+              </a:schemeClr>
+            </a:gs>
+            <a:gs pos="100000">
+              <a:schemeClr val="accent1">
+                <a:lumMod val="30000"/>
+                <a:lumOff val="70000"/>
+              </a:schemeClr>
+            </a:gs>
+          </a:gsLst>
+          <a:lin ang="5400000" scaled="1"/>
+        </a:gradFill>
+        <a:effectLst/>
+      </p:bgPr>
+    </p:bg>
+    <p:spTree>
+      <p:nvGrpSpPr>
+        <p:cNvPr id="1" name=""/>
+        <p:cNvGrpSpPr/>
+        <p:nvPr/>
+      </p:nvGrpSpPr>
+      <p:grpSpPr>
+        <a:xfrm>
+          <a:off x="0" y="0"/>
+          <a:ext cx="0" cy="0"/>
+          <a:chOff x="0" y="0"/>
+          <a:chExt cx="0" cy="0"/>
+        </a:xfrm>
+      </p:grpSpPr>
+      <p:sp>
+        <p:nvSpPr>
+          <p:cNvPr id="28" name="Rectangle 27">
+            <a:extLst>
+              <a:ext uri="{FF2B5EF4-FFF2-40B4-BE49-F238E27FC236}">
+                <a16:creationId xmlns:a16="http://schemas.microsoft.com/office/drawing/2014/main" id="{71B2258F-86CA-4D4D-8270-BC05FCDEBFB3}"/>
+              </a:ext>
+              <a:ext uri="{C183D7F6-B498-43B3-948B-1728B52AA6E4}">
+                <adec:decorative xmlns:adec="http://schemas.microsoft.com/office/drawing/2017/decorative" val="1"/>
+              </a:ext>
+            </a:extLst>
+          </p:cNvPr>
+          <p:cNvSpPr>
+            <a:spLocks noGrp="1" noRot="1" noChangeAspect="1" noMove="1" noResize="1" noEditPoints="1" noAdjustHandles="1" noChangeArrowheads="1" noChangeShapeType="1" noTextEdit="1"/>
+          </p:cNvSpPr>
+          <p:nvPr>
+            <p:extLst>
+              <p:ext uri="{386F3935-93C4-4BCD-93E2-E3B085C9AB24}">
+                <p16:designElem xmlns:p16="http://schemas.microsoft.com/office/powerpoint/2015/main" val="1"/>
+              </p:ext>
+            </p:extLst>
+          </p:nvPr>
+        </p:nvSpPr>
+        <p:spPr>
+          <a:xfrm>
+            <a:off x="0" y="0"/>
+            <a:ext cx="12192000" cy="6857999"/>
+          </a:xfrm>
+          <a:prstGeom prst="rect">
+            <a:avLst/>
+          </a:prstGeom>
+          <a:solidFill>
+            <a:srgbClr val="000000"/>
+          </a:solidFill>
+          <a:ln>
+            <a:noFill/>
+          </a:ln>
+        </p:spPr>
+        <p:style>
+          <a:lnRef idx="2">
+            <a:schemeClr val="accent1">
+              <a:shade val="50000"/>
+            </a:schemeClr>
+          </a:lnRef>
+          <a:fillRef idx="1">
+            <a:schemeClr val="accent1"/>
+          </a:fillRef>
+          <a:effectRef idx="0">
+            <a:schemeClr val="accent1"/>
+          </a:effectRef>
+          <a:fontRef idx="minor">
+            <a:schemeClr val="lt1"/>
+          </a:fontRef>
+        </p:style>
+        <p:txBody>
+          <a:bodyPr rtlCol="0" anchor="ctr"/>
+          <a:lstStyle/>
+          <a:p>
+            <a:pPr algn="ctr"/>
+            <a:endParaRPr lang="en-US"/>
+          </a:p>
+        </p:txBody>
+      </p:sp>
+      <p:pic>
+        <p:nvPicPr>
+          <p:cNvPr id="5" name="Image 4" descr="Une image contenant table, paire&#10;&#10;Description générée automatiquement">
+            <a:extLst>
+              <a:ext uri="{FF2B5EF4-FFF2-40B4-BE49-F238E27FC236}">
+                <a16:creationId xmlns:a16="http://schemas.microsoft.com/office/drawing/2014/main" id="{0B40B6F2-5E85-4AEC-9AA6-FBD9476A5BCF}"/>
+              </a:ext>
+            </a:extLst>
+          </p:cNvPr>
+          <p:cNvPicPr>
+            <a:picLocks noChangeAspect="1"/>
+          </p:cNvPicPr>
+          <p:nvPr/>
+        </p:nvPicPr>
+        <p:blipFill rotWithShape="1">
+          <a:blip r:embed="rId2">
+            <a:alphaModFix amt="50000"/>
+            <a:extLst>
+              <a:ext uri="{BEBA8EAE-BF5A-486C-A8C5-ECC9F3942E4B}">
+                <a14:imgProps xmlns:a14="http://schemas.microsoft.com/office/drawing/2010/main">
+                  <a14:imgLayer r:embed="rId3">
+                    <a14:imgEffect>
+                      <a14:sharpenSoften amount="4000"/>
+                    </a14:imgEffect>
+                    <a14:imgEffect>
+                      <a14:colorTemperature colorTemp="5954"/>
+                    </a14:imgEffect>
+                    <a14:imgEffect>
+                      <a14:brightnessContrast bright="-23000"/>
+                    </a14:imgEffect>
+                  </a14:imgLayer>
+                </a14:imgProps>
+              </a:ext>
+              <a:ext uri="{28A0092B-C50C-407E-A947-70E740481C1C}">
+                <a14:useLocalDpi xmlns:a14="http://schemas.microsoft.com/office/drawing/2010/main" val="0"/>
+              </a:ext>
+            </a:extLst>
+          </a:blip>
+          <a:srcRect t="6250"/>
+          <a:stretch/>
+        </p:blipFill>
+        <p:spPr>
+          <a:xfrm>
+            <a:off x="19913" y="-8223"/>
+            <a:ext cx="12192000" cy="6855958"/>
+          </a:xfrm>
+          <a:prstGeom prst="rect">
+            <a:avLst/>
+          </a:prstGeom>
+        </p:spPr>
+      </p:pic>
+      <p:pic>
+        <p:nvPicPr>
+          <p:cNvPr id="6" name="Image 5" descr="Une image contenant équipement électronique, circuit&#10;&#10;Description générée automatiquement">
+            <a:extLst>
+              <a:ext uri="{FF2B5EF4-FFF2-40B4-BE49-F238E27FC236}">
+                <a16:creationId xmlns:a16="http://schemas.microsoft.com/office/drawing/2014/main" id="{7F17E412-8646-45F7-9306-C3A5F6A02A56}"/>
+              </a:ext>
+            </a:extLst>
+          </p:cNvPr>
+          <p:cNvPicPr>
+            <a:picLocks noChangeAspect="1"/>
+          </p:cNvPicPr>
+          <p:nvPr/>
+        </p:nvPicPr>
+        <p:blipFill>
+          <a:blip r:embed="rId4">
+            <a:extLst>
+              <a:ext uri="{28A0092B-C50C-407E-A947-70E740481C1C}">
+                <a14:useLocalDpi xmlns:a14="http://schemas.microsoft.com/office/drawing/2010/main" val="0"/>
+              </a:ext>
+            </a:extLst>
+          </a:blip>
+          <a:stretch>
+            <a:fillRect/>
+          </a:stretch>
+        </p:blipFill>
+        <p:spPr>
+          <a:xfrm>
+            <a:off x="877694" y="3432458"/>
+            <a:ext cx="2370134" cy="1580090"/>
+          </a:xfrm>
+          <a:prstGeom prst="rect">
+            <a:avLst/>
+          </a:prstGeom>
+        </p:spPr>
+      </p:pic>
+      <p:pic>
+        <p:nvPicPr>
+          <p:cNvPr id="20" name="Image 19" descr="Une image contenant équipement électronique, circuit&#10;&#10;Description générée automatiquement">
+            <a:extLst>
+              <a:ext uri="{FF2B5EF4-FFF2-40B4-BE49-F238E27FC236}">
+                <a16:creationId xmlns:a16="http://schemas.microsoft.com/office/drawing/2014/main" id="{2883FE86-8C43-486C-AADE-C0450D197737}"/>
+              </a:ext>
+            </a:extLst>
+          </p:cNvPr>
+          <p:cNvPicPr>
+            <a:picLocks noChangeAspect="1"/>
+          </p:cNvPicPr>
+          <p:nvPr/>
+        </p:nvPicPr>
+        <p:blipFill>
+          <a:blip r:embed="rId5">
+            <a:extLst>
+              <a:ext uri="{28A0092B-C50C-407E-A947-70E740481C1C}">
+                <a14:useLocalDpi xmlns:a14="http://schemas.microsoft.com/office/drawing/2010/main" val="0"/>
+              </a:ext>
+            </a:extLst>
+          </a:blip>
+          <a:stretch>
+            <a:fillRect/>
+          </a:stretch>
+        </p:blipFill>
+        <p:spPr>
+          <a:xfrm>
+            <a:off x="1584041" y="947691"/>
+            <a:ext cx="2441575" cy="1739863"/>
+          </a:xfrm>
+          <a:prstGeom prst="rect">
+            <a:avLst/>
+          </a:prstGeom>
+        </p:spPr>
+      </p:pic>
+      <p:pic>
+        <p:nvPicPr>
+          <p:cNvPr id="22" name="Image 21" descr="Une image contenant dessin, horloge&#10;&#10;Description générée automatiquement">
+            <a:extLst>
+              <a:ext uri="{FF2B5EF4-FFF2-40B4-BE49-F238E27FC236}">
+                <a16:creationId xmlns:a16="http://schemas.microsoft.com/office/drawing/2014/main" id="{4B4D71B3-3463-4E6F-9506-D7DC92F157A7}"/>
+              </a:ext>
+            </a:extLst>
+          </p:cNvPr>
+          <p:cNvPicPr>
+            <a:picLocks noChangeAspect="1"/>
+          </p:cNvPicPr>
+          <p:nvPr/>
+        </p:nvPicPr>
+        <p:blipFill>
+          <a:blip r:embed="rId6">
+            <a:extLst>
+              <a:ext uri="{28A0092B-C50C-407E-A947-70E740481C1C}">
+                <a14:useLocalDpi xmlns:a14="http://schemas.microsoft.com/office/drawing/2010/main" val="0"/>
+              </a:ext>
+            </a:extLst>
+          </a:blip>
+          <a:stretch>
+            <a:fillRect/>
+          </a:stretch>
+        </p:blipFill>
+        <p:spPr>
+          <a:xfrm>
+            <a:off x="5168365" y="2214588"/>
+            <a:ext cx="1628434" cy="1628434"/>
+          </a:xfrm>
+          <a:prstGeom prst="rect">
+            <a:avLst/>
+          </a:prstGeom>
+        </p:spPr>
+      </p:pic>
+      <p:pic>
+        <p:nvPicPr>
+          <p:cNvPr id="24" name="Image 23" descr="Une image contenant moniteur, équipement électronique, afficher, ordinateur&#10;&#10;Description générée automatiquement">
+            <a:extLst>
+              <a:ext uri="{FF2B5EF4-FFF2-40B4-BE49-F238E27FC236}">
+                <a16:creationId xmlns:a16="http://schemas.microsoft.com/office/drawing/2014/main" id="{EDD626C3-95FA-4E4C-8D1F-3A3A10D5A537}"/>
+              </a:ext>
+            </a:extLst>
+          </p:cNvPr>
+          <p:cNvPicPr>
+            <a:picLocks noChangeAspect="1"/>
+          </p:cNvPicPr>
+          <p:nvPr/>
+        </p:nvPicPr>
+        <p:blipFill>
+          <a:blip r:embed="rId7">
+            <a:extLst>
+              <a:ext uri="{28A0092B-C50C-407E-A947-70E740481C1C}">
+                <a14:useLocalDpi xmlns:a14="http://schemas.microsoft.com/office/drawing/2010/main" val="0"/>
+              </a:ext>
+            </a:extLst>
+          </a:blip>
+          <a:stretch>
+            <a:fillRect/>
+          </a:stretch>
+        </p:blipFill>
+        <p:spPr>
+          <a:xfrm>
+            <a:off x="8055560" y="876775"/>
+            <a:ext cx="3621557" cy="3621557"/>
+          </a:xfrm>
+          <a:prstGeom prst="rect">
+            <a:avLst/>
+          </a:prstGeom>
+        </p:spPr>
+      </p:pic>
+      <p:sp>
+        <p:nvSpPr>
+          <p:cNvPr id="25" name="ZoneTexte 24">
+            <a:extLst>
+              <a:ext uri="{FF2B5EF4-FFF2-40B4-BE49-F238E27FC236}">
+                <a16:creationId xmlns:a16="http://schemas.microsoft.com/office/drawing/2014/main" id="{819CFE0B-3E95-4557-8822-89733D51EAFE}"/>
+              </a:ext>
+            </a:extLst>
+          </p:cNvPr>
+          <p:cNvSpPr txBox="1"/>
+          <p:nvPr/>
+        </p:nvSpPr>
+        <p:spPr>
+          <a:xfrm>
+            <a:off x="7687107" y="4171889"/>
+            <a:ext cx="3009900" cy="369332"/>
+          </a:xfrm>
+          <a:prstGeom prst="rect">
+            <a:avLst/>
+          </a:prstGeom>
+          <a:noFill/>
+        </p:spPr>
+        <p:txBody>
+          <a:bodyPr wrap="square" rtlCol="0">
+            <a:spAutoFit/>
+          </a:bodyPr>
+          <a:lstStyle/>
+          <a:p>
+            <a:r>
+              <a:rPr lang="fr-FR" b="1" dirty="0"/>
+              <a:t>PC de supervision - Serveur</a:t>
+            </a:r>
+          </a:p>
+        </p:txBody>
+      </p:sp>
+      <p:sp>
+        <p:nvSpPr>
+          <p:cNvPr id="27" name="ZoneTexte 26">
+            <a:extLst>
+              <a:ext uri="{FF2B5EF4-FFF2-40B4-BE49-F238E27FC236}">
+                <a16:creationId xmlns:a16="http://schemas.microsoft.com/office/drawing/2014/main" id="{99E8ED50-8C12-441F-83A2-1A91EB3DBCC9}"/>
+              </a:ext>
+            </a:extLst>
+          </p:cNvPr>
+          <p:cNvSpPr txBox="1"/>
+          <p:nvPr/>
+        </p:nvSpPr>
+        <p:spPr>
+          <a:xfrm>
+            <a:off x="5024812" y="2507846"/>
+            <a:ext cx="758913" cy="369332"/>
+          </a:xfrm>
+          <a:prstGeom prst="rect">
+            <a:avLst/>
+          </a:prstGeom>
+          <a:noFill/>
+        </p:spPr>
+        <p:txBody>
+          <a:bodyPr wrap="square" rtlCol="0">
+            <a:spAutoFit/>
+          </a:bodyPr>
+          <a:lstStyle/>
+          <a:p>
+            <a:r>
+              <a:rPr lang="fr-FR" b="1" dirty="0" err="1"/>
+              <a:t>Putty</a:t>
+            </a:r>
+            <a:endParaRPr lang="fr-FR" b="1" dirty="0"/>
+          </a:p>
+        </p:txBody>
+      </p:sp>
+      <p:sp>
+        <p:nvSpPr>
+          <p:cNvPr id="29" name="ZoneTexte 28">
+            <a:extLst>
+              <a:ext uri="{FF2B5EF4-FFF2-40B4-BE49-F238E27FC236}">
+                <a16:creationId xmlns:a16="http://schemas.microsoft.com/office/drawing/2014/main" id="{F1E38EAD-EACC-4F30-9B0C-63DC51A45DC2}"/>
+              </a:ext>
+            </a:extLst>
+          </p:cNvPr>
+          <p:cNvSpPr txBox="1"/>
+          <p:nvPr/>
+        </p:nvSpPr>
+        <p:spPr>
+          <a:xfrm>
+            <a:off x="2804828" y="481648"/>
+            <a:ext cx="1172086" cy="369332"/>
+          </a:xfrm>
+          <a:prstGeom prst="rect">
+            <a:avLst/>
+          </a:prstGeom>
+          <a:noFill/>
+        </p:spPr>
+        <p:txBody>
+          <a:bodyPr wrap="square" rtlCol="0">
+            <a:spAutoFit/>
+          </a:bodyPr>
+          <a:lstStyle/>
+          <a:p>
+            <a:r>
+              <a:rPr lang="fr-FR" b="1" dirty="0"/>
+              <a:t>9 Arduino</a:t>
+            </a:r>
+          </a:p>
+        </p:txBody>
+      </p:sp>
+      <p:sp>
+        <p:nvSpPr>
+          <p:cNvPr id="30" name="ZoneTexte 29">
+            <a:extLst>
+              <a:ext uri="{FF2B5EF4-FFF2-40B4-BE49-F238E27FC236}">
+                <a16:creationId xmlns:a16="http://schemas.microsoft.com/office/drawing/2014/main" id="{35DC951C-213E-410E-9C58-D5A80AC392B6}"/>
+              </a:ext>
+            </a:extLst>
+          </p:cNvPr>
+          <p:cNvSpPr txBox="1"/>
+          <p:nvPr/>
+        </p:nvSpPr>
+        <p:spPr>
+          <a:xfrm>
+            <a:off x="1308806" y="3007359"/>
+            <a:ext cx="1172086" cy="369332"/>
+          </a:xfrm>
+          <a:prstGeom prst="rect">
+            <a:avLst/>
+          </a:prstGeom>
+          <a:noFill/>
+        </p:spPr>
+        <p:txBody>
+          <a:bodyPr wrap="square" rtlCol="0">
+            <a:spAutoFit/>
+          </a:bodyPr>
+          <a:lstStyle/>
+          <a:p>
+            <a:r>
+              <a:rPr lang="fr-FR" b="1" dirty="0"/>
+              <a:t>Raspberry</a:t>
+            </a:r>
+          </a:p>
+        </p:txBody>
+      </p:sp>
+      <p:pic>
+        <p:nvPicPr>
+          <p:cNvPr id="31" name="Image 30" descr="Une image contenant objet, signe, horloge&#10;&#10;Description générée automatiquement">
+            <a:extLst>
+              <a:ext uri="{FF2B5EF4-FFF2-40B4-BE49-F238E27FC236}">
+                <a16:creationId xmlns:a16="http://schemas.microsoft.com/office/drawing/2014/main" id="{C9591C23-102A-4A6C-A3BC-C9C27C1F6E7B}"/>
+              </a:ext>
+            </a:extLst>
+          </p:cNvPr>
+          <p:cNvPicPr>
+            <a:picLocks noChangeAspect="1"/>
+          </p:cNvPicPr>
+          <p:nvPr/>
+        </p:nvPicPr>
+        <p:blipFill>
+          <a:blip r:embed="rId8">
+            <a:extLst>
+              <a:ext uri="{28A0092B-C50C-407E-A947-70E740481C1C}">
+                <a14:useLocalDpi xmlns:a14="http://schemas.microsoft.com/office/drawing/2010/main" val="0"/>
+              </a:ext>
+            </a:extLst>
+          </a:blip>
+          <a:stretch>
+            <a:fillRect/>
+          </a:stretch>
+        </p:blipFill>
+        <p:spPr>
+          <a:xfrm>
+            <a:off x="5787189" y="456835"/>
+            <a:ext cx="1268641" cy="863733"/>
+          </a:xfrm>
+          <a:prstGeom prst="rect">
+            <a:avLst/>
+          </a:prstGeom>
+        </p:spPr>
+      </p:pic>
+      <p:pic>
+        <p:nvPicPr>
+          <p:cNvPr id="37" name="Image 36" descr="Une image contenant dessin, signe&#10;&#10;Description générée automatiquement">
+            <a:extLst>
+              <a:ext uri="{FF2B5EF4-FFF2-40B4-BE49-F238E27FC236}">
+                <a16:creationId xmlns:a16="http://schemas.microsoft.com/office/drawing/2014/main" id="{323675B2-CA21-4D19-9706-6A6C001306EA}"/>
+              </a:ext>
+            </a:extLst>
+          </p:cNvPr>
+          <p:cNvPicPr>
+            <a:picLocks noChangeAspect="1"/>
+          </p:cNvPicPr>
+          <p:nvPr/>
+        </p:nvPicPr>
+        <p:blipFill>
+          <a:blip r:embed="rId9">
+            <a:extLst>
+              <a:ext uri="{28A0092B-C50C-407E-A947-70E740481C1C}">
+                <a14:useLocalDpi xmlns:a14="http://schemas.microsoft.com/office/drawing/2010/main" val="0"/>
+              </a:ext>
+            </a:extLst>
+          </a:blip>
+          <a:stretch>
+            <a:fillRect/>
+          </a:stretch>
+        </p:blipFill>
+        <p:spPr>
+          <a:xfrm>
+            <a:off x="4756425" y="4643412"/>
+            <a:ext cx="2241450" cy="663679"/>
+          </a:xfrm>
+          <a:prstGeom prst="rect">
+            <a:avLst/>
+          </a:prstGeom>
+        </p:spPr>
+      </p:pic>
+      <p:cxnSp>
+        <p:nvCxnSpPr>
+          <p:cNvPr id="43" name="Connecteur droit avec flèche 42">
+            <a:extLst>
+              <a:ext uri="{FF2B5EF4-FFF2-40B4-BE49-F238E27FC236}">
+                <a16:creationId xmlns:a16="http://schemas.microsoft.com/office/drawing/2014/main" id="{F23E8B21-82B3-42C1-801C-E93219408ADE}"/>
+              </a:ext>
+            </a:extLst>
+          </p:cNvPr>
+          <p:cNvCxnSpPr>
+            <a:cxnSpLocks/>
+          </p:cNvCxnSpPr>
+          <p:nvPr/>
+        </p:nvCxnSpPr>
+        <p:spPr>
+          <a:xfrm>
+            <a:off x="3286365" y="4132534"/>
+            <a:ext cx="1431522" cy="670371"/>
+          </a:xfrm>
+          <a:prstGeom prst="straightConnector1">
+            <a:avLst/>
+          </a:prstGeom>
+          <a:ln w="57150">
+            <a:solidFill>
+              <a:schemeClr val="accent2"/>
+            </a:solidFill>
+            <a:tailEnd type="triangle"/>
+          </a:ln>
+        </p:spPr>
+        <p:style>
+          <a:lnRef idx="1">
+            <a:schemeClr val="accent1"/>
+          </a:lnRef>
+          <a:fillRef idx="0">
+            <a:schemeClr val="accent1"/>
+          </a:fillRef>
+          <a:effectRef idx="0">
+            <a:schemeClr val="accent1"/>
+          </a:effectRef>
+          <a:fontRef idx="minor">
+            <a:schemeClr val="tx1"/>
+          </a:fontRef>
+        </p:style>
+      </p:cxnSp>
+      <p:cxnSp>
+        <p:nvCxnSpPr>
+          <p:cNvPr id="44" name="Connecteur droit avec flèche 43">
+            <a:extLst>
+              <a:ext uri="{FF2B5EF4-FFF2-40B4-BE49-F238E27FC236}">
+                <a16:creationId xmlns:a16="http://schemas.microsoft.com/office/drawing/2014/main" id="{AAA1293E-DB71-4D56-8B58-6312713314EC}"/>
+              </a:ext>
+            </a:extLst>
+          </p:cNvPr>
+          <p:cNvCxnSpPr>
+            <a:cxnSpLocks/>
+          </p:cNvCxnSpPr>
+          <p:nvPr/>
+        </p:nvCxnSpPr>
+        <p:spPr>
+          <a:xfrm flipV="1">
+            <a:off x="4272844" y="1187631"/>
+            <a:ext cx="1354328" cy="345743"/>
+          </a:xfrm>
+          <a:prstGeom prst="straightConnector1">
+            <a:avLst/>
+          </a:prstGeom>
+          <a:ln w="57150">
+            <a:solidFill>
+              <a:schemeClr val="accent2"/>
+            </a:solidFill>
+            <a:tailEnd type="triangle"/>
+          </a:ln>
+        </p:spPr>
+        <p:style>
+          <a:lnRef idx="1">
+            <a:schemeClr val="accent1"/>
+          </a:lnRef>
+          <a:fillRef idx="0">
+            <a:schemeClr val="accent1"/>
+          </a:fillRef>
+          <a:effectRef idx="0">
+            <a:schemeClr val="accent1"/>
+          </a:effectRef>
+          <a:fontRef idx="minor">
+            <a:schemeClr val="tx1"/>
+          </a:fontRef>
+        </p:style>
+      </p:cxnSp>
+    </p:spTree>
+    <p:extLst>
+      <p:ext uri="{BB962C8B-B14F-4D97-AF65-F5344CB8AC3E}">
+        <p14:creationId xmlns:p14="http://schemas.microsoft.com/office/powerpoint/2010/main" val="4219378000"/>
+      </p:ext>
+    </p:extLst>
+  </p:cSld>
+  <p:clrMapOvr>
+    <a:overrideClrMapping bg1="dk1" tx1="lt1" bg2="dk2" tx2="lt2" accent1="accent1" accent2="accent2" accent3="accent3" accent4="accent4" accent5="accent5" accent6="accent6" hlink="hlink" folHlink="folHlink"/>
+  </p:clrMapOvr>
+  <mc:AlternateContent xmlns:mc="http://schemas.openxmlformats.org/markup-compatibility/2006" xmlns:p14="http://schemas.microsoft.com/office/powerpoint/2010/main">
+    <mc:Choice Requires="p14">
+      <p:transition spd="slow" p14:dur="800">
+        <p14:flythrough/>
+      </p:transition>
+    </mc:Choice>
+    <mc:Fallback xmlns="">
+      <p:transition spd="slow">
+        <p:fade/>
+      </p:transition>
+    </mc:Fallback>
+  </mc:AlternateContent>
+</p:sld>
+</file>
+
+<file path=ppt/slides/slide5.xml><?xml version="1.0" encoding="utf-8"?>
+<p:sld xmlns:a="http://schemas.openxmlformats.org/drawingml/2006/main" xmlns:r="http://schemas.openxmlformats.org/officeDocument/2006/relationships" xmlns:p="http://schemas.openxmlformats.org/presentationml/2006/main">
+  <p:cSld>
+    <p:bg>
+      <p:bgPr>
+        <a:gradFill>
+          <a:gsLst>
+            <a:gs pos="0">
+              <a:schemeClr val="accent1">
+                <a:lumMod val="0"/>
+                <a:lumOff val="100000"/>
+              </a:schemeClr>
+            </a:gs>
+            <a:gs pos="74000">
+              <a:schemeClr val="accent1">
+                <a:lumMod val="45000"/>
+                <a:lumOff val="55000"/>
+              </a:schemeClr>
+            </a:gs>
+            <a:gs pos="83000">
+              <a:schemeClr val="accent1">
+                <a:lumMod val="45000"/>
+                <a:lumOff val="55000"/>
+              </a:schemeClr>
+            </a:gs>
+            <a:gs pos="100000">
+              <a:schemeClr val="accent1">
+                <a:lumMod val="30000"/>
+                <a:lumOff val="70000"/>
+              </a:schemeClr>
+            </a:gs>
+          </a:gsLst>
+          <a:lin ang="5400000" scaled="1"/>
+        </a:gradFill>
+        <a:effectLst/>
+      </p:bgPr>
+    </p:bg>
+    <p:spTree>
+      <p:nvGrpSpPr>
+        <p:cNvPr id="1" name=""/>
+        <p:cNvGrpSpPr/>
+        <p:nvPr/>
+      </p:nvGrpSpPr>
+      <p:grpSpPr>
+        <a:xfrm>
+          <a:off x="0" y="0"/>
+          <a:ext cx="0" cy="0"/>
+          <a:chOff x="0" y="0"/>
+          <a:chExt cx="0" cy="0"/>
+        </a:xfrm>
+      </p:grpSpPr>
+      <p:sp>
+        <p:nvSpPr>
+          <p:cNvPr id="28" name="Rectangle 27">
+            <a:extLst>
+              <a:ext uri="{FF2B5EF4-FFF2-40B4-BE49-F238E27FC236}">
+                <a16:creationId xmlns:a16="http://schemas.microsoft.com/office/drawing/2014/main" id="{71B2258F-86CA-4D4D-8270-BC05FCDEBFB3}"/>
+              </a:ext>
+              <a:ext uri="{C183D7F6-B498-43B3-948B-1728B52AA6E4}">
+                <adec:decorative xmlns:adec="http://schemas.microsoft.com/office/drawing/2017/decorative" val="1"/>
+              </a:ext>
+            </a:extLst>
+          </p:cNvPr>
+          <p:cNvSpPr>
+            <a:spLocks noGrp="1" noRot="1" noChangeAspect="1" noMove="1" noResize="1" noEditPoints="1" noAdjustHandles="1" noChangeArrowheads="1" noChangeShapeType="1" noTextEdit="1"/>
+          </p:cNvSpPr>
+          <p:nvPr>
+            <p:extLst>
+              <p:ext uri="{386F3935-93C4-4BCD-93E2-E3B085C9AB24}">
+                <p16:designElem xmlns:p16="http://schemas.microsoft.com/office/powerpoint/2015/main" val="1"/>
+              </p:ext>
+            </p:extLst>
+          </p:nvPr>
+        </p:nvSpPr>
+        <p:spPr>
+          <a:xfrm>
+            <a:off x="0" y="0"/>
+            <a:ext cx="12192000" cy="6857999"/>
+          </a:xfrm>
+          <a:prstGeom prst="rect">
+            <a:avLst/>
+          </a:prstGeom>
+          <a:solidFill>
+            <a:srgbClr val="000000"/>
+          </a:solidFill>
+          <a:ln>
+            <a:noFill/>
+          </a:ln>
+        </p:spPr>
+        <p:style>
+          <a:lnRef idx="2">
+            <a:schemeClr val="accent1">
+              <a:shade val="50000"/>
+            </a:schemeClr>
+          </a:lnRef>
+          <a:fillRef idx="1">
+            <a:schemeClr val="accent1"/>
+          </a:fillRef>
+          <a:effectRef idx="0">
+            <a:schemeClr val="accent1"/>
+          </a:effectRef>
+          <a:fontRef idx="minor">
+            <a:schemeClr val="lt1"/>
+          </a:fontRef>
+        </p:style>
+        <p:txBody>
+          <a:bodyPr rtlCol="0" anchor="ctr"/>
+          <a:lstStyle/>
+          <a:p>
+            <a:pPr algn="ctr"/>
+            <a:endParaRPr lang="en-US"/>
+          </a:p>
+        </p:txBody>
+      </p:sp>
+      <p:pic>
+        <p:nvPicPr>
+          <p:cNvPr id="5" name="Image 4" descr="Une image contenant table, paire&#10;&#10;Description générée automatiquement">
+            <a:extLst>
+              <a:ext uri="{FF2B5EF4-FFF2-40B4-BE49-F238E27FC236}">
+                <a16:creationId xmlns:a16="http://schemas.microsoft.com/office/drawing/2014/main" id="{0B40B6F2-5E85-4AEC-9AA6-FBD9476A5BCF}"/>
+              </a:ext>
+            </a:extLst>
+          </p:cNvPr>
+          <p:cNvPicPr>
+            <a:picLocks noChangeAspect="1"/>
+          </p:cNvPicPr>
+          <p:nvPr/>
+        </p:nvPicPr>
+        <p:blipFill rotWithShape="1">
+          <a:blip r:embed="rId2">
+            <a:alphaModFix amt="50000"/>
+            <a:extLst>
+              <a:ext uri="{BEBA8EAE-BF5A-486C-A8C5-ECC9F3942E4B}">
+                <a14:imgProps xmlns:a14="http://schemas.microsoft.com/office/drawing/2010/main">
+                  <a14:imgLayer r:embed="rId3">
+                    <a14:imgEffect>
+                      <a14:sharpenSoften amount="4000"/>
+                    </a14:imgEffect>
+                    <a14:imgEffect>
+                      <a14:colorTemperature colorTemp="5954"/>
+                    </a14:imgEffect>
+                    <a14:imgEffect>
+                      <a14:brightnessContrast bright="-23000"/>
+                    </a14:imgEffect>
+                  </a14:imgLayer>
+                </a14:imgProps>
+              </a:ext>
+              <a:ext uri="{28A0092B-C50C-407E-A947-70E740481C1C}">
+                <a14:useLocalDpi xmlns:a14="http://schemas.microsoft.com/office/drawing/2010/main" val="0"/>
+              </a:ext>
+            </a:extLst>
+          </a:blip>
+          <a:srcRect t="6250"/>
+          <a:stretch/>
+        </p:blipFill>
+        <p:spPr>
+          <a:xfrm>
+            <a:off x="-84248" y="0"/>
+            <a:ext cx="12192000" cy="6855958"/>
+          </a:xfrm>
+          <a:prstGeom prst="rect">
+            <a:avLst/>
+          </a:prstGeom>
+        </p:spPr>
+      </p:pic>
+      <p:pic>
+        <p:nvPicPr>
+          <p:cNvPr id="17" name="Image 16">
+            <a:extLst>
+              <a:ext uri="{FF2B5EF4-FFF2-40B4-BE49-F238E27FC236}">
+                <a16:creationId xmlns:a16="http://schemas.microsoft.com/office/drawing/2014/main" id="{99994DDB-E9AE-44E2-A491-0A040ADFD550}"/>
+              </a:ext>
+            </a:extLst>
+          </p:cNvPr>
+          <p:cNvPicPr/>
+          <p:nvPr/>
+        </p:nvPicPr>
+        <p:blipFill rotWithShape="1">
+          <a:blip r:embed="rId4" cstate="print">
+            <a:extLst>
+              <a:ext uri="{28A0092B-C50C-407E-A947-70E740481C1C}">
+                <a14:useLocalDpi xmlns:a14="http://schemas.microsoft.com/office/drawing/2010/main" val="0"/>
+              </a:ext>
+            </a:extLst>
+          </a:blip>
+          <a:srcRect l="150" t="4442" r="1"/>
+          <a:stretch/>
+        </p:blipFill>
+        <p:spPr bwMode="auto">
+          <a:xfrm>
+            <a:off x="809002" y="788253"/>
+            <a:ext cx="6970714" cy="4272557"/>
+          </a:xfrm>
+          <a:prstGeom prst="round2DiagRect">
+            <a:avLst>
+              <a:gd name="adj1" fmla="val 16667"/>
+              <a:gd name="adj2" fmla="val 0"/>
+            </a:avLst>
+          </a:prstGeom>
+          <a:ln w="88900" cap="sq">
+            <a:solidFill>
+              <a:srgbClr val="FFFFFF"/>
+            </a:solidFill>
+            <a:miter lim="800000"/>
+          </a:ln>
+          <a:effectLst>
+            <a:glow rad="571500">
+              <a:schemeClr val="accent3"/>
+            </a:glow>
+            <a:outerShdw blurRad="254000" algn="tl" rotWithShape="0">
+              <a:srgbClr val="000000">
+                <a:alpha val="43000"/>
+              </a:srgbClr>
+            </a:outerShdw>
+          </a:effectLst>
+        </p:spPr>
+      </p:pic>
+      <p:sp>
+        <p:nvSpPr>
+          <p:cNvPr id="18" name="Ellipse 17">
+            <a:extLst>
+              <a:ext uri="{FF2B5EF4-FFF2-40B4-BE49-F238E27FC236}">
+                <a16:creationId xmlns:a16="http://schemas.microsoft.com/office/drawing/2014/main" id="{CB2BECB1-932F-41F0-ABDB-2C1DD2328E48}"/>
+              </a:ext>
+            </a:extLst>
+          </p:cNvPr>
+          <p:cNvSpPr/>
+          <p:nvPr/>
+        </p:nvSpPr>
+        <p:spPr>
+          <a:xfrm>
+            <a:off x="6222124" y="3079531"/>
+            <a:ext cx="504497" cy="349470"/>
+          </a:xfrm>
+          <a:prstGeom prst="ellipse">
+            <a:avLst/>
+          </a:prstGeom>
+          <a:noFill/>
+          <a:ln w="57150">
+            <a:solidFill>
+              <a:srgbClr val="FF0000"/>
+            </a:solidFill>
+          </a:ln>
+        </p:spPr>
+        <p:style>
+          <a:lnRef idx="2">
+            <a:schemeClr val="accent6"/>
+          </a:lnRef>
+          <a:fillRef idx="1">
+            <a:schemeClr val="lt1"/>
+          </a:fillRef>
+          <a:effectRef idx="0">
+            <a:schemeClr val="accent6"/>
+          </a:effectRef>
+          <a:fontRef idx="minor">
+            <a:schemeClr val="dk1"/>
+          </a:fontRef>
+        </p:style>
+        <p:txBody>
+          <a:bodyPr rot="0" spcFirstLastPara="0" vert="horz" wrap="square" lIns="91440" tIns="45720" rIns="91440" bIns="45720" numCol="1" spcCol="0" rtlCol="0" fromWordArt="0" anchor="ctr" anchorCtr="0" forceAA="0" compatLnSpc="1">
+            <a:prstTxWarp prst="textNoShape">
+              <a:avLst/>
+            </a:prstTxWarp>
+            <a:noAutofit/>
+          </a:bodyPr>
+          <a:lstStyle/>
+          <a:p>
+            <a:endParaRPr lang="fr-FR"/>
+          </a:p>
+        </p:txBody>
+      </p:sp>
+      <p:sp>
+        <p:nvSpPr>
+          <p:cNvPr id="19" name="Rectangle : coins arrondis 18">
+            <a:extLst>
+              <a:ext uri="{FF2B5EF4-FFF2-40B4-BE49-F238E27FC236}">
+                <a16:creationId xmlns:a16="http://schemas.microsoft.com/office/drawing/2014/main" id="{AF9A071F-7281-4658-B9A2-49B4081C9AF1}"/>
+              </a:ext>
+            </a:extLst>
+          </p:cNvPr>
+          <p:cNvSpPr/>
+          <p:nvPr/>
+        </p:nvSpPr>
+        <p:spPr>
+          <a:xfrm>
+            <a:off x="1134819" y="1767657"/>
+            <a:ext cx="1575077" cy="643830"/>
+          </a:xfrm>
+          <a:prstGeom prst="roundRect">
+            <a:avLst/>
+          </a:prstGeom>
+          <a:noFill/>
+          <a:ln w="57150">
+            <a:solidFill>
+              <a:srgbClr val="FF0000"/>
+            </a:solidFill>
+          </a:ln>
+        </p:spPr>
+        <p:style>
+          <a:lnRef idx="2">
+            <a:schemeClr val="accent1">
+              <a:shade val="50000"/>
+            </a:schemeClr>
+          </a:lnRef>
+          <a:fillRef idx="1">
+            <a:schemeClr val="accent1"/>
+          </a:fillRef>
+          <a:effectRef idx="0">
+            <a:schemeClr val="accent1"/>
+          </a:effectRef>
+          <a:fontRef idx="minor">
+            <a:schemeClr val="lt1"/>
+          </a:fontRef>
+        </p:style>
+        <p:txBody>
+          <a:bodyPr rtlCol="0" anchor="ctr"/>
+          <a:lstStyle/>
+          <a:p>
+            <a:pPr algn="ctr"/>
+            <a:endParaRPr lang="fr-FR"/>
+          </a:p>
+        </p:txBody>
+      </p:sp>
+      <p:sp>
+        <p:nvSpPr>
+          <p:cNvPr id="20" name="Rectangle : coins arrondis 19">
+            <a:extLst>
+              <a:ext uri="{FF2B5EF4-FFF2-40B4-BE49-F238E27FC236}">
+                <a16:creationId xmlns:a16="http://schemas.microsoft.com/office/drawing/2014/main" id="{D3A0DAAC-9237-4969-BFA2-96FDE29E5712}"/>
+              </a:ext>
+            </a:extLst>
+          </p:cNvPr>
+          <p:cNvSpPr/>
+          <p:nvPr/>
+        </p:nvSpPr>
+        <p:spPr>
+          <a:xfrm>
+            <a:off x="2802210" y="2556385"/>
+            <a:ext cx="1575077" cy="643830"/>
+          </a:xfrm>
+          <a:prstGeom prst="roundRect">
+            <a:avLst/>
+          </a:prstGeom>
+          <a:noFill/>
+          <a:ln w="57150">
+            <a:solidFill>
+              <a:srgbClr val="FF0000"/>
+            </a:solidFill>
+          </a:ln>
+        </p:spPr>
+        <p:style>
+          <a:lnRef idx="2">
+            <a:schemeClr val="accent1">
+              <a:shade val="50000"/>
+            </a:schemeClr>
+          </a:lnRef>
+          <a:fillRef idx="1">
+            <a:schemeClr val="accent1"/>
+          </a:fillRef>
+          <a:effectRef idx="0">
+            <a:schemeClr val="accent1"/>
+          </a:effectRef>
+          <a:fontRef idx="minor">
+            <a:schemeClr val="lt1"/>
+          </a:fontRef>
+        </p:style>
+        <p:txBody>
+          <a:bodyPr rtlCol="0" anchor="ctr"/>
+          <a:lstStyle/>
+          <a:p>
+            <a:pPr algn="ctr"/>
+            <a:endParaRPr lang="fr-FR"/>
+          </a:p>
+        </p:txBody>
+      </p:sp>
+      <p:sp>
+        <p:nvSpPr>
+          <p:cNvPr id="22" name="Rectangle : coins arrondis 21">
+            <a:extLst>
+              <a:ext uri="{FF2B5EF4-FFF2-40B4-BE49-F238E27FC236}">
+                <a16:creationId xmlns:a16="http://schemas.microsoft.com/office/drawing/2014/main" id="{592FBC7C-522C-417B-AD6F-D54FE56CE28F}"/>
+              </a:ext>
+            </a:extLst>
+          </p:cNvPr>
+          <p:cNvSpPr/>
+          <p:nvPr/>
+        </p:nvSpPr>
+        <p:spPr>
+          <a:xfrm>
+            <a:off x="5541296" y="3608967"/>
+            <a:ext cx="770728" cy="474560"/>
+          </a:xfrm>
+          <a:prstGeom prst="roundRect">
+            <a:avLst/>
+          </a:prstGeom>
+          <a:noFill/>
+          <a:ln w="57150">
+            <a:solidFill>
+              <a:srgbClr val="FF0000"/>
+            </a:solidFill>
+          </a:ln>
+        </p:spPr>
+        <p:style>
+          <a:lnRef idx="2">
+            <a:schemeClr val="accent1">
+              <a:shade val="50000"/>
+            </a:schemeClr>
+          </a:lnRef>
+          <a:fillRef idx="1">
+            <a:schemeClr val="accent1"/>
+          </a:fillRef>
+          <a:effectRef idx="0">
+            <a:schemeClr val="accent1"/>
+          </a:effectRef>
+          <a:fontRef idx="minor">
+            <a:schemeClr val="lt1"/>
+          </a:fontRef>
+        </p:style>
+        <p:txBody>
+          <a:bodyPr rtlCol="0" anchor="ctr"/>
+          <a:lstStyle/>
+          <a:p>
+            <a:pPr algn="ctr"/>
+            <a:endParaRPr lang="fr-FR"/>
+          </a:p>
+        </p:txBody>
+      </p:sp>
+      <p:cxnSp>
+        <p:nvCxnSpPr>
+          <p:cNvPr id="9" name="Connecteur droit 8">
+            <a:extLst>
+              <a:ext uri="{FF2B5EF4-FFF2-40B4-BE49-F238E27FC236}">
+                <a16:creationId xmlns:a16="http://schemas.microsoft.com/office/drawing/2014/main" id="{54938946-F4BB-4D6C-BA69-53E8A733972A}"/>
+              </a:ext>
+            </a:extLst>
+          </p:cNvPr>
+          <p:cNvCxnSpPr>
+            <a:cxnSpLocks/>
+            <a:stCxn id="19" idx="3"/>
+          </p:cNvCxnSpPr>
+          <p:nvPr/>
+        </p:nvCxnSpPr>
+        <p:spPr>
+          <a:xfrm>
+            <a:off x="2709896" y="2089572"/>
+            <a:ext cx="7241824" cy="0"/>
+          </a:xfrm>
+          <a:prstGeom prst="line">
+            <a:avLst/>
+          </a:prstGeom>
+          <a:ln w="38100">
+            <a:solidFill>
+              <a:srgbClr val="FF0000"/>
+            </a:solidFill>
+          </a:ln>
+        </p:spPr>
+        <p:style>
+          <a:lnRef idx="1">
+            <a:schemeClr val="accent1"/>
+          </a:lnRef>
+          <a:fillRef idx="0">
+            <a:schemeClr val="accent1"/>
+          </a:fillRef>
+          <a:effectRef idx="0">
+            <a:schemeClr val="accent1"/>
+          </a:effectRef>
+          <a:fontRef idx="minor">
+            <a:schemeClr val="tx1"/>
+          </a:fontRef>
+        </p:style>
+      </p:cxnSp>
+      <p:cxnSp>
+        <p:nvCxnSpPr>
+          <p:cNvPr id="25" name="Connecteur droit 24">
+            <a:extLst>
+              <a:ext uri="{FF2B5EF4-FFF2-40B4-BE49-F238E27FC236}">
+                <a16:creationId xmlns:a16="http://schemas.microsoft.com/office/drawing/2014/main" id="{D09C2222-70A3-4C8C-95B5-D7789E32F744}"/>
+              </a:ext>
+            </a:extLst>
+          </p:cNvPr>
+          <p:cNvCxnSpPr>
+            <a:cxnSpLocks/>
+          </p:cNvCxnSpPr>
+          <p:nvPr/>
+        </p:nvCxnSpPr>
+        <p:spPr>
+          <a:xfrm flipV="1">
+            <a:off x="4373023" y="2087531"/>
+            <a:ext cx="5578697" cy="613628"/>
+          </a:xfrm>
+          <a:prstGeom prst="line">
+            <a:avLst/>
+          </a:prstGeom>
+          <a:ln w="38100">
+            <a:solidFill>
+              <a:srgbClr val="FF0000"/>
+            </a:solidFill>
+          </a:ln>
+        </p:spPr>
+        <p:style>
+          <a:lnRef idx="1">
+            <a:schemeClr val="accent1"/>
+          </a:lnRef>
+          <a:fillRef idx="0">
+            <a:schemeClr val="accent1"/>
+          </a:fillRef>
+          <a:effectRef idx="0">
+            <a:schemeClr val="accent1"/>
+          </a:effectRef>
+          <a:fontRef idx="minor">
+            <a:schemeClr val="tx1"/>
+          </a:fontRef>
+        </p:style>
+      </p:cxnSp>
+      <p:cxnSp>
+        <p:nvCxnSpPr>
+          <p:cNvPr id="29" name="Connecteur droit 28">
+            <a:extLst>
+              <a:ext uri="{FF2B5EF4-FFF2-40B4-BE49-F238E27FC236}">
+                <a16:creationId xmlns:a16="http://schemas.microsoft.com/office/drawing/2014/main" id="{CD94A121-E363-4E3E-83C9-AE3294FF538C}"/>
+              </a:ext>
+            </a:extLst>
+          </p:cNvPr>
+          <p:cNvCxnSpPr>
+            <a:cxnSpLocks/>
+            <a:stCxn id="18" idx="7"/>
+          </p:cNvCxnSpPr>
+          <p:nvPr/>
+        </p:nvCxnSpPr>
+        <p:spPr>
+          <a:xfrm flipV="1">
+            <a:off x="6652739" y="2085490"/>
+            <a:ext cx="3298981" cy="1045220"/>
+          </a:xfrm>
+          <a:prstGeom prst="line">
+            <a:avLst/>
+          </a:prstGeom>
+          <a:ln w="38100">
+            <a:solidFill>
+              <a:srgbClr val="FF0000"/>
+            </a:solidFill>
+          </a:ln>
+        </p:spPr>
+        <p:style>
+          <a:lnRef idx="1">
+            <a:schemeClr val="accent1"/>
+          </a:lnRef>
+          <a:fillRef idx="0">
+            <a:schemeClr val="accent1"/>
+          </a:fillRef>
+          <a:effectRef idx="0">
+            <a:schemeClr val="accent1"/>
+          </a:effectRef>
+          <a:fontRef idx="minor">
+            <a:schemeClr val="tx1"/>
+          </a:fontRef>
+        </p:style>
+      </p:cxnSp>
+      <p:cxnSp>
+        <p:nvCxnSpPr>
+          <p:cNvPr id="31" name="Connecteur droit 30">
+            <a:extLst>
+              <a:ext uri="{FF2B5EF4-FFF2-40B4-BE49-F238E27FC236}">
+                <a16:creationId xmlns:a16="http://schemas.microsoft.com/office/drawing/2014/main" id="{C12898B4-183C-43EF-AD80-FF8265464625}"/>
+              </a:ext>
+            </a:extLst>
+          </p:cNvPr>
+          <p:cNvCxnSpPr>
+            <a:cxnSpLocks/>
+            <a:stCxn id="22" idx="3"/>
+          </p:cNvCxnSpPr>
+          <p:nvPr/>
+        </p:nvCxnSpPr>
+        <p:spPr>
+          <a:xfrm flipV="1">
+            <a:off x="6312024" y="2091614"/>
+            <a:ext cx="3639696" cy="1754633"/>
+          </a:xfrm>
+          <a:prstGeom prst="line">
+            <a:avLst/>
+          </a:prstGeom>
+          <a:ln w="38100">
+            <a:solidFill>
+              <a:srgbClr val="FF0000"/>
+            </a:solidFill>
+          </a:ln>
+        </p:spPr>
+        <p:style>
+          <a:lnRef idx="1">
+            <a:schemeClr val="accent1"/>
+          </a:lnRef>
+          <a:fillRef idx="0">
+            <a:schemeClr val="accent1"/>
+          </a:fillRef>
+          <a:effectRef idx="0">
+            <a:schemeClr val="accent1"/>
+          </a:effectRef>
+          <a:fontRef idx="minor">
+            <a:schemeClr val="tx1"/>
+          </a:fontRef>
+        </p:style>
+      </p:cxnSp>
+    </p:spTree>
+    <p:extLst>
+      <p:ext uri="{BB962C8B-B14F-4D97-AF65-F5344CB8AC3E}">
+        <p14:creationId xmlns:p14="http://schemas.microsoft.com/office/powerpoint/2010/main" val="3046425239"/>
+      </p:ext>
+    </p:extLst>
+  </p:cSld>
+  <p:clrMapOvr>
+    <a:overrideClrMapping bg1="dk1" tx1="lt1" bg2="dk2" tx2="lt2" accent1="accent1" accent2="accent2" accent3="accent3" accent4="accent4" accent5="accent5" accent6="accent6" hlink="hlink" folHlink="folHlink"/>
+  </p:clrMapOvr>
+  <mc:AlternateContent xmlns:mc="http://schemas.openxmlformats.org/markup-compatibility/2006" xmlns:p14="http://schemas.microsoft.com/office/powerpoint/2010/main">
+    <mc:Choice Requires="p14">
+      <p:transition spd="slow" p14:dur="800">
+        <p14:flythrough/>
+      </p:transition>
+    </mc:Choice>
+    <mc:Fallback xmlns="">
+      <p:transition spd="slow">
+        <p:fade/>
+      </p:transition>
+    </mc:Fallback>
+  </mc:AlternateContent>
+</p:sld>
+</file>
+
+<file path=ppt/slides/slide6.xml><?xml version="1.0" encoding="utf-8"?>
+<p:sld xmlns:a="http://schemas.openxmlformats.org/drawingml/2006/main" xmlns:r="http://schemas.openxmlformats.org/officeDocument/2006/relationships" xmlns:p="http://schemas.openxmlformats.org/presentationml/2006/main">
+  <p:cSld>
+    <p:bg>
+      <p:bgPr>
+        <a:gradFill>
+          <a:gsLst>
+            <a:gs pos="0">
+              <a:schemeClr val="accent1">
+                <a:lumMod val="0"/>
+                <a:lumOff val="100000"/>
+              </a:schemeClr>
+            </a:gs>
+            <a:gs pos="74000">
+              <a:schemeClr val="accent1">
+                <a:lumMod val="45000"/>
+                <a:lumOff val="55000"/>
+              </a:schemeClr>
+            </a:gs>
+            <a:gs pos="83000">
+              <a:schemeClr val="accent1">
+                <a:lumMod val="45000"/>
+                <a:lumOff val="55000"/>
+              </a:schemeClr>
+            </a:gs>
+            <a:gs pos="100000">
+              <a:schemeClr val="accent1">
+                <a:lumMod val="30000"/>
+                <a:lumOff val="70000"/>
+              </a:schemeClr>
+            </a:gs>
+          </a:gsLst>
+          <a:lin ang="5400000" scaled="1"/>
+        </a:gradFill>
+        <a:effectLst/>
+      </p:bgPr>
+    </p:bg>
+    <p:spTree>
+      <p:nvGrpSpPr>
+        <p:cNvPr id="1" name=""/>
+        <p:cNvGrpSpPr/>
+        <p:nvPr/>
+      </p:nvGrpSpPr>
+      <p:grpSpPr>
+        <a:xfrm>
+          <a:off x="0" y="0"/>
+          <a:ext cx="0" cy="0"/>
+          <a:chOff x="0" y="0"/>
+          <a:chExt cx="0" cy="0"/>
+        </a:xfrm>
+      </p:grpSpPr>
+      <p:sp>
+        <p:nvSpPr>
+          <p:cNvPr id="28" name="Rectangle 27">
+            <a:extLst>
+              <a:ext uri="{FF2B5EF4-FFF2-40B4-BE49-F238E27FC236}">
+                <a16:creationId xmlns:a16="http://schemas.microsoft.com/office/drawing/2014/main" id="{71B2258F-86CA-4D4D-8270-BC05FCDEBFB3}"/>
+              </a:ext>
+              <a:ext uri="{C183D7F6-B498-43B3-948B-1728B52AA6E4}">
+                <adec:decorative xmlns:adec="http://schemas.microsoft.com/office/drawing/2017/decorative" val="1"/>
+              </a:ext>
+            </a:extLst>
+          </p:cNvPr>
+          <p:cNvSpPr>
+            <a:spLocks noGrp="1" noRot="1" noChangeAspect="1" noMove="1" noResize="1" noEditPoints="1" noAdjustHandles="1" noChangeArrowheads="1" noChangeShapeType="1" noTextEdit="1"/>
+          </p:cNvSpPr>
+          <p:nvPr>
+            <p:extLst>
+              <p:ext uri="{386F3935-93C4-4BCD-93E2-E3B085C9AB24}">
+                <p16:designElem xmlns:p16="http://schemas.microsoft.com/office/powerpoint/2015/main" val="1"/>
+              </p:ext>
+            </p:extLst>
+          </p:nvPr>
+        </p:nvSpPr>
+        <p:spPr>
+          <a:xfrm>
+            <a:off x="0" y="0"/>
+            <a:ext cx="12192000" cy="6857999"/>
+          </a:xfrm>
+          <a:prstGeom prst="rect">
+            <a:avLst/>
+          </a:prstGeom>
+          <a:solidFill>
+            <a:srgbClr val="000000"/>
+          </a:solidFill>
+          <a:ln>
+            <a:noFill/>
+          </a:ln>
+        </p:spPr>
+        <p:style>
+          <a:lnRef idx="2">
+            <a:schemeClr val="accent1">
+              <a:shade val="50000"/>
+            </a:schemeClr>
+          </a:lnRef>
+          <a:fillRef idx="1">
+            <a:schemeClr val="accent1"/>
+          </a:fillRef>
+          <a:effectRef idx="0">
+            <a:schemeClr val="accent1"/>
+          </a:effectRef>
+          <a:fontRef idx="minor">
+            <a:schemeClr val="lt1"/>
+          </a:fontRef>
+        </p:style>
+        <p:txBody>
+          <a:bodyPr rtlCol="0" anchor="ctr"/>
+          <a:lstStyle/>
+          <a:p>
+            <a:pPr algn="ctr"/>
+            <a:endParaRPr lang="en-US"/>
+          </a:p>
+        </p:txBody>
+      </p:sp>
+      <p:pic>
+        <p:nvPicPr>
+          <p:cNvPr id="5" name="Image 4" descr="Une image contenant table, paire&#10;&#10;Description générée automatiquement">
+            <a:extLst>
+              <a:ext uri="{FF2B5EF4-FFF2-40B4-BE49-F238E27FC236}">
+                <a16:creationId xmlns:a16="http://schemas.microsoft.com/office/drawing/2014/main" id="{0B40B6F2-5E85-4AEC-9AA6-FBD9476A5BCF}"/>
+              </a:ext>
+            </a:extLst>
+          </p:cNvPr>
+          <p:cNvPicPr>
+            <a:picLocks noChangeAspect="1"/>
+          </p:cNvPicPr>
+          <p:nvPr/>
+        </p:nvPicPr>
+        <p:blipFill rotWithShape="1">
+          <a:blip r:embed="rId2">
+            <a:alphaModFix amt="50000"/>
+            <a:extLst>
+              <a:ext uri="{BEBA8EAE-BF5A-486C-A8C5-ECC9F3942E4B}">
+                <a14:imgProps xmlns:a14="http://schemas.microsoft.com/office/drawing/2010/main">
+                  <a14:imgLayer r:embed="rId3">
+                    <a14:imgEffect>
+                      <a14:sharpenSoften amount="4000"/>
+                    </a14:imgEffect>
+                    <a14:imgEffect>
+                      <a14:colorTemperature colorTemp="5954"/>
+                    </a14:imgEffect>
+                    <a14:imgEffect>
+                      <a14:brightnessContrast bright="-23000"/>
+                    </a14:imgEffect>
+                  </a14:imgLayer>
+                </a14:imgProps>
+              </a:ext>
+              <a:ext uri="{28A0092B-C50C-407E-A947-70E740481C1C}">
+                <a14:useLocalDpi xmlns:a14="http://schemas.microsoft.com/office/drawing/2010/main" val="0"/>
+              </a:ext>
+            </a:extLst>
+          </a:blip>
+          <a:srcRect t="6250"/>
+          <a:stretch/>
+        </p:blipFill>
+        <p:spPr>
+          <a:xfrm>
+            <a:off x="0" y="0"/>
+            <a:ext cx="12192000" cy="6855958"/>
+          </a:xfrm>
+          <a:prstGeom prst="rect">
+            <a:avLst/>
+          </a:prstGeom>
+        </p:spPr>
+      </p:pic>
+      <p:pic>
+        <p:nvPicPr>
+          <p:cNvPr id="8" name="Image 7" descr="C:\Users\constantin.minos\Desktop\ArduinoRaspberry.png">
+            <a:extLst>
+              <a:ext uri="{FF2B5EF4-FFF2-40B4-BE49-F238E27FC236}">
+                <a16:creationId xmlns:a16="http://schemas.microsoft.com/office/drawing/2014/main" id="{2EBFCF5C-04BD-4535-A6C6-D236705681A8}"/>
+              </a:ext>
+            </a:extLst>
+          </p:cNvPr>
+          <p:cNvPicPr/>
+          <p:nvPr/>
+        </p:nvPicPr>
+        <p:blipFill rotWithShape="1">
+          <a:blip r:embed="rId4" cstate="print">
+            <a:alphaModFix amt="77000"/>
+            <a:extLst>
+              <a:ext uri="{28A0092B-C50C-407E-A947-70E740481C1C}">
+                <a14:useLocalDpi xmlns:a14="http://schemas.microsoft.com/office/drawing/2010/main" val="0"/>
+              </a:ext>
+            </a:extLst>
+          </a:blip>
+          <a:srcRect t="7598" r="-1" b="27510"/>
+          <a:stretch/>
+        </p:blipFill>
+        <p:spPr bwMode="auto">
+          <a:xfrm>
+            <a:off x="7053580" y="909320"/>
+            <a:ext cx="4145280" cy="3931920"/>
+          </a:xfrm>
+          <a:prstGeom prst="rect">
+            <a:avLst/>
+          </a:prstGeom>
+          <a:ln>
+            <a:noFill/>
+          </a:ln>
+          <a:effectLst>
+            <a:softEdge rad="112500"/>
+          </a:effectLst>
+        </p:spPr>
+      </p:pic>
+      <p:sp>
+        <p:nvSpPr>
+          <p:cNvPr id="2" name="Rectangle 1">
+            <a:extLst>
+              <a:ext uri="{FF2B5EF4-FFF2-40B4-BE49-F238E27FC236}">
+                <a16:creationId xmlns:a16="http://schemas.microsoft.com/office/drawing/2014/main" id="{49F79436-5C4C-4581-9A6F-78533D1C7D18}"/>
+              </a:ext>
+            </a:extLst>
+          </p:cNvPr>
+          <p:cNvSpPr/>
+          <p:nvPr/>
+        </p:nvSpPr>
+        <p:spPr>
+          <a:xfrm>
+            <a:off x="8394700" y="3347720"/>
+            <a:ext cx="2057400" cy="259080"/>
+          </a:xfrm>
+          <a:prstGeom prst="rect">
+            <a:avLst/>
+          </a:prstGeom>
+          <a:solidFill>
+            <a:srgbClr val="CFCCCA"/>
+          </a:solidFill>
+          <a:ln>
+            <a:noFill/>
+          </a:ln>
+        </p:spPr>
+        <p:style>
+          <a:lnRef idx="2">
+            <a:schemeClr val="accent1">
+              <a:shade val="50000"/>
+            </a:schemeClr>
+          </a:lnRef>
+          <a:fillRef idx="1">
+            <a:schemeClr val="accent1"/>
+          </a:fillRef>
+          <a:effectRef idx="0">
+            <a:schemeClr val="accent1"/>
+          </a:effectRef>
+          <a:fontRef idx="minor">
+            <a:schemeClr val="lt1"/>
+          </a:fontRef>
+        </p:style>
+        <p:txBody>
+          <a:bodyPr rtlCol="0" anchor="ctr"/>
+          <a:lstStyle/>
+          <a:p>
+            <a:pPr algn="ctr"/>
+            <a:endParaRPr lang="fr-FR"/>
+          </a:p>
+        </p:txBody>
+      </p:sp>
+      <p:sp>
+        <p:nvSpPr>
+          <p:cNvPr id="3" name="Rectangle 2">
+            <a:extLst>
+              <a:ext uri="{FF2B5EF4-FFF2-40B4-BE49-F238E27FC236}">
+                <a16:creationId xmlns:a16="http://schemas.microsoft.com/office/drawing/2014/main" id="{8FD17D03-D7B4-441F-A883-B41004C67739}"/>
+              </a:ext>
+            </a:extLst>
+          </p:cNvPr>
+          <p:cNvSpPr/>
+          <p:nvPr/>
+        </p:nvSpPr>
+        <p:spPr>
+          <a:xfrm>
+            <a:off x="7815580" y="3347720"/>
+            <a:ext cx="396240" cy="259080"/>
+          </a:xfrm>
+          <a:prstGeom prst="rect">
+            <a:avLst/>
+          </a:prstGeom>
+          <a:solidFill>
+            <a:srgbClr val="D1CECD"/>
+          </a:solidFill>
+          <a:ln>
+            <a:noFill/>
+          </a:ln>
+        </p:spPr>
+        <p:style>
+          <a:lnRef idx="2">
+            <a:schemeClr val="accent1">
+              <a:shade val="50000"/>
+            </a:schemeClr>
+          </a:lnRef>
+          <a:fillRef idx="1">
+            <a:schemeClr val="accent1"/>
+          </a:fillRef>
+          <a:effectRef idx="0">
+            <a:schemeClr val="accent1"/>
+          </a:effectRef>
+          <a:fontRef idx="minor">
+            <a:schemeClr val="lt1"/>
+          </a:fontRef>
+        </p:style>
+        <p:txBody>
+          <a:bodyPr rtlCol="0" anchor="ctr"/>
+          <a:lstStyle/>
+          <a:p>
+            <a:pPr algn="ctr"/>
+            <a:endParaRPr lang="fr-FR"/>
+          </a:p>
+        </p:txBody>
+      </p:sp>
+      <p:sp>
+        <p:nvSpPr>
+          <p:cNvPr id="4" name="Rectangle 3">
+            <a:extLst>
+              <a:ext uri="{FF2B5EF4-FFF2-40B4-BE49-F238E27FC236}">
+                <a16:creationId xmlns:a16="http://schemas.microsoft.com/office/drawing/2014/main" id="{FB18A8F2-0E4E-4B7D-A25D-6B492920ABAD}"/>
+              </a:ext>
+            </a:extLst>
+          </p:cNvPr>
+          <p:cNvSpPr/>
+          <p:nvPr/>
+        </p:nvSpPr>
+        <p:spPr>
+          <a:xfrm rot="599388">
+            <a:off x="8288020" y="3347720"/>
+            <a:ext cx="45719" cy="259080"/>
+          </a:xfrm>
+          <a:prstGeom prst="rect">
+            <a:avLst/>
+          </a:prstGeom>
+          <a:solidFill>
+            <a:srgbClr val="D1CECD"/>
+          </a:solidFill>
+          <a:ln>
+            <a:noFill/>
+          </a:ln>
+        </p:spPr>
+        <p:style>
+          <a:lnRef idx="2">
+            <a:schemeClr val="accent1">
+              <a:shade val="50000"/>
+            </a:schemeClr>
+          </a:lnRef>
+          <a:fillRef idx="1">
+            <a:schemeClr val="accent1"/>
+          </a:fillRef>
+          <a:effectRef idx="0">
+            <a:schemeClr val="accent1"/>
+          </a:effectRef>
+          <a:fontRef idx="minor">
+            <a:schemeClr val="lt1"/>
+          </a:fontRef>
+        </p:style>
+        <p:txBody>
+          <a:bodyPr rtlCol="0" anchor="ctr"/>
+          <a:lstStyle/>
+          <a:p>
+            <a:pPr algn="ctr"/>
+            <a:endParaRPr lang="fr-FR"/>
+          </a:p>
+        </p:txBody>
+      </p:sp>
+      <p:sp>
+        <p:nvSpPr>
+          <p:cNvPr id="7" name="ZoneTexte 6">
+            <a:extLst>
+              <a:ext uri="{FF2B5EF4-FFF2-40B4-BE49-F238E27FC236}">
+                <a16:creationId xmlns:a16="http://schemas.microsoft.com/office/drawing/2014/main" id="{9E8246C0-E007-4218-BA58-0C197C76828A}"/>
+              </a:ext>
+            </a:extLst>
+          </p:cNvPr>
+          <p:cNvSpPr txBox="1"/>
+          <p:nvPr/>
+        </p:nvSpPr>
+        <p:spPr>
+          <a:xfrm>
+            <a:off x="791215" y="1998117"/>
+            <a:ext cx="5949582" cy="1754326"/>
+          </a:xfrm>
+          <a:prstGeom prst="rect">
+            <a:avLst/>
+          </a:prstGeom>
+          <a:noFill/>
+          <a:ln>
+            <a:noFill/>
+          </a:ln>
+        </p:spPr>
+        <p:txBody>
+          <a:bodyPr wrap="square" rtlCol="0">
+            <a:spAutoFit/>
+          </a:bodyPr>
+          <a:lstStyle/>
+          <a:p>
+            <a:pPr marL="285750" indent="-285750">
+              <a:buFont typeface="Arial" panose="020B0604020202020204" pitchFamily="34" charset="0"/>
+              <a:buChar char="•"/>
+            </a:pPr>
+            <a:r>
+              <a:rPr lang="fr-FR" b="1" dirty="0"/>
+              <a:t>ne pas utiliser le port USB, le Raspberry Pi étant limité</a:t>
+            </a:r>
+          </a:p>
+          <a:p>
+            <a:endParaRPr lang="fr-FR" b="1" dirty="0"/>
+          </a:p>
+          <a:p>
+            <a:r>
+              <a:rPr lang="fr-FR" b="1" dirty="0"/>
+              <a:t> </a:t>
+            </a:r>
+          </a:p>
+          <a:p>
+            <a:pPr marL="285750" indent="-285750">
+              <a:buFont typeface="Arial" panose="020B0604020202020204" pitchFamily="34" charset="0"/>
+              <a:buChar char="•"/>
+            </a:pPr>
+            <a:r>
+              <a:rPr lang="fr-FR" b="1" dirty="0"/>
+              <a:t>parce qu’il y a beaucoup de Pin assez pour faire communiquer 9 Arduino avec la Raspberry </a:t>
+            </a:r>
+          </a:p>
+          <a:p>
+            <a:pPr marL="285750" indent="-285750">
+              <a:buFont typeface="Arial" panose="020B0604020202020204" pitchFamily="34" charset="0"/>
+              <a:buChar char="•"/>
+            </a:pPr>
+            <a:endParaRPr lang="fr-FR" dirty="0"/>
+          </a:p>
+        </p:txBody>
+      </p:sp>
+    </p:spTree>
+    <p:extLst>
+      <p:ext uri="{BB962C8B-B14F-4D97-AF65-F5344CB8AC3E}">
+        <p14:creationId xmlns:p14="http://schemas.microsoft.com/office/powerpoint/2010/main" val="3890944847"/>
+      </p:ext>
+    </p:extLst>
+  </p:cSld>
+  <p:clrMapOvr>
+    <a:overrideClrMapping bg1="dk1" tx1="lt1" bg2="dk2" tx2="lt2" accent1="accent1" accent2="accent2" accent3="accent3" accent4="accent4" accent5="accent5" accent6="accent6" hlink="hlink" folHlink="folHlink"/>
+  </p:clrMapOvr>
+  <mc:AlternateContent xmlns:mc="http://schemas.openxmlformats.org/markup-compatibility/2006" xmlns:p14="http://schemas.microsoft.com/office/powerpoint/2010/main">
+    <mc:Choice Requires="p14">
+      <p:transition spd="slow" p14:dur="800">
+        <p14:flythrough/>
+      </p:transition>
+    </mc:Choice>
+    <mc:Fallback xmlns="">
+      <p:transition spd="slow">
+        <p:fade/>
+      </p:transition>
+    </mc:Fallback>
+  </mc:AlternateContent>
+</p:sld>
+</file>
+
+<file path=ppt/slides/slide7.xml><?xml version="1.0" encoding="utf-8"?>
+<p:sld xmlns:a="http://schemas.openxmlformats.org/drawingml/2006/main" xmlns:r="http://schemas.openxmlformats.org/officeDocument/2006/relationships" xmlns:p="http://schemas.openxmlformats.org/presentationml/2006/main">
+  <p:cSld>
+    <p:bg>
+      <p:bgPr>
+        <a:gradFill>
+          <a:gsLst>
+            <a:gs pos="0">
+              <a:schemeClr val="accent1">
+                <a:lumMod val="0"/>
+                <a:lumOff val="100000"/>
+              </a:schemeClr>
+            </a:gs>
+            <a:gs pos="74000">
+              <a:schemeClr val="accent1">
+                <a:lumMod val="45000"/>
+                <a:lumOff val="55000"/>
+              </a:schemeClr>
+            </a:gs>
+            <a:gs pos="83000">
+              <a:schemeClr val="accent1">
+                <a:lumMod val="45000"/>
+                <a:lumOff val="55000"/>
+              </a:schemeClr>
+            </a:gs>
+            <a:gs pos="100000">
+              <a:schemeClr val="accent1">
+                <a:lumMod val="30000"/>
+                <a:lumOff val="70000"/>
+              </a:schemeClr>
+            </a:gs>
+          </a:gsLst>
+          <a:lin ang="5400000" scaled="1"/>
+        </a:gradFill>
+        <a:effectLst/>
+      </p:bgPr>
+    </p:bg>
+    <p:spTree>
+      <p:nvGrpSpPr>
+        <p:cNvPr id="1" name=""/>
+        <p:cNvGrpSpPr/>
+        <p:nvPr/>
+      </p:nvGrpSpPr>
+      <p:grpSpPr>
+        <a:xfrm>
+          <a:off x="0" y="0"/>
+          <a:ext cx="0" cy="0"/>
+          <a:chOff x="0" y="0"/>
+          <a:chExt cx="0" cy="0"/>
+        </a:xfrm>
+      </p:grpSpPr>
+      <p:sp>
+        <p:nvSpPr>
+          <p:cNvPr id="28" name="Rectangle 27">
+            <a:extLst>
+              <a:ext uri="{FF2B5EF4-FFF2-40B4-BE49-F238E27FC236}">
+                <a16:creationId xmlns:a16="http://schemas.microsoft.com/office/drawing/2014/main" id="{71B2258F-86CA-4D4D-8270-BC05FCDEBFB3}"/>
+              </a:ext>
+              <a:ext uri="{C183D7F6-B498-43B3-948B-1728B52AA6E4}">
+                <adec:decorative xmlns:adec="http://schemas.microsoft.com/office/drawing/2017/decorative" val="1"/>
+              </a:ext>
+            </a:extLst>
+          </p:cNvPr>
+          <p:cNvSpPr>
+            <a:spLocks noGrp="1" noRot="1" noChangeAspect="1" noMove="1" noResize="1" noEditPoints="1" noAdjustHandles="1" noChangeArrowheads="1" noChangeShapeType="1" noTextEdit="1"/>
+          </p:cNvSpPr>
+          <p:nvPr>
+            <p:extLst>
+              <p:ext uri="{386F3935-93C4-4BCD-93E2-E3B085C9AB24}">
+                <p16:designElem xmlns:p16="http://schemas.microsoft.com/office/powerpoint/2015/main" val="1"/>
+              </p:ext>
+            </p:extLst>
+          </p:nvPr>
+        </p:nvSpPr>
+        <p:spPr>
+          <a:xfrm>
+            <a:off x="0" y="0"/>
+            <a:ext cx="12192000" cy="6857999"/>
+          </a:xfrm>
+          <a:prstGeom prst="rect">
+            <a:avLst/>
+          </a:prstGeom>
+          <a:solidFill>
+            <a:srgbClr val="000000"/>
+          </a:solidFill>
+          <a:ln>
+            <a:noFill/>
+          </a:ln>
+        </p:spPr>
+        <p:style>
+          <a:lnRef idx="2">
+            <a:schemeClr val="accent1">
+              <a:shade val="50000"/>
+            </a:schemeClr>
+          </a:lnRef>
+          <a:fillRef idx="1">
+            <a:schemeClr val="accent1"/>
+          </a:fillRef>
+          <a:effectRef idx="0">
+            <a:schemeClr val="accent1"/>
+          </a:effectRef>
+          <a:fontRef idx="minor">
+            <a:schemeClr val="lt1"/>
+          </a:fontRef>
+        </p:style>
+        <p:txBody>
+          <a:bodyPr rtlCol="0" anchor="ctr"/>
+          <a:lstStyle/>
+          <a:p>
+            <a:pPr algn="ctr"/>
+            <a:endParaRPr lang="en-US"/>
+          </a:p>
+        </p:txBody>
+      </p:sp>
+      <p:pic>
+        <p:nvPicPr>
+          <p:cNvPr id="5" name="Image 4" descr="Une image contenant table, paire&#10;&#10;Description générée automatiquement">
+            <a:extLst>
+              <a:ext uri="{FF2B5EF4-FFF2-40B4-BE49-F238E27FC236}">
+                <a16:creationId xmlns:a16="http://schemas.microsoft.com/office/drawing/2014/main" id="{0B40B6F2-5E85-4AEC-9AA6-FBD9476A5BCF}"/>
+              </a:ext>
+            </a:extLst>
+          </p:cNvPr>
+          <p:cNvPicPr>
+            <a:picLocks noChangeAspect="1"/>
+          </p:cNvPicPr>
+          <p:nvPr/>
+        </p:nvPicPr>
+        <p:blipFill rotWithShape="1">
+          <a:blip r:embed="rId2">
+            <a:alphaModFix amt="50000"/>
+            <a:extLst>
+              <a:ext uri="{BEBA8EAE-BF5A-486C-A8C5-ECC9F3942E4B}">
+                <a14:imgProps xmlns:a14="http://schemas.microsoft.com/office/drawing/2010/main">
+                  <a14:imgLayer r:embed="rId3">
+                    <a14:imgEffect>
+                      <a14:sharpenSoften amount="4000"/>
+                    </a14:imgEffect>
+                    <a14:imgEffect>
+                      <a14:colorTemperature colorTemp="5954"/>
+                    </a14:imgEffect>
+                    <a14:imgEffect>
+                      <a14:brightnessContrast bright="-23000"/>
+                    </a14:imgEffect>
+                  </a14:imgLayer>
+                </a14:imgProps>
+              </a:ext>
+              <a:ext uri="{28A0092B-C50C-407E-A947-70E740481C1C}">
+                <a14:useLocalDpi xmlns:a14="http://schemas.microsoft.com/office/drawing/2010/main" val="0"/>
+              </a:ext>
+            </a:extLst>
+          </a:blip>
+          <a:srcRect t="6250"/>
+          <a:stretch/>
+        </p:blipFill>
+        <p:spPr>
+          <a:xfrm>
+            <a:off x="0" y="0"/>
+            <a:ext cx="12192000" cy="6855958"/>
+          </a:xfrm>
+          <a:prstGeom prst="rect">
+            <a:avLst/>
+          </a:prstGeom>
+        </p:spPr>
+      </p:pic>
+    </p:spTree>
+    <p:extLst>
+      <p:ext uri="{BB962C8B-B14F-4D97-AF65-F5344CB8AC3E}">
+        <p14:creationId xmlns:p14="http://schemas.microsoft.com/office/powerpoint/2010/main" val="3681754261"/>
+      </p:ext>
+    </p:extLst>
+  </p:cSld>
+  <p:clrMapOvr>
+    <a:overrideClrMapping bg1="dk1" tx1="lt1" bg2="dk2" tx2="lt2" accent1="accent1" accent2="accent2" accent3="accent3" accent4="accent4" accent5="accent5" accent6="accent6" hlink="hlink" folHlink="folHlink"/>
+  </p:clrMapOvr>
+  <mc:AlternateContent xmlns:mc="http://schemas.openxmlformats.org/markup-compatibility/2006" xmlns:p14="http://schemas.microsoft.com/office/powerpoint/2010/main">
+    <mc:Choice Requires="p14">
+      <p:transition spd="slow" p14:dur="800">
+        <p14:flythrough/>
+      </p:transition>
+    </mc:Choice>
+    <mc:Fallback xmlns="">
+      <p:transition spd="slow">
+        <p:fade/>
+      </p:transition>
+    </mc:Fallback>
+  </mc:AlternateContent>
+</p:sld>
+</file>
+
+<file path=ppt/slides/slide8.xml><?xml version="1.0" encoding="utf-8"?>
+<p:sld xmlns:a="http://schemas.openxmlformats.org/drawingml/2006/main" xmlns:r="http://schemas.openxmlformats.org/officeDocument/2006/relationships" xmlns:p="http://schemas.openxmlformats.org/presentationml/2006/main">
+  <p:cSld>
+    <p:bg>
+      <p:bgPr>
+        <a:gradFill>
+          <a:gsLst>
+            <a:gs pos="0">
+              <a:schemeClr val="accent1">
+                <a:lumMod val="0"/>
+                <a:lumOff val="100000"/>
+              </a:schemeClr>
+            </a:gs>
+            <a:gs pos="74000">
+              <a:schemeClr val="accent1">
+                <a:lumMod val="45000"/>
+                <a:lumOff val="55000"/>
+              </a:schemeClr>
+            </a:gs>
+            <a:gs pos="83000">
+              <a:schemeClr val="accent1">
+                <a:lumMod val="45000"/>
+                <a:lumOff val="55000"/>
+              </a:schemeClr>
+            </a:gs>
+            <a:gs pos="100000">
+              <a:schemeClr val="accent1">
+                <a:lumMod val="30000"/>
+                <a:lumOff val="70000"/>
+              </a:schemeClr>
+            </a:gs>
+          </a:gsLst>
+          <a:lin ang="5400000" scaled="1"/>
+        </a:gradFill>
+        <a:effectLst/>
+      </p:bgPr>
+    </p:bg>
+    <p:spTree>
+      <p:nvGrpSpPr>
+        <p:cNvPr id="1" name=""/>
+        <p:cNvGrpSpPr/>
+        <p:nvPr/>
+      </p:nvGrpSpPr>
+      <p:grpSpPr>
+        <a:xfrm>
+          <a:off x="0" y="0"/>
+          <a:ext cx="0" cy="0"/>
+          <a:chOff x="0" y="0"/>
+          <a:chExt cx="0" cy="0"/>
+        </a:xfrm>
+      </p:grpSpPr>
+      <p:sp>
+        <p:nvSpPr>
+          <p:cNvPr id="28" name="Rectangle 27">
+            <a:extLst>
+              <a:ext uri="{FF2B5EF4-FFF2-40B4-BE49-F238E27FC236}">
+                <a16:creationId xmlns:a16="http://schemas.microsoft.com/office/drawing/2014/main" id="{71B2258F-86CA-4D4D-8270-BC05FCDEBFB3}"/>
+              </a:ext>
+              <a:ext uri="{C183D7F6-B498-43B3-948B-1728B52AA6E4}">
+                <adec:decorative xmlns:adec="http://schemas.microsoft.com/office/drawing/2017/decorative" val="1"/>
+              </a:ext>
+            </a:extLst>
+          </p:cNvPr>
+          <p:cNvSpPr>
+            <a:spLocks noGrp="1" noRot="1" noChangeAspect="1" noMove="1" noResize="1" noEditPoints="1" noAdjustHandles="1" noChangeArrowheads="1" noChangeShapeType="1" noTextEdit="1"/>
+          </p:cNvSpPr>
+          <p:nvPr>
+            <p:extLst>
+              <p:ext uri="{386F3935-93C4-4BCD-93E2-E3B085C9AB24}">
+                <p16:designElem xmlns:p16="http://schemas.microsoft.com/office/powerpoint/2015/main" val="1"/>
+              </p:ext>
+            </p:extLst>
+          </p:nvPr>
+        </p:nvSpPr>
+        <p:spPr>
+          <a:xfrm>
+            <a:off x="0" y="0"/>
+            <a:ext cx="12192000" cy="6857999"/>
+          </a:xfrm>
+          <a:prstGeom prst="rect">
+            <a:avLst/>
+          </a:prstGeom>
+          <a:solidFill>
+            <a:srgbClr val="000000"/>
+          </a:solidFill>
+          <a:ln>
+            <a:noFill/>
+          </a:ln>
+        </p:spPr>
+        <p:style>
+          <a:lnRef idx="2">
+            <a:schemeClr val="accent1">
+              <a:shade val="50000"/>
+            </a:schemeClr>
+          </a:lnRef>
+          <a:fillRef idx="1">
+            <a:schemeClr val="accent1"/>
+          </a:fillRef>
+          <a:effectRef idx="0">
+            <a:schemeClr val="accent1"/>
+          </a:effectRef>
+          <a:fontRef idx="minor">
+            <a:schemeClr val="lt1"/>
+          </a:fontRef>
+        </p:style>
+        <p:txBody>
+          <a:bodyPr rtlCol="0" anchor="ctr"/>
+          <a:lstStyle/>
+          <a:p>
+            <a:pPr algn="ctr"/>
+            <a:endParaRPr lang="en-US"/>
+          </a:p>
+        </p:txBody>
+      </p:sp>
+      <p:pic>
+        <p:nvPicPr>
+          <p:cNvPr id="5" name="Image 4" descr="Une image contenant table, paire&#10;&#10;Description générée automatiquement">
+            <a:extLst>
+              <a:ext uri="{FF2B5EF4-FFF2-40B4-BE49-F238E27FC236}">
+                <a16:creationId xmlns:a16="http://schemas.microsoft.com/office/drawing/2014/main" id="{0B40B6F2-5E85-4AEC-9AA6-FBD9476A5BCF}"/>
+              </a:ext>
+            </a:extLst>
+          </p:cNvPr>
+          <p:cNvPicPr>
+            <a:picLocks noChangeAspect="1"/>
+          </p:cNvPicPr>
+          <p:nvPr/>
+        </p:nvPicPr>
+        <p:blipFill rotWithShape="1">
+          <a:blip r:embed="rId2">
+            <a:alphaModFix amt="50000"/>
+            <a:extLst>
+              <a:ext uri="{BEBA8EAE-BF5A-486C-A8C5-ECC9F3942E4B}">
+                <a14:imgProps xmlns:a14="http://schemas.microsoft.com/office/drawing/2010/main">
+                  <a14:imgLayer r:embed="rId3">
+                    <a14:imgEffect>
+                      <a14:sharpenSoften amount="4000"/>
+                    </a14:imgEffect>
+                    <a14:imgEffect>
+                      <a14:colorTemperature colorTemp="5954"/>
+                    </a14:imgEffect>
+                    <a14:imgEffect>
+                      <a14:brightnessContrast bright="-23000"/>
+                    </a14:imgEffect>
+                  </a14:imgLayer>
+                </a14:imgProps>
+              </a:ext>
+              <a:ext uri="{28A0092B-C50C-407E-A947-70E740481C1C}">
+                <a14:useLocalDpi xmlns:a14="http://schemas.microsoft.com/office/drawing/2010/main" val="0"/>
+              </a:ext>
+            </a:extLst>
+          </a:blip>
+          <a:srcRect t="6250"/>
+          <a:stretch/>
+        </p:blipFill>
+        <p:spPr>
+          <a:xfrm>
+            <a:off x="0" y="0"/>
+            <a:ext cx="12192000" cy="6855958"/>
+          </a:xfrm>
+          <a:prstGeom prst="rect">
+            <a:avLst/>
+          </a:prstGeom>
+        </p:spPr>
+      </p:pic>
+    </p:spTree>
+    <p:extLst>
+      <p:ext uri="{BB962C8B-B14F-4D97-AF65-F5344CB8AC3E}">
+        <p14:creationId xmlns:p14="http://schemas.microsoft.com/office/powerpoint/2010/main" val="2422391249"/>
+      </p:ext>
+    </p:extLst>
+  </p:cSld>
+  <p:clrMapOvr>
+    <a:overrideClrMapping bg1="dk1" tx1="lt1" bg2="dk2" tx2="lt2" accent1="accent1" accent2="accent2" accent3="accent3" accent4="accent4" accent5="accent5" accent6="accent6" hlink="hlink" folHlink="folHlink"/>
+  </p:clrMapOvr>
+  <mc:AlternateContent xmlns:mc="http://schemas.openxmlformats.org/markup-compatibility/2006" xmlns:p14="http://schemas.microsoft.com/office/powerpoint/2010/main">
+    <mc:Choice Requires="p14">
+      <p:transition spd="slow" p14:dur="800">
+        <p14:flythrough/>
+      </p:transition>
+    </mc:Choice>
+    <mc:Fallback xmlns="">
+      <p:transition spd="slow">
+        <p:fade/>
+      </p:transition>
+    </mc:Fallback>
+  </mc:AlternateContent>
 </p:sld>
 </file>
 

--- a/Etudiants/Constantin/Constantin.MInos.RDPno1.pptx
+++ b/Etudiants/Constantin/Constantin.MInos.RDPno1.pptx
@@ -13,6 +13,7 @@
     <p:sldId id="266" r:id="rId7"/>
     <p:sldId id="268" r:id="rId8"/>
     <p:sldId id="269" r:id="rId9"/>
+    <p:sldId id="270" r:id="rId10"/>
   </p:sldIdLst>
   <p:sldSz cx="12192000" cy="6858000"/>
   <p:notesSz cx="6858000" cy="9144000"/>
@@ -4365,6 +4366,492 @@
           </a:prstGeom>
         </p:spPr>
       </p:pic>
+      <p:sp>
+        <p:nvSpPr>
+          <p:cNvPr id="4" name="Rectangle 3">
+            <a:extLst>
+              <a:ext uri="{FF2B5EF4-FFF2-40B4-BE49-F238E27FC236}">
+                <a16:creationId xmlns:a16="http://schemas.microsoft.com/office/drawing/2014/main" id="{D29C26F6-3E00-44B4-9B08-7C849A901FF7}"/>
+              </a:ext>
+            </a:extLst>
+          </p:cNvPr>
+          <p:cNvSpPr/>
+          <p:nvPr/>
+        </p:nvSpPr>
+        <p:spPr>
+          <a:xfrm>
+            <a:off x="203016" y="5835694"/>
+            <a:ext cx="11562264" cy="599269"/>
+          </a:xfrm>
+          <a:prstGeom prst="rect">
+            <a:avLst/>
+          </a:prstGeom>
+          <a:solidFill>
+            <a:srgbClr val="CFCCCA"/>
+          </a:solidFill>
+          <a:ln>
+            <a:solidFill>
+              <a:schemeClr val="tx1"/>
+            </a:solidFill>
+          </a:ln>
+        </p:spPr>
+        <p:style>
+          <a:lnRef idx="2">
+            <a:schemeClr val="accent1">
+              <a:shade val="50000"/>
+            </a:schemeClr>
+          </a:lnRef>
+          <a:fillRef idx="1">
+            <a:schemeClr val="accent1"/>
+          </a:fillRef>
+          <a:effectRef idx="0">
+            <a:schemeClr val="accent1"/>
+          </a:effectRef>
+          <a:fontRef idx="minor">
+            <a:schemeClr val="lt1"/>
+          </a:fontRef>
+        </p:style>
+        <p:txBody>
+          <a:bodyPr rtlCol="0" anchor="ctr"/>
+          <a:lstStyle/>
+          <a:p>
+            <a:pPr algn="ctr"/>
+            <a:endParaRPr lang="fr-FR"/>
+          </a:p>
+        </p:txBody>
+      </p:sp>
+      <p:sp>
+        <p:nvSpPr>
+          <p:cNvPr id="6" name="Ellipse 5">
+            <a:extLst>
+              <a:ext uri="{FF2B5EF4-FFF2-40B4-BE49-F238E27FC236}">
+                <a16:creationId xmlns:a16="http://schemas.microsoft.com/office/drawing/2014/main" id="{67AD632A-E6B8-4A8F-8646-3F4E65435D78}"/>
+              </a:ext>
+            </a:extLst>
+          </p:cNvPr>
+          <p:cNvSpPr/>
+          <p:nvPr/>
+        </p:nvSpPr>
+        <p:spPr>
+          <a:xfrm>
+            <a:off x="442338" y="5656353"/>
+            <a:ext cx="984068" cy="914400"/>
+          </a:xfrm>
+          <a:prstGeom prst="ellipse">
+            <a:avLst/>
+          </a:prstGeom>
+          <a:solidFill>
+            <a:srgbClr val="92EE22"/>
+          </a:solidFill>
+          <a:ln>
+            <a:solidFill>
+              <a:schemeClr val="tx1"/>
+            </a:solidFill>
+          </a:ln>
+        </p:spPr>
+        <p:style>
+          <a:lnRef idx="2">
+            <a:schemeClr val="accent1">
+              <a:shade val="50000"/>
+            </a:schemeClr>
+          </a:lnRef>
+          <a:fillRef idx="1">
+            <a:schemeClr val="accent1"/>
+          </a:fillRef>
+          <a:effectRef idx="0">
+            <a:schemeClr val="accent1"/>
+          </a:effectRef>
+          <a:fontRef idx="minor">
+            <a:schemeClr val="lt1"/>
+          </a:fontRef>
+        </p:style>
+        <p:txBody>
+          <a:bodyPr rtlCol="0" anchor="ctr"/>
+          <a:lstStyle/>
+          <a:p>
+            <a:pPr algn="ctr"/>
+            <a:endParaRPr lang="fr-FR"/>
+          </a:p>
+        </p:txBody>
+      </p:sp>
+      <p:sp>
+        <p:nvSpPr>
+          <p:cNvPr id="7" name="Ellipse 6">
+            <a:extLst>
+              <a:ext uri="{FF2B5EF4-FFF2-40B4-BE49-F238E27FC236}">
+                <a16:creationId xmlns:a16="http://schemas.microsoft.com/office/drawing/2014/main" id="{87190967-1C62-4082-8010-25A19DA2A04B}"/>
+              </a:ext>
+            </a:extLst>
+          </p:cNvPr>
+          <p:cNvSpPr/>
+          <p:nvPr/>
+        </p:nvSpPr>
+        <p:spPr>
+          <a:xfrm>
+            <a:off x="1832631" y="5678122"/>
+            <a:ext cx="984068" cy="914400"/>
+          </a:xfrm>
+          <a:prstGeom prst="ellipse">
+            <a:avLst/>
+          </a:prstGeom>
+          <a:solidFill>
+            <a:srgbClr val="D1CECD"/>
+          </a:solidFill>
+          <a:ln>
+            <a:solidFill>
+              <a:schemeClr val="tx1"/>
+            </a:solidFill>
+          </a:ln>
+        </p:spPr>
+        <p:style>
+          <a:lnRef idx="2">
+            <a:schemeClr val="accent1">
+              <a:shade val="50000"/>
+            </a:schemeClr>
+          </a:lnRef>
+          <a:fillRef idx="1">
+            <a:schemeClr val="accent1"/>
+          </a:fillRef>
+          <a:effectRef idx="0">
+            <a:schemeClr val="accent1"/>
+          </a:effectRef>
+          <a:fontRef idx="minor">
+            <a:schemeClr val="lt1"/>
+          </a:fontRef>
+        </p:style>
+        <p:txBody>
+          <a:bodyPr rtlCol="0" anchor="ctr"/>
+          <a:lstStyle/>
+          <a:p>
+            <a:pPr algn="ctr"/>
+            <a:endParaRPr lang="fr-FR"/>
+          </a:p>
+        </p:txBody>
+      </p:sp>
+      <p:sp>
+        <p:nvSpPr>
+          <p:cNvPr id="8" name="Ellipse 7">
+            <a:extLst>
+              <a:ext uri="{FF2B5EF4-FFF2-40B4-BE49-F238E27FC236}">
+                <a16:creationId xmlns:a16="http://schemas.microsoft.com/office/drawing/2014/main" id="{E7D12F24-A8FD-490D-B875-A426A2344F75}"/>
+              </a:ext>
+            </a:extLst>
+          </p:cNvPr>
+          <p:cNvSpPr/>
+          <p:nvPr/>
+        </p:nvSpPr>
+        <p:spPr>
+          <a:xfrm>
+            <a:off x="3279879" y="5656489"/>
+            <a:ext cx="984068" cy="914400"/>
+          </a:xfrm>
+          <a:prstGeom prst="ellipse">
+            <a:avLst/>
+          </a:prstGeom>
+          <a:solidFill>
+            <a:srgbClr val="D1CECD"/>
+          </a:solidFill>
+          <a:ln>
+            <a:solidFill>
+              <a:schemeClr val="tx1"/>
+            </a:solidFill>
+          </a:ln>
+        </p:spPr>
+        <p:style>
+          <a:lnRef idx="2">
+            <a:schemeClr val="accent1">
+              <a:shade val="50000"/>
+            </a:schemeClr>
+          </a:lnRef>
+          <a:fillRef idx="1">
+            <a:schemeClr val="accent1"/>
+          </a:fillRef>
+          <a:effectRef idx="0">
+            <a:schemeClr val="accent1"/>
+          </a:effectRef>
+          <a:fontRef idx="minor">
+            <a:schemeClr val="lt1"/>
+          </a:fontRef>
+        </p:style>
+        <p:txBody>
+          <a:bodyPr rtlCol="0" anchor="ctr"/>
+          <a:lstStyle/>
+          <a:p>
+            <a:pPr algn="ctr"/>
+            <a:endParaRPr lang="fr-FR"/>
+          </a:p>
+        </p:txBody>
+      </p:sp>
+      <p:sp>
+        <p:nvSpPr>
+          <p:cNvPr id="9" name="Ellipse 8">
+            <a:extLst>
+              <a:ext uri="{FF2B5EF4-FFF2-40B4-BE49-F238E27FC236}">
+                <a16:creationId xmlns:a16="http://schemas.microsoft.com/office/drawing/2014/main" id="{F0FCBDDD-8B1E-4CDE-852F-559FAF382780}"/>
+              </a:ext>
+            </a:extLst>
+          </p:cNvPr>
+          <p:cNvSpPr/>
+          <p:nvPr/>
+        </p:nvSpPr>
+        <p:spPr>
+          <a:xfrm>
+            <a:off x="4761966" y="5665062"/>
+            <a:ext cx="984068" cy="914400"/>
+          </a:xfrm>
+          <a:prstGeom prst="ellipse">
+            <a:avLst/>
+          </a:prstGeom>
+          <a:solidFill>
+            <a:srgbClr val="D1CECD"/>
+          </a:solidFill>
+          <a:ln>
+            <a:solidFill>
+              <a:schemeClr val="tx1"/>
+            </a:solidFill>
+          </a:ln>
+        </p:spPr>
+        <p:style>
+          <a:lnRef idx="2">
+            <a:schemeClr val="accent1">
+              <a:shade val="50000"/>
+            </a:schemeClr>
+          </a:lnRef>
+          <a:fillRef idx="1">
+            <a:schemeClr val="accent1"/>
+          </a:fillRef>
+          <a:effectRef idx="0">
+            <a:schemeClr val="accent1"/>
+          </a:effectRef>
+          <a:fontRef idx="minor">
+            <a:schemeClr val="lt1"/>
+          </a:fontRef>
+        </p:style>
+        <p:txBody>
+          <a:bodyPr rtlCol="0" anchor="ctr"/>
+          <a:lstStyle/>
+          <a:p>
+            <a:pPr algn="ctr"/>
+            <a:endParaRPr lang="fr-FR"/>
+          </a:p>
+        </p:txBody>
+      </p:sp>
+      <p:sp>
+        <p:nvSpPr>
+          <p:cNvPr id="10" name="Ellipse 9">
+            <a:extLst>
+              <a:ext uri="{FF2B5EF4-FFF2-40B4-BE49-F238E27FC236}">
+                <a16:creationId xmlns:a16="http://schemas.microsoft.com/office/drawing/2014/main" id="{2639330E-B49A-49C3-96B6-166FD5201C3C}"/>
+              </a:ext>
+            </a:extLst>
+          </p:cNvPr>
+          <p:cNvSpPr/>
+          <p:nvPr/>
+        </p:nvSpPr>
+        <p:spPr>
+          <a:xfrm>
+            <a:off x="6240977" y="5660841"/>
+            <a:ext cx="984068" cy="914400"/>
+          </a:xfrm>
+          <a:prstGeom prst="ellipse">
+            <a:avLst/>
+          </a:prstGeom>
+          <a:solidFill>
+            <a:srgbClr val="D1CECD"/>
+          </a:solidFill>
+          <a:ln>
+            <a:solidFill>
+              <a:schemeClr val="tx1"/>
+            </a:solidFill>
+          </a:ln>
+        </p:spPr>
+        <p:style>
+          <a:lnRef idx="2">
+            <a:schemeClr val="accent1">
+              <a:shade val="50000"/>
+            </a:schemeClr>
+          </a:lnRef>
+          <a:fillRef idx="1">
+            <a:schemeClr val="accent1"/>
+          </a:fillRef>
+          <a:effectRef idx="0">
+            <a:schemeClr val="accent1"/>
+          </a:effectRef>
+          <a:fontRef idx="minor">
+            <a:schemeClr val="lt1"/>
+          </a:fontRef>
+        </p:style>
+        <p:txBody>
+          <a:bodyPr rtlCol="0" anchor="ctr"/>
+          <a:lstStyle/>
+          <a:p>
+            <a:pPr algn="ctr"/>
+            <a:endParaRPr lang="fr-FR"/>
+          </a:p>
+        </p:txBody>
+      </p:sp>
+      <p:sp>
+        <p:nvSpPr>
+          <p:cNvPr id="11" name="Ellipse 10">
+            <a:extLst>
+              <a:ext uri="{FF2B5EF4-FFF2-40B4-BE49-F238E27FC236}">
+                <a16:creationId xmlns:a16="http://schemas.microsoft.com/office/drawing/2014/main" id="{06462D11-CA77-4118-84BB-10AF5AD92F89}"/>
+              </a:ext>
+            </a:extLst>
+          </p:cNvPr>
+          <p:cNvSpPr/>
+          <p:nvPr/>
+        </p:nvSpPr>
+        <p:spPr>
+          <a:xfrm>
+            <a:off x="7654675" y="5656353"/>
+            <a:ext cx="984068" cy="914400"/>
+          </a:xfrm>
+          <a:prstGeom prst="ellipse">
+            <a:avLst/>
+          </a:prstGeom>
+          <a:solidFill>
+            <a:srgbClr val="D1CECD"/>
+          </a:solidFill>
+          <a:ln>
+            <a:solidFill>
+              <a:schemeClr val="tx1"/>
+            </a:solidFill>
+          </a:ln>
+        </p:spPr>
+        <p:style>
+          <a:lnRef idx="2">
+            <a:schemeClr val="accent1">
+              <a:shade val="50000"/>
+            </a:schemeClr>
+          </a:lnRef>
+          <a:fillRef idx="1">
+            <a:schemeClr val="accent1"/>
+          </a:fillRef>
+          <a:effectRef idx="0">
+            <a:schemeClr val="accent1"/>
+          </a:effectRef>
+          <a:fontRef idx="minor">
+            <a:schemeClr val="lt1"/>
+          </a:fontRef>
+        </p:style>
+        <p:txBody>
+          <a:bodyPr rtlCol="0" anchor="ctr"/>
+          <a:lstStyle/>
+          <a:p>
+            <a:pPr algn="ctr"/>
+            <a:endParaRPr lang="fr-FR"/>
+          </a:p>
+        </p:txBody>
+      </p:sp>
+      <p:sp>
+        <p:nvSpPr>
+          <p:cNvPr id="12" name="Ellipse 11">
+            <a:extLst>
+              <a:ext uri="{FF2B5EF4-FFF2-40B4-BE49-F238E27FC236}">
+                <a16:creationId xmlns:a16="http://schemas.microsoft.com/office/drawing/2014/main" id="{B5F4B0DD-6BE7-4E1D-89F7-6F823637C588}"/>
+              </a:ext>
+            </a:extLst>
+          </p:cNvPr>
+          <p:cNvSpPr/>
+          <p:nvPr/>
+        </p:nvSpPr>
+        <p:spPr>
+          <a:xfrm>
+            <a:off x="9068374" y="5678122"/>
+            <a:ext cx="984068" cy="914400"/>
+          </a:xfrm>
+          <a:prstGeom prst="ellipse">
+            <a:avLst/>
+          </a:prstGeom>
+          <a:solidFill>
+            <a:srgbClr val="D1CECD"/>
+          </a:solidFill>
+          <a:ln>
+            <a:solidFill>
+              <a:schemeClr val="tx1"/>
+            </a:solidFill>
+          </a:ln>
+        </p:spPr>
+        <p:style>
+          <a:lnRef idx="2">
+            <a:schemeClr val="accent1">
+              <a:shade val="50000"/>
+            </a:schemeClr>
+          </a:lnRef>
+          <a:fillRef idx="1">
+            <a:schemeClr val="accent1"/>
+          </a:fillRef>
+          <a:effectRef idx="0">
+            <a:schemeClr val="accent1"/>
+          </a:effectRef>
+          <a:fontRef idx="minor">
+            <a:schemeClr val="lt1"/>
+          </a:fontRef>
+        </p:style>
+        <p:txBody>
+          <a:bodyPr rtlCol="0" anchor="ctr"/>
+          <a:lstStyle/>
+          <a:p>
+            <a:pPr algn="ctr"/>
+            <a:endParaRPr lang="fr-FR"/>
+          </a:p>
+        </p:txBody>
+      </p:sp>
+      <p:sp>
+        <p:nvSpPr>
+          <p:cNvPr id="13" name="Ellipse 12">
+            <a:extLst>
+              <a:ext uri="{FF2B5EF4-FFF2-40B4-BE49-F238E27FC236}">
+                <a16:creationId xmlns:a16="http://schemas.microsoft.com/office/drawing/2014/main" id="{CE3E6F39-CE92-42CD-BAE9-BB4F82FAC06B}"/>
+              </a:ext>
+            </a:extLst>
+          </p:cNvPr>
+          <p:cNvSpPr/>
+          <p:nvPr/>
+        </p:nvSpPr>
+        <p:spPr>
+          <a:xfrm>
+            <a:off x="10515622" y="5656353"/>
+            <a:ext cx="984068" cy="914400"/>
+          </a:xfrm>
+          <a:prstGeom prst="ellipse">
+            <a:avLst/>
+          </a:prstGeom>
+          <a:solidFill>
+            <a:srgbClr val="D1CECD"/>
+          </a:solidFill>
+          <a:ln>
+            <a:solidFill>
+              <a:schemeClr val="tx1"/>
+            </a:solidFill>
+          </a:ln>
+        </p:spPr>
+        <p:style>
+          <a:lnRef idx="2">
+            <a:schemeClr val="accent1">
+              <a:shade val="50000"/>
+            </a:schemeClr>
+          </a:lnRef>
+          <a:fillRef idx="1">
+            <a:schemeClr val="accent1"/>
+          </a:fillRef>
+          <a:effectRef idx="0">
+            <a:schemeClr val="accent1"/>
+          </a:effectRef>
+          <a:fontRef idx="minor">
+            <a:schemeClr val="lt1"/>
+          </a:fontRef>
+        </p:style>
+        <p:txBody>
+          <a:bodyPr rtlCol="0" anchor="ctr"/>
+          <a:lstStyle/>
+          <a:p>
+            <a:pPr algn="ctr"/>
+            <a:endParaRPr lang="fr-FR"/>
+          </a:p>
+        </p:txBody>
+      </p:sp>
     </p:spTree>
     <p:extLst>
       <p:ext uri="{BB962C8B-B14F-4D97-AF65-F5344CB8AC3E}">
@@ -4547,7 +5034,7 @@
         </p:blipFill>
         <p:spPr>
           <a:xfrm>
-            <a:off x="0" y="0"/>
+            <a:off x="-77042" y="-8382"/>
             <a:ext cx="12192000" cy="6855958"/>
           </a:xfrm>
           <a:prstGeom prst="rect">
@@ -5996,6 +6483,492 @@
           </a:prstGeom>
           <a:solidFill>
             <a:srgbClr val="1EEA14"/>
+          </a:solidFill>
+          <a:ln>
+            <a:solidFill>
+              <a:schemeClr val="tx1"/>
+            </a:solidFill>
+          </a:ln>
+        </p:spPr>
+        <p:style>
+          <a:lnRef idx="2">
+            <a:schemeClr val="accent1">
+              <a:shade val="50000"/>
+            </a:schemeClr>
+          </a:lnRef>
+          <a:fillRef idx="1">
+            <a:schemeClr val="accent1"/>
+          </a:fillRef>
+          <a:effectRef idx="0">
+            <a:schemeClr val="accent1"/>
+          </a:effectRef>
+          <a:fontRef idx="minor">
+            <a:schemeClr val="lt1"/>
+          </a:fontRef>
+        </p:style>
+        <p:txBody>
+          <a:bodyPr rtlCol="0" anchor="ctr"/>
+          <a:lstStyle/>
+          <a:p>
+            <a:pPr algn="ctr"/>
+            <a:endParaRPr lang="fr-FR"/>
+          </a:p>
+        </p:txBody>
+      </p:sp>
+      <p:sp>
+        <p:nvSpPr>
+          <p:cNvPr id="3" name="Rectangle 2">
+            <a:extLst>
+              <a:ext uri="{FF2B5EF4-FFF2-40B4-BE49-F238E27FC236}">
+                <a16:creationId xmlns:a16="http://schemas.microsoft.com/office/drawing/2014/main" id="{AB2FC784-E532-475B-8834-EB0A558BCD56}"/>
+              </a:ext>
+            </a:extLst>
+          </p:cNvPr>
+          <p:cNvSpPr/>
+          <p:nvPr/>
+        </p:nvSpPr>
+        <p:spPr>
+          <a:xfrm>
+            <a:off x="203016" y="5835694"/>
+            <a:ext cx="11562264" cy="599269"/>
+          </a:xfrm>
+          <a:prstGeom prst="rect">
+            <a:avLst/>
+          </a:prstGeom>
+          <a:solidFill>
+            <a:srgbClr val="CFCCCA"/>
+          </a:solidFill>
+          <a:ln>
+            <a:solidFill>
+              <a:schemeClr val="tx1"/>
+            </a:solidFill>
+          </a:ln>
+        </p:spPr>
+        <p:style>
+          <a:lnRef idx="2">
+            <a:schemeClr val="accent1">
+              <a:shade val="50000"/>
+            </a:schemeClr>
+          </a:lnRef>
+          <a:fillRef idx="1">
+            <a:schemeClr val="accent1"/>
+          </a:fillRef>
+          <a:effectRef idx="0">
+            <a:schemeClr val="accent1"/>
+          </a:effectRef>
+          <a:fontRef idx="minor">
+            <a:schemeClr val="lt1"/>
+          </a:fontRef>
+        </p:style>
+        <p:txBody>
+          <a:bodyPr rtlCol="0" anchor="ctr"/>
+          <a:lstStyle/>
+          <a:p>
+            <a:pPr algn="ctr"/>
+            <a:endParaRPr lang="fr-FR"/>
+          </a:p>
+        </p:txBody>
+      </p:sp>
+      <p:sp>
+        <p:nvSpPr>
+          <p:cNvPr id="8" name="Ellipse 7">
+            <a:extLst>
+              <a:ext uri="{FF2B5EF4-FFF2-40B4-BE49-F238E27FC236}">
+                <a16:creationId xmlns:a16="http://schemas.microsoft.com/office/drawing/2014/main" id="{FD1B22E3-C6EA-40F0-B882-1D2D6A4143CC}"/>
+              </a:ext>
+            </a:extLst>
+          </p:cNvPr>
+          <p:cNvSpPr/>
+          <p:nvPr/>
+        </p:nvSpPr>
+        <p:spPr>
+          <a:xfrm>
+            <a:off x="442338" y="5656353"/>
+            <a:ext cx="984068" cy="914400"/>
+          </a:xfrm>
+          <a:prstGeom prst="ellipse">
+            <a:avLst/>
+          </a:prstGeom>
+          <a:solidFill>
+            <a:srgbClr val="92EE22"/>
+          </a:solidFill>
+          <a:ln>
+            <a:solidFill>
+              <a:schemeClr val="tx1"/>
+            </a:solidFill>
+          </a:ln>
+        </p:spPr>
+        <p:style>
+          <a:lnRef idx="2">
+            <a:schemeClr val="accent1">
+              <a:shade val="50000"/>
+            </a:schemeClr>
+          </a:lnRef>
+          <a:fillRef idx="1">
+            <a:schemeClr val="accent1"/>
+          </a:fillRef>
+          <a:effectRef idx="0">
+            <a:schemeClr val="accent1"/>
+          </a:effectRef>
+          <a:fontRef idx="minor">
+            <a:schemeClr val="lt1"/>
+          </a:fontRef>
+        </p:style>
+        <p:txBody>
+          <a:bodyPr rtlCol="0" anchor="ctr"/>
+          <a:lstStyle/>
+          <a:p>
+            <a:pPr algn="ctr"/>
+            <a:endParaRPr lang="fr-FR"/>
+          </a:p>
+        </p:txBody>
+      </p:sp>
+      <p:sp>
+        <p:nvSpPr>
+          <p:cNvPr id="46" name="Ellipse 45">
+            <a:extLst>
+              <a:ext uri="{FF2B5EF4-FFF2-40B4-BE49-F238E27FC236}">
+                <a16:creationId xmlns:a16="http://schemas.microsoft.com/office/drawing/2014/main" id="{CB91907B-D0B3-4E7F-9CF5-134522E11A42}"/>
+              </a:ext>
+            </a:extLst>
+          </p:cNvPr>
+          <p:cNvSpPr/>
+          <p:nvPr/>
+        </p:nvSpPr>
+        <p:spPr>
+          <a:xfrm>
+            <a:off x="1832631" y="5678122"/>
+            <a:ext cx="984068" cy="914400"/>
+          </a:xfrm>
+          <a:prstGeom prst="ellipse">
+            <a:avLst/>
+          </a:prstGeom>
+          <a:solidFill>
+            <a:srgbClr val="92EE22"/>
+          </a:solidFill>
+          <a:ln>
+            <a:solidFill>
+              <a:schemeClr val="tx1"/>
+            </a:solidFill>
+          </a:ln>
+        </p:spPr>
+        <p:style>
+          <a:lnRef idx="2">
+            <a:schemeClr val="accent1">
+              <a:shade val="50000"/>
+            </a:schemeClr>
+          </a:lnRef>
+          <a:fillRef idx="1">
+            <a:schemeClr val="accent1"/>
+          </a:fillRef>
+          <a:effectRef idx="0">
+            <a:schemeClr val="accent1"/>
+          </a:effectRef>
+          <a:fontRef idx="minor">
+            <a:schemeClr val="lt1"/>
+          </a:fontRef>
+        </p:style>
+        <p:txBody>
+          <a:bodyPr rtlCol="0" anchor="ctr"/>
+          <a:lstStyle/>
+          <a:p>
+            <a:pPr algn="ctr"/>
+            <a:endParaRPr lang="fr-FR"/>
+          </a:p>
+        </p:txBody>
+      </p:sp>
+      <p:sp>
+        <p:nvSpPr>
+          <p:cNvPr id="47" name="Ellipse 46">
+            <a:extLst>
+              <a:ext uri="{FF2B5EF4-FFF2-40B4-BE49-F238E27FC236}">
+                <a16:creationId xmlns:a16="http://schemas.microsoft.com/office/drawing/2014/main" id="{5FBE09EC-416A-483F-A4E8-42BBB284B71D}"/>
+              </a:ext>
+            </a:extLst>
+          </p:cNvPr>
+          <p:cNvSpPr/>
+          <p:nvPr/>
+        </p:nvSpPr>
+        <p:spPr>
+          <a:xfrm>
+            <a:off x="3279879" y="5656489"/>
+            <a:ext cx="984068" cy="914400"/>
+          </a:xfrm>
+          <a:prstGeom prst="ellipse">
+            <a:avLst/>
+          </a:prstGeom>
+          <a:solidFill>
+            <a:srgbClr val="D1CECD"/>
+          </a:solidFill>
+          <a:ln>
+            <a:solidFill>
+              <a:schemeClr val="tx1"/>
+            </a:solidFill>
+          </a:ln>
+        </p:spPr>
+        <p:style>
+          <a:lnRef idx="2">
+            <a:schemeClr val="accent1">
+              <a:shade val="50000"/>
+            </a:schemeClr>
+          </a:lnRef>
+          <a:fillRef idx="1">
+            <a:schemeClr val="accent1"/>
+          </a:fillRef>
+          <a:effectRef idx="0">
+            <a:schemeClr val="accent1"/>
+          </a:effectRef>
+          <a:fontRef idx="minor">
+            <a:schemeClr val="lt1"/>
+          </a:fontRef>
+        </p:style>
+        <p:txBody>
+          <a:bodyPr rtlCol="0" anchor="ctr"/>
+          <a:lstStyle/>
+          <a:p>
+            <a:pPr algn="ctr"/>
+            <a:endParaRPr lang="fr-FR"/>
+          </a:p>
+        </p:txBody>
+      </p:sp>
+      <p:sp>
+        <p:nvSpPr>
+          <p:cNvPr id="48" name="Ellipse 47">
+            <a:extLst>
+              <a:ext uri="{FF2B5EF4-FFF2-40B4-BE49-F238E27FC236}">
+                <a16:creationId xmlns:a16="http://schemas.microsoft.com/office/drawing/2014/main" id="{FB81F483-6204-4941-861F-682C7E55CB5D}"/>
+              </a:ext>
+            </a:extLst>
+          </p:cNvPr>
+          <p:cNvSpPr/>
+          <p:nvPr/>
+        </p:nvSpPr>
+        <p:spPr>
+          <a:xfrm>
+            <a:off x="4761966" y="5665062"/>
+            <a:ext cx="984068" cy="914400"/>
+          </a:xfrm>
+          <a:prstGeom prst="ellipse">
+            <a:avLst/>
+          </a:prstGeom>
+          <a:solidFill>
+            <a:srgbClr val="D1CECD"/>
+          </a:solidFill>
+          <a:ln>
+            <a:solidFill>
+              <a:schemeClr val="tx1"/>
+            </a:solidFill>
+          </a:ln>
+        </p:spPr>
+        <p:style>
+          <a:lnRef idx="2">
+            <a:schemeClr val="accent1">
+              <a:shade val="50000"/>
+            </a:schemeClr>
+          </a:lnRef>
+          <a:fillRef idx="1">
+            <a:schemeClr val="accent1"/>
+          </a:fillRef>
+          <a:effectRef idx="0">
+            <a:schemeClr val="accent1"/>
+          </a:effectRef>
+          <a:fontRef idx="minor">
+            <a:schemeClr val="lt1"/>
+          </a:fontRef>
+        </p:style>
+        <p:txBody>
+          <a:bodyPr rtlCol="0" anchor="ctr"/>
+          <a:lstStyle/>
+          <a:p>
+            <a:pPr algn="ctr"/>
+            <a:endParaRPr lang="fr-FR"/>
+          </a:p>
+        </p:txBody>
+      </p:sp>
+      <p:sp>
+        <p:nvSpPr>
+          <p:cNvPr id="49" name="Ellipse 48">
+            <a:extLst>
+              <a:ext uri="{FF2B5EF4-FFF2-40B4-BE49-F238E27FC236}">
+                <a16:creationId xmlns:a16="http://schemas.microsoft.com/office/drawing/2014/main" id="{EBA6BF2D-3419-4FDD-93E7-86788018AD5B}"/>
+              </a:ext>
+            </a:extLst>
+          </p:cNvPr>
+          <p:cNvSpPr/>
+          <p:nvPr/>
+        </p:nvSpPr>
+        <p:spPr>
+          <a:xfrm>
+            <a:off x="6240977" y="5660841"/>
+            <a:ext cx="984068" cy="914400"/>
+          </a:xfrm>
+          <a:prstGeom prst="ellipse">
+            <a:avLst/>
+          </a:prstGeom>
+          <a:solidFill>
+            <a:srgbClr val="D1CECD"/>
+          </a:solidFill>
+          <a:ln>
+            <a:solidFill>
+              <a:schemeClr val="tx1"/>
+            </a:solidFill>
+          </a:ln>
+        </p:spPr>
+        <p:style>
+          <a:lnRef idx="2">
+            <a:schemeClr val="accent1">
+              <a:shade val="50000"/>
+            </a:schemeClr>
+          </a:lnRef>
+          <a:fillRef idx="1">
+            <a:schemeClr val="accent1"/>
+          </a:fillRef>
+          <a:effectRef idx="0">
+            <a:schemeClr val="accent1"/>
+          </a:effectRef>
+          <a:fontRef idx="minor">
+            <a:schemeClr val="lt1"/>
+          </a:fontRef>
+        </p:style>
+        <p:txBody>
+          <a:bodyPr rtlCol="0" anchor="ctr"/>
+          <a:lstStyle/>
+          <a:p>
+            <a:pPr algn="ctr"/>
+            <a:endParaRPr lang="fr-FR"/>
+          </a:p>
+        </p:txBody>
+      </p:sp>
+      <p:sp>
+        <p:nvSpPr>
+          <p:cNvPr id="50" name="Ellipse 49">
+            <a:extLst>
+              <a:ext uri="{FF2B5EF4-FFF2-40B4-BE49-F238E27FC236}">
+                <a16:creationId xmlns:a16="http://schemas.microsoft.com/office/drawing/2014/main" id="{73B7222A-69C4-42D1-AE64-2EAC2C227E3A}"/>
+              </a:ext>
+            </a:extLst>
+          </p:cNvPr>
+          <p:cNvSpPr/>
+          <p:nvPr/>
+        </p:nvSpPr>
+        <p:spPr>
+          <a:xfrm>
+            <a:off x="7654675" y="5656353"/>
+            <a:ext cx="984068" cy="914400"/>
+          </a:xfrm>
+          <a:prstGeom prst="ellipse">
+            <a:avLst/>
+          </a:prstGeom>
+          <a:solidFill>
+            <a:srgbClr val="D1CECD"/>
+          </a:solidFill>
+          <a:ln>
+            <a:solidFill>
+              <a:schemeClr val="tx1"/>
+            </a:solidFill>
+          </a:ln>
+        </p:spPr>
+        <p:style>
+          <a:lnRef idx="2">
+            <a:schemeClr val="accent1">
+              <a:shade val="50000"/>
+            </a:schemeClr>
+          </a:lnRef>
+          <a:fillRef idx="1">
+            <a:schemeClr val="accent1"/>
+          </a:fillRef>
+          <a:effectRef idx="0">
+            <a:schemeClr val="accent1"/>
+          </a:effectRef>
+          <a:fontRef idx="minor">
+            <a:schemeClr val="lt1"/>
+          </a:fontRef>
+        </p:style>
+        <p:txBody>
+          <a:bodyPr rtlCol="0" anchor="ctr"/>
+          <a:lstStyle/>
+          <a:p>
+            <a:pPr algn="ctr"/>
+            <a:endParaRPr lang="fr-FR"/>
+          </a:p>
+        </p:txBody>
+      </p:sp>
+      <p:sp>
+        <p:nvSpPr>
+          <p:cNvPr id="51" name="Ellipse 50">
+            <a:extLst>
+              <a:ext uri="{FF2B5EF4-FFF2-40B4-BE49-F238E27FC236}">
+                <a16:creationId xmlns:a16="http://schemas.microsoft.com/office/drawing/2014/main" id="{72721CD2-B9B3-4A31-BDE2-26C2F704A9FC}"/>
+              </a:ext>
+            </a:extLst>
+          </p:cNvPr>
+          <p:cNvSpPr/>
+          <p:nvPr/>
+        </p:nvSpPr>
+        <p:spPr>
+          <a:xfrm>
+            <a:off x="9068374" y="5678122"/>
+            <a:ext cx="984068" cy="914400"/>
+          </a:xfrm>
+          <a:prstGeom prst="ellipse">
+            <a:avLst/>
+          </a:prstGeom>
+          <a:solidFill>
+            <a:srgbClr val="D1CECD"/>
+          </a:solidFill>
+          <a:ln>
+            <a:solidFill>
+              <a:schemeClr val="tx1"/>
+            </a:solidFill>
+          </a:ln>
+        </p:spPr>
+        <p:style>
+          <a:lnRef idx="2">
+            <a:schemeClr val="accent1">
+              <a:shade val="50000"/>
+            </a:schemeClr>
+          </a:lnRef>
+          <a:fillRef idx="1">
+            <a:schemeClr val="accent1"/>
+          </a:fillRef>
+          <a:effectRef idx="0">
+            <a:schemeClr val="accent1"/>
+          </a:effectRef>
+          <a:fontRef idx="minor">
+            <a:schemeClr val="lt1"/>
+          </a:fontRef>
+        </p:style>
+        <p:txBody>
+          <a:bodyPr rtlCol="0" anchor="ctr"/>
+          <a:lstStyle/>
+          <a:p>
+            <a:pPr algn="ctr"/>
+            <a:endParaRPr lang="fr-FR"/>
+          </a:p>
+        </p:txBody>
+      </p:sp>
+      <p:sp>
+        <p:nvSpPr>
+          <p:cNvPr id="52" name="Ellipse 51">
+            <a:extLst>
+              <a:ext uri="{FF2B5EF4-FFF2-40B4-BE49-F238E27FC236}">
+                <a16:creationId xmlns:a16="http://schemas.microsoft.com/office/drawing/2014/main" id="{5BE59F46-7881-4199-BCF3-684A544B2F70}"/>
+              </a:ext>
+            </a:extLst>
+          </p:cNvPr>
+          <p:cNvSpPr/>
+          <p:nvPr/>
+        </p:nvSpPr>
+        <p:spPr>
+          <a:xfrm>
+            <a:off x="10515622" y="5656353"/>
+            <a:ext cx="984068" cy="914400"/>
+          </a:xfrm>
+          <a:prstGeom prst="ellipse">
+            <a:avLst/>
+          </a:prstGeom>
+          <a:solidFill>
+            <a:srgbClr val="D1CECD"/>
           </a:solidFill>
           <a:ln>
             <a:solidFill>
@@ -6663,6 +7636,492 @@
           </a:fontRef>
         </p:style>
       </p:cxnSp>
+      <p:sp>
+        <p:nvSpPr>
+          <p:cNvPr id="16" name="Rectangle 15">
+            <a:extLst>
+              <a:ext uri="{FF2B5EF4-FFF2-40B4-BE49-F238E27FC236}">
+                <a16:creationId xmlns:a16="http://schemas.microsoft.com/office/drawing/2014/main" id="{722E9591-4375-48DF-9D32-CA5F421ECD88}"/>
+              </a:ext>
+            </a:extLst>
+          </p:cNvPr>
+          <p:cNvSpPr/>
+          <p:nvPr/>
+        </p:nvSpPr>
+        <p:spPr>
+          <a:xfrm>
+            <a:off x="203016" y="5835694"/>
+            <a:ext cx="11562264" cy="599269"/>
+          </a:xfrm>
+          <a:prstGeom prst="rect">
+            <a:avLst/>
+          </a:prstGeom>
+          <a:solidFill>
+            <a:srgbClr val="CFCCCA"/>
+          </a:solidFill>
+          <a:ln>
+            <a:solidFill>
+              <a:schemeClr val="tx1"/>
+            </a:solidFill>
+          </a:ln>
+        </p:spPr>
+        <p:style>
+          <a:lnRef idx="2">
+            <a:schemeClr val="accent1">
+              <a:shade val="50000"/>
+            </a:schemeClr>
+          </a:lnRef>
+          <a:fillRef idx="1">
+            <a:schemeClr val="accent1"/>
+          </a:fillRef>
+          <a:effectRef idx="0">
+            <a:schemeClr val="accent1"/>
+          </a:effectRef>
+          <a:fontRef idx="minor">
+            <a:schemeClr val="lt1"/>
+          </a:fontRef>
+        </p:style>
+        <p:txBody>
+          <a:bodyPr rtlCol="0" anchor="ctr"/>
+          <a:lstStyle/>
+          <a:p>
+            <a:pPr algn="ctr"/>
+            <a:endParaRPr lang="fr-FR"/>
+          </a:p>
+        </p:txBody>
+      </p:sp>
+      <p:sp>
+        <p:nvSpPr>
+          <p:cNvPr id="17" name="Ellipse 16">
+            <a:extLst>
+              <a:ext uri="{FF2B5EF4-FFF2-40B4-BE49-F238E27FC236}">
+                <a16:creationId xmlns:a16="http://schemas.microsoft.com/office/drawing/2014/main" id="{C9856762-6392-424D-A94D-B8855044221D}"/>
+              </a:ext>
+            </a:extLst>
+          </p:cNvPr>
+          <p:cNvSpPr/>
+          <p:nvPr/>
+        </p:nvSpPr>
+        <p:spPr>
+          <a:xfrm>
+            <a:off x="442338" y="5656353"/>
+            <a:ext cx="984068" cy="914400"/>
+          </a:xfrm>
+          <a:prstGeom prst="ellipse">
+            <a:avLst/>
+          </a:prstGeom>
+          <a:solidFill>
+            <a:srgbClr val="92EE22"/>
+          </a:solidFill>
+          <a:ln>
+            <a:solidFill>
+              <a:schemeClr val="tx1"/>
+            </a:solidFill>
+          </a:ln>
+        </p:spPr>
+        <p:style>
+          <a:lnRef idx="2">
+            <a:schemeClr val="accent1">
+              <a:shade val="50000"/>
+            </a:schemeClr>
+          </a:lnRef>
+          <a:fillRef idx="1">
+            <a:schemeClr val="accent1"/>
+          </a:fillRef>
+          <a:effectRef idx="0">
+            <a:schemeClr val="accent1"/>
+          </a:effectRef>
+          <a:fontRef idx="minor">
+            <a:schemeClr val="lt1"/>
+          </a:fontRef>
+        </p:style>
+        <p:txBody>
+          <a:bodyPr rtlCol="0" anchor="ctr"/>
+          <a:lstStyle/>
+          <a:p>
+            <a:pPr algn="ctr"/>
+            <a:endParaRPr lang="fr-FR"/>
+          </a:p>
+        </p:txBody>
+      </p:sp>
+      <p:sp>
+        <p:nvSpPr>
+          <p:cNvPr id="18" name="Ellipse 17">
+            <a:extLst>
+              <a:ext uri="{FF2B5EF4-FFF2-40B4-BE49-F238E27FC236}">
+                <a16:creationId xmlns:a16="http://schemas.microsoft.com/office/drawing/2014/main" id="{C7AA334D-BF57-459B-8D86-95E504007A83}"/>
+              </a:ext>
+            </a:extLst>
+          </p:cNvPr>
+          <p:cNvSpPr/>
+          <p:nvPr/>
+        </p:nvSpPr>
+        <p:spPr>
+          <a:xfrm>
+            <a:off x="1832631" y="5678122"/>
+            <a:ext cx="984068" cy="914400"/>
+          </a:xfrm>
+          <a:prstGeom prst="ellipse">
+            <a:avLst/>
+          </a:prstGeom>
+          <a:solidFill>
+            <a:srgbClr val="92EE22"/>
+          </a:solidFill>
+          <a:ln>
+            <a:solidFill>
+              <a:schemeClr val="tx1"/>
+            </a:solidFill>
+          </a:ln>
+        </p:spPr>
+        <p:style>
+          <a:lnRef idx="2">
+            <a:schemeClr val="accent1">
+              <a:shade val="50000"/>
+            </a:schemeClr>
+          </a:lnRef>
+          <a:fillRef idx="1">
+            <a:schemeClr val="accent1"/>
+          </a:fillRef>
+          <a:effectRef idx="0">
+            <a:schemeClr val="accent1"/>
+          </a:effectRef>
+          <a:fontRef idx="minor">
+            <a:schemeClr val="lt1"/>
+          </a:fontRef>
+        </p:style>
+        <p:txBody>
+          <a:bodyPr rtlCol="0" anchor="ctr"/>
+          <a:lstStyle/>
+          <a:p>
+            <a:pPr algn="ctr"/>
+            <a:endParaRPr lang="fr-FR"/>
+          </a:p>
+        </p:txBody>
+      </p:sp>
+      <p:sp>
+        <p:nvSpPr>
+          <p:cNvPr id="19" name="Ellipse 18">
+            <a:extLst>
+              <a:ext uri="{FF2B5EF4-FFF2-40B4-BE49-F238E27FC236}">
+                <a16:creationId xmlns:a16="http://schemas.microsoft.com/office/drawing/2014/main" id="{00F3C99B-B035-42AC-AB8B-E01C0C4BEB7C}"/>
+              </a:ext>
+            </a:extLst>
+          </p:cNvPr>
+          <p:cNvSpPr/>
+          <p:nvPr/>
+        </p:nvSpPr>
+        <p:spPr>
+          <a:xfrm>
+            <a:off x="3279879" y="5656489"/>
+            <a:ext cx="984068" cy="914400"/>
+          </a:xfrm>
+          <a:prstGeom prst="ellipse">
+            <a:avLst/>
+          </a:prstGeom>
+          <a:solidFill>
+            <a:srgbClr val="92EE22"/>
+          </a:solidFill>
+          <a:ln>
+            <a:solidFill>
+              <a:schemeClr val="tx1"/>
+            </a:solidFill>
+          </a:ln>
+        </p:spPr>
+        <p:style>
+          <a:lnRef idx="2">
+            <a:schemeClr val="accent1">
+              <a:shade val="50000"/>
+            </a:schemeClr>
+          </a:lnRef>
+          <a:fillRef idx="1">
+            <a:schemeClr val="accent1"/>
+          </a:fillRef>
+          <a:effectRef idx="0">
+            <a:schemeClr val="accent1"/>
+          </a:effectRef>
+          <a:fontRef idx="minor">
+            <a:schemeClr val="lt1"/>
+          </a:fontRef>
+        </p:style>
+        <p:txBody>
+          <a:bodyPr rtlCol="0" anchor="ctr"/>
+          <a:lstStyle/>
+          <a:p>
+            <a:pPr algn="ctr"/>
+            <a:endParaRPr lang="fr-FR"/>
+          </a:p>
+        </p:txBody>
+      </p:sp>
+      <p:sp>
+        <p:nvSpPr>
+          <p:cNvPr id="21" name="Ellipse 20">
+            <a:extLst>
+              <a:ext uri="{FF2B5EF4-FFF2-40B4-BE49-F238E27FC236}">
+                <a16:creationId xmlns:a16="http://schemas.microsoft.com/office/drawing/2014/main" id="{31B16840-B8B6-42E6-B5BB-661C3192236A}"/>
+              </a:ext>
+            </a:extLst>
+          </p:cNvPr>
+          <p:cNvSpPr/>
+          <p:nvPr/>
+        </p:nvSpPr>
+        <p:spPr>
+          <a:xfrm>
+            <a:off x="4761966" y="5665062"/>
+            <a:ext cx="984068" cy="914400"/>
+          </a:xfrm>
+          <a:prstGeom prst="ellipse">
+            <a:avLst/>
+          </a:prstGeom>
+          <a:solidFill>
+            <a:srgbClr val="D1CECD"/>
+          </a:solidFill>
+          <a:ln>
+            <a:solidFill>
+              <a:schemeClr val="tx1"/>
+            </a:solidFill>
+          </a:ln>
+        </p:spPr>
+        <p:style>
+          <a:lnRef idx="2">
+            <a:schemeClr val="accent1">
+              <a:shade val="50000"/>
+            </a:schemeClr>
+          </a:lnRef>
+          <a:fillRef idx="1">
+            <a:schemeClr val="accent1"/>
+          </a:fillRef>
+          <a:effectRef idx="0">
+            <a:schemeClr val="accent1"/>
+          </a:effectRef>
+          <a:fontRef idx="minor">
+            <a:schemeClr val="lt1"/>
+          </a:fontRef>
+        </p:style>
+        <p:txBody>
+          <a:bodyPr rtlCol="0" anchor="ctr"/>
+          <a:lstStyle/>
+          <a:p>
+            <a:pPr algn="ctr"/>
+            <a:endParaRPr lang="fr-FR"/>
+          </a:p>
+        </p:txBody>
+      </p:sp>
+      <p:sp>
+        <p:nvSpPr>
+          <p:cNvPr id="23" name="Ellipse 22">
+            <a:extLst>
+              <a:ext uri="{FF2B5EF4-FFF2-40B4-BE49-F238E27FC236}">
+                <a16:creationId xmlns:a16="http://schemas.microsoft.com/office/drawing/2014/main" id="{DD151B78-1FF0-4121-ADA0-6BB724456804}"/>
+              </a:ext>
+            </a:extLst>
+          </p:cNvPr>
+          <p:cNvSpPr/>
+          <p:nvPr/>
+        </p:nvSpPr>
+        <p:spPr>
+          <a:xfrm>
+            <a:off x="6240977" y="5660841"/>
+            <a:ext cx="984068" cy="914400"/>
+          </a:xfrm>
+          <a:prstGeom prst="ellipse">
+            <a:avLst/>
+          </a:prstGeom>
+          <a:solidFill>
+            <a:srgbClr val="D1CECD"/>
+          </a:solidFill>
+          <a:ln>
+            <a:solidFill>
+              <a:schemeClr val="tx1"/>
+            </a:solidFill>
+          </a:ln>
+        </p:spPr>
+        <p:style>
+          <a:lnRef idx="2">
+            <a:schemeClr val="accent1">
+              <a:shade val="50000"/>
+            </a:schemeClr>
+          </a:lnRef>
+          <a:fillRef idx="1">
+            <a:schemeClr val="accent1"/>
+          </a:fillRef>
+          <a:effectRef idx="0">
+            <a:schemeClr val="accent1"/>
+          </a:effectRef>
+          <a:fontRef idx="minor">
+            <a:schemeClr val="lt1"/>
+          </a:fontRef>
+        </p:style>
+        <p:txBody>
+          <a:bodyPr rtlCol="0" anchor="ctr"/>
+          <a:lstStyle/>
+          <a:p>
+            <a:pPr algn="ctr"/>
+            <a:endParaRPr lang="fr-FR"/>
+          </a:p>
+        </p:txBody>
+      </p:sp>
+      <p:sp>
+        <p:nvSpPr>
+          <p:cNvPr id="26" name="Ellipse 25">
+            <a:extLst>
+              <a:ext uri="{FF2B5EF4-FFF2-40B4-BE49-F238E27FC236}">
+                <a16:creationId xmlns:a16="http://schemas.microsoft.com/office/drawing/2014/main" id="{8D07E332-E7AC-4F79-A7FE-40A7FFF4CC06}"/>
+              </a:ext>
+            </a:extLst>
+          </p:cNvPr>
+          <p:cNvSpPr/>
+          <p:nvPr/>
+        </p:nvSpPr>
+        <p:spPr>
+          <a:xfrm>
+            <a:off x="7654675" y="5656353"/>
+            <a:ext cx="984068" cy="914400"/>
+          </a:xfrm>
+          <a:prstGeom prst="ellipse">
+            <a:avLst/>
+          </a:prstGeom>
+          <a:solidFill>
+            <a:srgbClr val="D1CECD"/>
+          </a:solidFill>
+          <a:ln>
+            <a:solidFill>
+              <a:schemeClr val="tx1"/>
+            </a:solidFill>
+          </a:ln>
+        </p:spPr>
+        <p:style>
+          <a:lnRef idx="2">
+            <a:schemeClr val="accent1">
+              <a:shade val="50000"/>
+            </a:schemeClr>
+          </a:lnRef>
+          <a:fillRef idx="1">
+            <a:schemeClr val="accent1"/>
+          </a:fillRef>
+          <a:effectRef idx="0">
+            <a:schemeClr val="accent1"/>
+          </a:effectRef>
+          <a:fontRef idx="minor">
+            <a:schemeClr val="lt1"/>
+          </a:fontRef>
+        </p:style>
+        <p:txBody>
+          <a:bodyPr rtlCol="0" anchor="ctr"/>
+          <a:lstStyle/>
+          <a:p>
+            <a:pPr algn="ctr"/>
+            <a:endParaRPr lang="fr-FR"/>
+          </a:p>
+        </p:txBody>
+      </p:sp>
+      <p:sp>
+        <p:nvSpPr>
+          <p:cNvPr id="32" name="Ellipse 31">
+            <a:extLst>
+              <a:ext uri="{FF2B5EF4-FFF2-40B4-BE49-F238E27FC236}">
+                <a16:creationId xmlns:a16="http://schemas.microsoft.com/office/drawing/2014/main" id="{B4050C1E-6733-4AEF-AE3C-F1F154845C49}"/>
+              </a:ext>
+            </a:extLst>
+          </p:cNvPr>
+          <p:cNvSpPr/>
+          <p:nvPr/>
+        </p:nvSpPr>
+        <p:spPr>
+          <a:xfrm>
+            <a:off x="9068374" y="5678122"/>
+            <a:ext cx="984068" cy="914400"/>
+          </a:xfrm>
+          <a:prstGeom prst="ellipse">
+            <a:avLst/>
+          </a:prstGeom>
+          <a:solidFill>
+            <a:srgbClr val="D1CECD"/>
+          </a:solidFill>
+          <a:ln>
+            <a:solidFill>
+              <a:schemeClr val="tx1"/>
+            </a:solidFill>
+          </a:ln>
+        </p:spPr>
+        <p:style>
+          <a:lnRef idx="2">
+            <a:schemeClr val="accent1">
+              <a:shade val="50000"/>
+            </a:schemeClr>
+          </a:lnRef>
+          <a:fillRef idx="1">
+            <a:schemeClr val="accent1"/>
+          </a:fillRef>
+          <a:effectRef idx="0">
+            <a:schemeClr val="accent1"/>
+          </a:effectRef>
+          <a:fontRef idx="minor">
+            <a:schemeClr val="lt1"/>
+          </a:fontRef>
+        </p:style>
+        <p:txBody>
+          <a:bodyPr rtlCol="0" anchor="ctr"/>
+          <a:lstStyle/>
+          <a:p>
+            <a:pPr algn="ctr"/>
+            <a:endParaRPr lang="fr-FR"/>
+          </a:p>
+        </p:txBody>
+      </p:sp>
+      <p:sp>
+        <p:nvSpPr>
+          <p:cNvPr id="33" name="Ellipse 32">
+            <a:extLst>
+              <a:ext uri="{FF2B5EF4-FFF2-40B4-BE49-F238E27FC236}">
+                <a16:creationId xmlns:a16="http://schemas.microsoft.com/office/drawing/2014/main" id="{C35FA81E-4A5A-454F-BD77-3B341E10A42C}"/>
+              </a:ext>
+            </a:extLst>
+          </p:cNvPr>
+          <p:cNvSpPr/>
+          <p:nvPr/>
+        </p:nvSpPr>
+        <p:spPr>
+          <a:xfrm>
+            <a:off x="10515622" y="5656353"/>
+            <a:ext cx="984068" cy="914400"/>
+          </a:xfrm>
+          <a:prstGeom prst="ellipse">
+            <a:avLst/>
+          </a:prstGeom>
+          <a:solidFill>
+            <a:srgbClr val="D1CECD"/>
+          </a:solidFill>
+          <a:ln>
+            <a:solidFill>
+              <a:schemeClr val="tx1"/>
+            </a:solidFill>
+          </a:ln>
+        </p:spPr>
+        <p:style>
+          <a:lnRef idx="2">
+            <a:schemeClr val="accent1">
+              <a:shade val="50000"/>
+            </a:schemeClr>
+          </a:lnRef>
+          <a:fillRef idx="1">
+            <a:schemeClr val="accent1"/>
+          </a:fillRef>
+          <a:effectRef idx="0">
+            <a:schemeClr val="accent1"/>
+          </a:effectRef>
+          <a:fontRef idx="minor">
+            <a:schemeClr val="lt1"/>
+          </a:fontRef>
+        </p:style>
+        <p:txBody>
+          <a:bodyPr rtlCol="0" anchor="ctr"/>
+          <a:lstStyle/>
+          <a:p>
+            <a:pPr algn="ctr"/>
+            <a:endParaRPr lang="fr-FR"/>
+          </a:p>
+        </p:txBody>
+      </p:sp>
     </p:spTree>
     <p:extLst>
       <p:ext uri="{BB962C8B-B14F-4D97-AF65-F5344CB8AC3E}">
@@ -7290,6 +8749,492 @@
           </a:fontRef>
         </p:style>
       </p:cxnSp>
+      <p:sp>
+        <p:nvSpPr>
+          <p:cNvPr id="13" name="Rectangle 12">
+            <a:extLst>
+              <a:ext uri="{FF2B5EF4-FFF2-40B4-BE49-F238E27FC236}">
+                <a16:creationId xmlns:a16="http://schemas.microsoft.com/office/drawing/2014/main" id="{13958646-A503-429F-A2DD-6B02FA839805}"/>
+              </a:ext>
+            </a:extLst>
+          </p:cNvPr>
+          <p:cNvSpPr/>
+          <p:nvPr/>
+        </p:nvSpPr>
+        <p:spPr>
+          <a:xfrm>
+            <a:off x="203016" y="5835694"/>
+            <a:ext cx="11562264" cy="599269"/>
+          </a:xfrm>
+          <a:prstGeom prst="rect">
+            <a:avLst/>
+          </a:prstGeom>
+          <a:solidFill>
+            <a:srgbClr val="CFCCCA"/>
+          </a:solidFill>
+          <a:ln>
+            <a:solidFill>
+              <a:schemeClr val="tx1"/>
+            </a:solidFill>
+          </a:ln>
+        </p:spPr>
+        <p:style>
+          <a:lnRef idx="2">
+            <a:schemeClr val="accent1">
+              <a:shade val="50000"/>
+            </a:schemeClr>
+          </a:lnRef>
+          <a:fillRef idx="1">
+            <a:schemeClr val="accent1"/>
+          </a:fillRef>
+          <a:effectRef idx="0">
+            <a:schemeClr val="accent1"/>
+          </a:effectRef>
+          <a:fontRef idx="minor">
+            <a:schemeClr val="lt1"/>
+          </a:fontRef>
+        </p:style>
+        <p:txBody>
+          <a:bodyPr rtlCol="0" anchor="ctr"/>
+          <a:lstStyle/>
+          <a:p>
+            <a:pPr algn="ctr"/>
+            <a:endParaRPr lang="fr-FR"/>
+          </a:p>
+        </p:txBody>
+      </p:sp>
+      <p:sp>
+        <p:nvSpPr>
+          <p:cNvPr id="14" name="Ellipse 13">
+            <a:extLst>
+              <a:ext uri="{FF2B5EF4-FFF2-40B4-BE49-F238E27FC236}">
+                <a16:creationId xmlns:a16="http://schemas.microsoft.com/office/drawing/2014/main" id="{16F7FA58-AE12-4615-B404-64A9A25BBF4C}"/>
+              </a:ext>
+            </a:extLst>
+          </p:cNvPr>
+          <p:cNvSpPr/>
+          <p:nvPr/>
+        </p:nvSpPr>
+        <p:spPr>
+          <a:xfrm>
+            <a:off x="442338" y="5656353"/>
+            <a:ext cx="984068" cy="914400"/>
+          </a:xfrm>
+          <a:prstGeom prst="ellipse">
+            <a:avLst/>
+          </a:prstGeom>
+          <a:solidFill>
+            <a:srgbClr val="92EE22"/>
+          </a:solidFill>
+          <a:ln>
+            <a:solidFill>
+              <a:schemeClr val="tx1"/>
+            </a:solidFill>
+          </a:ln>
+        </p:spPr>
+        <p:style>
+          <a:lnRef idx="2">
+            <a:schemeClr val="accent1">
+              <a:shade val="50000"/>
+            </a:schemeClr>
+          </a:lnRef>
+          <a:fillRef idx="1">
+            <a:schemeClr val="accent1"/>
+          </a:fillRef>
+          <a:effectRef idx="0">
+            <a:schemeClr val="accent1"/>
+          </a:effectRef>
+          <a:fontRef idx="minor">
+            <a:schemeClr val="lt1"/>
+          </a:fontRef>
+        </p:style>
+        <p:txBody>
+          <a:bodyPr rtlCol="0" anchor="ctr"/>
+          <a:lstStyle/>
+          <a:p>
+            <a:pPr algn="ctr"/>
+            <a:endParaRPr lang="fr-FR"/>
+          </a:p>
+        </p:txBody>
+      </p:sp>
+      <p:sp>
+        <p:nvSpPr>
+          <p:cNvPr id="15" name="Ellipse 14">
+            <a:extLst>
+              <a:ext uri="{FF2B5EF4-FFF2-40B4-BE49-F238E27FC236}">
+                <a16:creationId xmlns:a16="http://schemas.microsoft.com/office/drawing/2014/main" id="{C232B0BE-F1CE-4FF0-9407-E65EB2D09E5F}"/>
+              </a:ext>
+            </a:extLst>
+          </p:cNvPr>
+          <p:cNvSpPr/>
+          <p:nvPr/>
+        </p:nvSpPr>
+        <p:spPr>
+          <a:xfrm>
+            <a:off x="1832631" y="5678122"/>
+            <a:ext cx="984068" cy="914400"/>
+          </a:xfrm>
+          <a:prstGeom prst="ellipse">
+            <a:avLst/>
+          </a:prstGeom>
+          <a:solidFill>
+            <a:srgbClr val="92EE22"/>
+          </a:solidFill>
+          <a:ln>
+            <a:solidFill>
+              <a:schemeClr val="tx1"/>
+            </a:solidFill>
+          </a:ln>
+        </p:spPr>
+        <p:style>
+          <a:lnRef idx="2">
+            <a:schemeClr val="accent1">
+              <a:shade val="50000"/>
+            </a:schemeClr>
+          </a:lnRef>
+          <a:fillRef idx="1">
+            <a:schemeClr val="accent1"/>
+          </a:fillRef>
+          <a:effectRef idx="0">
+            <a:schemeClr val="accent1"/>
+          </a:effectRef>
+          <a:fontRef idx="minor">
+            <a:schemeClr val="lt1"/>
+          </a:fontRef>
+        </p:style>
+        <p:txBody>
+          <a:bodyPr rtlCol="0" anchor="ctr"/>
+          <a:lstStyle/>
+          <a:p>
+            <a:pPr algn="ctr"/>
+            <a:endParaRPr lang="fr-FR"/>
+          </a:p>
+        </p:txBody>
+      </p:sp>
+      <p:sp>
+        <p:nvSpPr>
+          <p:cNvPr id="16" name="Ellipse 15">
+            <a:extLst>
+              <a:ext uri="{FF2B5EF4-FFF2-40B4-BE49-F238E27FC236}">
+                <a16:creationId xmlns:a16="http://schemas.microsoft.com/office/drawing/2014/main" id="{DFB206E4-2069-48C3-8E91-2A4B68C9E54C}"/>
+              </a:ext>
+            </a:extLst>
+          </p:cNvPr>
+          <p:cNvSpPr/>
+          <p:nvPr/>
+        </p:nvSpPr>
+        <p:spPr>
+          <a:xfrm>
+            <a:off x="3279879" y="5656489"/>
+            <a:ext cx="984068" cy="914400"/>
+          </a:xfrm>
+          <a:prstGeom prst="ellipse">
+            <a:avLst/>
+          </a:prstGeom>
+          <a:solidFill>
+            <a:srgbClr val="92EE22"/>
+          </a:solidFill>
+          <a:ln>
+            <a:solidFill>
+              <a:schemeClr val="tx1"/>
+            </a:solidFill>
+          </a:ln>
+        </p:spPr>
+        <p:style>
+          <a:lnRef idx="2">
+            <a:schemeClr val="accent1">
+              <a:shade val="50000"/>
+            </a:schemeClr>
+          </a:lnRef>
+          <a:fillRef idx="1">
+            <a:schemeClr val="accent1"/>
+          </a:fillRef>
+          <a:effectRef idx="0">
+            <a:schemeClr val="accent1"/>
+          </a:effectRef>
+          <a:fontRef idx="minor">
+            <a:schemeClr val="lt1"/>
+          </a:fontRef>
+        </p:style>
+        <p:txBody>
+          <a:bodyPr rtlCol="0" anchor="ctr"/>
+          <a:lstStyle/>
+          <a:p>
+            <a:pPr algn="ctr"/>
+            <a:endParaRPr lang="fr-FR"/>
+          </a:p>
+        </p:txBody>
+      </p:sp>
+      <p:sp>
+        <p:nvSpPr>
+          <p:cNvPr id="21" name="Ellipse 20">
+            <a:extLst>
+              <a:ext uri="{FF2B5EF4-FFF2-40B4-BE49-F238E27FC236}">
+                <a16:creationId xmlns:a16="http://schemas.microsoft.com/office/drawing/2014/main" id="{6B1B677E-AF6F-4B4A-B167-FF4F606B4891}"/>
+              </a:ext>
+            </a:extLst>
+          </p:cNvPr>
+          <p:cNvSpPr/>
+          <p:nvPr/>
+        </p:nvSpPr>
+        <p:spPr>
+          <a:xfrm>
+            <a:off x="4761966" y="5665062"/>
+            <a:ext cx="984068" cy="914400"/>
+          </a:xfrm>
+          <a:prstGeom prst="ellipse">
+            <a:avLst/>
+          </a:prstGeom>
+          <a:solidFill>
+            <a:srgbClr val="92EE22"/>
+          </a:solidFill>
+          <a:ln>
+            <a:solidFill>
+              <a:schemeClr val="tx1"/>
+            </a:solidFill>
+          </a:ln>
+        </p:spPr>
+        <p:style>
+          <a:lnRef idx="2">
+            <a:schemeClr val="accent1">
+              <a:shade val="50000"/>
+            </a:schemeClr>
+          </a:lnRef>
+          <a:fillRef idx="1">
+            <a:schemeClr val="accent1"/>
+          </a:fillRef>
+          <a:effectRef idx="0">
+            <a:schemeClr val="accent1"/>
+          </a:effectRef>
+          <a:fontRef idx="minor">
+            <a:schemeClr val="lt1"/>
+          </a:fontRef>
+        </p:style>
+        <p:txBody>
+          <a:bodyPr rtlCol="0" anchor="ctr"/>
+          <a:lstStyle/>
+          <a:p>
+            <a:pPr algn="ctr"/>
+            <a:endParaRPr lang="fr-FR"/>
+          </a:p>
+        </p:txBody>
+      </p:sp>
+      <p:sp>
+        <p:nvSpPr>
+          <p:cNvPr id="23" name="Ellipse 22">
+            <a:extLst>
+              <a:ext uri="{FF2B5EF4-FFF2-40B4-BE49-F238E27FC236}">
+                <a16:creationId xmlns:a16="http://schemas.microsoft.com/office/drawing/2014/main" id="{365040E4-ECBC-41E0-BE14-B78391A42AE4}"/>
+              </a:ext>
+            </a:extLst>
+          </p:cNvPr>
+          <p:cNvSpPr/>
+          <p:nvPr/>
+        </p:nvSpPr>
+        <p:spPr>
+          <a:xfrm>
+            <a:off x="6240977" y="5660841"/>
+            <a:ext cx="984068" cy="914400"/>
+          </a:xfrm>
+          <a:prstGeom prst="ellipse">
+            <a:avLst/>
+          </a:prstGeom>
+          <a:solidFill>
+            <a:srgbClr val="D1CECD"/>
+          </a:solidFill>
+          <a:ln>
+            <a:solidFill>
+              <a:schemeClr val="tx1"/>
+            </a:solidFill>
+          </a:ln>
+        </p:spPr>
+        <p:style>
+          <a:lnRef idx="2">
+            <a:schemeClr val="accent1">
+              <a:shade val="50000"/>
+            </a:schemeClr>
+          </a:lnRef>
+          <a:fillRef idx="1">
+            <a:schemeClr val="accent1"/>
+          </a:fillRef>
+          <a:effectRef idx="0">
+            <a:schemeClr val="accent1"/>
+          </a:effectRef>
+          <a:fontRef idx="minor">
+            <a:schemeClr val="lt1"/>
+          </a:fontRef>
+        </p:style>
+        <p:txBody>
+          <a:bodyPr rtlCol="0" anchor="ctr"/>
+          <a:lstStyle/>
+          <a:p>
+            <a:pPr algn="ctr"/>
+            <a:endParaRPr lang="fr-FR"/>
+          </a:p>
+        </p:txBody>
+      </p:sp>
+      <p:sp>
+        <p:nvSpPr>
+          <p:cNvPr id="24" name="Ellipse 23">
+            <a:extLst>
+              <a:ext uri="{FF2B5EF4-FFF2-40B4-BE49-F238E27FC236}">
+                <a16:creationId xmlns:a16="http://schemas.microsoft.com/office/drawing/2014/main" id="{16E732C9-BDEC-49D6-8C82-9670271AEFD2}"/>
+              </a:ext>
+            </a:extLst>
+          </p:cNvPr>
+          <p:cNvSpPr/>
+          <p:nvPr/>
+        </p:nvSpPr>
+        <p:spPr>
+          <a:xfrm>
+            <a:off x="7654675" y="5656353"/>
+            <a:ext cx="984068" cy="914400"/>
+          </a:xfrm>
+          <a:prstGeom prst="ellipse">
+            <a:avLst/>
+          </a:prstGeom>
+          <a:solidFill>
+            <a:srgbClr val="D1CECD"/>
+          </a:solidFill>
+          <a:ln>
+            <a:solidFill>
+              <a:schemeClr val="tx1"/>
+            </a:solidFill>
+          </a:ln>
+        </p:spPr>
+        <p:style>
+          <a:lnRef idx="2">
+            <a:schemeClr val="accent1">
+              <a:shade val="50000"/>
+            </a:schemeClr>
+          </a:lnRef>
+          <a:fillRef idx="1">
+            <a:schemeClr val="accent1"/>
+          </a:fillRef>
+          <a:effectRef idx="0">
+            <a:schemeClr val="accent1"/>
+          </a:effectRef>
+          <a:fontRef idx="minor">
+            <a:schemeClr val="lt1"/>
+          </a:fontRef>
+        </p:style>
+        <p:txBody>
+          <a:bodyPr rtlCol="0" anchor="ctr"/>
+          <a:lstStyle/>
+          <a:p>
+            <a:pPr algn="ctr"/>
+            <a:endParaRPr lang="fr-FR"/>
+          </a:p>
+        </p:txBody>
+      </p:sp>
+      <p:sp>
+        <p:nvSpPr>
+          <p:cNvPr id="26" name="Ellipse 25">
+            <a:extLst>
+              <a:ext uri="{FF2B5EF4-FFF2-40B4-BE49-F238E27FC236}">
+                <a16:creationId xmlns:a16="http://schemas.microsoft.com/office/drawing/2014/main" id="{6CEC22F9-214B-4F22-8FC0-2FBEA9AFC66D}"/>
+              </a:ext>
+            </a:extLst>
+          </p:cNvPr>
+          <p:cNvSpPr/>
+          <p:nvPr/>
+        </p:nvSpPr>
+        <p:spPr>
+          <a:xfrm>
+            <a:off x="9068374" y="5678122"/>
+            <a:ext cx="984068" cy="914400"/>
+          </a:xfrm>
+          <a:prstGeom prst="ellipse">
+            <a:avLst/>
+          </a:prstGeom>
+          <a:solidFill>
+            <a:srgbClr val="D1CECD"/>
+          </a:solidFill>
+          <a:ln>
+            <a:solidFill>
+              <a:schemeClr val="tx1"/>
+            </a:solidFill>
+          </a:ln>
+        </p:spPr>
+        <p:style>
+          <a:lnRef idx="2">
+            <a:schemeClr val="accent1">
+              <a:shade val="50000"/>
+            </a:schemeClr>
+          </a:lnRef>
+          <a:fillRef idx="1">
+            <a:schemeClr val="accent1"/>
+          </a:fillRef>
+          <a:effectRef idx="0">
+            <a:schemeClr val="accent1"/>
+          </a:effectRef>
+          <a:fontRef idx="minor">
+            <a:schemeClr val="lt1"/>
+          </a:fontRef>
+        </p:style>
+        <p:txBody>
+          <a:bodyPr rtlCol="0" anchor="ctr"/>
+          <a:lstStyle/>
+          <a:p>
+            <a:pPr algn="ctr"/>
+            <a:endParaRPr lang="fr-FR"/>
+          </a:p>
+        </p:txBody>
+      </p:sp>
+      <p:sp>
+        <p:nvSpPr>
+          <p:cNvPr id="27" name="Ellipse 26">
+            <a:extLst>
+              <a:ext uri="{FF2B5EF4-FFF2-40B4-BE49-F238E27FC236}">
+                <a16:creationId xmlns:a16="http://schemas.microsoft.com/office/drawing/2014/main" id="{EDB5E2D8-58B5-4DF9-A45D-B41847F97753}"/>
+              </a:ext>
+            </a:extLst>
+          </p:cNvPr>
+          <p:cNvSpPr/>
+          <p:nvPr/>
+        </p:nvSpPr>
+        <p:spPr>
+          <a:xfrm>
+            <a:off x="10515622" y="5656353"/>
+            <a:ext cx="984068" cy="914400"/>
+          </a:xfrm>
+          <a:prstGeom prst="ellipse">
+            <a:avLst/>
+          </a:prstGeom>
+          <a:solidFill>
+            <a:srgbClr val="D1CECD"/>
+          </a:solidFill>
+          <a:ln>
+            <a:solidFill>
+              <a:schemeClr val="tx1"/>
+            </a:solidFill>
+          </a:ln>
+        </p:spPr>
+        <p:style>
+          <a:lnRef idx="2">
+            <a:schemeClr val="accent1">
+              <a:shade val="50000"/>
+            </a:schemeClr>
+          </a:lnRef>
+          <a:fillRef idx="1">
+            <a:schemeClr val="accent1"/>
+          </a:fillRef>
+          <a:effectRef idx="0">
+            <a:schemeClr val="accent1"/>
+          </a:effectRef>
+          <a:fontRef idx="minor">
+            <a:schemeClr val="lt1"/>
+          </a:fontRef>
+        </p:style>
+        <p:txBody>
+          <a:bodyPr rtlCol="0" anchor="ctr"/>
+          <a:lstStyle/>
+          <a:p>
+            <a:pPr algn="ctr"/>
+            <a:endParaRPr lang="fr-FR"/>
+          </a:p>
+        </p:txBody>
+      </p:sp>
     </p:spTree>
     <p:extLst>
       <p:ext uri="{BB962C8B-B14F-4D97-AF65-F5344CB8AC3E}">
@@ -7744,6 +9689,492 @@
           </a:p>
         </p:txBody>
       </p:sp>
+      <p:sp>
+        <p:nvSpPr>
+          <p:cNvPr id="9" name="Rectangle 8">
+            <a:extLst>
+              <a:ext uri="{FF2B5EF4-FFF2-40B4-BE49-F238E27FC236}">
+                <a16:creationId xmlns:a16="http://schemas.microsoft.com/office/drawing/2014/main" id="{217FB2BF-AEBB-449B-B0E2-5AD7E57C98C2}"/>
+              </a:ext>
+            </a:extLst>
+          </p:cNvPr>
+          <p:cNvSpPr/>
+          <p:nvPr/>
+        </p:nvSpPr>
+        <p:spPr>
+          <a:xfrm>
+            <a:off x="203016" y="5835694"/>
+            <a:ext cx="11562264" cy="599269"/>
+          </a:xfrm>
+          <a:prstGeom prst="rect">
+            <a:avLst/>
+          </a:prstGeom>
+          <a:solidFill>
+            <a:srgbClr val="CFCCCA"/>
+          </a:solidFill>
+          <a:ln>
+            <a:solidFill>
+              <a:schemeClr val="tx1"/>
+            </a:solidFill>
+          </a:ln>
+        </p:spPr>
+        <p:style>
+          <a:lnRef idx="2">
+            <a:schemeClr val="accent1">
+              <a:shade val="50000"/>
+            </a:schemeClr>
+          </a:lnRef>
+          <a:fillRef idx="1">
+            <a:schemeClr val="accent1"/>
+          </a:fillRef>
+          <a:effectRef idx="0">
+            <a:schemeClr val="accent1"/>
+          </a:effectRef>
+          <a:fontRef idx="minor">
+            <a:schemeClr val="lt1"/>
+          </a:fontRef>
+        </p:style>
+        <p:txBody>
+          <a:bodyPr rtlCol="0" anchor="ctr"/>
+          <a:lstStyle/>
+          <a:p>
+            <a:pPr algn="ctr"/>
+            <a:endParaRPr lang="fr-FR"/>
+          </a:p>
+        </p:txBody>
+      </p:sp>
+      <p:sp>
+        <p:nvSpPr>
+          <p:cNvPr id="10" name="Ellipse 9">
+            <a:extLst>
+              <a:ext uri="{FF2B5EF4-FFF2-40B4-BE49-F238E27FC236}">
+                <a16:creationId xmlns:a16="http://schemas.microsoft.com/office/drawing/2014/main" id="{F44B9AD9-748E-4F8F-A2C2-8B912F7D1D0B}"/>
+              </a:ext>
+            </a:extLst>
+          </p:cNvPr>
+          <p:cNvSpPr/>
+          <p:nvPr/>
+        </p:nvSpPr>
+        <p:spPr>
+          <a:xfrm>
+            <a:off x="442338" y="5656353"/>
+            <a:ext cx="984068" cy="914400"/>
+          </a:xfrm>
+          <a:prstGeom prst="ellipse">
+            <a:avLst/>
+          </a:prstGeom>
+          <a:solidFill>
+            <a:srgbClr val="92EE22"/>
+          </a:solidFill>
+          <a:ln>
+            <a:solidFill>
+              <a:schemeClr val="tx1"/>
+            </a:solidFill>
+          </a:ln>
+        </p:spPr>
+        <p:style>
+          <a:lnRef idx="2">
+            <a:schemeClr val="accent1">
+              <a:shade val="50000"/>
+            </a:schemeClr>
+          </a:lnRef>
+          <a:fillRef idx="1">
+            <a:schemeClr val="accent1"/>
+          </a:fillRef>
+          <a:effectRef idx="0">
+            <a:schemeClr val="accent1"/>
+          </a:effectRef>
+          <a:fontRef idx="minor">
+            <a:schemeClr val="lt1"/>
+          </a:fontRef>
+        </p:style>
+        <p:txBody>
+          <a:bodyPr rtlCol="0" anchor="ctr"/>
+          <a:lstStyle/>
+          <a:p>
+            <a:pPr algn="ctr"/>
+            <a:endParaRPr lang="fr-FR"/>
+          </a:p>
+        </p:txBody>
+      </p:sp>
+      <p:sp>
+        <p:nvSpPr>
+          <p:cNvPr id="11" name="Ellipse 10">
+            <a:extLst>
+              <a:ext uri="{FF2B5EF4-FFF2-40B4-BE49-F238E27FC236}">
+                <a16:creationId xmlns:a16="http://schemas.microsoft.com/office/drawing/2014/main" id="{AB19116C-7413-4197-80F2-9E6621279E09}"/>
+              </a:ext>
+            </a:extLst>
+          </p:cNvPr>
+          <p:cNvSpPr/>
+          <p:nvPr/>
+        </p:nvSpPr>
+        <p:spPr>
+          <a:xfrm>
+            <a:off x="1832631" y="5678122"/>
+            <a:ext cx="984068" cy="914400"/>
+          </a:xfrm>
+          <a:prstGeom prst="ellipse">
+            <a:avLst/>
+          </a:prstGeom>
+          <a:solidFill>
+            <a:srgbClr val="92EE22"/>
+          </a:solidFill>
+          <a:ln>
+            <a:solidFill>
+              <a:schemeClr val="tx1"/>
+            </a:solidFill>
+          </a:ln>
+        </p:spPr>
+        <p:style>
+          <a:lnRef idx="2">
+            <a:schemeClr val="accent1">
+              <a:shade val="50000"/>
+            </a:schemeClr>
+          </a:lnRef>
+          <a:fillRef idx="1">
+            <a:schemeClr val="accent1"/>
+          </a:fillRef>
+          <a:effectRef idx="0">
+            <a:schemeClr val="accent1"/>
+          </a:effectRef>
+          <a:fontRef idx="minor">
+            <a:schemeClr val="lt1"/>
+          </a:fontRef>
+        </p:style>
+        <p:txBody>
+          <a:bodyPr rtlCol="0" anchor="ctr"/>
+          <a:lstStyle/>
+          <a:p>
+            <a:pPr algn="ctr"/>
+            <a:endParaRPr lang="fr-FR"/>
+          </a:p>
+        </p:txBody>
+      </p:sp>
+      <p:sp>
+        <p:nvSpPr>
+          <p:cNvPr id="12" name="Ellipse 11">
+            <a:extLst>
+              <a:ext uri="{FF2B5EF4-FFF2-40B4-BE49-F238E27FC236}">
+                <a16:creationId xmlns:a16="http://schemas.microsoft.com/office/drawing/2014/main" id="{0A83D9E8-E1B0-4C92-9102-D4B5E112F976}"/>
+              </a:ext>
+            </a:extLst>
+          </p:cNvPr>
+          <p:cNvSpPr/>
+          <p:nvPr/>
+        </p:nvSpPr>
+        <p:spPr>
+          <a:xfrm>
+            <a:off x="3279879" y="5656489"/>
+            <a:ext cx="984068" cy="914400"/>
+          </a:xfrm>
+          <a:prstGeom prst="ellipse">
+            <a:avLst/>
+          </a:prstGeom>
+          <a:solidFill>
+            <a:srgbClr val="92EE22"/>
+          </a:solidFill>
+          <a:ln>
+            <a:solidFill>
+              <a:schemeClr val="tx1"/>
+            </a:solidFill>
+          </a:ln>
+        </p:spPr>
+        <p:style>
+          <a:lnRef idx="2">
+            <a:schemeClr val="accent1">
+              <a:shade val="50000"/>
+            </a:schemeClr>
+          </a:lnRef>
+          <a:fillRef idx="1">
+            <a:schemeClr val="accent1"/>
+          </a:fillRef>
+          <a:effectRef idx="0">
+            <a:schemeClr val="accent1"/>
+          </a:effectRef>
+          <a:fontRef idx="minor">
+            <a:schemeClr val="lt1"/>
+          </a:fontRef>
+        </p:style>
+        <p:txBody>
+          <a:bodyPr rtlCol="0" anchor="ctr"/>
+          <a:lstStyle/>
+          <a:p>
+            <a:pPr algn="ctr"/>
+            <a:endParaRPr lang="fr-FR"/>
+          </a:p>
+        </p:txBody>
+      </p:sp>
+      <p:sp>
+        <p:nvSpPr>
+          <p:cNvPr id="13" name="Ellipse 12">
+            <a:extLst>
+              <a:ext uri="{FF2B5EF4-FFF2-40B4-BE49-F238E27FC236}">
+                <a16:creationId xmlns:a16="http://schemas.microsoft.com/office/drawing/2014/main" id="{9251EBC9-EFB5-4A39-9384-E68DA51E71B2}"/>
+              </a:ext>
+            </a:extLst>
+          </p:cNvPr>
+          <p:cNvSpPr/>
+          <p:nvPr/>
+        </p:nvSpPr>
+        <p:spPr>
+          <a:xfrm>
+            <a:off x="4761966" y="5665062"/>
+            <a:ext cx="984068" cy="914400"/>
+          </a:xfrm>
+          <a:prstGeom prst="ellipse">
+            <a:avLst/>
+          </a:prstGeom>
+          <a:solidFill>
+            <a:srgbClr val="92EE22"/>
+          </a:solidFill>
+          <a:ln>
+            <a:solidFill>
+              <a:schemeClr val="tx1"/>
+            </a:solidFill>
+          </a:ln>
+        </p:spPr>
+        <p:style>
+          <a:lnRef idx="2">
+            <a:schemeClr val="accent1">
+              <a:shade val="50000"/>
+            </a:schemeClr>
+          </a:lnRef>
+          <a:fillRef idx="1">
+            <a:schemeClr val="accent1"/>
+          </a:fillRef>
+          <a:effectRef idx="0">
+            <a:schemeClr val="accent1"/>
+          </a:effectRef>
+          <a:fontRef idx="minor">
+            <a:schemeClr val="lt1"/>
+          </a:fontRef>
+        </p:style>
+        <p:txBody>
+          <a:bodyPr rtlCol="0" anchor="ctr"/>
+          <a:lstStyle/>
+          <a:p>
+            <a:pPr algn="ctr"/>
+            <a:endParaRPr lang="fr-FR"/>
+          </a:p>
+        </p:txBody>
+      </p:sp>
+      <p:sp>
+        <p:nvSpPr>
+          <p:cNvPr id="14" name="Ellipse 13">
+            <a:extLst>
+              <a:ext uri="{FF2B5EF4-FFF2-40B4-BE49-F238E27FC236}">
+                <a16:creationId xmlns:a16="http://schemas.microsoft.com/office/drawing/2014/main" id="{0C16668D-14C3-4AD7-9BC7-F643BB3FD829}"/>
+              </a:ext>
+            </a:extLst>
+          </p:cNvPr>
+          <p:cNvSpPr/>
+          <p:nvPr/>
+        </p:nvSpPr>
+        <p:spPr>
+          <a:xfrm>
+            <a:off x="6240977" y="5660841"/>
+            <a:ext cx="984068" cy="914400"/>
+          </a:xfrm>
+          <a:prstGeom prst="ellipse">
+            <a:avLst/>
+          </a:prstGeom>
+          <a:solidFill>
+            <a:srgbClr val="92EE22"/>
+          </a:solidFill>
+          <a:ln>
+            <a:solidFill>
+              <a:schemeClr val="tx1"/>
+            </a:solidFill>
+          </a:ln>
+        </p:spPr>
+        <p:style>
+          <a:lnRef idx="2">
+            <a:schemeClr val="accent1">
+              <a:shade val="50000"/>
+            </a:schemeClr>
+          </a:lnRef>
+          <a:fillRef idx="1">
+            <a:schemeClr val="accent1"/>
+          </a:fillRef>
+          <a:effectRef idx="0">
+            <a:schemeClr val="accent1"/>
+          </a:effectRef>
+          <a:fontRef idx="minor">
+            <a:schemeClr val="lt1"/>
+          </a:fontRef>
+        </p:style>
+        <p:txBody>
+          <a:bodyPr rtlCol="0" anchor="ctr"/>
+          <a:lstStyle/>
+          <a:p>
+            <a:pPr algn="ctr"/>
+            <a:endParaRPr lang="fr-FR"/>
+          </a:p>
+        </p:txBody>
+      </p:sp>
+      <p:sp>
+        <p:nvSpPr>
+          <p:cNvPr id="15" name="Ellipse 14">
+            <a:extLst>
+              <a:ext uri="{FF2B5EF4-FFF2-40B4-BE49-F238E27FC236}">
+                <a16:creationId xmlns:a16="http://schemas.microsoft.com/office/drawing/2014/main" id="{3B93F203-2796-4F70-BEC3-8595DD2BF013}"/>
+              </a:ext>
+            </a:extLst>
+          </p:cNvPr>
+          <p:cNvSpPr/>
+          <p:nvPr/>
+        </p:nvSpPr>
+        <p:spPr>
+          <a:xfrm>
+            <a:off x="7654675" y="5656353"/>
+            <a:ext cx="984068" cy="914400"/>
+          </a:xfrm>
+          <a:prstGeom prst="ellipse">
+            <a:avLst/>
+          </a:prstGeom>
+          <a:solidFill>
+            <a:srgbClr val="D1CECD"/>
+          </a:solidFill>
+          <a:ln>
+            <a:solidFill>
+              <a:schemeClr val="tx1"/>
+            </a:solidFill>
+          </a:ln>
+        </p:spPr>
+        <p:style>
+          <a:lnRef idx="2">
+            <a:schemeClr val="accent1">
+              <a:shade val="50000"/>
+            </a:schemeClr>
+          </a:lnRef>
+          <a:fillRef idx="1">
+            <a:schemeClr val="accent1"/>
+          </a:fillRef>
+          <a:effectRef idx="0">
+            <a:schemeClr val="accent1"/>
+          </a:effectRef>
+          <a:fontRef idx="minor">
+            <a:schemeClr val="lt1"/>
+          </a:fontRef>
+        </p:style>
+        <p:txBody>
+          <a:bodyPr rtlCol="0" anchor="ctr"/>
+          <a:lstStyle/>
+          <a:p>
+            <a:pPr algn="ctr"/>
+            <a:endParaRPr lang="fr-FR"/>
+          </a:p>
+        </p:txBody>
+      </p:sp>
+      <p:sp>
+        <p:nvSpPr>
+          <p:cNvPr id="16" name="Ellipse 15">
+            <a:extLst>
+              <a:ext uri="{FF2B5EF4-FFF2-40B4-BE49-F238E27FC236}">
+                <a16:creationId xmlns:a16="http://schemas.microsoft.com/office/drawing/2014/main" id="{C48980FD-F6E0-4E13-873D-8E5A73AF3254}"/>
+              </a:ext>
+            </a:extLst>
+          </p:cNvPr>
+          <p:cNvSpPr/>
+          <p:nvPr/>
+        </p:nvSpPr>
+        <p:spPr>
+          <a:xfrm>
+            <a:off x="9068374" y="5678122"/>
+            <a:ext cx="984068" cy="914400"/>
+          </a:xfrm>
+          <a:prstGeom prst="ellipse">
+            <a:avLst/>
+          </a:prstGeom>
+          <a:solidFill>
+            <a:srgbClr val="D1CECD"/>
+          </a:solidFill>
+          <a:ln>
+            <a:solidFill>
+              <a:schemeClr val="tx1"/>
+            </a:solidFill>
+          </a:ln>
+        </p:spPr>
+        <p:style>
+          <a:lnRef idx="2">
+            <a:schemeClr val="accent1">
+              <a:shade val="50000"/>
+            </a:schemeClr>
+          </a:lnRef>
+          <a:fillRef idx="1">
+            <a:schemeClr val="accent1"/>
+          </a:fillRef>
+          <a:effectRef idx="0">
+            <a:schemeClr val="accent1"/>
+          </a:effectRef>
+          <a:fontRef idx="minor">
+            <a:schemeClr val="lt1"/>
+          </a:fontRef>
+        </p:style>
+        <p:txBody>
+          <a:bodyPr rtlCol="0" anchor="ctr"/>
+          <a:lstStyle/>
+          <a:p>
+            <a:pPr algn="ctr"/>
+            <a:endParaRPr lang="fr-FR"/>
+          </a:p>
+        </p:txBody>
+      </p:sp>
+      <p:sp>
+        <p:nvSpPr>
+          <p:cNvPr id="17" name="Ellipse 16">
+            <a:extLst>
+              <a:ext uri="{FF2B5EF4-FFF2-40B4-BE49-F238E27FC236}">
+                <a16:creationId xmlns:a16="http://schemas.microsoft.com/office/drawing/2014/main" id="{1B4E85A3-757A-4B7F-939B-F76F06A89AC4}"/>
+              </a:ext>
+            </a:extLst>
+          </p:cNvPr>
+          <p:cNvSpPr/>
+          <p:nvPr/>
+        </p:nvSpPr>
+        <p:spPr>
+          <a:xfrm>
+            <a:off x="10515622" y="5656353"/>
+            <a:ext cx="984068" cy="914400"/>
+          </a:xfrm>
+          <a:prstGeom prst="ellipse">
+            <a:avLst/>
+          </a:prstGeom>
+          <a:solidFill>
+            <a:srgbClr val="D1CECD"/>
+          </a:solidFill>
+          <a:ln>
+            <a:solidFill>
+              <a:schemeClr val="tx1"/>
+            </a:solidFill>
+          </a:ln>
+        </p:spPr>
+        <p:style>
+          <a:lnRef idx="2">
+            <a:schemeClr val="accent1">
+              <a:shade val="50000"/>
+            </a:schemeClr>
+          </a:lnRef>
+          <a:fillRef idx="1">
+            <a:schemeClr val="accent1"/>
+          </a:fillRef>
+          <a:effectRef idx="0">
+            <a:schemeClr val="accent1"/>
+          </a:effectRef>
+          <a:fontRef idx="minor">
+            <a:schemeClr val="lt1"/>
+          </a:fontRef>
+        </p:style>
+        <p:txBody>
+          <a:bodyPr rtlCol="0" anchor="ctr"/>
+          <a:lstStyle/>
+          <a:p>
+            <a:pPr algn="ctr"/>
+            <a:endParaRPr lang="fr-FR"/>
+          </a:p>
+        </p:txBody>
+      </p:sp>
     </p:spTree>
     <p:extLst>
       <p:ext uri="{BB962C8B-B14F-4D97-AF65-F5344CB8AC3E}">
@@ -7934,6 +10365,492 @@
           </a:prstGeom>
         </p:spPr>
       </p:pic>
+      <p:sp>
+        <p:nvSpPr>
+          <p:cNvPr id="4" name="Rectangle 3">
+            <a:extLst>
+              <a:ext uri="{FF2B5EF4-FFF2-40B4-BE49-F238E27FC236}">
+                <a16:creationId xmlns:a16="http://schemas.microsoft.com/office/drawing/2014/main" id="{205C676B-9564-472C-B497-26B611045E0B}"/>
+              </a:ext>
+            </a:extLst>
+          </p:cNvPr>
+          <p:cNvSpPr/>
+          <p:nvPr/>
+        </p:nvSpPr>
+        <p:spPr>
+          <a:xfrm>
+            <a:off x="203016" y="5835694"/>
+            <a:ext cx="11562264" cy="599269"/>
+          </a:xfrm>
+          <a:prstGeom prst="rect">
+            <a:avLst/>
+          </a:prstGeom>
+          <a:solidFill>
+            <a:srgbClr val="CFCCCA"/>
+          </a:solidFill>
+          <a:ln>
+            <a:solidFill>
+              <a:schemeClr val="tx1"/>
+            </a:solidFill>
+          </a:ln>
+        </p:spPr>
+        <p:style>
+          <a:lnRef idx="2">
+            <a:schemeClr val="accent1">
+              <a:shade val="50000"/>
+            </a:schemeClr>
+          </a:lnRef>
+          <a:fillRef idx="1">
+            <a:schemeClr val="accent1"/>
+          </a:fillRef>
+          <a:effectRef idx="0">
+            <a:schemeClr val="accent1"/>
+          </a:effectRef>
+          <a:fontRef idx="minor">
+            <a:schemeClr val="lt1"/>
+          </a:fontRef>
+        </p:style>
+        <p:txBody>
+          <a:bodyPr rtlCol="0" anchor="ctr"/>
+          <a:lstStyle/>
+          <a:p>
+            <a:pPr algn="ctr"/>
+            <a:endParaRPr lang="fr-FR"/>
+          </a:p>
+        </p:txBody>
+      </p:sp>
+      <p:sp>
+        <p:nvSpPr>
+          <p:cNvPr id="6" name="Ellipse 5">
+            <a:extLst>
+              <a:ext uri="{FF2B5EF4-FFF2-40B4-BE49-F238E27FC236}">
+                <a16:creationId xmlns:a16="http://schemas.microsoft.com/office/drawing/2014/main" id="{E0FDF26B-0370-408D-98BE-9655008FB2D0}"/>
+              </a:ext>
+            </a:extLst>
+          </p:cNvPr>
+          <p:cNvSpPr/>
+          <p:nvPr/>
+        </p:nvSpPr>
+        <p:spPr>
+          <a:xfrm>
+            <a:off x="442338" y="5656353"/>
+            <a:ext cx="984068" cy="914400"/>
+          </a:xfrm>
+          <a:prstGeom prst="ellipse">
+            <a:avLst/>
+          </a:prstGeom>
+          <a:solidFill>
+            <a:srgbClr val="92EE22"/>
+          </a:solidFill>
+          <a:ln>
+            <a:solidFill>
+              <a:schemeClr val="tx1"/>
+            </a:solidFill>
+          </a:ln>
+        </p:spPr>
+        <p:style>
+          <a:lnRef idx="2">
+            <a:schemeClr val="accent1">
+              <a:shade val="50000"/>
+            </a:schemeClr>
+          </a:lnRef>
+          <a:fillRef idx="1">
+            <a:schemeClr val="accent1"/>
+          </a:fillRef>
+          <a:effectRef idx="0">
+            <a:schemeClr val="accent1"/>
+          </a:effectRef>
+          <a:fontRef idx="minor">
+            <a:schemeClr val="lt1"/>
+          </a:fontRef>
+        </p:style>
+        <p:txBody>
+          <a:bodyPr rtlCol="0" anchor="ctr"/>
+          <a:lstStyle/>
+          <a:p>
+            <a:pPr algn="ctr"/>
+            <a:endParaRPr lang="fr-FR"/>
+          </a:p>
+        </p:txBody>
+      </p:sp>
+      <p:sp>
+        <p:nvSpPr>
+          <p:cNvPr id="7" name="Ellipse 6">
+            <a:extLst>
+              <a:ext uri="{FF2B5EF4-FFF2-40B4-BE49-F238E27FC236}">
+                <a16:creationId xmlns:a16="http://schemas.microsoft.com/office/drawing/2014/main" id="{6CB97804-5531-489E-8C9A-8B872FA47D11}"/>
+              </a:ext>
+            </a:extLst>
+          </p:cNvPr>
+          <p:cNvSpPr/>
+          <p:nvPr/>
+        </p:nvSpPr>
+        <p:spPr>
+          <a:xfrm>
+            <a:off x="1832631" y="5678122"/>
+            <a:ext cx="984068" cy="914400"/>
+          </a:xfrm>
+          <a:prstGeom prst="ellipse">
+            <a:avLst/>
+          </a:prstGeom>
+          <a:solidFill>
+            <a:srgbClr val="92EE22"/>
+          </a:solidFill>
+          <a:ln>
+            <a:solidFill>
+              <a:schemeClr val="tx1"/>
+            </a:solidFill>
+          </a:ln>
+        </p:spPr>
+        <p:style>
+          <a:lnRef idx="2">
+            <a:schemeClr val="accent1">
+              <a:shade val="50000"/>
+            </a:schemeClr>
+          </a:lnRef>
+          <a:fillRef idx="1">
+            <a:schemeClr val="accent1"/>
+          </a:fillRef>
+          <a:effectRef idx="0">
+            <a:schemeClr val="accent1"/>
+          </a:effectRef>
+          <a:fontRef idx="minor">
+            <a:schemeClr val="lt1"/>
+          </a:fontRef>
+        </p:style>
+        <p:txBody>
+          <a:bodyPr rtlCol="0" anchor="ctr"/>
+          <a:lstStyle/>
+          <a:p>
+            <a:pPr algn="ctr"/>
+            <a:endParaRPr lang="fr-FR"/>
+          </a:p>
+        </p:txBody>
+      </p:sp>
+      <p:sp>
+        <p:nvSpPr>
+          <p:cNvPr id="8" name="Ellipse 7">
+            <a:extLst>
+              <a:ext uri="{FF2B5EF4-FFF2-40B4-BE49-F238E27FC236}">
+                <a16:creationId xmlns:a16="http://schemas.microsoft.com/office/drawing/2014/main" id="{F390D546-CAA4-4063-B942-A827F5EF2EE2}"/>
+              </a:ext>
+            </a:extLst>
+          </p:cNvPr>
+          <p:cNvSpPr/>
+          <p:nvPr/>
+        </p:nvSpPr>
+        <p:spPr>
+          <a:xfrm>
+            <a:off x="3279879" y="5656489"/>
+            <a:ext cx="984068" cy="914400"/>
+          </a:xfrm>
+          <a:prstGeom prst="ellipse">
+            <a:avLst/>
+          </a:prstGeom>
+          <a:solidFill>
+            <a:srgbClr val="92EE22"/>
+          </a:solidFill>
+          <a:ln>
+            <a:solidFill>
+              <a:schemeClr val="tx1"/>
+            </a:solidFill>
+          </a:ln>
+        </p:spPr>
+        <p:style>
+          <a:lnRef idx="2">
+            <a:schemeClr val="accent1">
+              <a:shade val="50000"/>
+            </a:schemeClr>
+          </a:lnRef>
+          <a:fillRef idx="1">
+            <a:schemeClr val="accent1"/>
+          </a:fillRef>
+          <a:effectRef idx="0">
+            <a:schemeClr val="accent1"/>
+          </a:effectRef>
+          <a:fontRef idx="minor">
+            <a:schemeClr val="lt1"/>
+          </a:fontRef>
+        </p:style>
+        <p:txBody>
+          <a:bodyPr rtlCol="0" anchor="ctr"/>
+          <a:lstStyle/>
+          <a:p>
+            <a:pPr algn="ctr"/>
+            <a:endParaRPr lang="fr-FR"/>
+          </a:p>
+        </p:txBody>
+      </p:sp>
+      <p:sp>
+        <p:nvSpPr>
+          <p:cNvPr id="9" name="Ellipse 8">
+            <a:extLst>
+              <a:ext uri="{FF2B5EF4-FFF2-40B4-BE49-F238E27FC236}">
+                <a16:creationId xmlns:a16="http://schemas.microsoft.com/office/drawing/2014/main" id="{0F1DC265-0EFA-451C-AC9A-009470BC7032}"/>
+              </a:ext>
+            </a:extLst>
+          </p:cNvPr>
+          <p:cNvSpPr/>
+          <p:nvPr/>
+        </p:nvSpPr>
+        <p:spPr>
+          <a:xfrm>
+            <a:off x="4761966" y="5665062"/>
+            <a:ext cx="984068" cy="914400"/>
+          </a:xfrm>
+          <a:prstGeom prst="ellipse">
+            <a:avLst/>
+          </a:prstGeom>
+          <a:solidFill>
+            <a:srgbClr val="92EE22"/>
+          </a:solidFill>
+          <a:ln>
+            <a:solidFill>
+              <a:schemeClr val="tx1"/>
+            </a:solidFill>
+          </a:ln>
+        </p:spPr>
+        <p:style>
+          <a:lnRef idx="2">
+            <a:schemeClr val="accent1">
+              <a:shade val="50000"/>
+            </a:schemeClr>
+          </a:lnRef>
+          <a:fillRef idx="1">
+            <a:schemeClr val="accent1"/>
+          </a:fillRef>
+          <a:effectRef idx="0">
+            <a:schemeClr val="accent1"/>
+          </a:effectRef>
+          <a:fontRef idx="minor">
+            <a:schemeClr val="lt1"/>
+          </a:fontRef>
+        </p:style>
+        <p:txBody>
+          <a:bodyPr rtlCol="0" anchor="ctr"/>
+          <a:lstStyle/>
+          <a:p>
+            <a:pPr algn="ctr"/>
+            <a:endParaRPr lang="fr-FR"/>
+          </a:p>
+        </p:txBody>
+      </p:sp>
+      <p:sp>
+        <p:nvSpPr>
+          <p:cNvPr id="10" name="Ellipse 9">
+            <a:extLst>
+              <a:ext uri="{FF2B5EF4-FFF2-40B4-BE49-F238E27FC236}">
+                <a16:creationId xmlns:a16="http://schemas.microsoft.com/office/drawing/2014/main" id="{28763A00-14D1-4BDA-A79D-F51701F500AA}"/>
+              </a:ext>
+            </a:extLst>
+          </p:cNvPr>
+          <p:cNvSpPr/>
+          <p:nvPr/>
+        </p:nvSpPr>
+        <p:spPr>
+          <a:xfrm>
+            <a:off x="6240977" y="5660841"/>
+            <a:ext cx="984068" cy="914400"/>
+          </a:xfrm>
+          <a:prstGeom prst="ellipse">
+            <a:avLst/>
+          </a:prstGeom>
+          <a:solidFill>
+            <a:srgbClr val="92EE22"/>
+          </a:solidFill>
+          <a:ln>
+            <a:solidFill>
+              <a:schemeClr val="tx1"/>
+            </a:solidFill>
+          </a:ln>
+        </p:spPr>
+        <p:style>
+          <a:lnRef idx="2">
+            <a:schemeClr val="accent1">
+              <a:shade val="50000"/>
+            </a:schemeClr>
+          </a:lnRef>
+          <a:fillRef idx="1">
+            <a:schemeClr val="accent1"/>
+          </a:fillRef>
+          <a:effectRef idx="0">
+            <a:schemeClr val="accent1"/>
+          </a:effectRef>
+          <a:fontRef idx="minor">
+            <a:schemeClr val="lt1"/>
+          </a:fontRef>
+        </p:style>
+        <p:txBody>
+          <a:bodyPr rtlCol="0" anchor="ctr"/>
+          <a:lstStyle/>
+          <a:p>
+            <a:pPr algn="ctr"/>
+            <a:endParaRPr lang="fr-FR"/>
+          </a:p>
+        </p:txBody>
+      </p:sp>
+      <p:sp>
+        <p:nvSpPr>
+          <p:cNvPr id="11" name="Ellipse 10">
+            <a:extLst>
+              <a:ext uri="{FF2B5EF4-FFF2-40B4-BE49-F238E27FC236}">
+                <a16:creationId xmlns:a16="http://schemas.microsoft.com/office/drawing/2014/main" id="{6333BF11-47F1-4B08-ACA7-AB2C293CF0F0}"/>
+              </a:ext>
+            </a:extLst>
+          </p:cNvPr>
+          <p:cNvSpPr/>
+          <p:nvPr/>
+        </p:nvSpPr>
+        <p:spPr>
+          <a:xfrm>
+            <a:off x="7654675" y="5656353"/>
+            <a:ext cx="984068" cy="914400"/>
+          </a:xfrm>
+          <a:prstGeom prst="ellipse">
+            <a:avLst/>
+          </a:prstGeom>
+          <a:solidFill>
+            <a:srgbClr val="92EE22"/>
+          </a:solidFill>
+          <a:ln>
+            <a:solidFill>
+              <a:schemeClr val="tx1"/>
+            </a:solidFill>
+          </a:ln>
+        </p:spPr>
+        <p:style>
+          <a:lnRef idx="2">
+            <a:schemeClr val="accent1">
+              <a:shade val="50000"/>
+            </a:schemeClr>
+          </a:lnRef>
+          <a:fillRef idx="1">
+            <a:schemeClr val="accent1"/>
+          </a:fillRef>
+          <a:effectRef idx="0">
+            <a:schemeClr val="accent1"/>
+          </a:effectRef>
+          <a:fontRef idx="minor">
+            <a:schemeClr val="lt1"/>
+          </a:fontRef>
+        </p:style>
+        <p:txBody>
+          <a:bodyPr rtlCol="0" anchor="ctr"/>
+          <a:lstStyle/>
+          <a:p>
+            <a:pPr algn="ctr"/>
+            <a:endParaRPr lang="fr-FR"/>
+          </a:p>
+        </p:txBody>
+      </p:sp>
+      <p:sp>
+        <p:nvSpPr>
+          <p:cNvPr id="12" name="Ellipse 11">
+            <a:extLst>
+              <a:ext uri="{FF2B5EF4-FFF2-40B4-BE49-F238E27FC236}">
+                <a16:creationId xmlns:a16="http://schemas.microsoft.com/office/drawing/2014/main" id="{58D8B629-8FB7-456D-946F-D30D09378F21}"/>
+              </a:ext>
+            </a:extLst>
+          </p:cNvPr>
+          <p:cNvSpPr/>
+          <p:nvPr/>
+        </p:nvSpPr>
+        <p:spPr>
+          <a:xfrm>
+            <a:off x="9068374" y="5678122"/>
+            <a:ext cx="984068" cy="914400"/>
+          </a:xfrm>
+          <a:prstGeom prst="ellipse">
+            <a:avLst/>
+          </a:prstGeom>
+          <a:solidFill>
+            <a:srgbClr val="D1CECD"/>
+          </a:solidFill>
+          <a:ln>
+            <a:solidFill>
+              <a:schemeClr val="tx1"/>
+            </a:solidFill>
+          </a:ln>
+        </p:spPr>
+        <p:style>
+          <a:lnRef idx="2">
+            <a:schemeClr val="accent1">
+              <a:shade val="50000"/>
+            </a:schemeClr>
+          </a:lnRef>
+          <a:fillRef idx="1">
+            <a:schemeClr val="accent1"/>
+          </a:fillRef>
+          <a:effectRef idx="0">
+            <a:schemeClr val="accent1"/>
+          </a:effectRef>
+          <a:fontRef idx="minor">
+            <a:schemeClr val="lt1"/>
+          </a:fontRef>
+        </p:style>
+        <p:txBody>
+          <a:bodyPr rtlCol="0" anchor="ctr"/>
+          <a:lstStyle/>
+          <a:p>
+            <a:pPr algn="ctr"/>
+            <a:endParaRPr lang="fr-FR"/>
+          </a:p>
+        </p:txBody>
+      </p:sp>
+      <p:sp>
+        <p:nvSpPr>
+          <p:cNvPr id="13" name="Ellipse 12">
+            <a:extLst>
+              <a:ext uri="{FF2B5EF4-FFF2-40B4-BE49-F238E27FC236}">
+                <a16:creationId xmlns:a16="http://schemas.microsoft.com/office/drawing/2014/main" id="{FC9EA22A-2074-4B4D-B5C8-3C24C2B2560B}"/>
+              </a:ext>
+            </a:extLst>
+          </p:cNvPr>
+          <p:cNvSpPr/>
+          <p:nvPr/>
+        </p:nvSpPr>
+        <p:spPr>
+          <a:xfrm>
+            <a:off x="10515622" y="5656353"/>
+            <a:ext cx="984068" cy="914400"/>
+          </a:xfrm>
+          <a:prstGeom prst="ellipse">
+            <a:avLst/>
+          </a:prstGeom>
+          <a:solidFill>
+            <a:srgbClr val="D1CECD"/>
+          </a:solidFill>
+          <a:ln>
+            <a:solidFill>
+              <a:schemeClr val="tx1"/>
+            </a:solidFill>
+          </a:ln>
+        </p:spPr>
+        <p:style>
+          <a:lnRef idx="2">
+            <a:schemeClr val="accent1">
+              <a:shade val="50000"/>
+            </a:schemeClr>
+          </a:lnRef>
+          <a:fillRef idx="1">
+            <a:schemeClr val="accent1"/>
+          </a:fillRef>
+          <a:effectRef idx="0">
+            <a:schemeClr val="accent1"/>
+          </a:effectRef>
+          <a:fontRef idx="minor">
+            <a:schemeClr val="lt1"/>
+          </a:fontRef>
+        </p:style>
+        <p:txBody>
+          <a:bodyPr rtlCol="0" anchor="ctr"/>
+          <a:lstStyle/>
+          <a:p>
+            <a:pPr algn="ctr"/>
+            <a:endParaRPr lang="fr-FR"/>
+          </a:p>
+        </p:txBody>
+      </p:sp>
     </p:spTree>
     <p:extLst>
       <p:ext uri="{BB962C8B-B14F-4D97-AF65-F5344CB8AC3E}">
@@ -8124,10 +11041,1172 @@
           </a:prstGeom>
         </p:spPr>
       </p:pic>
+      <p:sp>
+        <p:nvSpPr>
+          <p:cNvPr id="4" name="Rectangle 3">
+            <a:extLst>
+              <a:ext uri="{FF2B5EF4-FFF2-40B4-BE49-F238E27FC236}">
+                <a16:creationId xmlns:a16="http://schemas.microsoft.com/office/drawing/2014/main" id="{203A4ABD-F106-452B-AF55-D4A3F461BC7E}"/>
+              </a:ext>
+            </a:extLst>
+          </p:cNvPr>
+          <p:cNvSpPr/>
+          <p:nvPr/>
+        </p:nvSpPr>
+        <p:spPr>
+          <a:xfrm>
+            <a:off x="203016" y="5835694"/>
+            <a:ext cx="11562264" cy="599269"/>
+          </a:xfrm>
+          <a:prstGeom prst="rect">
+            <a:avLst/>
+          </a:prstGeom>
+          <a:solidFill>
+            <a:srgbClr val="CFCCCA"/>
+          </a:solidFill>
+          <a:ln>
+            <a:solidFill>
+              <a:schemeClr val="tx1"/>
+            </a:solidFill>
+          </a:ln>
+        </p:spPr>
+        <p:style>
+          <a:lnRef idx="2">
+            <a:schemeClr val="accent1">
+              <a:shade val="50000"/>
+            </a:schemeClr>
+          </a:lnRef>
+          <a:fillRef idx="1">
+            <a:schemeClr val="accent1"/>
+          </a:fillRef>
+          <a:effectRef idx="0">
+            <a:schemeClr val="accent1"/>
+          </a:effectRef>
+          <a:fontRef idx="minor">
+            <a:schemeClr val="lt1"/>
+          </a:fontRef>
+        </p:style>
+        <p:txBody>
+          <a:bodyPr rtlCol="0" anchor="ctr"/>
+          <a:lstStyle/>
+          <a:p>
+            <a:pPr algn="ctr"/>
+            <a:endParaRPr lang="fr-FR"/>
+          </a:p>
+        </p:txBody>
+      </p:sp>
+      <p:sp>
+        <p:nvSpPr>
+          <p:cNvPr id="6" name="Ellipse 5">
+            <a:extLst>
+              <a:ext uri="{FF2B5EF4-FFF2-40B4-BE49-F238E27FC236}">
+                <a16:creationId xmlns:a16="http://schemas.microsoft.com/office/drawing/2014/main" id="{A498B328-F764-4C2A-903A-A894AD20AFE3}"/>
+              </a:ext>
+            </a:extLst>
+          </p:cNvPr>
+          <p:cNvSpPr/>
+          <p:nvPr/>
+        </p:nvSpPr>
+        <p:spPr>
+          <a:xfrm>
+            <a:off x="442338" y="5656353"/>
+            <a:ext cx="984068" cy="914400"/>
+          </a:xfrm>
+          <a:prstGeom prst="ellipse">
+            <a:avLst/>
+          </a:prstGeom>
+          <a:solidFill>
+            <a:srgbClr val="92EE22"/>
+          </a:solidFill>
+          <a:ln>
+            <a:solidFill>
+              <a:schemeClr val="tx1"/>
+            </a:solidFill>
+          </a:ln>
+        </p:spPr>
+        <p:style>
+          <a:lnRef idx="2">
+            <a:schemeClr val="accent1">
+              <a:shade val="50000"/>
+            </a:schemeClr>
+          </a:lnRef>
+          <a:fillRef idx="1">
+            <a:schemeClr val="accent1"/>
+          </a:fillRef>
+          <a:effectRef idx="0">
+            <a:schemeClr val="accent1"/>
+          </a:effectRef>
+          <a:fontRef idx="minor">
+            <a:schemeClr val="lt1"/>
+          </a:fontRef>
+        </p:style>
+        <p:txBody>
+          <a:bodyPr rtlCol="0" anchor="ctr"/>
+          <a:lstStyle/>
+          <a:p>
+            <a:pPr algn="ctr"/>
+            <a:endParaRPr lang="fr-FR"/>
+          </a:p>
+        </p:txBody>
+      </p:sp>
+      <p:sp>
+        <p:nvSpPr>
+          <p:cNvPr id="7" name="Ellipse 6">
+            <a:extLst>
+              <a:ext uri="{FF2B5EF4-FFF2-40B4-BE49-F238E27FC236}">
+                <a16:creationId xmlns:a16="http://schemas.microsoft.com/office/drawing/2014/main" id="{17D4B014-1D24-4EF7-A842-553816DE360D}"/>
+              </a:ext>
+            </a:extLst>
+          </p:cNvPr>
+          <p:cNvSpPr/>
+          <p:nvPr/>
+        </p:nvSpPr>
+        <p:spPr>
+          <a:xfrm>
+            <a:off x="1832631" y="5678122"/>
+            <a:ext cx="984068" cy="914400"/>
+          </a:xfrm>
+          <a:prstGeom prst="ellipse">
+            <a:avLst/>
+          </a:prstGeom>
+          <a:solidFill>
+            <a:srgbClr val="92EE22"/>
+          </a:solidFill>
+          <a:ln>
+            <a:solidFill>
+              <a:schemeClr val="tx1"/>
+            </a:solidFill>
+          </a:ln>
+        </p:spPr>
+        <p:style>
+          <a:lnRef idx="2">
+            <a:schemeClr val="accent1">
+              <a:shade val="50000"/>
+            </a:schemeClr>
+          </a:lnRef>
+          <a:fillRef idx="1">
+            <a:schemeClr val="accent1"/>
+          </a:fillRef>
+          <a:effectRef idx="0">
+            <a:schemeClr val="accent1"/>
+          </a:effectRef>
+          <a:fontRef idx="minor">
+            <a:schemeClr val="lt1"/>
+          </a:fontRef>
+        </p:style>
+        <p:txBody>
+          <a:bodyPr rtlCol="0" anchor="ctr"/>
+          <a:lstStyle/>
+          <a:p>
+            <a:pPr algn="ctr"/>
+            <a:endParaRPr lang="fr-FR"/>
+          </a:p>
+        </p:txBody>
+      </p:sp>
+      <p:sp>
+        <p:nvSpPr>
+          <p:cNvPr id="8" name="Ellipse 7">
+            <a:extLst>
+              <a:ext uri="{FF2B5EF4-FFF2-40B4-BE49-F238E27FC236}">
+                <a16:creationId xmlns:a16="http://schemas.microsoft.com/office/drawing/2014/main" id="{4B166A43-EEC5-45B8-B2EA-0E273370CEDF}"/>
+              </a:ext>
+            </a:extLst>
+          </p:cNvPr>
+          <p:cNvSpPr/>
+          <p:nvPr/>
+        </p:nvSpPr>
+        <p:spPr>
+          <a:xfrm>
+            <a:off x="3279879" y="5656489"/>
+            <a:ext cx="984068" cy="914400"/>
+          </a:xfrm>
+          <a:prstGeom prst="ellipse">
+            <a:avLst/>
+          </a:prstGeom>
+          <a:solidFill>
+            <a:srgbClr val="92EE22"/>
+          </a:solidFill>
+          <a:ln>
+            <a:solidFill>
+              <a:schemeClr val="tx1"/>
+            </a:solidFill>
+          </a:ln>
+        </p:spPr>
+        <p:style>
+          <a:lnRef idx="2">
+            <a:schemeClr val="accent1">
+              <a:shade val="50000"/>
+            </a:schemeClr>
+          </a:lnRef>
+          <a:fillRef idx="1">
+            <a:schemeClr val="accent1"/>
+          </a:fillRef>
+          <a:effectRef idx="0">
+            <a:schemeClr val="accent1"/>
+          </a:effectRef>
+          <a:fontRef idx="minor">
+            <a:schemeClr val="lt1"/>
+          </a:fontRef>
+        </p:style>
+        <p:txBody>
+          <a:bodyPr rtlCol="0" anchor="ctr"/>
+          <a:lstStyle/>
+          <a:p>
+            <a:pPr algn="ctr"/>
+            <a:endParaRPr lang="fr-FR"/>
+          </a:p>
+        </p:txBody>
+      </p:sp>
+      <p:sp>
+        <p:nvSpPr>
+          <p:cNvPr id="9" name="Ellipse 8">
+            <a:extLst>
+              <a:ext uri="{FF2B5EF4-FFF2-40B4-BE49-F238E27FC236}">
+                <a16:creationId xmlns:a16="http://schemas.microsoft.com/office/drawing/2014/main" id="{383408C5-09A6-4A3B-BE1A-58091A9900D2}"/>
+              </a:ext>
+            </a:extLst>
+          </p:cNvPr>
+          <p:cNvSpPr/>
+          <p:nvPr/>
+        </p:nvSpPr>
+        <p:spPr>
+          <a:xfrm>
+            <a:off x="4761966" y="5665062"/>
+            <a:ext cx="984068" cy="914400"/>
+          </a:xfrm>
+          <a:prstGeom prst="ellipse">
+            <a:avLst/>
+          </a:prstGeom>
+          <a:solidFill>
+            <a:srgbClr val="92EE22"/>
+          </a:solidFill>
+          <a:ln>
+            <a:solidFill>
+              <a:schemeClr val="tx1"/>
+            </a:solidFill>
+          </a:ln>
+        </p:spPr>
+        <p:style>
+          <a:lnRef idx="2">
+            <a:schemeClr val="accent1">
+              <a:shade val="50000"/>
+            </a:schemeClr>
+          </a:lnRef>
+          <a:fillRef idx="1">
+            <a:schemeClr val="accent1"/>
+          </a:fillRef>
+          <a:effectRef idx="0">
+            <a:schemeClr val="accent1"/>
+          </a:effectRef>
+          <a:fontRef idx="minor">
+            <a:schemeClr val="lt1"/>
+          </a:fontRef>
+        </p:style>
+        <p:txBody>
+          <a:bodyPr rtlCol="0" anchor="ctr"/>
+          <a:lstStyle/>
+          <a:p>
+            <a:pPr algn="ctr"/>
+            <a:endParaRPr lang="fr-FR"/>
+          </a:p>
+        </p:txBody>
+      </p:sp>
+      <p:sp>
+        <p:nvSpPr>
+          <p:cNvPr id="10" name="Ellipse 9">
+            <a:extLst>
+              <a:ext uri="{FF2B5EF4-FFF2-40B4-BE49-F238E27FC236}">
+                <a16:creationId xmlns:a16="http://schemas.microsoft.com/office/drawing/2014/main" id="{05D7A43A-153A-47D6-A96C-B55A76486D6B}"/>
+              </a:ext>
+            </a:extLst>
+          </p:cNvPr>
+          <p:cNvSpPr/>
+          <p:nvPr/>
+        </p:nvSpPr>
+        <p:spPr>
+          <a:xfrm>
+            <a:off x="6240977" y="5660841"/>
+            <a:ext cx="984068" cy="914400"/>
+          </a:xfrm>
+          <a:prstGeom prst="ellipse">
+            <a:avLst/>
+          </a:prstGeom>
+          <a:solidFill>
+            <a:srgbClr val="92EE22"/>
+          </a:solidFill>
+          <a:ln>
+            <a:solidFill>
+              <a:schemeClr val="tx1"/>
+            </a:solidFill>
+          </a:ln>
+        </p:spPr>
+        <p:style>
+          <a:lnRef idx="2">
+            <a:schemeClr val="accent1">
+              <a:shade val="50000"/>
+            </a:schemeClr>
+          </a:lnRef>
+          <a:fillRef idx="1">
+            <a:schemeClr val="accent1"/>
+          </a:fillRef>
+          <a:effectRef idx="0">
+            <a:schemeClr val="accent1"/>
+          </a:effectRef>
+          <a:fontRef idx="minor">
+            <a:schemeClr val="lt1"/>
+          </a:fontRef>
+        </p:style>
+        <p:txBody>
+          <a:bodyPr rtlCol="0" anchor="ctr"/>
+          <a:lstStyle/>
+          <a:p>
+            <a:pPr algn="ctr"/>
+            <a:endParaRPr lang="fr-FR"/>
+          </a:p>
+        </p:txBody>
+      </p:sp>
+      <p:sp>
+        <p:nvSpPr>
+          <p:cNvPr id="11" name="Ellipse 10">
+            <a:extLst>
+              <a:ext uri="{FF2B5EF4-FFF2-40B4-BE49-F238E27FC236}">
+                <a16:creationId xmlns:a16="http://schemas.microsoft.com/office/drawing/2014/main" id="{E4B9AE50-FDA1-4B01-82E3-1224C3E9A014}"/>
+              </a:ext>
+            </a:extLst>
+          </p:cNvPr>
+          <p:cNvSpPr/>
+          <p:nvPr/>
+        </p:nvSpPr>
+        <p:spPr>
+          <a:xfrm>
+            <a:off x="7654675" y="5656353"/>
+            <a:ext cx="984068" cy="914400"/>
+          </a:xfrm>
+          <a:prstGeom prst="ellipse">
+            <a:avLst/>
+          </a:prstGeom>
+          <a:solidFill>
+            <a:srgbClr val="92EE22"/>
+          </a:solidFill>
+          <a:ln>
+            <a:solidFill>
+              <a:schemeClr val="tx1"/>
+            </a:solidFill>
+          </a:ln>
+        </p:spPr>
+        <p:style>
+          <a:lnRef idx="2">
+            <a:schemeClr val="accent1">
+              <a:shade val="50000"/>
+            </a:schemeClr>
+          </a:lnRef>
+          <a:fillRef idx="1">
+            <a:schemeClr val="accent1"/>
+          </a:fillRef>
+          <a:effectRef idx="0">
+            <a:schemeClr val="accent1"/>
+          </a:effectRef>
+          <a:fontRef idx="minor">
+            <a:schemeClr val="lt1"/>
+          </a:fontRef>
+        </p:style>
+        <p:txBody>
+          <a:bodyPr rtlCol="0" anchor="ctr"/>
+          <a:lstStyle/>
+          <a:p>
+            <a:pPr algn="ctr"/>
+            <a:endParaRPr lang="fr-FR"/>
+          </a:p>
+        </p:txBody>
+      </p:sp>
+      <p:sp>
+        <p:nvSpPr>
+          <p:cNvPr id="12" name="Ellipse 11">
+            <a:extLst>
+              <a:ext uri="{FF2B5EF4-FFF2-40B4-BE49-F238E27FC236}">
+                <a16:creationId xmlns:a16="http://schemas.microsoft.com/office/drawing/2014/main" id="{F851FAB5-93F2-4751-A56A-52E859AA5C5E}"/>
+              </a:ext>
+            </a:extLst>
+          </p:cNvPr>
+          <p:cNvSpPr/>
+          <p:nvPr/>
+        </p:nvSpPr>
+        <p:spPr>
+          <a:xfrm>
+            <a:off x="9068374" y="5678122"/>
+            <a:ext cx="984068" cy="914400"/>
+          </a:xfrm>
+          <a:prstGeom prst="ellipse">
+            <a:avLst/>
+          </a:prstGeom>
+          <a:solidFill>
+            <a:srgbClr val="92EE22"/>
+          </a:solidFill>
+          <a:ln>
+            <a:solidFill>
+              <a:schemeClr val="tx1"/>
+            </a:solidFill>
+          </a:ln>
+        </p:spPr>
+        <p:style>
+          <a:lnRef idx="2">
+            <a:schemeClr val="accent1">
+              <a:shade val="50000"/>
+            </a:schemeClr>
+          </a:lnRef>
+          <a:fillRef idx="1">
+            <a:schemeClr val="accent1"/>
+          </a:fillRef>
+          <a:effectRef idx="0">
+            <a:schemeClr val="accent1"/>
+          </a:effectRef>
+          <a:fontRef idx="minor">
+            <a:schemeClr val="lt1"/>
+          </a:fontRef>
+        </p:style>
+        <p:txBody>
+          <a:bodyPr rtlCol="0" anchor="ctr"/>
+          <a:lstStyle/>
+          <a:p>
+            <a:pPr algn="ctr"/>
+            <a:endParaRPr lang="fr-FR"/>
+          </a:p>
+        </p:txBody>
+      </p:sp>
+      <p:sp>
+        <p:nvSpPr>
+          <p:cNvPr id="13" name="Ellipse 12">
+            <a:extLst>
+              <a:ext uri="{FF2B5EF4-FFF2-40B4-BE49-F238E27FC236}">
+                <a16:creationId xmlns:a16="http://schemas.microsoft.com/office/drawing/2014/main" id="{1536D6B3-E079-427E-B587-E406B87F1368}"/>
+              </a:ext>
+            </a:extLst>
+          </p:cNvPr>
+          <p:cNvSpPr/>
+          <p:nvPr/>
+        </p:nvSpPr>
+        <p:spPr>
+          <a:xfrm>
+            <a:off x="10515622" y="5656353"/>
+            <a:ext cx="984068" cy="914400"/>
+          </a:xfrm>
+          <a:prstGeom prst="ellipse">
+            <a:avLst/>
+          </a:prstGeom>
+          <a:solidFill>
+            <a:srgbClr val="D1CECD"/>
+          </a:solidFill>
+          <a:ln>
+            <a:solidFill>
+              <a:schemeClr val="tx1"/>
+            </a:solidFill>
+          </a:ln>
+        </p:spPr>
+        <p:style>
+          <a:lnRef idx="2">
+            <a:schemeClr val="accent1">
+              <a:shade val="50000"/>
+            </a:schemeClr>
+          </a:lnRef>
+          <a:fillRef idx="1">
+            <a:schemeClr val="accent1"/>
+          </a:fillRef>
+          <a:effectRef idx="0">
+            <a:schemeClr val="accent1"/>
+          </a:effectRef>
+          <a:fontRef idx="minor">
+            <a:schemeClr val="lt1"/>
+          </a:fontRef>
+        </p:style>
+        <p:txBody>
+          <a:bodyPr rtlCol="0" anchor="ctr"/>
+          <a:lstStyle/>
+          <a:p>
+            <a:pPr algn="ctr"/>
+            <a:endParaRPr lang="fr-FR"/>
+          </a:p>
+        </p:txBody>
+      </p:sp>
     </p:spTree>
     <p:extLst>
       <p:ext uri="{BB962C8B-B14F-4D97-AF65-F5344CB8AC3E}">
         <p14:creationId xmlns:p14="http://schemas.microsoft.com/office/powerpoint/2010/main" val="2422391249"/>
+      </p:ext>
+    </p:extLst>
+  </p:cSld>
+  <p:clrMapOvr>
+    <a:overrideClrMapping bg1="dk1" tx1="lt1" bg2="dk2" tx2="lt2" accent1="accent1" accent2="accent2" accent3="accent3" accent4="accent4" accent5="accent5" accent6="accent6" hlink="hlink" folHlink="folHlink"/>
+  </p:clrMapOvr>
+  <mc:AlternateContent xmlns:mc="http://schemas.openxmlformats.org/markup-compatibility/2006" xmlns:p14="http://schemas.microsoft.com/office/powerpoint/2010/main">
+    <mc:Choice Requires="p14">
+      <p:transition spd="slow" p14:dur="800">
+        <p14:flythrough/>
+      </p:transition>
+    </mc:Choice>
+    <mc:Fallback xmlns="">
+      <p:transition spd="slow">
+        <p:fade/>
+      </p:transition>
+    </mc:Fallback>
+  </mc:AlternateContent>
+</p:sld>
+</file>
+
+<file path=ppt/slides/slide9.xml><?xml version="1.0" encoding="utf-8"?>
+<p:sld xmlns:a="http://schemas.openxmlformats.org/drawingml/2006/main" xmlns:r="http://schemas.openxmlformats.org/officeDocument/2006/relationships" xmlns:p="http://schemas.openxmlformats.org/presentationml/2006/main">
+  <p:cSld>
+    <p:bg>
+      <p:bgPr>
+        <a:gradFill>
+          <a:gsLst>
+            <a:gs pos="0">
+              <a:schemeClr val="accent1">
+                <a:lumMod val="0"/>
+                <a:lumOff val="100000"/>
+              </a:schemeClr>
+            </a:gs>
+            <a:gs pos="74000">
+              <a:schemeClr val="accent1">
+                <a:lumMod val="45000"/>
+                <a:lumOff val="55000"/>
+              </a:schemeClr>
+            </a:gs>
+            <a:gs pos="83000">
+              <a:schemeClr val="accent1">
+                <a:lumMod val="45000"/>
+                <a:lumOff val="55000"/>
+              </a:schemeClr>
+            </a:gs>
+            <a:gs pos="100000">
+              <a:schemeClr val="accent1">
+                <a:lumMod val="30000"/>
+                <a:lumOff val="70000"/>
+              </a:schemeClr>
+            </a:gs>
+          </a:gsLst>
+          <a:lin ang="5400000" scaled="1"/>
+        </a:gradFill>
+        <a:effectLst/>
+      </p:bgPr>
+    </p:bg>
+    <p:spTree>
+      <p:nvGrpSpPr>
+        <p:cNvPr id="1" name=""/>
+        <p:cNvGrpSpPr/>
+        <p:nvPr/>
+      </p:nvGrpSpPr>
+      <p:grpSpPr>
+        <a:xfrm>
+          <a:off x="0" y="0"/>
+          <a:ext cx="0" cy="0"/>
+          <a:chOff x="0" y="0"/>
+          <a:chExt cx="0" cy="0"/>
+        </a:xfrm>
+      </p:grpSpPr>
+      <p:sp>
+        <p:nvSpPr>
+          <p:cNvPr id="28" name="Rectangle 27">
+            <a:extLst>
+              <a:ext uri="{FF2B5EF4-FFF2-40B4-BE49-F238E27FC236}">
+                <a16:creationId xmlns:a16="http://schemas.microsoft.com/office/drawing/2014/main" id="{71B2258F-86CA-4D4D-8270-BC05FCDEBFB3}"/>
+              </a:ext>
+              <a:ext uri="{C183D7F6-B498-43B3-948B-1728B52AA6E4}">
+                <adec:decorative xmlns:adec="http://schemas.microsoft.com/office/drawing/2017/decorative" val="1"/>
+              </a:ext>
+            </a:extLst>
+          </p:cNvPr>
+          <p:cNvSpPr>
+            <a:spLocks noGrp="1" noRot="1" noChangeAspect="1" noMove="1" noResize="1" noEditPoints="1" noAdjustHandles="1" noChangeArrowheads="1" noChangeShapeType="1" noTextEdit="1"/>
+          </p:cNvSpPr>
+          <p:nvPr>
+            <p:extLst>
+              <p:ext uri="{386F3935-93C4-4BCD-93E2-E3B085C9AB24}">
+                <p16:designElem xmlns:p16="http://schemas.microsoft.com/office/powerpoint/2015/main" val="1"/>
+              </p:ext>
+            </p:extLst>
+          </p:nvPr>
+        </p:nvSpPr>
+        <p:spPr>
+          <a:xfrm>
+            <a:off x="0" y="0"/>
+            <a:ext cx="12192000" cy="6857999"/>
+          </a:xfrm>
+          <a:prstGeom prst="rect">
+            <a:avLst/>
+          </a:prstGeom>
+          <a:solidFill>
+            <a:srgbClr val="000000"/>
+          </a:solidFill>
+          <a:ln>
+            <a:noFill/>
+          </a:ln>
+        </p:spPr>
+        <p:style>
+          <a:lnRef idx="2">
+            <a:schemeClr val="accent1">
+              <a:shade val="50000"/>
+            </a:schemeClr>
+          </a:lnRef>
+          <a:fillRef idx="1">
+            <a:schemeClr val="accent1"/>
+          </a:fillRef>
+          <a:effectRef idx="0">
+            <a:schemeClr val="accent1"/>
+          </a:effectRef>
+          <a:fontRef idx="minor">
+            <a:schemeClr val="lt1"/>
+          </a:fontRef>
+        </p:style>
+        <p:txBody>
+          <a:bodyPr rtlCol="0" anchor="ctr"/>
+          <a:lstStyle/>
+          <a:p>
+            <a:pPr algn="ctr"/>
+            <a:endParaRPr lang="en-US"/>
+          </a:p>
+        </p:txBody>
+      </p:sp>
+      <p:pic>
+        <p:nvPicPr>
+          <p:cNvPr id="5" name="Image 4" descr="Une image contenant table, paire&#10;&#10;Description générée automatiquement">
+            <a:extLst>
+              <a:ext uri="{FF2B5EF4-FFF2-40B4-BE49-F238E27FC236}">
+                <a16:creationId xmlns:a16="http://schemas.microsoft.com/office/drawing/2014/main" id="{0B40B6F2-5E85-4AEC-9AA6-FBD9476A5BCF}"/>
+              </a:ext>
+            </a:extLst>
+          </p:cNvPr>
+          <p:cNvPicPr>
+            <a:picLocks noChangeAspect="1"/>
+          </p:cNvPicPr>
+          <p:nvPr/>
+        </p:nvPicPr>
+        <p:blipFill rotWithShape="1">
+          <a:blip r:embed="rId2">
+            <a:alphaModFix amt="50000"/>
+            <a:extLst>
+              <a:ext uri="{BEBA8EAE-BF5A-486C-A8C5-ECC9F3942E4B}">
+                <a14:imgProps xmlns:a14="http://schemas.microsoft.com/office/drawing/2010/main">
+                  <a14:imgLayer r:embed="rId3">
+                    <a14:imgEffect>
+                      <a14:sharpenSoften amount="4000"/>
+                    </a14:imgEffect>
+                    <a14:imgEffect>
+                      <a14:colorTemperature colorTemp="5954"/>
+                    </a14:imgEffect>
+                    <a14:imgEffect>
+                      <a14:brightnessContrast bright="-23000"/>
+                    </a14:imgEffect>
+                  </a14:imgLayer>
+                </a14:imgProps>
+              </a:ext>
+              <a:ext uri="{28A0092B-C50C-407E-A947-70E740481C1C}">
+                <a14:useLocalDpi xmlns:a14="http://schemas.microsoft.com/office/drawing/2010/main" val="0"/>
+              </a:ext>
+            </a:extLst>
+          </a:blip>
+          <a:srcRect t="6250"/>
+          <a:stretch/>
+        </p:blipFill>
+        <p:spPr>
+          <a:xfrm>
+            <a:off x="0" y="0"/>
+            <a:ext cx="12192000" cy="6855958"/>
+          </a:xfrm>
+          <a:prstGeom prst="rect">
+            <a:avLst/>
+          </a:prstGeom>
+        </p:spPr>
+      </p:pic>
+      <p:sp>
+        <p:nvSpPr>
+          <p:cNvPr id="4" name="Rectangle 3">
+            <a:extLst>
+              <a:ext uri="{FF2B5EF4-FFF2-40B4-BE49-F238E27FC236}">
+                <a16:creationId xmlns:a16="http://schemas.microsoft.com/office/drawing/2014/main" id="{203A4ABD-F106-452B-AF55-D4A3F461BC7E}"/>
+              </a:ext>
+            </a:extLst>
+          </p:cNvPr>
+          <p:cNvSpPr/>
+          <p:nvPr/>
+        </p:nvSpPr>
+        <p:spPr>
+          <a:xfrm>
+            <a:off x="203016" y="5835694"/>
+            <a:ext cx="11562264" cy="599269"/>
+          </a:xfrm>
+          <a:prstGeom prst="rect">
+            <a:avLst/>
+          </a:prstGeom>
+          <a:solidFill>
+            <a:srgbClr val="CFCCCA"/>
+          </a:solidFill>
+          <a:ln>
+            <a:solidFill>
+              <a:schemeClr val="tx1"/>
+            </a:solidFill>
+          </a:ln>
+        </p:spPr>
+        <p:style>
+          <a:lnRef idx="2">
+            <a:schemeClr val="accent1">
+              <a:shade val="50000"/>
+            </a:schemeClr>
+          </a:lnRef>
+          <a:fillRef idx="1">
+            <a:schemeClr val="accent1"/>
+          </a:fillRef>
+          <a:effectRef idx="0">
+            <a:schemeClr val="accent1"/>
+          </a:effectRef>
+          <a:fontRef idx="minor">
+            <a:schemeClr val="lt1"/>
+          </a:fontRef>
+        </p:style>
+        <p:txBody>
+          <a:bodyPr rtlCol="0" anchor="ctr"/>
+          <a:lstStyle/>
+          <a:p>
+            <a:pPr algn="ctr"/>
+            <a:endParaRPr lang="fr-FR"/>
+          </a:p>
+        </p:txBody>
+      </p:sp>
+      <p:sp>
+        <p:nvSpPr>
+          <p:cNvPr id="6" name="Ellipse 5">
+            <a:extLst>
+              <a:ext uri="{FF2B5EF4-FFF2-40B4-BE49-F238E27FC236}">
+                <a16:creationId xmlns:a16="http://schemas.microsoft.com/office/drawing/2014/main" id="{A498B328-F764-4C2A-903A-A894AD20AFE3}"/>
+              </a:ext>
+            </a:extLst>
+          </p:cNvPr>
+          <p:cNvSpPr/>
+          <p:nvPr/>
+        </p:nvSpPr>
+        <p:spPr>
+          <a:xfrm>
+            <a:off x="442338" y="5656353"/>
+            <a:ext cx="984068" cy="914400"/>
+          </a:xfrm>
+          <a:prstGeom prst="ellipse">
+            <a:avLst/>
+          </a:prstGeom>
+          <a:solidFill>
+            <a:srgbClr val="92EE22"/>
+          </a:solidFill>
+          <a:ln>
+            <a:solidFill>
+              <a:schemeClr val="tx1"/>
+            </a:solidFill>
+          </a:ln>
+        </p:spPr>
+        <p:style>
+          <a:lnRef idx="2">
+            <a:schemeClr val="accent1">
+              <a:shade val="50000"/>
+            </a:schemeClr>
+          </a:lnRef>
+          <a:fillRef idx="1">
+            <a:schemeClr val="accent1"/>
+          </a:fillRef>
+          <a:effectRef idx="0">
+            <a:schemeClr val="accent1"/>
+          </a:effectRef>
+          <a:fontRef idx="minor">
+            <a:schemeClr val="lt1"/>
+          </a:fontRef>
+        </p:style>
+        <p:txBody>
+          <a:bodyPr rtlCol="0" anchor="ctr"/>
+          <a:lstStyle/>
+          <a:p>
+            <a:pPr algn="ctr"/>
+            <a:endParaRPr lang="fr-FR"/>
+          </a:p>
+        </p:txBody>
+      </p:sp>
+      <p:sp>
+        <p:nvSpPr>
+          <p:cNvPr id="7" name="Ellipse 6">
+            <a:extLst>
+              <a:ext uri="{FF2B5EF4-FFF2-40B4-BE49-F238E27FC236}">
+                <a16:creationId xmlns:a16="http://schemas.microsoft.com/office/drawing/2014/main" id="{17D4B014-1D24-4EF7-A842-553816DE360D}"/>
+              </a:ext>
+            </a:extLst>
+          </p:cNvPr>
+          <p:cNvSpPr/>
+          <p:nvPr/>
+        </p:nvSpPr>
+        <p:spPr>
+          <a:xfrm>
+            <a:off x="1832631" y="5678122"/>
+            <a:ext cx="984068" cy="914400"/>
+          </a:xfrm>
+          <a:prstGeom prst="ellipse">
+            <a:avLst/>
+          </a:prstGeom>
+          <a:solidFill>
+            <a:srgbClr val="92EE22"/>
+          </a:solidFill>
+          <a:ln>
+            <a:solidFill>
+              <a:schemeClr val="tx1"/>
+            </a:solidFill>
+          </a:ln>
+        </p:spPr>
+        <p:style>
+          <a:lnRef idx="2">
+            <a:schemeClr val="accent1">
+              <a:shade val="50000"/>
+            </a:schemeClr>
+          </a:lnRef>
+          <a:fillRef idx="1">
+            <a:schemeClr val="accent1"/>
+          </a:fillRef>
+          <a:effectRef idx="0">
+            <a:schemeClr val="accent1"/>
+          </a:effectRef>
+          <a:fontRef idx="minor">
+            <a:schemeClr val="lt1"/>
+          </a:fontRef>
+        </p:style>
+        <p:txBody>
+          <a:bodyPr rtlCol="0" anchor="ctr"/>
+          <a:lstStyle/>
+          <a:p>
+            <a:pPr algn="ctr"/>
+            <a:endParaRPr lang="fr-FR"/>
+          </a:p>
+        </p:txBody>
+      </p:sp>
+      <p:sp>
+        <p:nvSpPr>
+          <p:cNvPr id="8" name="Ellipse 7">
+            <a:extLst>
+              <a:ext uri="{FF2B5EF4-FFF2-40B4-BE49-F238E27FC236}">
+                <a16:creationId xmlns:a16="http://schemas.microsoft.com/office/drawing/2014/main" id="{4B166A43-EEC5-45B8-B2EA-0E273370CEDF}"/>
+              </a:ext>
+            </a:extLst>
+          </p:cNvPr>
+          <p:cNvSpPr/>
+          <p:nvPr/>
+        </p:nvSpPr>
+        <p:spPr>
+          <a:xfrm>
+            <a:off x="3279879" y="5656489"/>
+            <a:ext cx="984068" cy="914400"/>
+          </a:xfrm>
+          <a:prstGeom prst="ellipse">
+            <a:avLst/>
+          </a:prstGeom>
+          <a:solidFill>
+            <a:srgbClr val="92EE22"/>
+          </a:solidFill>
+          <a:ln>
+            <a:solidFill>
+              <a:schemeClr val="tx1"/>
+            </a:solidFill>
+          </a:ln>
+        </p:spPr>
+        <p:style>
+          <a:lnRef idx="2">
+            <a:schemeClr val="accent1">
+              <a:shade val="50000"/>
+            </a:schemeClr>
+          </a:lnRef>
+          <a:fillRef idx="1">
+            <a:schemeClr val="accent1"/>
+          </a:fillRef>
+          <a:effectRef idx="0">
+            <a:schemeClr val="accent1"/>
+          </a:effectRef>
+          <a:fontRef idx="minor">
+            <a:schemeClr val="lt1"/>
+          </a:fontRef>
+        </p:style>
+        <p:txBody>
+          <a:bodyPr rtlCol="0" anchor="ctr"/>
+          <a:lstStyle/>
+          <a:p>
+            <a:pPr algn="ctr"/>
+            <a:endParaRPr lang="fr-FR"/>
+          </a:p>
+        </p:txBody>
+      </p:sp>
+      <p:sp>
+        <p:nvSpPr>
+          <p:cNvPr id="9" name="Ellipse 8">
+            <a:extLst>
+              <a:ext uri="{FF2B5EF4-FFF2-40B4-BE49-F238E27FC236}">
+                <a16:creationId xmlns:a16="http://schemas.microsoft.com/office/drawing/2014/main" id="{383408C5-09A6-4A3B-BE1A-58091A9900D2}"/>
+              </a:ext>
+            </a:extLst>
+          </p:cNvPr>
+          <p:cNvSpPr/>
+          <p:nvPr/>
+        </p:nvSpPr>
+        <p:spPr>
+          <a:xfrm>
+            <a:off x="4761966" y="5665062"/>
+            <a:ext cx="984068" cy="914400"/>
+          </a:xfrm>
+          <a:prstGeom prst="ellipse">
+            <a:avLst/>
+          </a:prstGeom>
+          <a:solidFill>
+            <a:srgbClr val="92EE22"/>
+          </a:solidFill>
+          <a:ln>
+            <a:solidFill>
+              <a:schemeClr val="tx1"/>
+            </a:solidFill>
+          </a:ln>
+        </p:spPr>
+        <p:style>
+          <a:lnRef idx="2">
+            <a:schemeClr val="accent1">
+              <a:shade val="50000"/>
+            </a:schemeClr>
+          </a:lnRef>
+          <a:fillRef idx="1">
+            <a:schemeClr val="accent1"/>
+          </a:fillRef>
+          <a:effectRef idx="0">
+            <a:schemeClr val="accent1"/>
+          </a:effectRef>
+          <a:fontRef idx="minor">
+            <a:schemeClr val="lt1"/>
+          </a:fontRef>
+        </p:style>
+        <p:txBody>
+          <a:bodyPr rtlCol="0" anchor="ctr"/>
+          <a:lstStyle/>
+          <a:p>
+            <a:pPr algn="ctr"/>
+            <a:endParaRPr lang="fr-FR"/>
+          </a:p>
+        </p:txBody>
+      </p:sp>
+      <p:sp>
+        <p:nvSpPr>
+          <p:cNvPr id="10" name="Ellipse 9">
+            <a:extLst>
+              <a:ext uri="{FF2B5EF4-FFF2-40B4-BE49-F238E27FC236}">
+                <a16:creationId xmlns:a16="http://schemas.microsoft.com/office/drawing/2014/main" id="{05D7A43A-153A-47D6-A96C-B55A76486D6B}"/>
+              </a:ext>
+            </a:extLst>
+          </p:cNvPr>
+          <p:cNvSpPr/>
+          <p:nvPr/>
+        </p:nvSpPr>
+        <p:spPr>
+          <a:xfrm>
+            <a:off x="6240977" y="5660841"/>
+            <a:ext cx="984068" cy="914400"/>
+          </a:xfrm>
+          <a:prstGeom prst="ellipse">
+            <a:avLst/>
+          </a:prstGeom>
+          <a:solidFill>
+            <a:srgbClr val="92EE22"/>
+          </a:solidFill>
+          <a:ln>
+            <a:solidFill>
+              <a:schemeClr val="tx1"/>
+            </a:solidFill>
+          </a:ln>
+        </p:spPr>
+        <p:style>
+          <a:lnRef idx="2">
+            <a:schemeClr val="accent1">
+              <a:shade val="50000"/>
+            </a:schemeClr>
+          </a:lnRef>
+          <a:fillRef idx="1">
+            <a:schemeClr val="accent1"/>
+          </a:fillRef>
+          <a:effectRef idx="0">
+            <a:schemeClr val="accent1"/>
+          </a:effectRef>
+          <a:fontRef idx="minor">
+            <a:schemeClr val="lt1"/>
+          </a:fontRef>
+        </p:style>
+        <p:txBody>
+          <a:bodyPr rtlCol="0" anchor="ctr"/>
+          <a:lstStyle/>
+          <a:p>
+            <a:pPr algn="ctr"/>
+            <a:endParaRPr lang="fr-FR"/>
+          </a:p>
+        </p:txBody>
+      </p:sp>
+      <p:sp>
+        <p:nvSpPr>
+          <p:cNvPr id="11" name="Ellipse 10">
+            <a:extLst>
+              <a:ext uri="{FF2B5EF4-FFF2-40B4-BE49-F238E27FC236}">
+                <a16:creationId xmlns:a16="http://schemas.microsoft.com/office/drawing/2014/main" id="{E4B9AE50-FDA1-4B01-82E3-1224C3E9A014}"/>
+              </a:ext>
+            </a:extLst>
+          </p:cNvPr>
+          <p:cNvSpPr/>
+          <p:nvPr/>
+        </p:nvSpPr>
+        <p:spPr>
+          <a:xfrm>
+            <a:off x="7654675" y="5656353"/>
+            <a:ext cx="984068" cy="914400"/>
+          </a:xfrm>
+          <a:prstGeom prst="ellipse">
+            <a:avLst/>
+          </a:prstGeom>
+          <a:solidFill>
+            <a:srgbClr val="92EE22"/>
+          </a:solidFill>
+          <a:ln>
+            <a:solidFill>
+              <a:schemeClr val="tx1"/>
+            </a:solidFill>
+          </a:ln>
+        </p:spPr>
+        <p:style>
+          <a:lnRef idx="2">
+            <a:schemeClr val="accent1">
+              <a:shade val="50000"/>
+            </a:schemeClr>
+          </a:lnRef>
+          <a:fillRef idx="1">
+            <a:schemeClr val="accent1"/>
+          </a:fillRef>
+          <a:effectRef idx="0">
+            <a:schemeClr val="accent1"/>
+          </a:effectRef>
+          <a:fontRef idx="minor">
+            <a:schemeClr val="lt1"/>
+          </a:fontRef>
+        </p:style>
+        <p:txBody>
+          <a:bodyPr rtlCol="0" anchor="ctr"/>
+          <a:lstStyle/>
+          <a:p>
+            <a:pPr algn="ctr"/>
+            <a:endParaRPr lang="fr-FR"/>
+          </a:p>
+        </p:txBody>
+      </p:sp>
+      <p:sp>
+        <p:nvSpPr>
+          <p:cNvPr id="12" name="Ellipse 11">
+            <a:extLst>
+              <a:ext uri="{FF2B5EF4-FFF2-40B4-BE49-F238E27FC236}">
+                <a16:creationId xmlns:a16="http://schemas.microsoft.com/office/drawing/2014/main" id="{F851FAB5-93F2-4751-A56A-52E859AA5C5E}"/>
+              </a:ext>
+            </a:extLst>
+          </p:cNvPr>
+          <p:cNvSpPr/>
+          <p:nvPr/>
+        </p:nvSpPr>
+        <p:spPr>
+          <a:xfrm>
+            <a:off x="9068374" y="5678122"/>
+            <a:ext cx="984068" cy="914400"/>
+          </a:xfrm>
+          <a:prstGeom prst="ellipse">
+            <a:avLst/>
+          </a:prstGeom>
+          <a:solidFill>
+            <a:srgbClr val="92EE22"/>
+          </a:solidFill>
+          <a:ln>
+            <a:solidFill>
+              <a:schemeClr val="tx1"/>
+            </a:solidFill>
+          </a:ln>
+        </p:spPr>
+        <p:style>
+          <a:lnRef idx="2">
+            <a:schemeClr val="accent1">
+              <a:shade val="50000"/>
+            </a:schemeClr>
+          </a:lnRef>
+          <a:fillRef idx="1">
+            <a:schemeClr val="accent1"/>
+          </a:fillRef>
+          <a:effectRef idx="0">
+            <a:schemeClr val="accent1"/>
+          </a:effectRef>
+          <a:fontRef idx="minor">
+            <a:schemeClr val="lt1"/>
+          </a:fontRef>
+        </p:style>
+        <p:txBody>
+          <a:bodyPr rtlCol="0" anchor="ctr"/>
+          <a:lstStyle/>
+          <a:p>
+            <a:pPr algn="ctr"/>
+            <a:endParaRPr lang="fr-FR"/>
+          </a:p>
+        </p:txBody>
+      </p:sp>
+      <p:sp>
+        <p:nvSpPr>
+          <p:cNvPr id="13" name="Ellipse 12">
+            <a:extLst>
+              <a:ext uri="{FF2B5EF4-FFF2-40B4-BE49-F238E27FC236}">
+                <a16:creationId xmlns:a16="http://schemas.microsoft.com/office/drawing/2014/main" id="{1536D6B3-E079-427E-B587-E406B87F1368}"/>
+              </a:ext>
+            </a:extLst>
+          </p:cNvPr>
+          <p:cNvSpPr/>
+          <p:nvPr/>
+        </p:nvSpPr>
+        <p:spPr>
+          <a:xfrm>
+            <a:off x="10515622" y="5656353"/>
+            <a:ext cx="984068" cy="914400"/>
+          </a:xfrm>
+          <a:prstGeom prst="ellipse">
+            <a:avLst/>
+          </a:prstGeom>
+          <a:solidFill>
+            <a:srgbClr val="92EE22"/>
+          </a:solidFill>
+          <a:ln>
+            <a:solidFill>
+              <a:schemeClr val="tx1"/>
+            </a:solidFill>
+          </a:ln>
+        </p:spPr>
+        <p:style>
+          <a:lnRef idx="2">
+            <a:schemeClr val="accent1">
+              <a:shade val="50000"/>
+            </a:schemeClr>
+          </a:lnRef>
+          <a:fillRef idx="1">
+            <a:schemeClr val="accent1"/>
+          </a:fillRef>
+          <a:effectRef idx="0">
+            <a:schemeClr val="accent1"/>
+          </a:effectRef>
+          <a:fontRef idx="minor">
+            <a:schemeClr val="lt1"/>
+          </a:fontRef>
+        </p:style>
+        <p:txBody>
+          <a:bodyPr rtlCol="0" anchor="ctr"/>
+          <a:lstStyle/>
+          <a:p>
+            <a:pPr algn="ctr"/>
+            <a:endParaRPr lang="fr-FR"/>
+          </a:p>
+        </p:txBody>
+      </p:sp>
+    </p:spTree>
+    <p:extLst>
+      <p:ext uri="{BB962C8B-B14F-4D97-AF65-F5344CB8AC3E}">
+        <p14:creationId xmlns:p14="http://schemas.microsoft.com/office/powerpoint/2010/main" val="898882324"/>
       </p:ext>
     </p:extLst>
   </p:cSld>

--- a/Etudiants/Constantin/Constantin.MInos.RDPno1.pptx
+++ b/Etudiants/Constantin/Constantin.MInos.RDPno1.pptx
@@ -267,7 +267,7 @@
           <a:p>
             <a:fld id="{A5A52D65-5D23-4759-866C-BD4D7E81B3B3}" type="datetimeFigureOut">
               <a:rPr lang="fr-FR" smtClean="0"/>
-              <a:t>31/01/2020</a:t>
+              <a:t>04/02/2020</a:t>
             </a:fld>
             <a:endParaRPr lang="fr-FR"/>
           </a:p>
@@ -465,7 +465,7 @@
           <a:p>
             <a:fld id="{A5A52D65-5D23-4759-866C-BD4D7E81B3B3}" type="datetimeFigureOut">
               <a:rPr lang="fr-FR" smtClean="0"/>
-              <a:t>31/01/2020</a:t>
+              <a:t>04/02/2020</a:t>
             </a:fld>
             <a:endParaRPr lang="fr-FR"/>
           </a:p>
@@ -673,7 +673,7 @@
           <a:p>
             <a:fld id="{A5A52D65-5D23-4759-866C-BD4D7E81B3B3}" type="datetimeFigureOut">
               <a:rPr lang="fr-FR" smtClean="0"/>
-              <a:t>31/01/2020</a:t>
+              <a:t>04/02/2020</a:t>
             </a:fld>
             <a:endParaRPr lang="fr-FR"/>
           </a:p>
@@ -871,7 +871,7 @@
           <a:p>
             <a:fld id="{A5A52D65-5D23-4759-866C-BD4D7E81B3B3}" type="datetimeFigureOut">
               <a:rPr lang="fr-FR" smtClean="0"/>
-              <a:t>31/01/2020</a:t>
+              <a:t>04/02/2020</a:t>
             </a:fld>
             <a:endParaRPr lang="fr-FR"/>
           </a:p>
@@ -1146,7 +1146,7 @@
           <a:p>
             <a:fld id="{A5A52D65-5D23-4759-866C-BD4D7E81B3B3}" type="datetimeFigureOut">
               <a:rPr lang="fr-FR" smtClean="0"/>
-              <a:t>31/01/2020</a:t>
+              <a:t>04/02/2020</a:t>
             </a:fld>
             <a:endParaRPr lang="fr-FR"/>
           </a:p>
@@ -1411,7 +1411,7 @@
           <a:p>
             <a:fld id="{A5A52D65-5D23-4759-866C-BD4D7E81B3B3}" type="datetimeFigureOut">
               <a:rPr lang="fr-FR" smtClean="0"/>
-              <a:t>31/01/2020</a:t>
+              <a:t>04/02/2020</a:t>
             </a:fld>
             <a:endParaRPr lang="fr-FR"/>
           </a:p>
@@ -1823,7 +1823,7 @@
           <a:p>
             <a:fld id="{A5A52D65-5D23-4759-866C-BD4D7E81B3B3}" type="datetimeFigureOut">
               <a:rPr lang="fr-FR" smtClean="0"/>
-              <a:t>31/01/2020</a:t>
+              <a:t>04/02/2020</a:t>
             </a:fld>
             <a:endParaRPr lang="fr-FR"/>
           </a:p>
@@ -1964,7 +1964,7 @@
           <a:p>
             <a:fld id="{A5A52D65-5D23-4759-866C-BD4D7E81B3B3}" type="datetimeFigureOut">
               <a:rPr lang="fr-FR" smtClean="0"/>
-              <a:t>31/01/2020</a:t>
+              <a:t>04/02/2020</a:t>
             </a:fld>
             <a:endParaRPr lang="fr-FR"/>
           </a:p>
@@ -2077,7 +2077,7 @@
           <a:p>
             <a:fld id="{A5A52D65-5D23-4759-866C-BD4D7E81B3B3}" type="datetimeFigureOut">
               <a:rPr lang="fr-FR" smtClean="0"/>
-              <a:t>31/01/2020</a:t>
+              <a:t>04/02/2020</a:t>
             </a:fld>
             <a:endParaRPr lang="fr-FR"/>
           </a:p>
@@ -2388,7 +2388,7 @@
           <a:p>
             <a:fld id="{A5A52D65-5D23-4759-866C-BD4D7E81B3B3}" type="datetimeFigureOut">
               <a:rPr lang="fr-FR" smtClean="0"/>
-              <a:t>31/01/2020</a:t>
+              <a:t>04/02/2020</a:t>
             </a:fld>
             <a:endParaRPr lang="fr-FR"/>
           </a:p>
@@ -2676,7 +2676,7 @@
           <a:p>
             <a:fld id="{A5A52D65-5D23-4759-866C-BD4D7E81B3B3}" type="datetimeFigureOut">
               <a:rPr lang="fr-FR" smtClean="0"/>
-              <a:t>31/01/2020</a:t>
+              <a:t>04/02/2020</a:t>
             </a:fld>
             <a:endParaRPr lang="fr-FR"/>
           </a:p>
@@ -2917,7 +2917,7 @@
           <a:p>
             <a:fld id="{A5A52D65-5D23-4759-866C-BD4D7E81B3B3}" type="datetimeFigureOut">
               <a:rPr lang="fr-FR" smtClean="0"/>
-              <a:t>31/01/2020</a:t>
+              <a:t>04/02/2020</a:t>
             </a:fld>
             <a:endParaRPr lang="fr-FR"/>
           </a:p>
@@ -4852,6 +4852,327 @@
           </a:p>
         </p:txBody>
       </p:sp>
+      <p:sp>
+        <p:nvSpPr>
+          <p:cNvPr id="14" name="ZoneTexte 13">
+            <a:extLst>
+              <a:ext uri="{FF2B5EF4-FFF2-40B4-BE49-F238E27FC236}">
+                <a16:creationId xmlns:a16="http://schemas.microsoft.com/office/drawing/2014/main" id="{56A573A8-1FCA-42A6-A3DC-E5CF18931F3B}"/>
+              </a:ext>
+            </a:extLst>
+          </p:cNvPr>
+          <p:cNvSpPr txBox="1"/>
+          <p:nvPr/>
+        </p:nvSpPr>
+        <p:spPr>
+          <a:xfrm>
+            <a:off x="0" y="93324"/>
+            <a:ext cx="2532938" cy="369332"/>
+          </a:xfrm>
+          <a:prstGeom prst="rect">
+            <a:avLst/>
+          </a:prstGeom>
+          <a:noFill/>
+        </p:spPr>
+        <p:txBody>
+          <a:bodyPr wrap="square" rtlCol="0">
+            <a:spAutoFit/>
+          </a:bodyPr>
+          <a:lstStyle/>
+          <a:p>
+            <a:r>
+              <a:rPr lang="fr-FR" b="1" dirty="0"/>
+              <a:t>Présentation</a:t>
+            </a:r>
+          </a:p>
+        </p:txBody>
+      </p:sp>
+      <p:sp>
+        <p:nvSpPr>
+          <p:cNvPr id="2" name="ZoneTexte 1">
+            <a:extLst>
+              <a:ext uri="{FF2B5EF4-FFF2-40B4-BE49-F238E27FC236}">
+                <a16:creationId xmlns:a16="http://schemas.microsoft.com/office/drawing/2014/main" id="{5F768B80-B6CC-461B-A7FA-D5D742D83AF2}"/>
+              </a:ext>
+            </a:extLst>
+          </p:cNvPr>
+          <p:cNvSpPr txBox="1"/>
+          <p:nvPr/>
+        </p:nvSpPr>
+        <p:spPr>
+          <a:xfrm>
+            <a:off x="1924594" y="714103"/>
+            <a:ext cx="3300549" cy="4160767"/>
+          </a:xfrm>
+          <a:prstGeom prst="rect">
+            <a:avLst/>
+          </a:prstGeom>
+          <a:solidFill>
+            <a:schemeClr val="bg2">
+              <a:lumMod val="50000"/>
+            </a:schemeClr>
+          </a:solidFill>
+          <a:ln>
+            <a:solidFill>
+              <a:schemeClr val="tx1"/>
+            </a:solidFill>
+          </a:ln>
+        </p:spPr>
+        <p:txBody>
+          <a:bodyPr wrap="square" rtlCol="0">
+            <a:spAutoFit/>
+          </a:bodyPr>
+          <a:lstStyle/>
+          <a:p>
+            <a:endParaRPr lang="fr-FR" dirty="0"/>
+          </a:p>
+        </p:txBody>
+      </p:sp>
+      <p:sp>
+        <p:nvSpPr>
+          <p:cNvPr id="15" name="ZoneTexte 14">
+            <a:extLst>
+              <a:ext uri="{FF2B5EF4-FFF2-40B4-BE49-F238E27FC236}">
+                <a16:creationId xmlns:a16="http://schemas.microsoft.com/office/drawing/2014/main" id="{257CEEDE-4413-4E99-8511-3C82E00A69F0}"/>
+              </a:ext>
+            </a:extLst>
+          </p:cNvPr>
+          <p:cNvSpPr txBox="1"/>
+          <p:nvPr/>
+        </p:nvSpPr>
+        <p:spPr>
+          <a:xfrm>
+            <a:off x="2229028" y="883516"/>
+            <a:ext cx="2532938" cy="369332"/>
+          </a:xfrm>
+          <a:prstGeom prst="rect">
+            <a:avLst/>
+          </a:prstGeom>
+          <a:noFill/>
+        </p:spPr>
+        <p:txBody>
+          <a:bodyPr wrap="square" rtlCol="0">
+            <a:spAutoFit/>
+          </a:bodyPr>
+          <a:lstStyle/>
+          <a:p>
+            <a:r>
+              <a:rPr lang="fr-FR" b="1" dirty="0"/>
+              <a:t>- Répartition des taches</a:t>
+            </a:r>
+          </a:p>
+        </p:txBody>
+      </p:sp>
+      <p:sp>
+        <p:nvSpPr>
+          <p:cNvPr id="16" name="ZoneTexte 15">
+            <a:extLst>
+              <a:ext uri="{FF2B5EF4-FFF2-40B4-BE49-F238E27FC236}">
+                <a16:creationId xmlns:a16="http://schemas.microsoft.com/office/drawing/2014/main" id="{7B5CB17A-104E-4837-86ED-F2A10E6BB7F2}"/>
+              </a:ext>
+            </a:extLst>
+          </p:cNvPr>
+          <p:cNvSpPr txBox="1"/>
+          <p:nvPr/>
+        </p:nvSpPr>
+        <p:spPr>
+          <a:xfrm>
+            <a:off x="2206733" y="1469607"/>
+            <a:ext cx="2532938" cy="369332"/>
+          </a:xfrm>
+          <a:prstGeom prst="rect">
+            <a:avLst/>
+          </a:prstGeom>
+          <a:noFill/>
+        </p:spPr>
+        <p:txBody>
+          <a:bodyPr wrap="square" rtlCol="0">
+            <a:spAutoFit/>
+          </a:bodyPr>
+          <a:lstStyle/>
+          <a:p>
+            <a:r>
+              <a:rPr lang="fr-FR" b="1" dirty="0"/>
+              <a:t>- Matériels utilisés</a:t>
+            </a:r>
+          </a:p>
+        </p:txBody>
+      </p:sp>
+      <p:sp>
+        <p:nvSpPr>
+          <p:cNvPr id="17" name="ZoneTexte 16">
+            <a:extLst>
+              <a:ext uri="{FF2B5EF4-FFF2-40B4-BE49-F238E27FC236}">
+                <a16:creationId xmlns:a16="http://schemas.microsoft.com/office/drawing/2014/main" id="{5FF71A94-A85F-4A12-BF41-2B569FB95807}"/>
+              </a:ext>
+            </a:extLst>
+          </p:cNvPr>
+          <p:cNvSpPr txBox="1"/>
+          <p:nvPr/>
+        </p:nvSpPr>
+        <p:spPr>
+          <a:xfrm>
+            <a:off x="2229028" y="2058778"/>
+            <a:ext cx="2532938" cy="369332"/>
+          </a:xfrm>
+          <a:prstGeom prst="rect">
+            <a:avLst/>
+          </a:prstGeom>
+          <a:noFill/>
+        </p:spPr>
+        <p:txBody>
+          <a:bodyPr wrap="square" rtlCol="0">
+            <a:spAutoFit/>
+          </a:bodyPr>
+          <a:lstStyle/>
+          <a:p>
+            <a:r>
+              <a:rPr lang="fr-FR" b="1" dirty="0"/>
+              <a:t>- Ma tâche personnelle</a:t>
+            </a:r>
+          </a:p>
+        </p:txBody>
+      </p:sp>
+      <p:sp>
+        <p:nvSpPr>
+          <p:cNvPr id="18" name="ZoneTexte 17">
+            <a:extLst>
+              <a:ext uri="{FF2B5EF4-FFF2-40B4-BE49-F238E27FC236}">
+                <a16:creationId xmlns:a16="http://schemas.microsoft.com/office/drawing/2014/main" id="{61188D1D-E2CF-491A-95E5-34E28FDA47C6}"/>
+              </a:ext>
+            </a:extLst>
+          </p:cNvPr>
+          <p:cNvSpPr txBox="1"/>
+          <p:nvPr/>
+        </p:nvSpPr>
+        <p:spPr>
+          <a:xfrm>
+            <a:off x="2232859" y="2639292"/>
+            <a:ext cx="2532938" cy="369332"/>
+          </a:xfrm>
+          <a:prstGeom prst="rect">
+            <a:avLst/>
+          </a:prstGeom>
+          <a:noFill/>
+        </p:spPr>
+        <p:txBody>
+          <a:bodyPr wrap="square" rtlCol="0">
+            <a:spAutoFit/>
+          </a:bodyPr>
+          <a:lstStyle/>
+          <a:p>
+            <a:r>
+              <a:rPr lang="fr-FR" b="1" dirty="0"/>
+              <a:t>- Bus I2C</a:t>
+            </a:r>
+          </a:p>
+        </p:txBody>
+      </p:sp>
+      <p:sp>
+        <p:nvSpPr>
+          <p:cNvPr id="19" name="ZoneTexte 18">
+            <a:extLst>
+              <a:ext uri="{FF2B5EF4-FFF2-40B4-BE49-F238E27FC236}">
+                <a16:creationId xmlns:a16="http://schemas.microsoft.com/office/drawing/2014/main" id="{AECDE3DD-62F0-4924-8CBD-1F2EBD000A3B}"/>
+              </a:ext>
+            </a:extLst>
+          </p:cNvPr>
+          <p:cNvSpPr txBox="1"/>
+          <p:nvPr/>
+        </p:nvSpPr>
+        <p:spPr>
+          <a:xfrm>
+            <a:off x="2206733" y="3182216"/>
+            <a:ext cx="2532938" cy="369332"/>
+          </a:xfrm>
+          <a:prstGeom prst="rect">
+            <a:avLst/>
+          </a:prstGeom>
+          <a:noFill/>
+        </p:spPr>
+        <p:txBody>
+          <a:bodyPr wrap="square" rtlCol="0">
+            <a:spAutoFit/>
+          </a:bodyPr>
+          <a:lstStyle/>
+          <a:p>
+            <a:r>
+              <a:rPr lang="fr-FR" b="1" dirty="0"/>
+              <a:t>- Mécanisme 4 </a:t>
+            </a:r>
+          </a:p>
+        </p:txBody>
+      </p:sp>
+      <p:sp>
+        <p:nvSpPr>
+          <p:cNvPr id="20" name="ZoneTexte 19">
+            <a:extLst>
+              <a:ext uri="{FF2B5EF4-FFF2-40B4-BE49-F238E27FC236}">
+                <a16:creationId xmlns:a16="http://schemas.microsoft.com/office/drawing/2014/main" id="{AC114186-0675-45A8-B352-82BD83844B57}"/>
+              </a:ext>
+            </a:extLst>
+          </p:cNvPr>
+          <p:cNvSpPr txBox="1"/>
+          <p:nvPr/>
+        </p:nvSpPr>
+        <p:spPr>
+          <a:xfrm>
+            <a:off x="2206733" y="3774272"/>
+            <a:ext cx="2532938" cy="369332"/>
+          </a:xfrm>
+          <a:prstGeom prst="rect">
+            <a:avLst/>
+          </a:prstGeom>
+          <a:noFill/>
+        </p:spPr>
+        <p:txBody>
+          <a:bodyPr wrap="square" rtlCol="0">
+            <a:spAutoFit/>
+          </a:bodyPr>
+          <a:lstStyle/>
+          <a:p>
+            <a:r>
+              <a:rPr lang="fr-FR" b="1" dirty="0"/>
+              <a:t>- Mécanisme 8 </a:t>
+            </a:r>
+          </a:p>
+        </p:txBody>
+      </p:sp>
+      <p:sp>
+        <p:nvSpPr>
+          <p:cNvPr id="21" name="ZoneTexte 20">
+            <a:extLst>
+              <a:ext uri="{FF2B5EF4-FFF2-40B4-BE49-F238E27FC236}">
+                <a16:creationId xmlns:a16="http://schemas.microsoft.com/office/drawing/2014/main" id="{5576194B-F732-4FD8-882A-301B82EEFDBD}"/>
+              </a:ext>
+            </a:extLst>
+          </p:cNvPr>
+          <p:cNvSpPr txBox="1"/>
+          <p:nvPr/>
+        </p:nvSpPr>
+        <p:spPr>
+          <a:xfrm>
+            <a:off x="2206733" y="4370018"/>
+            <a:ext cx="2532938" cy="369332"/>
+          </a:xfrm>
+          <a:prstGeom prst="rect">
+            <a:avLst/>
+          </a:prstGeom>
+          <a:noFill/>
+        </p:spPr>
+        <p:txBody>
+          <a:bodyPr wrap="square" rtlCol="0">
+            <a:spAutoFit/>
+          </a:bodyPr>
+          <a:lstStyle/>
+          <a:p>
+            <a:r>
+              <a:rPr lang="fr-FR" b="1" dirty="0"/>
+              <a:t>- Diagramme de Gantt </a:t>
+            </a:r>
+          </a:p>
+        </p:txBody>
+      </p:sp>
     </p:spTree>
     <p:extLst>
       <p:ext uri="{BB962C8B-B14F-4D97-AF65-F5344CB8AC3E}">
@@ -5034,7 +5355,7 @@
         </p:blipFill>
         <p:spPr>
           <a:xfrm>
-            <a:off x="-77042" y="-8382"/>
+            <a:off x="0" y="-8382"/>
             <a:ext cx="12192000" cy="6855958"/>
           </a:xfrm>
           <a:prstGeom prst="rect">
@@ -5953,7 +6274,7 @@
         </p:nvSpPr>
         <p:spPr>
           <a:xfrm>
-            <a:off x="2438400" y="891575"/>
+            <a:off x="2438400" y="901849"/>
             <a:ext cx="1575077" cy="643830"/>
           </a:xfrm>
           <a:prstGeom prst="roundRect">
@@ -6213,7 +6534,7 @@
         </p:nvSpPr>
         <p:spPr>
           <a:xfrm>
-            <a:off x="5772994" y="2486744"/>
+            <a:off x="5783268" y="2497018"/>
             <a:ext cx="1575077" cy="643830"/>
           </a:xfrm>
           <a:prstGeom prst="roundRect">
@@ -6265,7 +6586,7 @@
         </p:nvSpPr>
         <p:spPr>
           <a:xfrm>
-            <a:off x="4111784" y="889939"/>
+            <a:off x="4111784" y="900213"/>
             <a:ext cx="1575077" cy="643830"/>
           </a:xfrm>
           <a:prstGeom prst="roundRect">
@@ -6369,7 +6690,7 @@
         </p:nvSpPr>
         <p:spPr>
           <a:xfrm>
-            <a:off x="5785211" y="891575"/>
+            <a:off x="5785211" y="901849"/>
             <a:ext cx="1575077" cy="643830"/>
           </a:xfrm>
           <a:prstGeom prst="roundRect">
@@ -6998,6 +7319,41 @@
           <a:p>
             <a:pPr algn="ctr"/>
             <a:endParaRPr lang="fr-FR"/>
+          </a:p>
+        </p:txBody>
+      </p:sp>
+      <p:sp>
+        <p:nvSpPr>
+          <p:cNvPr id="7" name="ZoneTexte 6">
+            <a:extLst>
+              <a:ext uri="{FF2B5EF4-FFF2-40B4-BE49-F238E27FC236}">
+                <a16:creationId xmlns:a16="http://schemas.microsoft.com/office/drawing/2014/main" id="{98BF117C-5488-4B61-A910-B21B77FE8391}"/>
+              </a:ext>
+            </a:extLst>
+          </p:cNvPr>
+          <p:cNvSpPr txBox="1"/>
+          <p:nvPr/>
+        </p:nvSpPr>
+        <p:spPr>
+          <a:xfrm>
+            <a:off x="0" y="93324"/>
+            <a:ext cx="2532938" cy="369332"/>
+          </a:xfrm>
+          <a:prstGeom prst="rect">
+            <a:avLst/>
+          </a:prstGeom>
+          <a:noFill/>
+        </p:spPr>
+        <p:txBody>
+          <a:bodyPr wrap="square" rtlCol="0">
+            <a:spAutoFit/>
+          </a:bodyPr>
+          <a:lstStyle/>
+          <a:p>
+            <a:r>
+              <a:rPr lang="fr-FR" b="1" dirty="0"/>
+              <a:t>Répartition des taches</a:t>
+            </a:r>
           </a:p>
         </p:txBody>
       </p:sp>
@@ -7011,18 +7367,9 @@
   <p:clrMapOvr>
     <a:overrideClrMapping bg1="dk1" tx1="lt1" bg2="dk2" tx2="lt2" accent1="accent1" accent2="accent2" accent3="accent3" accent4="accent4" accent5="accent5" accent6="accent6" hlink="hlink" folHlink="folHlink"/>
   </p:clrMapOvr>
-  <mc:AlternateContent xmlns:mc="http://schemas.openxmlformats.org/markup-compatibility/2006" xmlns:p14="http://schemas.microsoft.com/office/powerpoint/2010/main">
-    <mc:Choice Requires="p14">
-      <p:transition spd="slow" p14:dur="800">
-        <p14:flythrough/>
-      </p:transition>
-    </mc:Choice>
-    <mc:Fallback xmlns="">
-      <p:transition spd="slow">
-        <p:fade/>
-      </p:transition>
-    </mc:Fallback>
-  </mc:AlternateContent>
+  <p:transition spd="med">
+    <p:pull/>
+  </p:transition>
 </p:sld>
 </file>
 
@@ -8122,6 +8469,41 @@
           </a:p>
         </p:txBody>
       </p:sp>
+      <p:sp>
+        <p:nvSpPr>
+          <p:cNvPr id="34" name="ZoneTexte 33">
+            <a:extLst>
+              <a:ext uri="{FF2B5EF4-FFF2-40B4-BE49-F238E27FC236}">
+                <a16:creationId xmlns:a16="http://schemas.microsoft.com/office/drawing/2014/main" id="{7BF08012-B4A0-45E5-A925-25C06EA03992}"/>
+              </a:ext>
+            </a:extLst>
+          </p:cNvPr>
+          <p:cNvSpPr txBox="1"/>
+          <p:nvPr/>
+        </p:nvSpPr>
+        <p:spPr>
+          <a:xfrm>
+            <a:off x="0" y="93324"/>
+            <a:ext cx="2532938" cy="369332"/>
+          </a:xfrm>
+          <a:prstGeom prst="rect">
+            <a:avLst/>
+          </a:prstGeom>
+          <a:noFill/>
+        </p:spPr>
+        <p:txBody>
+          <a:bodyPr wrap="square" rtlCol="0">
+            <a:spAutoFit/>
+          </a:bodyPr>
+          <a:lstStyle/>
+          <a:p>
+            <a:r>
+              <a:rPr lang="fr-FR" b="1" dirty="0"/>
+              <a:t>Matériels utilisés</a:t>
+            </a:r>
+          </a:p>
+        </p:txBody>
+      </p:sp>
     </p:spTree>
     <p:extLst>
       <p:ext uri="{BB962C8B-B14F-4D97-AF65-F5344CB8AC3E}">
@@ -8132,18 +8514,9 @@
   <p:clrMapOvr>
     <a:overrideClrMapping bg1="dk1" tx1="lt1" bg2="dk2" tx2="lt2" accent1="accent1" accent2="accent2" accent3="accent3" accent4="accent4" accent5="accent5" accent6="accent6" hlink="hlink" folHlink="folHlink"/>
   </p:clrMapOvr>
-  <mc:AlternateContent xmlns:mc="http://schemas.openxmlformats.org/markup-compatibility/2006" xmlns:p14="http://schemas.microsoft.com/office/powerpoint/2010/main">
-    <mc:Choice Requires="p14">
-      <p:transition spd="slow" p14:dur="800">
-        <p14:flythrough/>
-      </p:transition>
-    </mc:Choice>
-    <mc:Fallback xmlns="">
-      <p:transition spd="slow">
-        <p:fade/>
-      </p:transition>
-    </mc:Fallback>
-  </mc:AlternateContent>
+  <p:transition spd="med">
+    <p:pull/>
+  </p:transition>
 </p:sld>
 </file>
 
@@ -8304,7 +8677,7 @@
         </p:blipFill>
         <p:spPr>
           <a:xfrm>
-            <a:off x="-84248" y="0"/>
+            <a:off x="0" y="0"/>
             <a:ext cx="12192000" cy="6855958"/>
           </a:xfrm>
           <a:prstGeom prst="rect">
@@ -8337,7 +8710,7 @@
         </p:blipFill>
         <p:spPr bwMode="auto">
           <a:xfrm>
-            <a:off x="809002" y="788253"/>
+            <a:off x="1075333" y="859277"/>
             <a:ext cx="6970714" cy="4272557"/>
           </a:xfrm>
           <a:prstGeom prst="round2DiagRect">
@@ -8378,7 +8751,7 @@
         </p:nvSpPr>
         <p:spPr>
           <a:xfrm>
-            <a:off x="6222124" y="3079531"/>
+            <a:off x="6488455" y="3150555"/>
             <a:ext cx="504497" cy="349470"/>
           </a:xfrm>
           <a:prstGeom prst="ellipse">
@@ -8432,7 +8805,7 @@
         </p:nvSpPr>
         <p:spPr>
           <a:xfrm>
-            <a:off x="1134819" y="1767657"/>
+            <a:off x="1401150" y="1838681"/>
             <a:ext cx="1575077" cy="643830"/>
           </a:xfrm>
           <a:prstGeom prst="roundRect">
@@ -8484,7 +8857,7 @@
         </p:nvSpPr>
         <p:spPr>
           <a:xfrm>
-            <a:off x="2802210" y="2556385"/>
+            <a:off x="3068541" y="2627409"/>
             <a:ext cx="1575077" cy="643830"/>
           </a:xfrm>
           <a:prstGeom prst="roundRect">
@@ -8536,7 +8909,7 @@
         </p:nvSpPr>
         <p:spPr>
           <a:xfrm>
-            <a:off x="5541296" y="3608967"/>
+            <a:off x="5807627" y="3679991"/>
             <a:ext cx="770728" cy="474560"/>
           </a:xfrm>
           <a:prstGeom prst="roundRect">
@@ -8591,7 +8964,7 @@
         </p:nvCxnSpPr>
         <p:spPr>
           <a:xfrm>
-            <a:off x="2709896" y="2089572"/>
+            <a:off x="2976227" y="2160596"/>
             <a:ext cx="7241824" cy="0"/>
           </a:xfrm>
           <a:prstGeom prst="line">
@@ -8634,7 +9007,7 @@
         </p:nvCxnSpPr>
         <p:spPr>
           <a:xfrm flipV="1">
-            <a:off x="4373023" y="2087531"/>
+            <a:off x="4639354" y="2158555"/>
             <a:ext cx="5578697" cy="613628"/>
           </a:xfrm>
           <a:prstGeom prst="line">
@@ -8678,7 +9051,7 @@
         </p:nvCxnSpPr>
         <p:spPr>
           <a:xfrm flipV="1">
-            <a:off x="6652739" y="2085490"/>
+            <a:off x="6919070" y="2156514"/>
             <a:ext cx="3298981" cy="1045220"/>
           </a:xfrm>
           <a:prstGeom prst="line">
@@ -8722,7 +9095,7 @@
         </p:nvCxnSpPr>
         <p:spPr>
           <a:xfrm flipV="1">
-            <a:off x="6312024" y="2091614"/>
+            <a:off x="6578355" y="2162638"/>
             <a:ext cx="3639696" cy="1754633"/>
           </a:xfrm>
           <a:prstGeom prst="line">
@@ -9232,6 +9605,98 @@
           <a:p>
             <a:pPr algn="ctr"/>
             <a:endParaRPr lang="fr-FR"/>
+          </a:p>
+        </p:txBody>
+      </p:sp>
+      <p:sp>
+        <p:nvSpPr>
+          <p:cNvPr id="30" name="ZoneTexte 29">
+            <a:extLst>
+              <a:ext uri="{FF2B5EF4-FFF2-40B4-BE49-F238E27FC236}">
+                <a16:creationId xmlns:a16="http://schemas.microsoft.com/office/drawing/2014/main" id="{BCDB9471-0FF5-411A-907F-97FBDF7FD3FC}"/>
+              </a:ext>
+            </a:extLst>
+          </p:cNvPr>
+          <p:cNvSpPr txBox="1"/>
+          <p:nvPr/>
+        </p:nvSpPr>
+        <p:spPr>
+          <a:xfrm>
+            <a:off x="0" y="93324"/>
+            <a:ext cx="2532938" cy="369332"/>
+          </a:xfrm>
+          <a:prstGeom prst="rect">
+            <a:avLst/>
+          </a:prstGeom>
+          <a:noFill/>
+        </p:spPr>
+        <p:txBody>
+          <a:bodyPr wrap="square" rtlCol="0">
+            <a:spAutoFit/>
+          </a:bodyPr>
+          <a:lstStyle/>
+          <a:p>
+            <a:r>
+              <a:rPr lang="fr-FR" b="1" dirty="0"/>
+              <a:t>Ma tâche personnelle</a:t>
+            </a:r>
+          </a:p>
+        </p:txBody>
+      </p:sp>
+      <p:sp>
+        <p:nvSpPr>
+          <p:cNvPr id="2" name="Rectangle 1">
+            <a:extLst>
+              <a:ext uri="{FF2B5EF4-FFF2-40B4-BE49-F238E27FC236}">
+                <a16:creationId xmlns:a16="http://schemas.microsoft.com/office/drawing/2014/main" id="{B4B5134A-5DE9-4A37-A9F4-48B7B97BD0AC}"/>
+              </a:ext>
+            </a:extLst>
+          </p:cNvPr>
+          <p:cNvSpPr/>
+          <p:nvPr/>
+        </p:nvSpPr>
+        <p:spPr>
+          <a:xfrm>
+            <a:off x="9919106" y="1871479"/>
+            <a:ext cx="1323702" cy="472384"/>
+          </a:xfrm>
+          <a:prstGeom prst="rect">
+            <a:avLst/>
+          </a:prstGeom>
+          <a:solidFill>
+            <a:srgbClr val="EE0706"/>
+          </a:solidFill>
+          <a:ln>
+            <a:solidFill>
+              <a:schemeClr val="tx1"/>
+            </a:solidFill>
+          </a:ln>
+        </p:spPr>
+        <p:style>
+          <a:lnRef idx="2">
+            <a:schemeClr val="accent1">
+              <a:shade val="50000"/>
+            </a:schemeClr>
+          </a:lnRef>
+          <a:fillRef idx="1">
+            <a:schemeClr val="accent1"/>
+          </a:fillRef>
+          <a:effectRef idx="0">
+            <a:schemeClr val="accent1"/>
+          </a:effectRef>
+          <a:fontRef idx="minor">
+            <a:schemeClr val="lt1"/>
+          </a:fontRef>
+        </p:style>
+        <p:txBody>
+          <a:bodyPr rtlCol="0" anchor="ctr"/>
+          <a:lstStyle/>
+          <a:p>
+            <a:pPr algn="ctr"/>
+            <a:r>
+              <a:rPr lang="fr-FR" dirty="0"/>
+              <a:t>Ma tâche</a:t>
+            </a:r>
           </a:p>
         </p:txBody>
       </p:sp>
@@ -9245,18 +9710,9 @@
   <p:clrMapOvr>
     <a:overrideClrMapping bg1="dk1" tx1="lt1" bg2="dk2" tx2="lt2" accent1="accent1" accent2="accent2" accent3="accent3" accent4="accent4" accent5="accent5" accent6="accent6" hlink="hlink" folHlink="folHlink"/>
   </p:clrMapOvr>
-  <mc:AlternateContent xmlns:mc="http://schemas.openxmlformats.org/markup-compatibility/2006" xmlns:p14="http://schemas.microsoft.com/office/powerpoint/2010/main">
-    <mc:Choice Requires="p14">
-      <p:transition spd="slow" p14:dur="800">
-        <p14:flythrough/>
-      </p:transition>
-    </mc:Choice>
-    <mc:Fallback xmlns="">
-      <p:transition spd="slow">
-        <p:fade/>
-      </p:transition>
-    </mc:Fallback>
-  </mc:AlternateContent>
+  <p:transition spd="med">
+    <p:pull/>
+  </p:transition>
 </p:sld>
 </file>
 
@@ -9635,15 +10091,19 @@
         </p:nvSpPr>
         <p:spPr>
           <a:xfrm>
-            <a:off x="791215" y="1998117"/>
-            <a:ext cx="5949582" cy="1754326"/>
+            <a:off x="656303" y="1772507"/>
+            <a:ext cx="6014319" cy="2031325"/>
           </a:xfrm>
           <a:prstGeom prst="rect">
             <a:avLst/>
           </a:prstGeom>
-          <a:noFill/>
+          <a:solidFill>
+            <a:srgbClr val="222A35"/>
+          </a:solidFill>
           <a:ln>
-            <a:noFill/>
+            <a:solidFill>
+              <a:schemeClr val="tx1"/>
+            </a:solidFill>
           </a:ln>
         </p:spPr>
         <p:txBody>
@@ -9651,6 +10111,13 @@
             <a:spAutoFit/>
           </a:bodyPr>
           <a:lstStyle/>
+          <a:p>
+            <a:pPr marL="285750" indent="-285750">
+              <a:buFont typeface="Arial" panose="020B0604020202020204" pitchFamily="34" charset="0"/>
+              <a:buChar char="•"/>
+            </a:pPr>
+            <a:endParaRPr lang="fr-FR" b="1" dirty="0"/>
+          </a:p>
           <a:p>
             <a:pPr marL="285750" indent="-285750">
               <a:buFont typeface="Arial" panose="020B0604020202020204" pitchFamily="34" charset="0"/>
@@ -10172,6 +10639,41 @@
           <a:p>
             <a:pPr algn="ctr"/>
             <a:endParaRPr lang="fr-FR"/>
+          </a:p>
+        </p:txBody>
+      </p:sp>
+      <p:sp>
+        <p:nvSpPr>
+          <p:cNvPr id="18" name="ZoneTexte 17">
+            <a:extLst>
+              <a:ext uri="{FF2B5EF4-FFF2-40B4-BE49-F238E27FC236}">
+                <a16:creationId xmlns:a16="http://schemas.microsoft.com/office/drawing/2014/main" id="{DC89CBD5-CE1F-49B1-852A-901DD1B41059}"/>
+              </a:ext>
+            </a:extLst>
+          </p:cNvPr>
+          <p:cNvSpPr txBox="1"/>
+          <p:nvPr/>
+        </p:nvSpPr>
+        <p:spPr>
+          <a:xfrm>
+            <a:off x="0" y="93324"/>
+            <a:ext cx="2532938" cy="369332"/>
+          </a:xfrm>
+          <a:prstGeom prst="rect">
+            <a:avLst/>
+          </a:prstGeom>
+          <a:noFill/>
+        </p:spPr>
+        <p:txBody>
+          <a:bodyPr wrap="square" rtlCol="0">
+            <a:spAutoFit/>
+          </a:bodyPr>
+          <a:lstStyle/>
+          <a:p>
+            <a:r>
+              <a:rPr lang="fr-FR" b="1" dirty="0"/>
+              <a:t>Bus I2C</a:t>
+            </a:r>
           </a:p>
         </p:txBody>
       </p:sp>
@@ -10185,18 +10687,9 @@
   <p:clrMapOvr>
     <a:overrideClrMapping bg1="dk1" tx1="lt1" bg2="dk2" tx2="lt2" accent1="accent1" accent2="accent2" accent3="accent3" accent4="accent4" accent5="accent5" accent6="accent6" hlink="hlink" folHlink="folHlink"/>
   </p:clrMapOvr>
-  <mc:AlternateContent xmlns:mc="http://schemas.openxmlformats.org/markup-compatibility/2006" xmlns:p14="http://schemas.microsoft.com/office/powerpoint/2010/main">
-    <mc:Choice Requires="p14">
-      <p:transition spd="slow" p14:dur="800">
-        <p14:flythrough/>
-      </p:transition>
-    </mc:Choice>
-    <mc:Fallback xmlns="">
-      <p:transition spd="slow">
-        <p:fade/>
-      </p:transition>
-    </mc:Fallback>
-  </mc:AlternateContent>
+  <p:transition spd="med">
+    <p:pull/>
+  </p:transition>
 </p:sld>
 </file>
 
@@ -10357,7 +10850,7 @@
         </p:blipFill>
         <p:spPr>
           <a:xfrm>
-            <a:off x="0" y="0"/>
+            <a:off x="0" y="2042"/>
             <a:ext cx="12192000" cy="6855958"/>
           </a:xfrm>
           <a:prstGeom prst="rect">
@@ -10848,6 +11341,724 @@
           <a:p>
             <a:pPr algn="ctr"/>
             <a:endParaRPr lang="fr-FR"/>
+          </a:p>
+        </p:txBody>
+      </p:sp>
+      <p:sp>
+        <p:nvSpPr>
+          <p:cNvPr id="14" name="ZoneTexte 13">
+            <a:extLst>
+              <a:ext uri="{FF2B5EF4-FFF2-40B4-BE49-F238E27FC236}">
+                <a16:creationId xmlns:a16="http://schemas.microsoft.com/office/drawing/2014/main" id="{670CC992-D8C0-448C-8E37-DAAFA44DA070}"/>
+              </a:ext>
+            </a:extLst>
+          </p:cNvPr>
+          <p:cNvSpPr txBox="1"/>
+          <p:nvPr/>
+        </p:nvSpPr>
+        <p:spPr>
+          <a:xfrm>
+            <a:off x="0" y="93324"/>
+            <a:ext cx="2532938" cy="369332"/>
+          </a:xfrm>
+          <a:prstGeom prst="rect">
+            <a:avLst/>
+          </a:prstGeom>
+          <a:noFill/>
+        </p:spPr>
+        <p:txBody>
+          <a:bodyPr wrap="square" rtlCol="0">
+            <a:spAutoFit/>
+          </a:bodyPr>
+          <a:lstStyle/>
+          <a:p>
+            <a:r>
+              <a:rPr lang="fr-FR" b="1" dirty="0"/>
+              <a:t>Mécanisme 4 </a:t>
+            </a:r>
+          </a:p>
+        </p:txBody>
+      </p:sp>
+      <p:pic>
+        <p:nvPicPr>
+          <p:cNvPr id="3" name="Image 2" descr="Une image contenant intérieur, personne, homme, blanc&#10;&#10;Description générée automatiquement">
+            <a:extLst>
+              <a:ext uri="{FF2B5EF4-FFF2-40B4-BE49-F238E27FC236}">
+                <a16:creationId xmlns:a16="http://schemas.microsoft.com/office/drawing/2014/main" id="{0CAC699A-8C92-4204-8613-4E1B55E97105}"/>
+              </a:ext>
+            </a:extLst>
+          </p:cNvPr>
+          <p:cNvPicPr>
+            <a:picLocks noChangeAspect="1"/>
+          </p:cNvPicPr>
+          <p:nvPr/>
+        </p:nvPicPr>
+        <p:blipFill>
+          <a:blip r:embed="rId4">
+            <a:extLst>
+              <a:ext uri="{28A0092B-C50C-407E-A947-70E740481C1C}">
+                <a14:useLocalDpi xmlns:a14="http://schemas.microsoft.com/office/drawing/2010/main" val="0"/>
+              </a:ext>
+            </a:extLst>
+          </a:blip>
+          <a:stretch>
+            <a:fillRect/>
+          </a:stretch>
+        </p:blipFill>
+        <p:spPr>
+          <a:xfrm>
+            <a:off x="501690" y="2329466"/>
+            <a:ext cx="2110490" cy="1404435"/>
+          </a:xfrm>
+          <a:prstGeom prst="rect">
+            <a:avLst/>
+          </a:prstGeom>
+        </p:spPr>
+      </p:pic>
+      <p:pic>
+        <p:nvPicPr>
+          <p:cNvPr id="16" name="Image 15" descr="Une image contenant piano, table&#10;&#10;Description générée automatiquement">
+            <a:extLst>
+              <a:ext uri="{FF2B5EF4-FFF2-40B4-BE49-F238E27FC236}">
+                <a16:creationId xmlns:a16="http://schemas.microsoft.com/office/drawing/2014/main" id="{AE72A30F-1408-4413-8184-1DE1AEA35843}"/>
+              </a:ext>
+            </a:extLst>
+          </p:cNvPr>
+          <p:cNvPicPr>
+            <a:picLocks noChangeAspect="1"/>
+          </p:cNvPicPr>
+          <p:nvPr/>
+        </p:nvPicPr>
+        <p:blipFill>
+          <a:blip r:embed="rId5">
+            <a:extLst>
+              <a:ext uri="{28A0092B-C50C-407E-A947-70E740481C1C}">
+                <a14:useLocalDpi xmlns:a14="http://schemas.microsoft.com/office/drawing/2010/main" val="0"/>
+              </a:ext>
+            </a:extLst>
+          </a:blip>
+          <a:stretch>
+            <a:fillRect/>
+          </a:stretch>
+        </p:blipFill>
+        <p:spPr>
+          <a:xfrm>
+            <a:off x="2824167" y="1933755"/>
+            <a:ext cx="2381275" cy="1985946"/>
+          </a:xfrm>
+          <a:prstGeom prst="rect">
+            <a:avLst/>
+          </a:prstGeom>
+        </p:spPr>
+      </p:pic>
+      <p:pic>
+        <p:nvPicPr>
+          <p:cNvPr id="18" name="Image 17" descr="Une image contenant tasse, assis, table, petit&#10;&#10;Description générée automatiquement">
+            <a:extLst>
+              <a:ext uri="{FF2B5EF4-FFF2-40B4-BE49-F238E27FC236}">
+                <a16:creationId xmlns:a16="http://schemas.microsoft.com/office/drawing/2014/main" id="{8F4FD62D-C49F-4C05-B272-406506F4026A}"/>
+              </a:ext>
+            </a:extLst>
+          </p:cNvPr>
+          <p:cNvPicPr>
+            <a:picLocks noChangeAspect="1"/>
+          </p:cNvPicPr>
+          <p:nvPr/>
+        </p:nvPicPr>
+        <p:blipFill>
+          <a:blip r:embed="rId6">
+            <a:extLst>
+              <a:ext uri="{28A0092B-C50C-407E-A947-70E740481C1C}">
+                <a14:useLocalDpi xmlns:a14="http://schemas.microsoft.com/office/drawing/2010/main" val="0"/>
+              </a:ext>
+            </a:extLst>
+          </a:blip>
+          <a:stretch>
+            <a:fillRect/>
+          </a:stretch>
+        </p:blipFill>
+        <p:spPr>
+          <a:xfrm>
+            <a:off x="5153878" y="1976562"/>
+            <a:ext cx="2110490" cy="1707152"/>
+          </a:xfrm>
+          <a:prstGeom prst="rect">
+            <a:avLst/>
+          </a:prstGeom>
+        </p:spPr>
+      </p:pic>
+      <p:pic>
+        <p:nvPicPr>
+          <p:cNvPr id="22" name="Image 21" descr="Une image contenant fenêtre&#10;&#10;Description générée automatiquement">
+            <a:extLst>
+              <a:ext uri="{FF2B5EF4-FFF2-40B4-BE49-F238E27FC236}">
+                <a16:creationId xmlns:a16="http://schemas.microsoft.com/office/drawing/2014/main" id="{C5461E8E-1732-48DE-8F27-18E234EFAA0F}"/>
+              </a:ext>
+            </a:extLst>
+          </p:cNvPr>
+          <p:cNvPicPr>
+            <a:picLocks noChangeAspect="1"/>
+          </p:cNvPicPr>
+          <p:nvPr/>
+        </p:nvPicPr>
+        <p:blipFill>
+          <a:blip r:embed="rId7">
+            <a:extLst>
+              <a:ext uri="{28A0092B-C50C-407E-A947-70E740481C1C}">
+                <a14:useLocalDpi xmlns:a14="http://schemas.microsoft.com/office/drawing/2010/main" val="0"/>
+              </a:ext>
+            </a:extLst>
+          </a:blip>
+          <a:stretch>
+            <a:fillRect/>
+          </a:stretch>
+        </p:blipFill>
+        <p:spPr>
+          <a:xfrm>
+            <a:off x="8348629" y="1082836"/>
+            <a:ext cx="2377275" cy="1360730"/>
+          </a:xfrm>
+          <a:prstGeom prst="rect">
+            <a:avLst/>
+          </a:prstGeom>
+        </p:spPr>
+      </p:pic>
+      <p:pic>
+        <p:nvPicPr>
+          <p:cNvPr id="24" name="Image 23" descr="Une image contenant vague, pluie, sucre&#10;&#10;Description générée automatiquement">
+            <a:extLst>
+              <a:ext uri="{FF2B5EF4-FFF2-40B4-BE49-F238E27FC236}">
+                <a16:creationId xmlns:a16="http://schemas.microsoft.com/office/drawing/2014/main" id="{81C49017-4D6E-4FE5-8242-CBAE2AE28399}"/>
+              </a:ext>
+            </a:extLst>
+          </p:cNvPr>
+          <p:cNvPicPr>
+            <a:picLocks noChangeAspect="1"/>
+          </p:cNvPicPr>
+          <p:nvPr/>
+        </p:nvPicPr>
+        <p:blipFill>
+          <a:blip r:embed="rId8">
+            <a:extLst>
+              <a:ext uri="{28A0092B-C50C-407E-A947-70E740481C1C}">
+                <a14:useLocalDpi xmlns:a14="http://schemas.microsoft.com/office/drawing/2010/main" val="0"/>
+              </a:ext>
+            </a:extLst>
+          </a:blip>
+          <a:stretch>
+            <a:fillRect/>
+          </a:stretch>
+        </p:blipFill>
+        <p:spPr>
+          <a:xfrm>
+            <a:off x="7844574" y="1365741"/>
+            <a:ext cx="3655116" cy="1985946"/>
+          </a:xfrm>
+          <a:prstGeom prst="rect">
+            <a:avLst/>
+          </a:prstGeom>
+        </p:spPr>
+      </p:pic>
+      <p:pic>
+        <p:nvPicPr>
+          <p:cNvPr id="26" name="Image 25" descr="Une image contenant bouteille&#10;&#10;Description générée automatiquement">
+            <a:extLst>
+              <a:ext uri="{FF2B5EF4-FFF2-40B4-BE49-F238E27FC236}">
+                <a16:creationId xmlns:a16="http://schemas.microsoft.com/office/drawing/2014/main" id="{71051E12-6140-46D6-9C36-1E041525C01A}"/>
+              </a:ext>
+            </a:extLst>
+          </p:cNvPr>
+          <p:cNvPicPr>
+            <a:picLocks noChangeAspect="1"/>
+          </p:cNvPicPr>
+          <p:nvPr/>
+        </p:nvPicPr>
+        <p:blipFill rotWithShape="1">
+          <a:blip r:embed="rId9">
+            <a:extLst>
+              <a:ext uri="{28A0092B-C50C-407E-A947-70E740481C1C}">
+                <a14:useLocalDpi xmlns:a14="http://schemas.microsoft.com/office/drawing/2010/main" val="0"/>
+              </a:ext>
+            </a:extLst>
+          </a:blip>
+          <a:srcRect l="-4802" r="76308" b="45178"/>
+          <a:stretch/>
+        </p:blipFill>
+        <p:spPr>
+          <a:xfrm flipH="1">
+            <a:off x="8380546" y="3330322"/>
+            <a:ext cx="538971" cy="1134675"/>
+          </a:xfrm>
+          <a:prstGeom prst="rect">
+            <a:avLst/>
+          </a:prstGeom>
+        </p:spPr>
+      </p:pic>
+      <p:pic>
+        <p:nvPicPr>
+          <p:cNvPr id="29" name="Image 28" descr="Une image contenant bouteille&#10;&#10;Description générée automatiquement">
+            <a:extLst>
+              <a:ext uri="{FF2B5EF4-FFF2-40B4-BE49-F238E27FC236}">
+                <a16:creationId xmlns:a16="http://schemas.microsoft.com/office/drawing/2014/main" id="{0A58393A-68A3-4F7C-8691-122C7806C3C9}"/>
+              </a:ext>
+            </a:extLst>
+          </p:cNvPr>
+          <p:cNvPicPr>
+            <a:picLocks noChangeAspect="1"/>
+          </p:cNvPicPr>
+          <p:nvPr/>
+        </p:nvPicPr>
+        <p:blipFill rotWithShape="1">
+          <a:blip r:embed="rId9">
+            <a:extLst>
+              <a:ext uri="{28A0092B-C50C-407E-A947-70E740481C1C}">
+                <a14:useLocalDpi xmlns:a14="http://schemas.microsoft.com/office/drawing/2010/main" val="0"/>
+              </a:ext>
+            </a:extLst>
+          </a:blip>
+          <a:srcRect l="-4802" r="76308" b="45178"/>
+          <a:stretch/>
+        </p:blipFill>
+        <p:spPr>
+          <a:xfrm flipH="1">
+            <a:off x="8847779" y="3364776"/>
+            <a:ext cx="538971" cy="1134675"/>
+          </a:xfrm>
+          <a:prstGeom prst="rect">
+            <a:avLst/>
+          </a:prstGeom>
+        </p:spPr>
+      </p:pic>
+      <p:pic>
+        <p:nvPicPr>
+          <p:cNvPr id="30" name="Image 29" descr="Une image contenant bouteille&#10;&#10;Description générée automatiquement">
+            <a:extLst>
+              <a:ext uri="{FF2B5EF4-FFF2-40B4-BE49-F238E27FC236}">
+                <a16:creationId xmlns:a16="http://schemas.microsoft.com/office/drawing/2014/main" id="{01AA6BC3-4009-4603-8814-960EEA3364C3}"/>
+              </a:ext>
+            </a:extLst>
+          </p:cNvPr>
+          <p:cNvPicPr>
+            <a:picLocks noChangeAspect="1"/>
+          </p:cNvPicPr>
+          <p:nvPr/>
+        </p:nvPicPr>
+        <p:blipFill rotWithShape="1">
+          <a:blip r:embed="rId9">
+            <a:extLst>
+              <a:ext uri="{28A0092B-C50C-407E-A947-70E740481C1C}">
+                <a14:useLocalDpi xmlns:a14="http://schemas.microsoft.com/office/drawing/2010/main" val="0"/>
+              </a:ext>
+            </a:extLst>
+          </a:blip>
+          <a:srcRect l="-4802" r="76308" b="45178"/>
+          <a:stretch/>
+        </p:blipFill>
+        <p:spPr>
+          <a:xfrm flipH="1">
+            <a:off x="9325842" y="3352364"/>
+            <a:ext cx="538971" cy="1134675"/>
+          </a:xfrm>
+          <a:prstGeom prst="rect">
+            <a:avLst/>
+          </a:prstGeom>
+        </p:spPr>
+      </p:pic>
+      <p:pic>
+        <p:nvPicPr>
+          <p:cNvPr id="31" name="Image 30" descr="Une image contenant bouteille&#10;&#10;Description générée automatiquement">
+            <a:extLst>
+              <a:ext uri="{FF2B5EF4-FFF2-40B4-BE49-F238E27FC236}">
+                <a16:creationId xmlns:a16="http://schemas.microsoft.com/office/drawing/2014/main" id="{81B7B128-E8E4-400D-BD49-3D08BEAB8106}"/>
+              </a:ext>
+            </a:extLst>
+          </p:cNvPr>
+          <p:cNvPicPr>
+            <a:picLocks noChangeAspect="1"/>
+          </p:cNvPicPr>
+          <p:nvPr/>
+        </p:nvPicPr>
+        <p:blipFill rotWithShape="1">
+          <a:blip r:embed="rId9">
+            <a:extLst>
+              <a:ext uri="{28A0092B-C50C-407E-A947-70E740481C1C}">
+                <a14:useLocalDpi xmlns:a14="http://schemas.microsoft.com/office/drawing/2010/main" val="0"/>
+              </a:ext>
+            </a:extLst>
+          </a:blip>
+          <a:srcRect l="-4802" r="76308" b="45178"/>
+          <a:stretch/>
+        </p:blipFill>
+        <p:spPr>
+          <a:xfrm flipH="1">
+            <a:off x="9803905" y="3341343"/>
+            <a:ext cx="538971" cy="1134675"/>
+          </a:xfrm>
+          <a:prstGeom prst="rect">
+            <a:avLst/>
+          </a:prstGeom>
+        </p:spPr>
+      </p:pic>
+      <p:pic>
+        <p:nvPicPr>
+          <p:cNvPr id="32" name="Image 31" descr="Une image contenant bouteille&#10;&#10;Description générée automatiquement">
+            <a:extLst>
+              <a:ext uri="{FF2B5EF4-FFF2-40B4-BE49-F238E27FC236}">
+                <a16:creationId xmlns:a16="http://schemas.microsoft.com/office/drawing/2014/main" id="{01BE1579-A5E2-4396-84A1-3E6EB8368FA1}"/>
+              </a:ext>
+            </a:extLst>
+          </p:cNvPr>
+          <p:cNvPicPr>
+            <a:picLocks noChangeAspect="1"/>
+          </p:cNvPicPr>
+          <p:nvPr/>
+        </p:nvPicPr>
+        <p:blipFill rotWithShape="1">
+          <a:blip r:embed="rId9">
+            <a:extLst>
+              <a:ext uri="{28A0092B-C50C-407E-A947-70E740481C1C}">
+                <a14:useLocalDpi xmlns:a14="http://schemas.microsoft.com/office/drawing/2010/main" val="0"/>
+              </a:ext>
+            </a:extLst>
+          </a:blip>
+          <a:srcRect l="-4802" r="76308" b="45178"/>
+          <a:stretch/>
+        </p:blipFill>
+        <p:spPr>
+          <a:xfrm flipH="1">
+            <a:off x="10240818" y="3330322"/>
+            <a:ext cx="538971" cy="1134675"/>
+          </a:xfrm>
+          <a:prstGeom prst="rect">
+            <a:avLst/>
+          </a:prstGeom>
+        </p:spPr>
+      </p:pic>
+      <p:sp>
+        <p:nvSpPr>
+          <p:cNvPr id="35" name="Signe de multiplication 34">
+            <a:extLst>
+              <a:ext uri="{FF2B5EF4-FFF2-40B4-BE49-F238E27FC236}">
+                <a16:creationId xmlns:a16="http://schemas.microsoft.com/office/drawing/2014/main" id="{3B98CE29-A3EE-403A-87E8-73444A2DBCE6}"/>
+              </a:ext>
+            </a:extLst>
+          </p:cNvPr>
+          <p:cNvSpPr/>
+          <p:nvPr/>
+        </p:nvSpPr>
+        <p:spPr>
+          <a:xfrm>
+            <a:off x="5565745" y="2443566"/>
+            <a:ext cx="1595648" cy="1354248"/>
+          </a:xfrm>
+          <a:prstGeom prst="mathMultiply">
+            <a:avLst/>
+          </a:prstGeom>
+          <a:solidFill>
+            <a:srgbClr val="FF0000"/>
+          </a:solidFill>
+          <a:ln w="76200">
+            <a:solidFill>
+              <a:srgbClr val="FF0000"/>
+            </a:solidFill>
+          </a:ln>
+        </p:spPr>
+        <p:style>
+          <a:lnRef idx="2">
+            <a:schemeClr val="accent1">
+              <a:shade val="50000"/>
+            </a:schemeClr>
+          </a:lnRef>
+          <a:fillRef idx="1">
+            <a:schemeClr val="accent1"/>
+          </a:fillRef>
+          <a:effectRef idx="0">
+            <a:schemeClr val="accent1"/>
+          </a:effectRef>
+          <a:fontRef idx="minor">
+            <a:schemeClr val="lt1"/>
+          </a:fontRef>
+        </p:style>
+        <p:txBody>
+          <a:bodyPr rtlCol="0" anchor="ctr"/>
+          <a:lstStyle/>
+          <a:p>
+            <a:pPr algn="ctr"/>
+            <a:endParaRPr lang="fr-FR"/>
+          </a:p>
+        </p:txBody>
+      </p:sp>
+      <p:sp>
+        <p:nvSpPr>
+          <p:cNvPr id="36" name="Flèche : droite 35">
+            <a:extLst>
+              <a:ext uri="{FF2B5EF4-FFF2-40B4-BE49-F238E27FC236}">
+                <a16:creationId xmlns:a16="http://schemas.microsoft.com/office/drawing/2014/main" id="{ABAA6CDD-89F2-4DDF-A8BA-7BE584FC522C}"/>
+              </a:ext>
+            </a:extLst>
+          </p:cNvPr>
+          <p:cNvSpPr/>
+          <p:nvPr/>
+        </p:nvSpPr>
+        <p:spPr>
+          <a:xfrm>
+            <a:off x="2915178" y="2774022"/>
+            <a:ext cx="627950" cy="590754"/>
+          </a:xfrm>
+          <a:prstGeom prst="rightArrow">
+            <a:avLst/>
+          </a:prstGeom>
+          <a:solidFill>
+            <a:schemeClr val="tx1"/>
+          </a:solidFill>
+          <a:ln>
+            <a:solidFill>
+              <a:schemeClr val="bg1"/>
+            </a:solidFill>
+          </a:ln>
+        </p:spPr>
+        <p:style>
+          <a:lnRef idx="2">
+            <a:schemeClr val="accent1">
+              <a:shade val="50000"/>
+            </a:schemeClr>
+          </a:lnRef>
+          <a:fillRef idx="1">
+            <a:schemeClr val="accent1"/>
+          </a:fillRef>
+          <a:effectRef idx="0">
+            <a:schemeClr val="accent1"/>
+          </a:effectRef>
+          <a:fontRef idx="minor">
+            <a:schemeClr val="lt1"/>
+          </a:fontRef>
+        </p:style>
+        <p:txBody>
+          <a:bodyPr rtlCol="0" anchor="ctr"/>
+          <a:lstStyle/>
+          <a:p>
+            <a:pPr algn="ctr"/>
+            <a:endParaRPr lang="fr-FR"/>
+          </a:p>
+        </p:txBody>
+      </p:sp>
+      <p:sp>
+        <p:nvSpPr>
+          <p:cNvPr id="37" name="Flèche : droite 36">
+            <a:extLst>
+              <a:ext uri="{FF2B5EF4-FFF2-40B4-BE49-F238E27FC236}">
+                <a16:creationId xmlns:a16="http://schemas.microsoft.com/office/drawing/2014/main" id="{2A26ABF7-642D-412C-9FF6-079B590A2025}"/>
+              </a:ext>
+            </a:extLst>
+          </p:cNvPr>
+          <p:cNvSpPr/>
+          <p:nvPr/>
+        </p:nvSpPr>
+        <p:spPr>
+          <a:xfrm>
+            <a:off x="4531869" y="2774178"/>
+            <a:ext cx="627950" cy="590754"/>
+          </a:xfrm>
+          <a:prstGeom prst="rightArrow">
+            <a:avLst/>
+          </a:prstGeom>
+          <a:solidFill>
+            <a:schemeClr val="tx1"/>
+          </a:solidFill>
+          <a:ln>
+            <a:solidFill>
+              <a:schemeClr val="bg1"/>
+            </a:solidFill>
+          </a:ln>
+        </p:spPr>
+        <p:style>
+          <a:lnRef idx="2">
+            <a:schemeClr val="accent1">
+              <a:shade val="50000"/>
+            </a:schemeClr>
+          </a:lnRef>
+          <a:fillRef idx="1">
+            <a:schemeClr val="accent1"/>
+          </a:fillRef>
+          <a:effectRef idx="0">
+            <a:schemeClr val="accent1"/>
+          </a:effectRef>
+          <a:fontRef idx="minor">
+            <a:schemeClr val="lt1"/>
+          </a:fontRef>
+        </p:style>
+        <p:txBody>
+          <a:bodyPr rtlCol="0" anchor="ctr"/>
+          <a:lstStyle/>
+          <a:p>
+            <a:pPr algn="ctr"/>
+            <a:endParaRPr lang="fr-FR"/>
+          </a:p>
+        </p:txBody>
+      </p:sp>
+      <p:sp>
+        <p:nvSpPr>
+          <p:cNvPr id="38" name="Flèche : droite 37">
+            <a:extLst>
+              <a:ext uri="{FF2B5EF4-FFF2-40B4-BE49-F238E27FC236}">
+                <a16:creationId xmlns:a16="http://schemas.microsoft.com/office/drawing/2014/main" id="{30C49E00-32AC-451A-91A9-1C153A95E6A7}"/>
+              </a:ext>
+            </a:extLst>
+          </p:cNvPr>
+          <p:cNvSpPr/>
+          <p:nvPr/>
+        </p:nvSpPr>
+        <p:spPr>
+          <a:xfrm>
+            <a:off x="7230044" y="2774022"/>
+            <a:ext cx="627950" cy="590754"/>
+          </a:xfrm>
+          <a:prstGeom prst="rightArrow">
+            <a:avLst/>
+          </a:prstGeom>
+          <a:solidFill>
+            <a:schemeClr val="tx1"/>
+          </a:solidFill>
+          <a:ln>
+            <a:solidFill>
+              <a:schemeClr val="bg1"/>
+            </a:solidFill>
+          </a:ln>
+        </p:spPr>
+        <p:style>
+          <a:lnRef idx="2">
+            <a:schemeClr val="accent1">
+              <a:shade val="50000"/>
+            </a:schemeClr>
+          </a:lnRef>
+          <a:fillRef idx="1">
+            <a:schemeClr val="accent1"/>
+          </a:fillRef>
+          <a:effectRef idx="0">
+            <a:schemeClr val="accent1"/>
+          </a:effectRef>
+          <a:fontRef idx="minor">
+            <a:schemeClr val="lt1"/>
+          </a:fontRef>
+        </p:style>
+        <p:txBody>
+          <a:bodyPr rtlCol="0" anchor="ctr"/>
+          <a:lstStyle/>
+          <a:p>
+            <a:pPr algn="ctr"/>
+            <a:endParaRPr lang="fr-FR"/>
+          </a:p>
+        </p:txBody>
+      </p:sp>
+      <p:sp>
+        <p:nvSpPr>
+          <p:cNvPr id="39" name="Flèche : droite 38">
+            <a:extLst>
+              <a:ext uri="{FF2B5EF4-FFF2-40B4-BE49-F238E27FC236}">
+                <a16:creationId xmlns:a16="http://schemas.microsoft.com/office/drawing/2014/main" id="{D0F1DD52-7157-4EEA-9E2F-71701737235F}"/>
+              </a:ext>
+            </a:extLst>
+          </p:cNvPr>
+          <p:cNvSpPr/>
+          <p:nvPr/>
+        </p:nvSpPr>
+        <p:spPr>
+          <a:xfrm rot="5400000">
+            <a:off x="9246433" y="2664226"/>
+            <a:ext cx="627950" cy="590754"/>
+          </a:xfrm>
+          <a:prstGeom prst="rightArrow">
+            <a:avLst/>
+          </a:prstGeom>
+          <a:solidFill>
+            <a:schemeClr val="tx1"/>
+          </a:solidFill>
+          <a:ln>
+            <a:solidFill>
+              <a:schemeClr val="bg1"/>
+            </a:solidFill>
+          </a:ln>
+        </p:spPr>
+        <p:style>
+          <a:lnRef idx="2">
+            <a:schemeClr val="accent1">
+              <a:shade val="50000"/>
+            </a:schemeClr>
+          </a:lnRef>
+          <a:fillRef idx="1">
+            <a:schemeClr val="accent1"/>
+          </a:fillRef>
+          <a:effectRef idx="0">
+            <a:schemeClr val="accent1"/>
+          </a:effectRef>
+          <a:fontRef idx="minor">
+            <a:schemeClr val="lt1"/>
+          </a:fontRef>
+        </p:style>
+        <p:txBody>
+          <a:bodyPr rtlCol="0" anchor="ctr"/>
+          <a:lstStyle/>
+          <a:p>
+            <a:pPr algn="ctr"/>
+            <a:endParaRPr lang="fr-FR"/>
+          </a:p>
+        </p:txBody>
+      </p:sp>
+      <p:sp>
+        <p:nvSpPr>
+          <p:cNvPr id="40" name="Flèche : courbe vers la gauche 39">
+            <a:extLst>
+              <a:ext uri="{FF2B5EF4-FFF2-40B4-BE49-F238E27FC236}">
+                <a16:creationId xmlns:a16="http://schemas.microsoft.com/office/drawing/2014/main" id="{C58E6293-DF09-4F2D-B7F3-A0C115FD65BC}"/>
+              </a:ext>
+            </a:extLst>
+          </p:cNvPr>
+          <p:cNvSpPr/>
+          <p:nvPr/>
+        </p:nvSpPr>
+        <p:spPr>
+          <a:xfrm>
+            <a:off x="11121006" y="1976562"/>
+            <a:ext cx="553420" cy="627950"/>
+          </a:xfrm>
+          <a:prstGeom prst="curvedLeftArrow">
+            <a:avLst/>
+          </a:prstGeom>
+          <a:solidFill>
+            <a:schemeClr val="tx1"/>
+          </a:solidFill>
+          <a:ln>
+            <a:solidFill>
+              <a:schemeClr val="bg1"/>
+            </a:solidFill>
+          </a:ln>
+        </p:spPr>
+        <p:style>
+          <a:lnRef idx="2">
+            <a:schemeClr val="accent1">
+              <a:shade val="50000"/>
+            </a:schemeClr>
+          </a:lnRef>
+          <a:fillRef idx="1">
+            <a:schemeClr val="accent1"/>
+          </a:fillRef>
+          <a:effectRef idx="0">
+            <a:schemeClr val="accent1"/>
+          </a:effectRef>
+          <a:fontRef idx="minor">
+            <a:schemeClr val="lt1"/>
+          </a:fontRef>
+        </p:style>
+        <p:txBody>
+          <a:bodyPr rtlCol="0" anchor="ctr"/>
+          <a:lstStyle/>
+          <a:p>
+            <a:pPr algn="ctr"/>
+            <a:endParaRPr lang="fr-FR">
+              <a:solidFill>
+                <a:schemeClr val="tx1"/>
+              </a:solidFill>
+            </a:endParaRPr>
           </a:p>
         </p:txBody>
       </p:sp>
@@ -10861,18 +12072,605 @@
   <p:clrMapOvr>
     <a:overrideClrMapping bg1="dk1" tx1="lt1" bg2="dk2" tx2="lt2" accent1="accent1" accent2="accent2" accent3="accent3" accent4="accent4" accent5="accent5" accent6="accent6" hlink="hlink" folHlink="folHlink"/>
   </p:clrMapOvr>
-  <mc:AlternateContent xmlns:mc="http://schemas.openxmlformats.org/markup-compatibility/2006" xmlns:p14="http://schemas.microsoft.com/office/powerpoint/2010/main">
-    <mc:Choice Requires="p14">
-      <p:transition spd="slow" p14:dur="800">
-        <p14:flythrough/>
-      </p:transition>
-    </mc:Choice>
-    <mc:Fallback xmlns="">
-      <p:transition spd="slow">
-        <p:fade/>
-      </p:transition>
-    </mc:Fallback>
-  </mc:AlternateContent>
+  <p:transition spd="med">
+    <p:pull/>
+  </p:transition>
+  <p:timing>
+    <p:tnLst>
+      <p:par>
+        <p:cTn id="1" dur="indefinite" restart="never" nodeType="tmRoot">
+          <p:childTnLst>
+            <p:seq concurrent="1" nextAc="seek">
+              <p:cTn id="2" dur="indefinite" nodeType="mainSeq">
+                <p:childTnLst>
+                  <p:par>
+                    <p:cTn id="3" fill="hold">
+                      <p:stCondLst>
+                        <p:cond delay="indefinite"/>
+                      </p:stCondLst>
+                      <p:childTnLst>
+                        <p:par>
+                          <p:cTn id="4" fill="hold">
+                            <p:stCondLst>
+                              <p:cond delay="0"/>
+                            </p:stCondLst>
+                            <p:childTnLst>
+                              <p:par>
+                                <p:cTn id="5" presetID="1" presetClass="entr" presetSubtype="0" fill="hold" nodeType="clickEffect">
+                                  <p:stCondLst>
+                                    <p:cond delay="0"/>
+                                  </p:stCondLst>
+                                  <p:childTnLst>
+                                    <p:set>
+                                      <p:cBhvr>
+                                        <p:cTn id="6" dur="1" fill="hold">
+                                          <p:stCondLst>
+                                            <p:cond delay="0"/>
+                                          </p:stCondLst>
+                                        </p:cTn>
+                                        <p:tgtEl>
+                                          <p:spTgt spid="3"/>
+                                        </p:tgtEl>
+                                        <p:attrNameLst>
+                                          <p:attrName>style.visibility</p:attrName>
+                                        </p:attrNameLst>
+                                      </p:cBhvr>
+                                      <p:to>
+                                        <p:strVal val="visible"/>
+                                      </p:to>
+                                    </p:set>
+                                  </p:childTnLst>
+                                </p:cTn>
+                              </p:par>
+                            </p:childTnLst>
+                          </p:cTn>
+                        </p:par>
+                      </p:childTnLst>
+                    </p:cTn>
+                  </p:par>
+                  <p:par>
+                    <p:cTn id="7" fill="hold">
+                      <p:stCondLst>
+                        <p:cond delay="indefinite"/>
+                      </p:stCondLst>
+                      <p:childTnLst>
+                        <p:par>
+                          <p:cTn id="8" fill="hold">
+                            <p:stCondLst>
+                              <p:cond delay="0"/>
+                            </p:stCondLst>
+                            <p:childTnLst>
+                              <p:par>
+                                <p:cTn id="9" presetID="1" presetClass="entr" presetSubtype="0" fill="hold" grpId="0" nodeType="clickEffect">
+                                  <p:stCondLst>
+                                    <p:cond delay="0"/>
+                                  </p:stCondLst>
+                                  <p:childTnLst>
+                                    <p:set>
+                                      <p:cBhvr>
+                                        <p:cTn id="10" dur="1" fill="hold">
+                                          <p:stCondLst>
+                                            <p:cond delay="0"/>
+                                          </p:stCondLst>
+                                        </p:cTn>
+                                        <p:tgtEl>
+                                          <p:spTgt spid="36"/>
+                                        </p:tgtEl>
+                                        <p:attrNameLst>
+                                          <p:attrName>style.visibility</p:attrName>
+                                        </p:attrNameLst>
+                                      </p:cBhvr>
+                                      <p:to>
+                                        <p:strVal val="visible"/>
+                                      </p:to>
+                                    </p:set>
+                                  </p:childTnLst>
+                                </p:cTn>
+                              </p:par>
+                              <p:par>
+                                <p:cTn id="11" presetID="1" presetClass="entr" presetSubtype="0" fill="hold" nodeType="withEffect">
+                                  <p:stCondLst>
+                                    <p:cond delay="0"/>
+                                  </p:stCondLst>
+                                  <p:childTnLst>
+                                    <p:set>
+                                      <p:cBhvr>
+                                        <p:cTn id="12" dur="1" fill="hold">
+                                          <p:stCondLst>
+                                            <p:cond delay="0"/>
+                                          </p:stCondLst>
+                                        </p:cTn>
+                                        <p:tgtEl>
+                                          <p:spTgt spid="16"/>
+                                        </p:tgtEl>
+                                        <p:attrNameLst>
+                                          <p:attrName>style.visibility</p:attrName>
+                                        </p:attrNameLst>
+                                      </p:cBhvr>
+                                      <p:to>
+                                        <p:strVal val="visible"/>
+                                      </p:to>
+                                    </p:set>
+                                  </p:childTnLst>
+                                </p:cTn>
+                              </p:par>
+                            </p:childTnLst>
+                          </p:cTn>
+                        </p:par>
+                      </p:childTnLst>
+                    </p:cTn>
+                  </p:par>
+                  <p:par>
+                    <p:cTn id="13" fill="hold">
+                      <p:stCondLst>
+                        <p:cond delay="indefinite"/>
+                      </p:stCondLst>
+                      <p:childTnLst>
+                        <p:par>
+                          <p:cTn id="14" fill="hold">
+                            <p:stCondLst>
+                              <p:cond delay="0"/>
+                            </p:stCondLst>
+                            <p:childTnLst>
+                              <p:par>
+                                <p:cTn id="15" presetID="1" presetClass="entr" presetSubtype="0" fill="hold" grpId="0" nodeType="clickEffect">
+                                  <p:stCondLst>
+                                    <p:cond delay="0"/>
+                                  </p:stCondLst>
+                                  <p:childTnLst>
+                                    <p:set>
+                                      <p:cBhvr>
+                                        <p:cTn id="16" dur="1" fill="hold">
+                                          <p:stCondLst>
+                                            <p:cond delay="0"/>
+                                          </p:stCondLst>
+                                        </p:cTn>
+                                        <p:tgtEl>
+                                          <p:spTgt spid="37"/>
+                                        </p:tgtEl>
+                                        <p:attrNameLst>
+                                          <p:attrName>style.visibility</p:attrName>
+                                        </p:attrNameLst>
+                                      </p:cBhvr>
+                                      <p:to>
+                                        <p:strVal val="visible"/>
+                                      </p:to>
+                                    </p:set>
+                                  </p:childTnLst>
+                                </p:cTn>
+                              </p:par>
+                              <p:par>
+                                <p:cTn id="17" presetID="1" presetClass="entr" presetSubtype="0" fill="hold" nodeType="withEffect">
+                                  <p:stCondLst>
+                                    <p:cond delay="0"/>
+                                  </p:stCondLst>
+                                  <p:childTnLst>
+                                    <p:set>
+                                      <p:cBhvr>
+                                        <p:cTn id="18" dur="1" fill="hold">
+                                          <p:stCondLst>
+                                            <p:cond delay="0"/>
+                                          </p:stCondLst>
+                                        </p:cTn>
+                                        <p:tgtEl>
+                                          <p:spTgt spid="18"/>
+                                        </p:tgtEl>
+                                        <p:attrNameLst>
+                                          <p:attrName>style.visibility</p:attrName>
+                                        </p:attrNameLst>
+                                      </p:cBhvr>
+                                      <p:to>
+                                        <p:strVal val="visible"/>
+                                      </p:to>
+                                    </p:set>
+                                  </p:childTnLst>
+                                </p:cTn>
+                              </p:par>
+                            </p:childTnLst>
+                          </p:cTn>
+                        </p:par>
+                      </p:childTnLst>
+                    </p:cTn>
+                  </p:par>
+                  <p:par>
+                    <p:cTn id="19" fill="hold">
+                      <p:stCondLst>
+                        <p:cond delay="indefinite"/>
+                      </p:stCondLst>
+                      <p:childTnLst>
+                        <p:par>
+                          <p:cTn id="20" fill="hold">
+                            <p:stCondLst>
+                              <p:cond delay="0"/>
+                            </p:stCondLst>
+                            <p:childTnLst>
+                              <p:par>
+                                <p:cTn id="21" presetID="1" presetClass="entr" presetSubtype="0" fill="hold" grpId="0" nodeType="clickEffect">
+                                  <p:stCondLst>
+                                    <p:cond delay="0"/>
+                                  </p:stCondLst>
+                                  <p:childTnLst>
+                                    <p:set>
+                                      <p:cBhvr>
+                                        <p:cTn id="22" dur="1" fill="hold">
+                                          <p:stCondLst>
+                                            <p:cond delay="0"/>
+                                          </p:stCondLst>
+                                        </p:cTn>
+                                        <p:tgtEl>
+                                          <p:spTgt spid="35"/>
+                                        </p:tgtEl>
+                                        <p:attrNameLst>
+                                          <p:attrName>style.visibility</p:attrName>
+                                        </p:attrNameLst>
+                                      </p:cBhvr>
+                                      <p:to>
+                                        <p:strVal val="visible"/>
+                                      </p:to>
+                                    </p:set>
+                                  </p:childTnLst>
+                                </p:cTn>
+                              </p:par>
+                            </p:childTnLst>
+                          </p:cTn>
+                        </p:par>
+                      </p:childTnLst>
+                    </p:cTn>
+                  </p:par>
+                  <p:par>
+                    <p:cTn id="23" fill="hold">
+                      <p:stCondLst>
+                        <p:cond delay="indefinite"/>
+                      </p:stCondLst>
+                      <p:childTnLst>
+                        <p:par>
+                          <p:cTn id="24" fill="hold">
+                            <p:stCondLst>
+                              <p:cond delay="0"/>
+                            </p:stCondLst>
+                            <p:childTnLst>
+                              <p:par>
+                                <p:cTn id="25" presetID="1" presetClass="entr" presetSubtype="0" fill="hold" grpId="0" nodeType="clickEffect">
+                                  <p:stCondLst>
+                                    <p:cond delay="0"/>
+                                  </p:stCondLst>
+                                  <p:childTnLst>
+                                    <p:set>
+                                      <p:cBhvr>
+                                        <p:cTn id="26" dur="1" fill="hold">
+                                          <p:stCondLst>
+                                            <p:cond delay="0"/>
+                                          </p:stCondLst>
+                                        </p:cTn>
+                                        <p:tgtEl>
+                                          <p:spTgt spid="38"/>
+                                        </p:tgtEl>
+                                        <p:attrNameLst>
+                                          <p:attrName>style.visibility</p:attrName>
+                                        </p:attrNameLst>
+                                      </p:cBhvr>
+                                      <p:to>
+                                        <p:strVal val="visible"/>
+                                      </p:to>
+                                    </p:set>
+                                  </p:childTnLst>
+                                </p:cTn>
+                              </p:par>
+                              <p:par>
+                                <p:cTn id="27" presetID="1" presetClass="entr" presetSubtype="0" fill="hold" nodeType="withEffect">
+                                  <p:stCondLst>
+                                    <p:cond delay="0"/>
+                                  </p:stCondLst>
+                                  <p:childTnLst>
+                                    <p:set>
+                                      <p:cBhvr>
+                                        <p:cTn id="28" dur="1" fill="hold">
+                                          <p:stCondLst>
+                                            <p:cond delay="0"/>
+                                          </p:stCondLst>
+                                        </p:cTn>
+                                        <p:tgtEl>
+                                          <p:spTgt spid="22"/>
+                                        </p:tgtEl>
+                                        <p:attrNameLst>
+                                          <p:attrName>style.visibility</p:attrName>
+                                        </p:attrNameLst>
+                                      </p:cBhvr>
+                                      <p:to>
+                                        <p:strVal val="visible"/>
+                                      </p:to>
+                                    </p:set>
+                                  </p:childTnLst>
+                                </p:cTn>
+                              </p:par>
+                            </p:childTnLst>
+                          </p:cTn>
+                        </p:par>
+                      </p:childTnLst>
+                    </p:cTn>
+                  </p:par>
+                  <p:par>
+                    <p:cTn id="29" fill="hold">
+                      <p:stCondLst>
+                        <p:cond delay="indefinite"/>
+                      </p:stCondLst>
+                      <p:childTnLst>
+                        <p:par>
+                          <p:cTn id="30" fill="hold">
+                            <p:stCondLst>
+                              <p:cond delay="0"/>
+                            </p:stCondLst>
+                            <p:childTnLst>
+                              <p:par>
+                                <p:cTn id="31" presetID="1" presetClass="entr" presetSubtype="0" fill="hold" nodeType="clickEffect">
+                                  <p:stCondLst>
+                                    <p:cond delay="0"/>
+                                  </p:stCondLst>
+                                  <p:childTnLst>
+                                    <p:set>
+                                      <p:cBhvr>
+                                        <p:cTn id="32" dur="1" fill="hold">
+                                          <p:stCondLst>
+                                            <p:cond delay="0"/>
+                                          </p:stCondLst>
+                                        </p:cTn>
+                                        <p:tgtEl>
+                                          <p:spTgt spid="24"/>
+                                        </p:tgtEl>
+                                        <p:attrNameLst>
+                                          <p:attrName>style.visibility</p:attrName>
+                                        </p:attrNameLst>
+                                      </p:cBhvr>
+                                      <p:to>
+                                        <p:strVal val="visible"/>
+                                      </p:to>
+                                    </p:set>
+                                  </p:childTnLst>
+                                </p:cTn>
+                              </p:par>
+                              <p:par>
+                                <p:cTn id="33" presetID="1" presetClass="entr" presetSubtype="0" fill="hold" grpId="0" nodeType="withEffect">
+                                  <p:stCondLst>
+                                    <p:cond delay="0"/>
+                                  </p:stCondLst>
+                                  <p:childTnLst>
+                                    <p:set>
+                                      <p:cBhvr>
+                                        <p:cTn id="34" dur="1" fill="hold">
+                                          <p:stCondLst>
+                                            <p:cond delay="0"/>
+                                          </p:stCondLst>
+                                        </p:cTn>
+                                        <p:tgtEl>
+                                          <p:spTgt spid="40"/>
+                                        </p:tgtEl>
+                                        <p:attrNameLst>
+                                          <p:attrName>style.visibility</p:attrName>
+                                        </p:attrNameLst>
+                                      </p:cBhvr>
+                                      <p:to>
+                                        <p:strVal val="visible"/>
+                                      </p:to>
+                                    </p:set>
+                                  </p:childTnLst>
+                                </p:cTn>
+                              </p:par>
+                            </p:childTnLst>
+                          </p:cTn>
+                        </p:par>
+                      </p:childTnLst>
+                    </p:cTn>
+                  </p:par>
+                  <p:par>
+                    <p:cTn id="35" fill="hold">
+                      <p:stCondLst>
+                        <p:cond delay="indefinite"/>
+                      </p:stCondLst>
+                      <p:childTnLst>
+                        <p:par>
+                          <p:cTn id="36" fill="hold">
+                            <p:stCondLst>
+                              <p:cond delay="0"/>
+                            </p:stCondLst>
+                            <p:childTnLst>
+                              <p:par>
+                                <p:cTn id="37" presetID="1" presetClass="entr" presetSubtype="0" fill="hold" grpId="0" nodeType="clickEffect">
+                                  <p:stCondLst>
+                                    <p:cond delay="0"/>
+                                  </p:stCondLst>
+                                  <p:childTnLst>
+                                    <p:set>
+                                      <p:cBhvr>
+                                        <p:cTn id="38" dur="1" fill="hold">
+                                          <p:stCondLst>
+                                            <p:cond delay="0"/>
+                                          </p:stCondLst>
+                                        </p:cTn>
+                                        <p:tgtEl>
+                                          <p:spTgt spid="39"/>
+                                        </p:tgtEl>
+                                        <p:attrNameLst>
+                                          <p:attrName>style.visibility</p:attrName>
+                                        </p:attrNameLst>
+                                      </p:cBhvr>
+                                      <p:to>
+                                        <p:strVal val="visible"/>
+                                      </p:to>
+                                    </p:set>
+                                  </p:childTnLst>
+                                </p:cTn>
+                              </p:par>
+                              <p:par>
+                                <p:cTn id="39" presetID="1" presetClass="entr" presetSubtype="0" fill="hold" nodeType="withEffect">
+                                  <p:stCondLst>
+                                    <p:cond delay="0"/>
+                                  </p:stCondLst>
+                                  <p:childTnLst>
+                                    <p:set>
+                                      <p:cBhvr>
+                                        <p:cTn id="40" dur="1" fill="hold">
+                                          <p:stCondLst>
+                                            <p:cond delay="0"/>
+                                          </p:stCondLst>
+                                        </p:cTn>
+                                        <p:tgtEl>
+                                          <p:spTgt spid="26"/>
+                                        </p:tgtEl>
+                                        <p:attrNameLst>
+                                          <p:attrName>style.visibility</p:attrName>
+                                        </p:attrNameLst>
+                                      </p:cBhvr>
+                                      <p:to>
+                                        <p:strVal val="visible"/>
+                                      </p:to>
+                                    </p:set>
+                                  </p:childTnLst>
+                                </p:cTn>
+                              </p:par>
+                              <p:par>
+                                <p:cTn id="41" presetID="1" presetClass="entr" presetSubtype="0" fill="hold" nodeType="withEffect">
+                                  <p:stCondLst>
+                                    <p:cond delay="0"/>
+                                  </p:stCondLst>
+                                  <p:childTnLst>
+                                    <p:set>
+                                      <p:cBhvr>
+                                        <p:cTn id="42" dur="1" fill="hold">
+                                          <p:stCondLst>
+                                            <p:cond delay="0"/>
+                                          </p:stCondLst>
+                                        </p:cTn>
+                                        <p:tgtEl>
+                                          <p:spTgt spid="29"/>
+                                        </p:tgtEl>
+                                        <p:attrNameLst>
+                                          <p:attrName>style.visibility</p:attrName>
+                                        </p:attrNameLst>
+                                      </p:cBhvr>
+                                      <p:to>
+                                        <p:strVal val="visible"/>
+                                      </p:to>
+                                    </p:set>
+                                  </p:childTnLst>
+                                </p:cTn>
+                              </p:par>
+                              <p:par>
+                                <p:cTn id="43" presetID="1" presetClass="entr" presetSubtype="0" fill="hold" nodeType="withEffect">
+                                  <p:stCondLst>
+                                    <p:cond delay="0"/>
+                                  </p:stCondLst>
+                                  <p:childTnLst>
+                                    <p:set>
+                                      <p:cBhvr>
+                                        <p:cTn id="44" dur="1" fill="hold">
+                                          <p:stCondLst>
+                                            <p:cond delay="0"/>
+                                          </p:stCondLst>
+                                        </p:cTn>
+                                        <p:tgtEl>
+                                          <p:spTgt spid="30"/>
+                                        </p:tgtEl>
+                                        <p:attrNameLst>
+                                          <p:attrName>style.visibility</p:attrName>
+                                        </p:attrNameLst>
+                                      </p:cBhvr>
+                                      <p:to>
+                                        <p:strVal val="visible"/>
+                                      </p:to>
+                                    </p:set>
+                                  </p:childTnLst>
+                                </p:cTn>
+                              </p:par>
+                              <p:par>
+                                <p:cTn id="45" presetID="1" presetClass="entr" presetSubtype="0" fill="hold" nodeType="withEffect">
+                                  <p:stCondLst>
+                                    <p:cond delay="0"/>
+                                  </p:stCondLst>
+                                  <p:childTnLst>
+                                    <p:set>
+                                      <p:cBhvr>
+                                        <p:cTn id="46" dur="1" fill="hold">
+                                          <p:stCondLst>
+                                            <p:cond delay="0"/>
+                                          </p:stCondLst>
+                                        </p:cTn>
+                                        <p:tgtEl>
+                                          <p:spTgt spid="31"/>
+                                        </p:tgtEl>
+                                        <p:attrNameLst>
+                                          <p:attrName>style.visibility</p:attrName>
+                                        </p:attrNameLst>
+                                      </p:cBhvr>
+                                      <p:to>
+                                        <p:strVal val="visible"/>
+                                      </p:to>
+                                    </p:set>
+                                  </p:childTnLst>
+                                </p:cTn>
+                              </p:par>
+                              <p:par>
+                                <p:cTn id="47" presetID="1" presetClass="entr" presetSubtype="0" fill="hold" nodeType="withEffect">
+                                  <p:stCondLst>
+                                    <p:cond delay="0"/>
+                                  </p:stCondLst>
+                                  <p:childTnLst>
+                                    <p:set>
+                                      <p:cBhvr>
+                                        <p:cTn id="48" dur="1" fill="hold">
+                                          <p:stCondLst>
+                                            <p:cond delay="0"/>
+                                          </p:stCondLst>
+                                        </p:cTn>
+                                        <p:tgtEl>
+                                          <p:spTgt spid="32"/>
+                                        </p:tgtEl>
+                                        <p:attrNameLst>
+                                          <p:attrName>style.visibility</p:attrName>
+                                        </p:attrNameLst>
+                                      </p:cBhvr>
+                                      <p:to>
+                                        <p:strVal val="visible"/>
+                                      </p:to>
+                                    </p:set>
+                                  </p:childTnLst>
+                                </p:cTn>
+                              </p:par>
+                            </p:childTnLst>
+                          </p:cTn>
+                        </p:par>
+                      </p:childTnLst>
+                    </p:cTn>
+                  </p:par>
+                </p:childTnLst>
+              </p:cTn>
+              <p:prevCondLst>
+                <p:cond evt="onPrev" delay="0">
+                  <p:tgtEl>
+                    <p:sldTgt/>
+                  </p:tgtEl>
+                </p:cond>
+              </p:prevCondLst>
+              <p:nextCondLst>
+                <p:cond evt="onNext" delay="0">
+                  <p:tgtEl>
+                    <p:sldTgt/>
+                  </p:tgtEl>
+                </p:cond>
+              </p:nextCondLst>
+            </p:seq>
+          </p:childTnLst>
+        </p:cTn>
+      </p:par>
+    </p:tnLst>
+    <p:bldLst>
+      <p:bldP spid="35" grpId="0" animBg="1"/>
+      <p:bldP spid="36" grpId="0" animBg="1"/>
+      <p:bldP spid="37" grpId="0" animBg="1"/>
+      <p:bldP spid="38" grpId="0" animBg="1"/>
+      <p:bldP spid="39" grpId="0" animBg="1"/>
+      <p:bldP spid="40" grpId="0" animBg="1"/>
+    </p:bldLst>
+  </p:timing>
 </p:sld>
 </file>
 
@@ -11527,6 +13325,525 @@
           </a:p>
         </p:txBody>
       </p:sp>
+      <p:sp>
+        <p:nvSpPr>
+          <p:cNvPr id="14" name="ZoneTexte 13">
+            <a:extLst>
+              <a:ext uri="{FF2B5EF4-FFF2-40B4-BE49-F238E27FC236}">
+                <a16:creationId xmlns:a16="http://schemas.microsoft.com/office/drawing/2014/main" id="{DF9209EE-6592-49F8-87B2-0BC3B331DD72}"/>
+              </a:ext>
+            </a:extLst>
+          </p:cNvPr>
+          <p:cNvSpPr txBox="1"/>
+          <p:nvPr/>
+        </p:nvSpPr>
+        <p:spPr>
+          <a:xfrm>
+            <a:off x="0" y="93324"/>
+            <a:ext cx="2532938" cy="369332"/>
+          </a:xfrm>
+          <a:prstGeom prst="rect">
+            <a:avLst/>
+          </a:prstGeom>
+          <a:noFill/>
+        </p:spPr>
+        <p:txBody>
+          <a:bodyPr wrap="square" rtlCol="0">
+            <a:spAutoFit/>
+          </a:bodyPr>
+          <a:lstStyle/>
+          <a:p>
+            <a:r>
+              <a:rPr lang="fr-FR" b="1" dirty="0"/>
+              <a:t>Mécanisme 8 </a:t>
+            </a:r>
+          </a:p>
+        </p:txBody>
+      </p:sp>
+      <p:pic>
+        <p:nvPicPr>
+          <p:cNvPr id="3" name="Image 2" descr="Une image contenant alimentation, assiette, riz, table&#10;&#10;Description générée automatiquement">
+            <a:extLst>
+              <a:ext uri="{FF2B5EF4-FFF2-40B4-BE49-F238E27FC236}">
+                <a16:creationId xmlns:a16="http://schemas.microsoft.com/office/drawing/2014/main" id="{6E55FD1F-F2C7-491B-B0A8-0924E573FF6D}"/>
+              </a:ext>
+            </a:extLst>
+          </p:cNvPr>
+          <p:cNvPicPr>
+            <a:picLocks noChangeAspect="1"/>
+          </p:cNvPicPr>
+          <p:nvPr/>
+        </p:nvPicPr>
+        <p:blipFill>
+          <a:blip r:embed="rId4">
+            <a:extLst>
+              <a:ext uri="{28A0092B-C50C-407E-A947-70E740481C1C}">
+                <a14:useLocalDpi xmlns:a14="http://schemas.microsoft.com/office/drawing/2010/main" val="0"/>
+              </a:ext>
+            </a:extLst>
+          </a:blip>
+          <a:stretch>
+            <a:fillRect/>
+          </a:stretch>
+        </p:blipFill>
+        <p:spPr>
+          <a:xfrm>
+            <a:off x="509946" y="1270172"/>
+            <a:ext cx="2685676" cy="1789332"/>
+          </a:xfrm>
+          <a:prstGeom prst="rect">
+            <a:avLst/>
+          </a:prstGeom>
+        </p:spPr>
+      </p:pic>
+      <p:pic>
+        <p:nvPicPr>
+          <p:cNvPr id="18" name="Image 17" descr="Une image contenant assis, table, parapluie, jaune&#10;&#10;Description générée automatiquement">
+            <a:extLst>
+              <a:ext uri="{FF2B5EF4-FFF2-40B4-BE49-F238E27FC236}">
+                <a16:creationId xmlns:a16="http://schemas.microsoft.com/office/drawing/2014/main" id="{5B7BDFEB-A6C3-41AF-854D-5F0E70C5D675}"/>
+              </a:ext>
+            </a:extLst>
+          </p:cNvPr>
+          <p:cNvPicPr>
+            <a:picLocks noChangeAspect="1"/>
+          </p:cNvPicPr>
+          <p:nvPr/>
+        </p:nvPicPr>
+        <p:blipFill rotWithShape="1">
+          <a:blip r:embed="rId5">
+            <a:extLst>
+              <a:ext uri="{28A0092B-C50C-407E-A947-70E740481C1C}">
+                <a14:useLocalDpi xmlns:a14="http://schemas.microsoft.com/office/drawing/2010/main" val="0"/>
+              </a:ext>
+            </a:extLst>
+          </a:blip>
+          <a:srcRect l="65562"/>
+          <a:stretch/>
+        </p:blipFill>
+        <p:spPr>
+          <a:xfrm>
+            <a:off x="4893815" y="2286912"/>
+            <a:ext cx="564658" cy="1366359"/>
+          </a:xfrm>
+          <a:prstGeom prst="rect">
+            <a:avLst/>
+          </a:prstGeom>
+        </p:spPr>
+      </p:pic>
+      <p:pic>
+        <p:nvPicPr>
+          <p:cNvPr id="20" name="Image 19" descr="Une image contenant tasse, assis, table, petit&#10;&#10;Description générée automatiquement">
+            <a:extLst>
+              <a:ext uri="{FF2B5EF4-FFF2-40B4-BE49-F238E27FC236}">
+                <a16:creationId xmlns:a16="http://schemas.microsoft.com/office/drawing/2014/main" id="{C7B31D2F-AB4D-4357-B1A6-2D373820C94A}"/>
+              </a:ext>
+            </a:extLst>
+          </p:cNvPr>
+          <p:cNvPicPr>
+            <a:picLocks noChangeAspect="1"/>
+          </p:cNvPicPr>
+          <p:nvPr/>
+        </p:nvPicPr>
+        <p:blipFill>
+          <a:blip r:embed="rId6">
+            <a:extLst>
+              <a:ext uri="{28A0092B-C50C-407E-A947-70E740481C1C}">
+                <a14:useLocalDpi xmlns:a14="http://schemas.microsoft.com/office/drawing/2010/main" val="0"/>
+              </a:ext>
+            </a:extLst>
+          </a:blip>
+          <a:stretch>
+            <a:fillRect/>
+          </a:stretch>
+        </p:blipFill>
+        <p:spPr>
+          <a:xfrm>
+            <a:off x="6169800" y="2064271"/>
+            <a:ext cx="2110490" cy="1707152"/>
+          </a:xfrm>
+          <a:prstGeom prst="rect">
+            <a:avLst/>
+          </a:prstGeom>
+        </p:spPr>
+      </p:pic>
+      <p:pic>
+        <p:nvPicPr>
+          <p:cNvPr id="25" name="Image 24" descr="Une image contenant assis, table, petit, blanc&#10;&#10;Description générée automatiquement">
+            <a:extLst>
+              <a:ext uri="{FF2B5EF4-FFF2-40B4-BE49-F238E27FC236}">
+                <a16:creationId xmlns:a16="http://schemas.microsoft.com/office/drawing/2014/main" id="{6CB43FD1-252C-4C22-B290-43066EBF0AAD}"/>
+              </a:ext>
+            </a:extLst>
+          </p:cNvPr>
+          <p:cNvPicPr>
+            <a:picLocks noChangeAspect="1"/>
+          </p:cNvPicPr>
+          <p:nvPr/>
+        </p:nvPicPr>
+        <p:blipFill rotWithShape="1">
+          <a:blip r:embed="rId7">
+            <a:extLst>
+              <a:ext uri="{28A0092B-C50C-407E-A947-70E740481C1C}">
+                <a14:useLocalDpi xmlns:a14="http://schemas.microsoft.com/office/drawing/2010/main" val="0"/>
+              </a:ext>
+            </a:extLst>
+          </a:blip>
+          <a:srcRect l="20356" t="8756" r="26141" b="9029"/>
+          <a:stretch/>
+        </p:blipFill>
+        <p:spPr>
+          <a:xfrm rot="3275924">
+            <a:off x="9260387" y="2080565"/>
+            <a:ext cx="1631774" cy="1822075"/>
+          </a:xfrm>
+          <a:prstGeom prst="rect">
+            <a:avLst/>
+          </a:prstGeom>
+        </p:spPr>
+      </p:pic>
+      <p:pic>
+        <p:nvPicPr>
+          <p:cNvPr id="27" name="Image 26" descr="Une image contenant piano, table&#10;&#10;Description générée automatiquement">
+            <a:extLst>
+              <a:ext uri="{FF2B5EF4-FFF2-40B4-BE49-F238E27FC236}">
+                <a16:creationId xmlns:a16="http://schemas.microsoft.com/office/drawing/2014/main" id="{2DAE028A-5D57-4409-9D1B-70707C97160F}"/>
+              </a:ext>
+            </a:extLst>
+          </p:cNvPr>
+          <p:cNvPicPr>
+            <a:picLocks noChangeAspect="1"/>
+          </p:cNvPicPr>
+          <p:nvPr/>
+        </p:nvPicPr>
+        <p:blipFill>
+          <a:blip r:embed="rId8">
+            <a:extLst>
+              <a:ext uri="{28A0092B-C50C-407E-A947-70E740481C1C}">
+                <a14:useLocalDpi xmlns:a14="http://schemas.microsoft.com/office/drawing/2010/main" val="0"/>
+              </a:ext>
+            </a:extLst>
+          </a:blip>
+          <a:stretch>
+            <a:fillRect/>
+          </a:stretch>
+        </p:blipFill>
+        <p:spPr>
+          <a:xfrm>
+            <a:off x="3195622" y="2180096"/>
+            <a:ext cx="1936908" cy="1828572"/>
+          </a:xfrm>
+          <a:prstGeom prst="rect">
+            <a:avLst/>
+          </a:prstGeom>
+        </p:spPr>
+      </p:pic>
+      <p:pic>
+        <p:nvPicPr>
+          <p:cNvPr id="32" name="Image 31" descr="Une image contenant horloge, signe&#10;&#10;Description générée automatiquement">
+            <a:extLst>
+              <a:ext uri="{FF2B5EF4-FFF2-40B4-BE49-F238E27FC236}">
+                <a16:creationId xmlns:a16="http://schemas.microsoft.com/office/drawing/2014/main" id="{CEF4E61E-2EF7-4350-9C0A-121BFBA5E55A}"/>
+              </a:ext>
+            </a:extLst>
+          </p:cNvPr>
+          <p:cNvPicPr>
+            <a:picLocks noChangeAspect="1"/>
+          </p:cNvPicPr>
+          <p:nvPr/>
+        </p:nvPicPr>
+        <p:blipFill>
+          <a:blip r:embed="rId9">
+            <a:extLst>
+              <a:ext uri="{28A0092B-C50C-407E-A947-70E740481C1C}">
+                <a14:useLocalDpi xmlns:a14="http://schemas.microsoft.com/office/drawing/2010/main" val="0"/>
+              </a:ext>
+            </a:extLst>
+          </a:blip>
+          <a:stretch>
+            <a:fillRect/>
+          </a:stretch>
+        </p:blipFill>
+        <p:spPr>
+          <a:xfrm>
+            <a:off x="664849" y="2876763"/>
+            <a:ext cx="2224355" cy="2224355"/>
+          </a:xfrm>
+          <a:prstGeom prst="rect">
+            <a:avLst/>
+          </a:prstGeom>
+        </p:spPr>
+      </p:pic>
+      <p:sp>
+        <p:nvSpPr>
+          <p:cNvPr id="33" name="Signe de multiplication 32">
+            <a:extLst>
+              <a:ext uri="{FF2B5EF4-FFF2-40B4-BE49-F238E27FC236}">
+                <a16:creationId xmlns:a16="http://schemas.microsoft.com/office/drawing/2014/main" id="{E7BF9B86-06BD-42C6-8A0B-F8D6749706BA}"/>
+              </a:ext>
+            </a:extLst>
+          </p:cNvPr>
+          <p:cNvSpPr/>
+          <p:nvPr/>
+        </p:nvSpPr>
+        <p:spPr>
+          <a:xfrm>
+            <a:off x="6511060" y="2417258"/>
+            <a:ext cx="1595648" cy="1354248"/>
+          </a:xfrm>
+          <a:prstGeom prst="mathMultiply">
+            <a:avLst/>
+          </a:prstGeom>
+          <a:solidFill>
+            <a:srgbClr val="FF0000"/>
+          </a:solidFill>
+          <a:ln w="76200">
+            <a:solidFill>
+              <a:srgbClr val="FF0000"/>
+            </a:solidFill>
+          </a:ln>
+        </p:spPr>
+        <p:style>
+          <a:lnRef idx="2">
+            <a:schemeClr val="accent1">
+              <a:shade val="50000"/>
+            </a:schemeClr>
+          </a:lnRef>
+          <a:fillRef idx="1">
+            <a:schemeClr val="accent1"/>
+          </a:fillRef>
+          <a:effectRef idx="0">
+            <a:schemeClr val="accent1"/>
+          </a:effectRef>
+          <a:fontRef idx="minor">
+            <a:schemeClr val="lt1"/>
+          </a:fontRef>
+        </p:style>
+        <p:txBody>
+          <a:bodyPr rtlCol="0" anchor="ctr"/>
+          <a:lstStyle/>
+          <a:p>
+            <a:pPr algn="ctr"/>
+            <a:endParaRPr lang="fr-FR"/>
+          </a:p>
+        </p:txBody>
+      </p:sp>
+      <p:sp>
+        <p:nvSpPr>
+          <p:cNvPr id="34" name="Signe de multiplication 33">
+            <a:extLst>
+              <a:ext uri="{FF2B5EF4-FFF2-40B4-BE49-F238E27FC236}">
+                <a16:creationId xmlns:a16="http://schemas.microsoft.com/office/drawing/2014/main" id="{9A6F2A13-A182-4F3C-8197-345FAE64F7ED}"/>
+              </a:ext>
+            </a:extLst>
+          </p:cNvPr>
+          <p:cNvSpPr/>
+          <p:nvPr/>
+        </p:nvSpPr>
+        <p:spPr>
+          <a:xfrm>
+            <a:off x="3335321" y="2601555"/>
+            <a:ext cx="1595648" cy="1354248"/>
+          </a:xfrm>
+          <a:prstGeom prst="mathMultiply">
+            <a:avLst/>
+          </a:prstGeom>
+          <a:solidFill>
+            <a:srgbClr val="FF0000"/>
+          </a:solidFill>
+          <a:ln w="76200">
+            <a:solidFill>
+              <a:srgbClr val="FF0000"/>
+            </a:solidFill>
+          </a:ln>
+        </p:spPr>
+        <p:style>
+          <a:lnRef idx="2">
+            <a:schemeClr val="accent1">
+              <a:shade val="50000"/>
+            </a:schemeClr>
+          </a:lnRef>
+          <a:fillRef idx="1">
+            <a:schemeClr val="accent1"/>
+          </a:fillRef>
+          <a:effectRef idx="0">
+            <a:schemeClr val="accent1"/>
+          </a:effectRef>
+          <a:fontRef idx="minor">
+            <a:schemeClr val="lt1"/>
+          </a:fontRef>
+        </p:style>
+        <p:txBody>
+          <a:bodyPr rtlCol="0" anchor="ctr"/>
+          <a:lstStyle/>
+          <a:p>
+            <a:pPr algn="ctr"/>
+            <a:endParaRPr lang="fr-FR"/>
+          </a:p>
+        </p:txBody>
+      </p:sp>
+      <p:sp>
+        <p:nvSpPr>
+          <p:cNvPr id="35" name="Flèche : droite 34">
+            <a:extLst>
+              <a:ext uri="{FF2B5EF4-FFF2-40B4-BE49-F238E27FC236}">
+                <a16:creationId xmlns:a16="http://schemas.microsoft.com/office/drawing/2014/main" id="{7CA9B981-D204-4A9B-81F2-145E64E9FD9A}"/>
+              </a:ext>
+            </a:extLst>
+          </p:cNvPr>
+          <p:cNvSpPr/>
+          <p:nvPr/>
+        </p:nvSpPr>
+        <p:spPr>
+          <a:xfrm>
+            <a:off x="2778776" y="2970091"/>
+            <a:ext cx="627950" cy="590754"/>
+          </a:xfrm>
+          <a:prstGeom prst="rightArrow">
+            <a:avLst/>
+          </a:prstGeom>
+          <a:solidFill>
+            <a:schemeClr val="tx1"/>
+          </a:solidFill>
+          <a:ln>
+            <a:solidFill>
+              <a:schemeClr val="bg1"/>
+            </a:solidFill>
+          </a:ln>
+        </p:spPr>
+        <p:style>
+          <a:lnRef idx="2">
+            <a:schemeClr val="accent1">
+              <a:shade val="50000"/>
+            </a:schemeClr>
+          </a:lnRef>
+          <a:fillRef idx="1">
+            <a:schemeClr val="accent1"/>
+          </a:fillRef>
+          <a:effectRef idx="0">
+            <a:schemeClr val="accent1"/>
+          </a:effectRef>
+          <a:fontRef idx="minor">
+            <a:schemeClr val="lt1"/>
+          </a:fontRef>
+        </p:style>
+        <p:txBody>
+          <a:bodyPr rtlCol="0" anchor="ctr"/>
+          <a:lstStyle/>
+          <a:p>
+            <a:pPr algn="ctr"/>
+            <a:endParaRPr lang="fr-FR"/>
+          </a:p>
+        </p:txBody>
+      </p:sp>
+      <p:sp>
+        <p:nvSpPr>
+          <p:cNvPr id="36" name="Flèche : droite 35">
+            <a:extLst>
+              <a:ext uri="{FF2B5EF4-FFF2-40B4-BE49-F238E27FC236}">
+                <a16:creationId xmlns:a16="http://schemas.microsoft.com/office/drawing/2014/main" id="{985E5D97-7717-4D4C-A282-C9822305945F}"/>
+              </a:ext>
+            </a:extLst>
+          </p:cNvPr>
+          <p:cNvSpPr/>
+          <p:nvPr/>
+        </p:nvSpPr>
+        <p:spPr>
+          <a:xfrm>
+            <a:off x="5642296" y="2991602"/>
+            <a:ext cx="627950" cy="590754"/>
+          </a:xfrm>
+          <a:prstGeom prst="rightArrow">
+            <a:avLst/>
+          </a:prstGeom>
+          <a:solidFill>
+            <a:schemeClr val="tx1"/>
+          </a:solidFill>
+          <a:ln>
+            <a:solidFill>
+              <a:schemeClr val="bg1"/>
+            </a:solidFill>
+          </a:ln>
+        </p:spPr>
+        <p:style>
+          <a:lnRef idx="2">
+            <a:schemeClr val="accent1">
+              <a:shade val="50000"/>
+            </a:schemeClr>
+          </a:lnRef>
+          <a:fillRef idx="1">
+            <a:schemeClr val="accent1"/>
+          </a:fillRef>
+          <a:effectRef idx="0">
+            <a:schemeClr val="accent1"/>
+          </a:effectRef>
+          <a:fontRef idx="minor">
+            <a:schemeClr val="lt1"/>
+          </a:fontRef>
+        </p:style>
+        <p:txBody>
+          <a:bodyPr rtlCol="0" anchor="ctr"/>
+          <a:lstStyle/>
+          <a:p>
+            <a:pPr algn="ctr"/>
+            <a:endParaRPr lang="fr-FR"/>
+          </a:p>
+        </p:txBody>
+      </p:sp>
+      <p:sp>
+        <p:nvSpPr>
+          <p:cNvPr id="37" name="Flèche : droite 36">
+            <a:extLst>
+              <a:ext uri="{FF2B5EF4-FFF2-40B4-BE49-F238E27FC236}">
+                <a16:creationId xmlns:a16="http://schemas.microsoft.com/office/drawing/2014/main" id="{1F1B743F-8F5A-4033-80AD-6CEF87069C01}"/>
+              </a:ext>
+            </a:extLst>
+          </p:cNvPr>
+          <p:cNvSpPr/>
+          <p:nvPr/>
+        </p:nvSpPr>
+        <p:spPr>
+          <a:xfrm>
+            <a:off x="8242974" y="3002178"/>
+            <a:ext cx="627950" cy="590754"/>
+          </a:xfrm>
+          <a:prstGeom prst="rightArrow">
+            <a:avLst/>
+          </a:prstGeom>
+          <a:solidFill>
+            <a:schemeClr val="tx1"/>
+          </a:solidFill>
+          <a:ln>
+            <a:solidFill>
+              <a:schemeClr val="bg1"/>
+            </a:solidFill>
+          </a:ln>
+        </p:spPr>
+        <p:style>
+          <a:lnRef idx="2">
+            <a:schemeClr val="accent1">
+              <a:shade val="50000"/>
+            </a:schemeClr>
+          </a:lnRef>
+          <a:fillRef idx="1">
+            <a:schemeClr val="accent1"/>
+          </a:fillRef>
+          <a:effectRef idx="0">
+            <a:schemeClr val="accent1"/>
+          </a:effectRef>
+          <a:fontRef idx="minor">
+            <a:schemeClr val="lt1"/>
+          </a:fontRef>
+        </p:style>
+        <p:txBody>
+          <a:bodyPr rtlCol="0" anchor="ctr"/>
+          <a:lstStyle/>
+          <a:p>
+            <a:pPr algn="ctr"/>
+            <a:endParaRPr lang="fr-FR"/>
+          </a:p>
+        </p:txBody>
+      </p:sp>
     </p:spTree>
     <p:extLst>
       <p:ext uri="{BB962C8B-B14F-4D97-AF65-F5344CB8AC3E}">
@@ -11537,18 +13854,451 @@
   <p:clrMapOvr>
     <a:overrideClrMapping bg1="dk1" tx1="lt1" bg2="dk2" tx2="lt2" accent1="accent1" accent2="accent2" accent3="accent3" accent4="accent4" accent5="accent5" accent6="accent6" hlink="hlink" folHlink="folHlink"/>
   </p:clrMapOvr>
-  <mc:AlternateContent xmlns:mc="http://schemas.openxmlformats.org/markup-compatibility/2006" xmlns:p14="http://schemas.microsoft.com/office/powerpoint/2010/main">
-    <mc:Choice Requires="p14">
-      <p:transition spd="slow" p14:dur="800">
-        <p14:flythrough/>
-      </p:transition>
-    </mc:Choice>
-    <mc:Fallback xmlns="">
-      <p:transition spd="slow">
-        <p:fade/>
-      </p:transition>
-    </mc:Fallback>
-  </mc:AlternateContent>
+  <p:transition spd="med">
+    <p:pull/>
+  </p:transition>
+  <p:timing>
+    <p:tnLst>
+      <p:par>
+        <p:cTn id="1" dur="indefinite" restart="never" nodeType="tmRoot">
+          <p:childTnLst>
+            <p:seq concurrent="1" nextAc="seek">
+              <p:cTn id="2" dur="indefinite" nodeType="mainSeq">
+                <p:childTnLst>
+                  <p:par>
+                    <p:cTn id="3" fill="hold">
+                      <p:stCondLst>
+                        <p:cond delay="indefinite"/>
+                      </p:stCondLst>
+                      <p:childTnLst>
+                        <p:par>
+                          <p:cTn id="4" fill="hold">
+                            <p:stCondLst>
+                              <p:cond delay="0"/>
+                            </p:stCondLst>
+                            <p:childTnLst>
+                              <p:par>
+                                <p:cTn id="5" presetID="1" presetClass="entr" presetSubtype="0" fill="hold" nodeType="clickEffect">
+                                  <p:stCondLst>
+                                    <p:cond delay="0"/>
+                                  </p:stCondLst>
+                                  <p:childTnLst>
+                                    <p:set>
+                                      <p:cBhvr>
+                                        <p:cTn id="6" dur="1" fill="hold">
+                                          <p:stCondLst>
+                                            <p:cond delay="0"/>
+                                          </p:stCondLst>
+                                        </p:cTn>
+                                        <p:tgtEl>
+                                          <p:spTgt spid="3"/>
+                                        </p:tgtEl>
+                                        <p:attrNameLst>
+                                          <p:attrName>style.visibility</p:attrName>
+                                        </p:attrNameLst>
+                                      </p:cBhvr>
+                                      <p:to>
+                                        <p:strVal val="visible"/>
+                                      </p:to>
+                                    </p:set>
+                                  </p:childTnLst>
+                                </p:cTn>
+                              </p:par>
+                              <p:par>
+                                <p:cTn id="7" presetID="1" presetClass="entr" presetSubtype="0" fill="hold" nodeType="withEffect">
+                                  <p:stCondLst>
+                                    <p:cond delay="0"/>
+                                  </p:stCondLst>
+                                  <p:childTnLst>
+                                    <p:set>
+                                      <p:cBhvr>
+                                        <p:cTn id="8" dur="1" fill="hold">
+                                          <p:stCondLst>
+                                            <p:cond delay="0"/>
+                                          </p:stCondLst>
+                                        </p:cTn>
+                                        <p:tgtEl>
+                                          <p:spTgt spid="32"/>
+                                        </p:tgtEl>
+                                        <p:attrNameLst>
+                                          <p:attrName>style.visibility</p:attrName>
+                                        </p:attrNameLst>
+                                      </p:cBhvr>
+                                      <p:to>
+                                        <p:strVal val="visible"/>
+                                      </p:to>
+                                    </p:set>
+                                  </p:childTnLst>
+                                </p:cTn>
+                              </p:par>
+                            </p:childTnLst>
+                          </p:cTn>
+                        </p:par>
+                      </p:childTnLst>
+                    </p:cTn>
+                  </p:par>
+                  <p:par>
+                    <p:cTn id="9" fill="hold">
+                      <p:stCondLst>
+                        <p:cond delay="indefinite"/>
+                      </p:stCondLst>
+                      <p:childTnLst>
+                        <p:par>
+                          <p:cTn id="10" fill="hold">
+                            <p:stCondLst>
+                              <p:cond delay="0"/>
+                            </p:stCondLst>
+                            <p:childTnLst>
+                              <p:par>
+                                <p:cTn id="11" presetID="1" presetClass="entr" presetSubtype="0" fill="hold" grpId="0" nodeType="clickEffect">
+                                  <p:stCondLst>
+                                    <p:cond delay="0"/>
+                                  </p:stCondLst>
+                                  <p:childTnLst>
+                                    <p:set>
+                                      <p:cBhvr>
+                                        <p:cTn id="12" dur="1" fill="hold">
+                                          <p:stCondLst>
+                                            <p:cond delay="0"/>
+                                          </p:stCondLst>
+                                        </p:cTn>
+                                        <p:tgtEl>
+                                          <p:spTgt spid="35"/>
+                                        </p:tgtEl>
+                                        <p:attrNameLst>
+                                          <p:attrName>style.visibility</p:attrName>
+                                        </p:attrNameLst>
+                                      </p:cBhvr>
+                                      <p:to>
+                                        <p:strVal val="visible"/>
+                                      </p:to>
+                                    </p:set>
+                                  </p:childTnLst>
+                                </p:cTn>
+                              </p:par>
+                              <p:par>
+                                <p:cTn id="13" presetID="1" presetClass="entr" presetSubtype="0" fill="hold" nodeType="withEffect">
+                                  <p:stCondLst>
+                                    <p:cond delay="0"/>
+                                  </p:stCondLst>
+                                  <p:childTnLst>
+                                    <p:set>
+                                      <p:cBhvr>
+                                        <p:cTn id="14" dur="1" fill="hold">
+                                          <p:stCondLst>
+                                            <p:cond delay="0"/>
+                                          </p:stCondLst>
+                                        </p:cTn>
+                                        <p:tgtEl>
+                                          <p:spTgt spid="27"/>
+                                        </p:tgtEl>
+                                        <p:attrNameLst>
+                                          <p:attrName>style.visibility</p:attrName>
+                                        </p:attrNameLst>
+                                      </p:cBhvr>
+                                      <p:to>
+                                        <p:strVal val="visible"/>
+                                      </p:to>
+                                    </p:set>
+                                  </p:childTnLst>
+                                </p:cTn>
+                              </p:par>
+                              <p:par>
+                                <p:cTn id="15" presetID="1" presetClass="entr" presetSubtype="0" fill="hold" nodeType="withEffect">
+                                  <p:stCondLst>
+                                    <p:cond delay="0"/>
+                                  </p:stCondLst>
+                                  <p:childTnLst>
+                                    <p:set>
+                                      <p:cBhvr>
+                                        <p:cTn id="16" dur="1" fill="hold">
+                                          <p:stCondLst>
+                                            <p:cond delay="0"/>
+                                          </p:stCondLst>
+                                        </p:cTn>
+                                        <p:tgtEl>
+                                          <p:spTgt spid="18"/>
+                                        </p:tgtEl>
+                                        <p:attrNameLst>
+                                          <p:attrName>style.visibility</p:attrName>
+                                        </p:attrNameLst>
+                                      </p:cBhvr>
+                                      <p:to>
+                                        <p:strVal val="visible"/>
+                                      </p:to>
+                                    </p:set>
+                                  </p:childTnLst>
+                                </p:cTn>
+                              </p:par>
+                            </p:childTnLst>
+                          </p:cTn>
+                        </p:par>
+                      </p:childTnLst>
+                    </p:cTn>
+                  </p:par>
+                  <p:par>
+                    <p:cTn id="17" fill="hold">
+                      <p:stCondLst>
+                        <p:cond delay="indefinite"/>
+                      </p:stCondLst>
+                      <p:childTnLst>
+                        <p:par>
+                          <p:cTn id="18" fill="hold">
+                            <p:stCondLst>
+                              <p:cond delay="0"/>
+                            </p:stCondLst>
+                            <p:childTnLst>
+                              <p:par>
+                                <p:cTn id="19" presetID="1" presetClass="entr" presetSubtype="0" fill="hold" grpId="0" nodeType="clickEffect">
+                                  <p:stCondLst>
+                                    <p:cond delay="0"/>
+                                  </p:stCondLst>
+                                  <p:childTnLst>
+                                    <p:set>
+                                      <p:cBhvr>
+                                        <p:cTn id="20" dur="1" fill="hold">
+                                          <p:stCondLst>
+                                            <p:cond delay="0"/>
+                                          </p:stCondLst>
+                                        </p:cTn>
+                                        <p:tgtEl>
+                                          <p:spTgt spid="34"/>
+                                        </p:tgtEl>
+                                        <p:attrNameLst>
+                                          <p:attrName>style.visibility</p:attrName>
+                                        </p:attrNameLst>
+                                      </p:cBhvr>
+                                      <p:to>
+                                        <p:strVal val="visible"/>
+                                      </p:to>
+                                    </p:set>
+                                  </p:childTnLst>
+                                </p:cTn>
+                              </p:par>
+                            </p:childTnLst>
+                          </p:cTn>
+                        </p:par>
+                      </p:childTnLst>
+                    </p:cTn>
+                  </p:par>
+                  <p:par>
+                    <p:cTn id="21" fill="hold">
+                      <p:stCondLst>
+                        <p:cond delay="indefinite"/>
+                      </p:stCondLst>
+                      <p:childTnLst>
+                        <p:par>
+                          <p:cTn id="22" fill="hold">
+                            <p:stCondLst>
+                              <p:cond delay="0"/>
+                            </p:stCondLst>
+                            <p:childTnLst>
+                              <p:par>
+                                <p:cTn id="23" presetID="1" presetClass="entr" presetSubtype="0" fill="hold" grpId="0" nodeType="clickEffect">
+                                  <p:stCondLst>
+                                    <p:cond delay="0"/>
+                                  </p:stCondLst>
+                                  <p:childTnLst>
+                                    <p:set>
+                                      <p:cBhvr>
+                                        <p:cTn id="24" dur="1" fill="hold">
+                                          <p:stCondLst>
+                                            <p:cond delay="0"/>
+                                          </p:stCondLst>
+                                        </p:cTn>
+                                        <p:tgtEl>
+                                          <p:spTgt spid="36"/>
+                                        </p:tgtEl>
+                                        <p:attrNameLst>
+                                          <p:attrName>style.visibility</p:attrName>
+                                        </p:attrNameLst>
+                                      </p:cBhvr>
+                                      <p:to>
+                                        <p:strVal val="visible"/>
+                                      </p:to>
+                                    </p:set>
+                                  </p:childTnLst>
+                                </p:cTn>
+                              </p:par>
+                              <p:par>
+                                <p:cTn id="25" presetID="1" presetClass="entr" presetSubtype="0" fill="hold" nodeType="withEffect">
+                                  <p:stCondLst>
+                                    <p:cond delay="0"/>
+                                  </p:stCondLst>
+                                  <p:childTnLst>
+                                    <p:set>
+                                      <p:cBhvr>
+                                        <p:cTn id="26" dur="1" fill="hold">
+                                          <p:stCondLst>
+                                            <p:cond delay="0"/>
+                                          </p:stCondLst>
+                                        </p:cTn>
+                                        <p:tgtEl>
+                                          <p:spTgt spid="20"/>
+                                        </p:tgtEl>
+                                        <p:attrNameLst>
+                                          <p:attrName>style.visibility</p:attrName>
+                                        </p:attrNameLst>
+                                      </p:cBhvr>
+                                      <p:to>
+                                        <p:strVal val="visible"/>
+                                      </p:to>
+                                    </p:set>
+                                  </p:childTnLst>
+                                </p:cTn>
+                              </p:par>
+                            </p:childTnLst>
+                          </p:cTn>
+                        </p:par>
+                      </p:childTnLst>
+                    </p:cTn>
+                  </p:par>
+                  <p:par>
+                    <p:cTn id="27" fill="hold">
+                      <p:stCondLst>
+                        <p:cond delay="indefinite"/>
+                      </p:stCondLst>
+                      <p:childTnLst>
+                        <p:par>
+                          <p:cTn id="28" fill="hold">
+                            <p:stCondLst>
+                              <p:cond delay="0"/>
+                            </p:stCondLst>
+                            <p:childTnLst>
+                              <p:par>
+                                <p:cTn id="29" presetID="1" presetClass="entr" presetSubtype="0" fill="hold" grpId="0" nodeType="clickEffect">
+                                  <p:stCondLst>
+                                    <p:cond delay="0"/>
+                                  </p:stCondLst>
+                                  <p:childTnLst>
+                                    <p:set>
+                                      <p:cBhvr>
+                                        <p:cTn id="30" dur="1" fill="hold">
+                                          <p:stCondLst>
+                                            <p:cond delay="0"/>
+                                          </p:stCondLst>
+                                        </p:cTn>
+                                        <p:tgtEl>
+                                          <p:spTgt spid="33"/>
+                                        </p:tgtEl>
+                                        <p:attrNameLst>
+                                          <p:attrName>style.visibility</p:attrName>
+                                        </p:attrNameLst>
+                                      </p:cBhvr>
+                                      <p:to>
+                                        <p:strVal val="visible"/>
+                                      </p:to>
+                                    </p:set>
+                                  </p:childTnLst>
+                                </p:cTn>
+                              </p:par>
+                            </p:childTnLst>
+                          </p:cTn>
+                        </p:par>
+                      </p:childTnLst>
+                    </p:cTn>
+                  </p:par>
+                  <p:par>
+                    <p:cTn id="31" fill="hold">
+                      <p:stCondLst>
+                        <p:cond delay="indefinite"/>
+                      </p:stCondLst>
+                      <p:childTnLst>
+                        <p:par>
+                          <p:cTn id="32" fill="hold">
+                            <p:stCondLst>
+                              <p:cond delay="0"/>
+                            </p:stCondLst>
+                            <p:childTnLst>
+                              <p:par>
+                                <p:cTn id="33" presetID="1" presetClass="entr" presetSubtype="0" fill="hold" grpId="0" nodeType="clickEffect">
+                                  <p:stCondLst>
+                                    <p:cond delay="0"/>
+                                  </p:stCondLst>
+                                  <p:childTnLst>
+                                    <p:set>
+                                      <p:cBhvr>
+                                        <p:cTn id="34" dur="1" fill="hold">
+                                          <p:stCondLst>
+                                            <p:cond delay="0"/>
+                                          </p:stCondLst>
+                                        </p:cTn>
+                                        <p:tgtEl>
+                                          <p:spTgt spid="37"/>
+                                        </p:tgtEl>
+                                        <p:attrNameLst>
+                                          <p:attrName>style.visibility</p:attrName>
+                                        </p:attrNameLst>
+                                      </p:cBhvr>
+                                      <p:to>
+                                        <p:strVal val="visible"/>
+                                      </p:to>
+                                    </p:set>
+                                  </p:childTnLst>
+                                </p:cTn>
+                              </p:par>
+                              <p:par>
+                                <p:cTn id="35" presetID="1" presetClass="entr" presetSubtype="0" fill="hold" nodeType="withEffect">
+                                  <p:stCondLst>
+                                    <p:cond delay="0"/>
+                                  </p:stCondLst>
+                                  <p:childTnLst>
+                                    <p:set>
+                                      <p:cBhvr>
+                                        <p:cTn id="36" dur="1" fill="hold">
+                                          <p:stCondLst>
+                                            <p:cond delay="0"/>
+                                          </p:stCondLst>
+                                        </p:cTn>
+                                        <p:tgtEl>
+                                          <p:spTgt spid="25"/>
+                                        </p:tgtEl>
+                                        <p:attrNameLst>
+                                          <p:attrName>style.visibility</p:attrName>
+                                        </p:attrNameLst>
+                                      </p:cBhvr>
+                                      <p:to>
+                                        <p:strVal val="visible"/>
+                                      </p:to>
+                                    </p:set>
+                                  </p:childTnLst>
+                                </p:cTn>
+                              </p:par>
+                            </p:childTnLst>
+                          </p:cTn>
+                        </p:par>
+                      </p:childTnLst>
+                    </p:cTn>
+                  </p:par>
+                </p:childTnLst>
+              </p:cTn>
+              <p:prevCondLst>
+                <p:cond evt="onPrev" delay="0">
+                  <p:tgtEl>
+                    <p:sldTgt/>
+                  </p:tgtEl>
+                </p:cond>
+              </p:prevCondLst>
+              <p:nextCondLst>
+                <p:cond evt="onNext" delay="0">
+                  <p:tgtEl>
+                    <p:sldTgt/>
+                  </p:tgtEl>
+                </p:cond>
+              </p:nextCondLst>
+            </p:seq>
+          </p:childTnLst>
+        </p:cTn>
+      </p:par>
+    </p:tnLst>
+    <p:bldLst>
+      <p:bldP spid="33" grpId="0" animBg="1"/>
+      <p:bldP spid="34" grpId="0" animBg="1"/>
+      <p:bldP spid="35" grpId="0" animBg="1"/>
+      <p:bldP spid="36" grpId="0" animBg="1"/>
+      <p:bldP spid="37" grpId="0" animBg="1"/>
+    </p:bldLst>
+  </p:timing>
 </p:sld>
 </file>
 
@@ -12203,6 +14953,41 @@
           </a:p>
         </p:txBody>
       </p:sp>
+      <p:sp>
+        <p:nvSpPr>
+          <p:cNvPr id="14" name="ZoneTexte 13">
+            <a:extLst>
+              <a:ext uri="{FF2B5EF4-FFF2-40B4-BE49-F238E27FC236}">
+                <a16:creationId xmlns:a16="http://schemas.microsoft.com/office/drawing/2014/main" id="{4EB2A307-CBD7-4F8E-94C6-18D578EE8136}"/>
+              </a:ext>
+            </a:extLst>
+          </p:cNvPr>
+          <p:cNvSpPr txBox="1"/>
+          <p:nvPr/>
+        </p:nvSpPr>
+        <p:spPr>
+          <a:xfrm>
+            <a:off x="0" y="93324"/>
+            <a:ext cx="2532938" cy="369332"/>
+          </a:xfrm>
+          <a:prstGeom prst="rect">
+            <a:avLst/>
+          </a:prstGeom>
+          <a:noFill/>
+        </p:spPr>
+        <p:txBody>
+          <a:bodyPr wrap="square" rtlCol="0">
+            <a:spAutoFit/>
+          </a:bodyPr>
+          <a:lstStyle/>
+          <a:p>
+            <a:r>
+              <a:rPr lang="fr-FR" b="1" dirty="0"/>
+              <a:t>Diagramme de Gantt </a:t>
+            </a:r>
+          </a:p>
+        </p:txBody>
+      </p:sp>
     </p:spTree>
     <p:extLst>
       <p:ext uri="{BB962C8B-B14F-4D97-AF65-F5344CB8AC3E}">
@@ -12213,18 +14998,9 @@
   <p:clrMapOvr>
     <a:overrideClrMapping bg1="dk1" tx1="lt1" bg2="dk2" tx2="lt2" accent1="accent1" accent2="accent2" accent3="accent3" accent4="accent4" accent5="accent5" accent6="accent6" hlink="hlink" folHlink="folHlink"/>
   </p:clrMapOvr>
-  <mc:AlternateContent xmlns:mc="http://schemas.openxmlformats.org/markup-compatibility/2006" xmlns:p14="http://schemas.microsoft.com/office/powerpoint/2010/main">
-    <mc:Choice Requires="p14">
-      <p:transition spd="slow" p14:dur="800">
-        <p14:flythrough/>
-      </p:transition>
-    </mc:Choice>
-    <mc:Fallback xmlns="">
-      <p:transition spd="slow">
-        <p:fade/>
-      </p:transition>
-    </mc:Fallback>
-  </mc:AlternateContent>
+  <p:transition spd="med">
+    <p:pull/>
+  </p:transition>
 </p:sld>
 </file>
 

--- a/Etudiants/Constantin/Constantin.MInos.RDPno1.pptx
+++ b/Etudiants/Constantin/Constantin.MInos.RDPno1.pptx
@@ -14988,6 +14988,41 @@
           </a:p>
         </p:txBody>
       </p:sp>
+      <p:sp>
+        <p:nvSpPr>
+          <p:cNvPr id="16" name="ZoneTexte 15">
+            <a:extLst>
+              <a:ext uri="{FF2B5EF4-FFF2-40B4-BE49-F238E27FC236}">
+                <a16:creationId xmlns:a16="http://schemas.microsoft.com/office/drawing/2014/main" id="{DCFE7B4E-C603-4B55-B27E-E1F38281A4BB}"/>
+              </a:ext>
+            </a:extLst>
+          </p:cNvPr>
+          <p:cNvSpPr txBox="1"/>
+          <p:nvPr/>
+        </p:nvSpPr>
+        <p:spPr>
+          <a:xfrm>
+            <a:off x="1266469" y="2508169"/>
+            <a:ext cx="10403462" cy="923330"/>
+          </a:xfrm>
+          <a:prstGeom prst="rect">
+            <a:avLst/>
+          </a:prstGeom>
+          <a:noFill/>
+        </p:spPr>
+        <p:txBody>
+          <a:bodyPr wrap="square" rtlCol="0">
+            <a:spAutoFit/>
+          </a:bodyPr>
+          <a:lstStyle/>
+          <a:p>
+            <a:r>
+              <a:rPr lang="fr-FR" sz="5400" b="1" dirty="0"/>
+              <a:t>MERCI POUR VOTRE ATTENTION</a:t>
+            </a:r>
+          </a:p>
+        </p:txBody>
+      </p:sp>
     </p:spTree>
     <p:extLst>
       <p:ext uri="{BB962C8B-B14F-4D97-AF65-F5344CB8AC3E}">
@@ -15001,6 +15036,112 @@
   <p:transition spd="med">
     <p:pull/>
   </p:transition>
+  <p:timing>
+    <p:tnLst>
+      <p:par>
+        <p:cTn id="1" dur="indefinite" restart="never" nodeType="tmRoot">
+          <p:childTnLst>
+            <p:seq concurrent="1" nextAc="seek">
+              <p:cTn id="2" dur="indefinite" nodeType="mainSeq">
+                <p:childTnLst>
+                  <p:par>
+                    <p:cTn id="3" fill="hold">
+                      <p:stCondLst>
+                        <p:cond delay="indefinite"/>
+                      </p:stCondLst>
+                      <p:childTnLst>
+                        <p:par>
+                          <p:cTn id="4" fill="hold">
+                            <p:stCondLst>
+                              <p:cond delay="0"/>
+                            </p:stCondLst>
+                            <p:childTnLst>
+                              <p:par>
+                                <p:cTn id="5" presetID="1" presetClass="entr" presetSubtype="0" fill="hold" grpId="0" nodeType="clickEffect">
+                                  <p:stCondLst>
+                                    <p:cond delay="0"/>
+                                  </p:stCondLst>
+                                  <p:childTnLst>
+                                    <p:set>
+                                      <p:cBhvr>
+                                        <p:cTn id="6" dur="1" fill="hold">
+                                          <p:stCondLst>
+                                            <p:cond delay="0"/>
+                                          </p:stCondLst>
+                                        </p:cTn>
+                                        <p:tgtEl>
+                                          <p:spTgt spid="16"/>
+                                        </p:tgtEl>
+                                        <p:attrNameLst>
+                                          <p:attrName>style.visibility</p:attrName>
+                                        </p:attrNameLst>
+                                      </p:cBhvr>
+                                      <p:to>
+                                        <p:strVal val="visible"/>
+                                      </p:to>
+                                    </p:set>
+                                  </p:childTnLst>
+                                </p:cTn>
+                              </p:par>
+                              <p:par>
+                                <p:cTn id="7" presetID="1" presetClass="exit" presetSubtype="0" fill="hold" grpId="0" nodeType="withEffect">
+                                  <p:stCondLst>
+                                    <p:cond delay="0"/>
+                                  </p:stCondLst>
+                                  <p:childTnLst>
+                                    <p:set>
+                                      <p:cBhvr>
+                                        <p:cTn id="8" dur="1" fill="hold">
+                                          <p:stCondLst>
+                                            <p:cond delay="0"/>
+                                          </p:stCondLst>
+                                        </p:cTn>
+                                        <p:tgtEl>
+                                          <p:spTgt spid="14"/>
+                                        </p:tgtEl>
+                                        <p:attrNameLst>
+                                          <p:attrName>style.visibility</p:attrName>
+                                        </p:attrNameLst>
+                                      </p:cBhvr>
+                                      <p:to>
+                                        <p:strVal val="hidden"/>
+                                      </p:to>
+                                    </p:set>
+                                  </p:childTnLst>
+                                </p:cTn>
+                              </p:par>
+                            </p:childTnLst>
+                          </p:cTn>
+                        </p:par>
+                      </p:childTnLst>
+                    </p:cTn>
+                  </p:par>
+                </p:childTnLst>
+              </p:cTn>
+              <p:prevCondLst>
+                <p:cond evt="onPrev" delay="0">
+                  <p:tgtEl>
+                    <p:sldTgt/>
+                  </p:tgtEl>
+                </p:cond>
+              </p:prevCondLst>
+              <p:nextCondLst>
+                <p:cond evt="onNext" delay="0">
+                  <p:tgtEl>
+                    <p:sldTgt/>
+                  </p:tgtEl>
+                </p:cond>
+              </p:nextCondLst>
+            </p:seq>
+          </p:childTnLst>
+        </p:cTn>
+      </p:par>
+    </p:tnLst>
+    <p:bldLst>
+      <p:bldP spid="14" grpId="0"/>
+      <p:bldP spid="16" grpId="0"/>
+    </p:bldLst>
+  </p:timing>
 </p:sld>
 </file>
 

--- a/Etudiants/Constantin/Constantin.MInos.RDPno1.pptx
+++ b/Etudiants/Constantin/Constantin.MInos.RDPno1.pptx
@@ -11413,6 +11413,12 @@
           <a:prstGeom prst="rect">
             <a:avLst/>
           </a:prstGeom>
+          <a:ln>
+            <a:noFill/>
+          </a:ln>
+          <a:effectLst>
+            <a:softEdge rad="112500"/>
+          </a:effectLst>
         </p:spPr>
       </p:pic>
       <p:pic>
@@ -11521,6 +11527,12 @@
           <a:prstGeom prst="rect">
             <a:avLst/>
           </a:prstGeom>
+          <a:ln>
+            <a:noFill/>
+          </a:ln>
+          <a:effectLst>
+            <a:softEdge rad="112500"/>
+          </a:effectLst>
         </p:spPr>
       </p:pic>
       <p:pic>

--- a/Etudiants/Constantin/Constantin.MInos.RDPno1.pptx
+++ b/Etudiants/Constantin/Constantin.MInos.RDPno1.pptx
@@ -267,7 +267,7 @@
           <a:p>
             <a:fld id="{A5A52D65-5D23-4759-866C-BD4D7E81B3B3}" type="datetimeFigureOut">
               <a:rPr lang="fr-FR" smtClean="0"/>
-              <a:t>04/02/2020</a:t>
+              <a:t>10/03/2020</a:t>
             </a:fld>
             <a:endParaRPr lang="fr-FR"/>
           </a:p>
@@ -465,7 +465,7 @@
           <a:p>
             <a:fld id="{A5A52D65-5D23-4759-866C-BD4D7E81B3B3}" type="datetimeFigureOut">
               <a:rPr lang="fr-FR" smtClean="0"/>
-              <a:t>04/02/2020</a:t>
+              <a:t>10/03/2020</a:t>
             </a:fld>
             <a:endParaRPr lang="fr-FR"/>
           </a:p>
@@ -673,7 +673,7 @@
           <a:p>
             <a:fld id="{A5A52D65-5D23-4759-866C-BD4D7E81B3B3}" type="datetimeFigureOut">
               <a:rPr lang="fr-FR" smtClean="0"/>
-              <a:t>04/02/2020</a:t>
+              <a:t>10/03/2020</a:t>
             </a:fld>
             <a:endParaRPr lang="fr-FR"/>
           </a:p>
@@ -871,7 +871,7 @@
           <a:p>
             <a:fld id="{A5A52D65-5D23-4759-866C-BD4D7E81B3B3}" type="datetimeFigureOut">
               <a:rPr lang="fr-FR" smtClean="0"/>
-              <a:t>04/02/2020</a:t>
+              <a:t>10/03/2020</a:t>
             </a:fld>
             <a:endParaRPr lang="fr-FR"/>
           </a:p>
@@ -1146,7 +1146,7 @@
           <a:p>
             <a:fld id="{A5A52D65-5D23-4759-866C-BD4D7E81B3B3}" type="datetimeFigureOut">
               <a:rPr lang="fr-FR" smtClean="0"/>
-              <a:t>04/02/2020</a:t>
+              <a:t>10/03/2020</a:t>
             </a:fld>
             <a:endParaRPr lang="fr-FR"/>
           </a:p>
@@ -1411,7 +1411,7 @@
           <a:p>
             <a:fld id="{A5A52D65-5D23-4759-866C-BD4D7E81B3B3}" type="datetimeFigureOut">
               <a:rPr lang="fr-FR" smtClean="0"/>
-              <a:t>04/02/2020</a:t>
+              <a:t>10/03/2020</a:t>
             </a:fld>
             <a:endParaRPr lang="fr-FR"/>
           </a:p>
@@ -1823,7 +1823,7 @@
           <a:p>
             <a:fld id="{A5A52D65-5D23-4759-866C-BD4D7E81B3B3}" type="datetimeFigureOut">
               <a:rPr lang="fr-FR" smtClean="0"/>
-              <a:t>04/02/2020</a:t>
+              <a:t>10/03/2020</a:t>
             </a:fld>
             <a:endParaRPr lang="fr-FR"/>
           </a:p>
@@ -1964,7 +1964,7 @@
           <a:p>
             <a:fld id="{A5A52D65-5D23-4759-866C-BD4D7E81B3B3}" type="datetimeFigureOut">
               <a:rPr lang="fr-FR" smtClean="0"/>
-              <a:t>04/02/2020</a:t>
+              <a:t>10/03/2020</a:t>
             </a:fld>
             <a:endParaRPr lang="fr-FR"/>
           </a:p>
@@ -2077,7 +2077,7 @@
           <a:p>
             <a:fld id="{A5A52D65-5D23-4759-866C-BD4D7E81B3B3}" type="datetimeFigureOut">
               <a:rPr lang="fr-FR" smtClean="0"/>
-              <a:t>04/02/2020</a:t>
+              <a:t>10/03/2020</a:t>
             </a:fld>
             <a:endParaRPr lang="fr-FR"/>
           </a:p>
@@ -2388,7 +2388,7 @@
           <a:p>
             <a:fld id="{A5A52D65-5D23-4759-866C-BD4D7E81B3B3}" type="datetimeFigureOut">
               <a:rPr lang="fr-FR" smtClean="0"/>
-              <a:t>04/02/2020</a:t>
+              <a:t>10/03/2020</a:t>
             </a:fld>
             <a:endParaRPr lang="fr-FR"/>
           </a:p>
@@ -2676,7 +2676,7 @@
           <a:p>
             <a:fld id="{A5A52D65-5D23-4759-866C-BD4D7E81B3B3}" type="datetimeFigureOut">
               <a:rPr lang="fr-FR" smtClean="0"/>
-              <a:t>04/02/2020</a:t>
+              <a:t>10/03/2020</a:t>
             </a:fld>
             <a:endParaRPr lang="fr-FR"/>
           </a:p>
@@ -2917,7 +2917,7 @@
           <a:p>
             <a:fld id="{A5A52D65-5D23-4759-866C-BD4D7E81B3B3}" type="datetimeFigureOut">
               <a:rPr lang="fr-FR" smtClean="0"/>
-              <a:t>04/02/2020</a:t>
+              <a:t>10/03/2020</a:t>
             </a:fld>
             <a:endParaRPr lang="fr-FR"/>
           </a:p>
@@ -7357,6 +7357,1367 @@
           </a:p>
         </p:txBody>
       </p:sp>
+      <p:pic>
+        <p:nvPicPr>
+          <p:cNvPr id="43" name="Image 42">
+            <a:extLst>
+              <a:ext uri="{FF2B5EF4-FFF2-40B4-BE49-F238E27FC236}">
+                <a16:creationId xmlns:a16="http://schemas.microsoft.com/office/drawing/2014/main" id="{6A3E800D-352F-4891-BAFA-4025FD5F40AB}"/>
+              </a:ext>
+            </a:extLst>
+          </p:cNvPr>
+          <p:cNvPicPr/>
+          <p:nvPr/>
+        </p:nvPicPr>
+        <p:blipFill rotWithShape="1">
+          <a:blip r:embed="rId4" cstate="print">
+            <a:extLst>
+              <a:ext uri="{28A0092B-C50C-407E-A947-70E740481C1C}">
+                <a14:useLocalDpi xmlns:a14="http://schemas.microsoft.com/office/drawing/2010/main" val="0"/>
+              </a:ext>
+            </a:extLst>
+          </a:blip>
+          <a:srcRect l="150" t="4442" r="1"/>
+          <a:stretch/>
+        </p:blipFill>
+        <p:spPr bwMode="auto">
+          <a:xfrm>
+            <a:off x="2112583" y="725074"/>
+            <a:ext cx="6970714" cy="4272557"/>
+          </a:xfrm>
+          <a:prstGeom prst="round2DiagRect">
+            <a:avLst>
+              <a:gd name="adj1" fmla="val 16667"/>
+              <a:gd name="adj2" fmla="val 0"/>
+            </a:avLst>
+          </a:prstGeom>
+          <a:ln w="88900" cap="sq">
+            <a:solidFill>
+              <a:srgbClr val="FFFFFF"/>
+            </a:solidFill>
+            <a:miter lim="800000"/>
+          </a:ln>
+          <a:effectLst>
+            <a:glow rad="571500">
+              <a:schemeClr val="accent3"/>
+            </a:glow>
+            <a:outerShdw blurRad="254000" algn="tl" rotWithShape="0">
+              <a:srgbClr val="000000">
+                <a:alpha val="43000"/>
+              </a:srgbClr>
+            </a:outerShdw>
+          </a:effectLst>
+        </p:spPr>
+      </p:pic>
+      <p:sp>
+        <p:nvSpPr>
+          <p:cNvPr id="44" name="Ellipse 43">
+            <a:extLst>
+              <a:ext uri="{FF2B5EF4-FFF2-40B4-BE49-F238E27FC236}">
+                <a16:creationId xmlns:a16="http://schemas.microsoft.com/office/drawing/2014/main" id="{27A86ECA-C6FF-4F63-A1E6-DA6D61E4381B}"/>
+              </a:ext>
+            </a:extLst>
+          </p:cNvPr>
+          <p:cNvSpPr/>
+          <p:nvPr/>
+        </p:nvSpPr>
+        <p:spPr>
+          <a:xfrm>
+            <a:off x="3674997" y="4253069"/>
+            <a:ext cx="514350" cy="428625"/>
+          </a:xfrm>
+          <a:prstGeom prst="ellipse">
+            <a:avLst/>
+          </a:prstGeom>
+          <a:noFill/>
+          <a:ln w="28575">
+            <a:solidFill>
+              <a:schemeClr val="accent4">
+                <a:lumMod val="75000"/>
+              </a:schemeClr>
+            </a:solidFill>
+          </a:ln>
+        </p:spPr>
+        <p:style>
+          <a:lnRef idx="2">
+            <a:schemeClr val="accent6"/>
+          </a:lnRef>
+          <a:fillRef idx="1">
+            <a:schemeClr val="lt1"/>
+          </a:fillRef>
+          <a:effectRef idx="0">
+            <a:schemeClr val="accent6"/>
+          </a:effectRef>
+          <a:fontRef idx="minor">
+            <a:schemeClr val="dk1"/>
+          </a:fontRef>
+        </p:style>
+        <p:txBody>
+          <a:bodyPr rot="0" spcFirstLastPara="0" vert="horz" wrap="square" lIns="91440" tIns="45720" rIns="91440" bIns="45720" numCol="1" spcCol="0" rtlCol="0" fromWordArt="0" anchor="ctr" anchorCtr="0" forceAA="0" compatLnSpc="1">
+            <a:prstTxWarp prst="textNoShape">
+              <a:avLst/>
+            </a:prstTxWarp>
+            <a:noAutofit/>
+          </a:bodyPr>
+          <a:lstStyle/>
+          <a:p>
+            <a:endParaRPr lang="fr-FR"/>
+          </a:p>
+        </p:txBody>
+      </p:sp>
+      <p:sp>
+        <p:nvSpPr>
+          <p:cNvPr id="45" name="Ellipse 44">
+            <a:extLst>
+              <a:ext uri="{FF2B5EF4-FFF2-40B4-BE49-F238E27FC236}">
+                <a16:creationId xmlns:a16="http://schemas.microsoft.com/office/drawing/2014/main" id="{F68EEF19-DCD3-4D38-946A-7F7CF68F0943}"/>
+              </a:ext>
+            </a:extLst>
+          </p:cNvPr>
+          <p:cNvSpPr/>
+          <p:nvPr/>
+        </p:nvSpPr>
+        <p:spPr>
+          <a:xfrm>
+            <a:off x="5735987" y="4109405"/>
+            <a:ext cx="565943" cy="465780"/>
+          </a:xfrm>
+          <a:prstGeom prst="ellipse">
+            <a:avLst/>
+          </a:prstGeom>
+          <a:noFill/>
+          <a:ln w="28575">
+            <a:solidFill>
+              <a:schemeClr val="accent4">
+                <a:lumMod val="75000"/>
+              </a:schemeClr>
+            </a:solidFill>
+          </a:ln>
+        </p:spPr>
+        <p:style>
+          <a:lnRef idx="2">
+            <a:schemeClr val="accent6"/>
+          </a:lnRef>
+          <a:fillRef idx="1">
+            <a:schemeClr val="lt1"/>
+          </a:fillRef>
+          <a:effectRef idx="0">
+            <a:schemeClr val="accent6"/>
+          </a:effectRef>
+          <a:fontRef idx="minor">
+            <a:schemeClr val="dk1"/>
+          </a:fontRef>
+        </p:style>
+        <p:txBody>
+          <a:bodyPr rot="0" spcFirstLastPara="0" vert="horz" wrap="square" lIns="91440" tIns="45720" rIns="91440" bIns="45720" numCol="1" spcCol="0" rtlCol="0" fromWordArt="0" anchor="ctr" anchorCtr="0" forceAA="0" compatLnSpc="1">
+            <a:prstTxWarp prst="textNoShape">
+              <a:avLst/>
+            </a:prstTxWarp>
+            <a:noAutofit/>
+          </a:bodyPr>
+          <a:lstStyle/>
+          <a:p>
+            <a:endParaRPr lang="fr-FR"/>
+          </a:p>
+        </p:txBody>
+      </p:sp>
+      <p:sp>
+        <p:nvSpPr>
+          <p:cNvPr id="53" name="Ellipse 52">
+            <a:extLst>
+              <a:ext uri="{FF2B5EF4-FFF2-40B4-BE49-F238E27FC236}">
+                <a16:creationId xmlns:a16="http://schemas.microsoft.com/office/drawing/2014/main" id="{96CCC8C2-F3CE-4B8A-88F4-51243EAA15C8}"/>
+              </a:ext>
+            </a:extLst>
+          </p:cNvPr>
+          <p:cNvSpPr/>
+          <p:nvPr/>
+        </p:nvSpPr>
+        <p:spPr>
+          <a:xfrm>
+            <a:off x="7033273" y="3983871"/>
+            <a:ext cx="514350" cy="428625"/>
+          </a:xfrm>
+          <a:prstGeom prst="ellipse">
+            <a:avLst/>
+          </a:prstGeom>
+          <a:noFill/>
+          <a:ln w="28575">
+            <a:solidFill>
+              <a:schemeClr val="accent4">
+                <a:lumMod val="75000"/>
+              </a:schemeClr>
+            </a:solidFill>
+          </a:ln>
+        </p:spPr>
+        <p:style>
+          <a:lnRef idx="2">
+            <a:schemeClr val="accent6"/>
+          </a:lnRef>
+          <a:fillRef idx="1">
+            <a:schemeClr val="lt1"/>
+          </a:fillRef>
+          <a:effectRef idx="0">
+            <a:schemeClr val="accent6"/>
+          </a:effectRef>
+          <a:fontRef idx="minor">
+            <a:schemeClr val="dk1"/>
+          </a:fontRef>
+        </p:style>
+        <p:txBody>
+          <a:bodyPr rot="0" spcFirstLastPara="0" vert="horz" wrap="square" lIns="91440" tIns="45720" rIns="91440" bIns="45720" numCol="1" spcCol="0" rtlCol="0" fromWordArt="0" anchor="ctr" anchorCtr="0" forceAA="0" compatLnSpc="1">
+            <a:prstTxWarp prst="textNoShape">
+              <a:avLst/>
+            </a:prstTxWarp>
+            <a:noAutofit/>
+          </a:bodyPr>
+          <a:lstStyle/>
+          <a:p>
+            <a:endParaRPr lang="fr-FR" dirty="0"/>
+          </a:p>
+        </p:txBody>
+      </p:sp>
+      <p:cxnSp>
+        <p:nvCxnSpPr>
+          <p:cNvPr id="54" name="Connecteur droit 53">
+            <a:extLst>
+              <a:ext uri="{FF2B5EF4-FFF2-40B4-BE49-F238E27FC236}">
+                <a16:creationId xmlns:a16="http://schemas.microsoft.com/office/drawing/2014/main" id="{E33ED445-3BD0-4C66-A8F1-198EE7C9D4E7}"/>
+              </a:ext>
+            </a:extLst>
+          </p:cNvPr>
+          <p:cNvCxnSpPr>
+            <a:cxnSpLocks/>
+          </p:cNvCxnSpPr>
+          <p:nvPr/>
+        </p:nvCxnSpPr>
+        <p:spPr>
+          <a:xfrm>
+            <a:off x="4000659" y="3964874"/>
+            <a:ext cx="504127" cy="948403"/>
+          </a:xfrm>
+          <a:prstGeom prst="line">
+            <a:avLst/>
+          </a:prstGeom>
+          <a:ln>
+            <a:solidFill>
+              <a:srgbClr val="2FC9FF"/>
+            </a:solidFill>
+          </a:ln>
+        </p:spPr>
+        <p:style>
+          <a:lnRef idx="3">
+            <a:schemeClr val="accent1"/>
+          </a:lnRef>
+          <a:fillRef idx="0">
+            <a:schemeClr val="accent1"/>
+          </a:fillRef>
+          <a:effectRef idx="2">
+            <a:schemeClr val="accent1"/>
+          </a:effectRef>
+          <a:fontRef idx="minor">
+            <a:schemeClr val="tx1"/>
+          </a:fontRef>
+        </p:style>
+      </p:cxnSp>
+      <p:cxnSp>
+        <p:nvCxnSpPr>
+          <p:cNvPr id="55" name="Connecteur droit 54">
+            <a:extLst>
+              <a:ext uri="{FF2B5EF4-FFF2-40B4-BE49-F238E27FC236}">
+                <a16:creationId xmlns:a16="http://schemas.microsoft.com/office/drawing/2014/main" id="{03CB64A3-BBB1-4637-A2FB-120D6117CE8C}"/>
+              </a:ext>
+            </a:extLst>
+          </p:cNvPr>
+          <p:cNvCxnSpPr>
+            <a:cxnSpLocks/>
+          </p:cNvCxnSpPr>
+          <p:nvPr/>
+        </p:nvCxnSpPr>
+        <p:spPr>
+          <a:xfrm flipH="1">
+            <a:off x="2735954" y="3997476"/>
+            <a:ext cx="887076" cy="830040"/>
+          </a:xfrm>
+          <a:prstGeom prst="line">
+            <a:avLst/>
+          </a:prstGeom>
+          <a:ln>
+            <a:solidFill>
+              <a:schemeClr val="accent4">
+                <a:lumMod val="75000"/>
+              </a:schemeClr>
+            </a:solidFill>
+          </a:ln>
+        </p:spPr>
+        <p:style>
+          <a:lnRef idx="3">
+            <a:schemeClr val="accent1"/>
+          </a:lnRef>
+          <a:fillRef idx="0">
+            <a:schemeClr val="accent1"/>
+          </a:fillRef>
+          <a:effectRef idx="2">
+            <a:schemeClr val="accent1"/>
+          </a:effectRef>
+          <a:fontRef idx="minor">
+            <a:schemeClr val="tx1"/>
+          </a:fontRef>
+        </p:style>
+      </p:cxnSp>
+      <p:sp>
+        <p:nvSpPr>
+          <p:cNvPr id="56" name="Zone de texte 44">
+            <a:extLst>
+              <a:ext uri="{FF2B5EF4-FFF2-40B4-BE49-F238E27FC236}">
+                <a16:creationId xmlns:a16="http://schemas.microsoft.com/office/drawing/2014/main" id="{E97EC9F8-9869-42FB-AED8-80214F9B93F1}"/>
+              </a:ext>
+            </a:extLst>
+          </p:cNvPr>
+          <p:cNvSpPr txBox="1"/>
+          <p:nvPr/>
+        </p:nvSpPr>
+        <p:spPr>
+          <a:xfrm>
+            <a:off x="4314205" y="4757203"/>
+            <a:ext cx="1095375" cy="561975"/>
+          </a:xfrm>
+          <a:prstGeom prst="rect">
+            <a:avLst/>
+          </a:prstGeom>
+          <a:solidFill>
+            <a:schemeClr val="lt1"/>
+          </a:solidFill>
+          <a:ln w="28575">
+            <a:solidFill>
+              <a:srgbClr val="2FC9FF"/>
+            </a:solidFill>
+          </a:ln>
+        </p:spPr>
+        <p:txBody>
+          <a:bodyPr rot="0" spcFirstLastPara="0" vert="horz" wrap="square" lIns="91440" tIns="45720" rIns="91440" bIns="45720" numCol="1" spcCol="0" rtlCol="0" fromWordArt="0" anchor="t" anchorCtr="0" forceAA="0" compatLnSpc="1">
+            <a:prstTxWarp prst="textNoShape">
+              <a:avLst/>
+            </a:prstTxWarp>
+            <a:noAutofit/>
+          </a:bodyPr>
+          <a:lstStyle/>
+          <a:p>
+            <a:pPr>
+              <a:lnSpc>
+                <a:spcPct val="107000"/>
+              </a:lnSpc>
+              <a:spcAft>
+                <a:spcPts val="800"/>
+              </a:spcAft>
+            </a:pPr>
+            <a:r>
+              <a:rPr lang="fr-FR" sz="1000" b="1" dirty="0">
+                <a:solidFill>
+                  <a:srgbClr val="2FC9FF"/>
+                </a:solidFill>
+                <a:effectLst/>
+                <a:latin typeface="Calibri" panose="020F0502020204030204" pitchFamily="34" charset="0"/>
+                <a:ea typeface="Calibri" panose="020F0502020204030204" pitchFamily="34" charset="0"/>
+                <a:cs typeface="Calibri" panose="020F0502020204030204" pitchFamily="34" charset="0"/>
+              </a:rPr>
+              <a:t>Application Web de pilotage des actionneurs</a:t>
+            </a:r>
+            <a:endParaRPr lang="fr-FR" sz="1100" dirty="0">
+              <a:effectLst/>
+              <a:latin typeface="Calibri" panose="020F0502020204030204" pitchFamily="34" charset="0"/>
+              <a:ea typeface="Calibri" panose="020F0502020204030204" pitchFamily="34" charset="0"/>
+              <a:cs typeface="Times New Roman" panose="02020603050405020304" pitchFamily="18" charset="0"/>
+            </a:endParaRPr>
+          </a:p>
+        </p:txBody>
+      </p:sp>
+      <p:sp>
+        <p:nvSpPr>
+          <p:cNvPr id="57" name="Zone de texte 45">
+            <a:extLst>
+              <a:ext uri="{FF2B5EF4-FFF2-40B4-BE49-F238E27FC236}">
+                <a16:creationId xmlns:a16="http://schemas.microsoft.com/office/drawing/2014/main" id="{8D353430-0B62-43FF-904C-F04F2613BAF8}"/>
+              </a:ext>
+            </a:extLst>
+          </p:cNvPr>
+          <p:cNvSpPr txBox="1"/>
+          <p:nvPr/>
+        </p:nvSpPr>
+        <p:spPr>
+          <a:xfrm>
+            <a:off x="1825546" y="4702215"/>
+            <a:ext cx="1095375" cy="561975"/>
+          </a:xfrm>
+          <a:prstGeom prst="rect">
+            <a:avLst/>
+          </a:prstGeom>
+          <a:solidFill>
+            <a:schemeClr val="lt1"/>
+          </a:solidFill>
+          <a:ln w="28575">
+            <a:solidFill>
+              <a:schemeClr val="accent4">
+                <a:lumMod val="75000"/>
+              </a:schemeClr>
+            </a:solidFill>
+          </a:ln>
+        </p:spPr>
+        <p:txBody>
+          <a:bodyPr rot="0" spcFirstLastPara="0" vert="horz" wrap="square" lIns="91440" tIns="45720" rIns="91440" bIns="45720" numCol="1" spcCol="0" rtlCol="0" fromWordArt="0" anchor="t" anchorCtr="0" forceAA="0" compatLnSpc="1">
+            <a:prstTxWarp prst="textNoShape">
+              <a:avLst/>
+            </a:prstTxWarp>
+            <a:noAutofit/>
+          </a:bodyPr>
+          <a:lstStyle/>
+          <a:p>
+            <a:pPr>
+              <a:lnSpc>
+                <a:spcPct val="107000"/>
+              </a:lnSpc>
+              <a:spcAft>
+                <a:spcPts val="800"/>
+              </a:spcAft>
+            </a:pPr>
+            <a:r>
+              <a:rPr lang="fr-FR" sz="1000" b="1" dirty="0">
+                <a:solidFill>
+                  <a:srgbClr val="BF8F00"/>
+                </a:solidFill>
+                <a:effectLst/>
+                <a:latin typeface="Calibri" panose="020F0502020204030204" pitchFamily="34" charset="0"/>
+                <a:ea typeface="Calibri" panose="020F0502020204030204" pitchFamily="34" charset="0"/>
+                <a:cs typeface="Calibri" panose="020F0502020204030204" pitchFamily="34" charset="0"/>
+              </a:rPr>
+              <a:t>Application Web sur l’affichage de l’état de la salle</a:t>
+            </a:r>
+            <a:endParaRPr lang="fr-FR" sz="1100" dirty="0">
+              <a:effectLst/>
+              <a:latin typeface="Calibri" panose="020F0502020204030204" pitchFamily="34" charset="0"/>
+              <a:ea typeface="Calibri" panose="020F0502020204030204" pitchFamily="34" charset="0"/>
+              <a:cs typeface="Times New Roman" panose="02020603050405020304" pitchFamily="18" charset="0"/>
+            </a:endParaRPr>
+          </a:p>
+        </p:txBody>
+      </p:sp>
+      <p:sp>
+        <p:nvSpPr>
+          <p:cNvPr id="58" name="Rectangle : coins arrondis 57">
+            <a:extLst>
+              <a:ext uri="{FF2B5EF4-FFF2-40B4-BE49-F238E27FC236}">
+                <a16:creationId xmlns:a16="http://schemas.microsoft.com/office/drawing/2014/main" id="{AC2D787B-426B-408C-B20B-4C2D2A541285}"/>
+              </a:ext>
+            </a:extLst>
+          </p:cNvPr>
+          <p:cNvSpPr/>
+          <p:nvPr/>
+        </p:nvSpPr>
+        <p:spPr>
+          <a:xfrm>
+            <a:off x="9873916" y="551909"/>
+            <a:ext cx="1968896" cy="1804353"/>
+          </a:xfrm>
+          <a:prstGeom prst="roundRect">
+            <a:avLst/>
+          </a:prstGeom>
+          <a:solidFill>
+            <a:schemeClr val="tx2"/>
+          </a:solidFill>
+          <a:ln>
+            <a:solidFill>
+              <a:schemeClr val="bg1">
+                <a:lumMod val="75000"/>
+              </a:schemeClr>
+            </a:solidFill>
+          </a:ln>
+          <a:effectLst>
+            <a:glow rad="127000">
+              <a:schemeClr val="accent3">
+                <a:alpha val="40000"/>
+              </a:schemeClr>
+            </a:glow>
+          </a:effectLst>
+        </p:spPr>
+        <p:style>
+          <a:lnRef idx="2">
+            <a:schemeClr val="accent1">
+              <a:shade val="50000"/>
+            </a:schemeClr>
+          </a:lnRef>
+          <a:fillRef idx="1">
+            <a:schemeClr val="accent1"/>
+          </a:fillRef>
+          <a:effectRef idx="0">
+            <a:schemeClr val="accent1"/>
+          </a:effectRef>
+          <a:fontRef idx="minor">
+            <a:schemeClr val="lt1"/>
+          </a:fontRef>
+        </p:style>
+        <p:txBody>
+          <a:bodyPr rot="0" spcFirstLastPara="0" vert="horz" wrap="square" lIns="91440" tIns="45720" rIns="91440" bIns="45720" numCol="1" spcCol="0" rtlCol="0" fromWordArt="0" anchor="ctr" anchorCtr="0" forceAA="0" compatLnSpc="1">
+            <a:prstTxWarp prst="textNoShape">
+              <a:avLst/>
+            </a:prstTxWarp>
+            <a:noAutofit/>
+          </a:bodyPr>
+          <a:lstStyle/>
+          <a:p>
+            <a:endParaRPr lang="fr-FR" dirty="0"/>
+          </a:p>
+        </p:txBody>
+      </p:sp>
+      <p:sp>
+        <p:nvSpPr>
+          <p:cNvPr id="59" name="Rectangle : coins arrondis 58">
+            <a:extLst>
+              <a:ext uri="{FF2B5EF4-FFF2-40B4-BE49-F238E27FC236}">
+                <a16:creationId xmlns:a16="http://schemas.microsoft.com/office/drawing/2014/main" id="{0AB24CA5-7308-4521-A799-4FDBFED7B63C}"/>
+              </a:ext>
+            </a:extLst>
+          </p:cNvPr>
+          <p:cNvSpPr/>
+          <p:nvPr/>
+        </p:nvSpPr>
+        <p:spPr>
+          <a:xfrm>
+            <a:off x="10018073" y="695419"/>
+            <a:ext cx="1682630" cy="292598"/>
+          </a:xfrm>
+          <a:prstGeom prst="roundRect">
+            <a:avLst/>
+          </a:prstGeom>
+          <a:solidFill>
+            <a:srgbClr val="FF0000"/>
+          </a:solidFill>
+        </p:spPr>
+        <p:style>
+          <a:lnRef idx="2">
+            <a:schemeClr val="accent1">
+              <a:shade val="50000"/>
+            </a:schemeClr>
+          </a:lnRef>
+          <a:fillRef idx="1">
+            <a:schemeClr val="accent1"/>
+          </a:fillRef>
+          <a:effectRef idx="0">
+            <a:schemeClr val="accent1"/>
+          </a:effectRef>
+          <a:fontRef idx="minor">
+            <a:schemeClr val="lt1"/>
+          </a:fontRef>
+        </p:style>
+        <p:txBody>
+          <a:bodyPr rot="0" spcFirstLastPara="0" vert="horz" wrap="square" lIns="91440" tIns="45720" rIns="91440" bIns="45720" numCol="1" spcCol="0" rtlCol="0" fromWordArt="0" anchor="ctr" anchorCtr="0" forceAA="0" compatLnSpc="1">
+            <a:prstTxWarp prst="textNoShape">
+              <a:avLst/>
+            </a:prstTxWarp>
+            <a:noAutofit/>
+          </a:bodyPr>
+          <a:lstStyle/>
+          <a:p>
+            <a:pPr algn="ctr">
+              <a:lnSpc>
+                <a:spcPct val="107000"/>
+              </a:lnSpc>
+              <a:spcAft>
+                <a:spcPts val="800"/>
+              </a:spcAft>
+            </a:pPr>
+            <a:r>
+              <a:rPr lang="fr-FR" sz="1100">
+                <a:effectLst/>
+                <a:ea typeface="Calibri" panose="020F0502020204030204" pitchFamily="34" charset="0"/>
+                <a:cs typeface="Times New Roman" panose="02020603050405020304" pitchFamily="18" charset="0"/>
+              </a:rPr>
+              <a:t>Constantin</a:t>
+            </a:r>
+          </a:p>
+        </p:txBody>
+      </p:sp>
+      <p:sp>
+        <p:nvSpPr>
+          <p:cNvPr id="60" name="Rectangle : coins arrondis 59">
+            <a:extLst>
+              <a:ext uri="{FF2B5EF4-FFF2-40B4-BE49-F238E27FC236}">
+                <a16:creationId xmlns:a16="http://schemas.microsoft.com/office/drawing/2014/main" id="{9CFD1A54-E5F7-4ED6-BA3D-4B1456D43B05}"/>
+              </a:ext>
+            </a:extLst>
+          </p:cNvPr>
+          <p:cNvSpPr/>
+          <p:nvPr/>
+        </p:nvSpPr>
+        <p:spPr>
+          <a:xfrm>
+            <a:off x="10018708" y="1914619"/>
+            <a:ext cx="1682630" cy="292598"/>
+          </a:xfrm>
+          <a:prstGeom prst="roundRect">
+            <a:avLst/>
+          </a:prstGeom>
+          <a:solidFill>
+            <a:srgbClr val="2FC9FF"/>
+          </a:solidFill>
+        </p:spPr>
+        <p:style>
+          <a:lnRef idx="2">
+            <a:schemeClr val="accent1">
+              <a:shade val="50000"/>
+            </a:schemeClr>
+          </a:lnRef>
+          <a:fillRef idx="1">
+            <a:schemeClr val="accent1"/>
+          </a:fillRef>
+          <a:effectRef idx="0">
+            <a:schemeClr val="accent1"/>
+          </a:effectRef>
+          <a:fontRef idx="minor">
+            <a:schemeClr val="lt1"/>
+          </a:fontRef>
+        </p:style>
+        <p:txBody>
+          <a:bodyPr rot="0" spcFirstLastPara="0" vert="horz" wrap="square" lIns="91440" tIns="45720" rIns="91440" bIns="45720" numCol="1" spcCol="0" rtlCol="0" fromWordArt="0" anchor="ctr" anchorCtr="0" forceAA="0" compatLnSpc="1">
+            <a:prstTxWarp prst="textNoShape">
+              <a:avLst/>
+            </a:prstTxWarp>
+            <a:noAutofit/>
+          </a:bodyPr>
+          <a:lstStyle/>
+          <a:p>
+            <a:pPr algn="ctr">
+              <a:lnSpc>
+                <a:spcPct val="107000"/>
+              </a:lnSpc>
+              <a:spcAft>
+                <a:spcPts val="800"/>
+              </a:spcAft>
+            </a:pPr>
+            <a:r>
+              <a:rPr lang="fr-FR" sz="1100">
+                <a:effectLst/>
+                <a:ea typeface="Calibri" panose="020F0502020204030204" pitchFamily="34" charset="0"/>
+                <a:cs typeface="Times New Roman" panose="02020603050405020304" pitchFamily="18" charset="0"/>
+              </a:rPr>
+              <a:t>Thomas</a:t>
+            </a:r>
+          </a:p>
+        </p:txBody>
+      </p:sp>
+      <p:sp>
+        <p:nvSpPr>
+          <p:cNvPr id="61" name="Rectangle : coins arrondis 60">
+            <a:extLst>
+              <a:ext uri="{FF2B5EF4-FFF2-40B4-BE49-F238E27FC236}">
+                <a16:creationId xmlns:a16="http://schemas.microsoft.com/office/drawing/2014/main" id="{9584D0D0-2D51-4A9C-89E9-B3E2048A7554}"/>
+              </a:ext>
+            </a:extLst>
+          </p:cNvPr>
+          <p:cNvSpPr/>
+          <p:nvPr/>
+        </p:nvSpPr>
+        <p:spPr>
+          <a:xfrm>
+            <a:off x="10018708" y="1505044"/>
+            <a:ext cx="1682630" cy="292598"/>
+          </a:xfrm>
+          <a:prstGeom prst="roundRect">
+            <a:avLst/>
+          </a:prstGeom>
+          <a:solidFill>
+            <a:schemeClr val="accent4">
+              <a:lumMod val="75000"/>
+            </a:schemeClr>
+          </a:solidFill>
+        </p:spPr>
+        <p:style>
+          <a:lnRef idx="2">
+            <a:schemeClr val="accent1">
+              <a:shade val="50000"/>
+            </a:schemeClr>
+          </a:lnRef>
+          <a:fillRef idx="1">
+            <a:schemeClr val="accent1"/>
+          </a:fillRef>
+          <a:effectRef idx="0">
+            <a:schemeClr val="accent1"/>
+          </a:effectRef>
+          <a:fontRef idx="minor">
+            <a:schemeClr val="lt1"/>
+          </a:fontRef>
+        </p:style>
+        <p:txBody>
+          <a:bodyPr rot="0" spcFirstLastPara="0" vert="horz" wrap="square" lIns="91440" tIns="45720" rIns="91440" bIns="45720" numCol="1" spcCol="0" rtlCol="0" fromWordArt="0" anchor="ctr" anchorCtr="0" forceAA="0" compatLnSpc="1">
+            <a:prstTxWarp prst="textNoShape">
+              <a:avLst/>
+            </a:prstTxWarp>
+            <a:noAutofit/>
+          </a:bodyPr>
+          <a:lstStyle/>
+          <a:p>
+            <a:pPr algn="ctr">
+              <a:lnSpc>
+                <a:spcPct val="107000"/>
+              </a:lnSpc>
+              <a:spcAft>
+                <a:spcPts val="800"/>
+              </a:spcAft>
+            </a:pPr>
+            <a:r>
+              <a:rPr lang="fr-FR" sz="1100">
+                <a:effectLst/>
+                <a:ea typeface="Calibri" panose="020F0502020204030204" pitchFamily="34" charset="0"/>
+                <a:cs typeface="Times New Roman" panose="02020603050405020304" pitchFamily="18" charset="0"/>
+              </a:rPr>
+              <a:t>Joshua</a:t>
+            </a:r>
+          </a:p>
+        </p:txBody>
+      </p:sp>
+      <p:sp>
+        <p:nvSpPr>
+          <p:cNvPr id="62" name="Rectangle : coins arrondis 61">
+            <a:extLst>
+              <a:ext uri="{FF2B5EF4-FFF2-40B4-BE49-F238E27FC236}">
+                <a16:creationId xmlns:a16="http://schemas.microsoft.com/office/drawing/2014/main" id="{7B11D72D-C501-4F53-9481-DD52F73D91E9}"/>
+              </a:ext>
+            </a:extLst>
+          </p:cNvPr>
+          <p:cNvSpPr/>
+          <p:nvPr/>
+        </p:nvSpPr>
+        <p:spPr>
+          <a:xfrm>
+            <a:off x="10018708" y="1104994"/>
+            <a:ext cx="1682630" cy="292598"/>
+          </a:xfrm>
+          <a:prstGeom prst="roundRect">
+            <a:avLst/>
+          </a:prstGeom>
+          <a:solidFill>
+            <a:srgbClr val="1EEA14"/>
+          </a:solidFill>
+        </p:spPr>
+        <p:style>
+          <a:lnRef idx="2">
+            <a:schemeClr val="accent1">
+              <a:shade val="50000"/>
+            </a:schemeClr>
+          </a:lnRef>
+          <a:fillRef idx="1">
+            <a:schemeClr val="accent1"/>
+          </a:fillRef>
+          <a:effectRef idx="0">
+            <a:schemeClr val="accent1"/>
+          </a:effectRef>
+          <a:fontRef idx="minor">
+            <a:schemeClr val="lt1"/>
+          </a:fontRef>
+        </p:style>
+        <p:txBody>
+          <a:bodyPr rot="0" spcFirstLastPara="0" vert="horz" wrap="square" lIns="91440" tIns="45720" rIns="91440" bIns="45720" numCol="1" spcCol="0" rtlCol="0" fromWordArt="0" anchor="ctr" anchorCtr="0" forceAA="0" compatLnSpc="1">
+            <a:prstTxWarp prst="textNoShape">
+              <a:avLst/>
+            </a:prstTxWarp>
+            <a:noAutofit/>
+          </a:bodyPr>
+          <a:lstStyle/>
+          <a:p>
+            <a:pPr algn="ctr">
+              <a:lnSpc>
+                <a:spcPct val="107000"/>
+              </a:lnSpc>
+              <a:spcAft>
+                <a:spcPts val="800"/>
+              </a:spcAft>
+            </a:pPr>
+            <a:r>
+              <a:rPr lang="fr-FR" sz="1100">
+                <a:effectLst/>
+                <a:ea typeface="Calibri" panose="020F0502020204030204" pitchFamily="34" charset="0"/>
+                <a:cs typeface="Times New Roman" panose="02020603050405020304" pitchFamily="18" charset="0"/>
+              </a:rPr>
+              <a:t>Corentin</a:t>
+            </a:r>
+          </a:p>
+        </p:txBody>
+      </p:sp>
+      <p:sp>
+        <p:nvSpPr>
+          <p:cNvPr id="63" name="Rectangle : coins arrondis 62">
+            <a:extLst>
+              <a:ext uri="{FF2B5EF4-FFF2-40B4-BE49-F238E27FC236}">
+                <a16:creationId xmlns:a16="http://schemas.microsoft.com/office/drawing/2014/main" id="{71E9E772-5304-4531-BDD4-0319EA30E1B7}"/>
+              </a:ext>
+            </a:extLst>
+          </p:cNvPr>
+          <p:cNvSpPr/>
+          <p:nvPr/>
+        </p:nvSpPr>
+        <p:spPr>
+          <a:xfrm>
+            <a:off x="2438400" y="900815"/>
+            <a:ext cx="1575077" cy="643830"/>
+          </a:xfrm>
+          <a:prstGeom prst="roundRect">
+            <a:avLst/>
+          </a:prstGeom>
+          <a:noFill/>
+          <a:ln w="57150">
+            <a:solidFill>
+              <a:srgbClr val="BF9000"/>
+            </a:solidFill>
+          </a:ln>
+        </p:spPr>
+        <p:style>
+          <a:lnRef idx="2">
+            <a:schemeClr val="accent1">
+              <a:shade val="50000"/>
+            </a:schemeClr>
+          </a:lnRef>
+          <a:fillRef idx="1">
+            <a:schemeClr val="accent1"/>
+          </a:fillRef>
+          <a:effectRef idx="0">
+            <a:schemeClr val="accent1"/>
+          </a:effectRef>
+          <a:fontRef idx="minor">
+            <a:schemeClr val="lt1"/>
+          </a:fontRef>
+        </p:style>
+        <p:txBody>
+          <a:bodyPr rtlCol="0" anchor="ctr"/>
+          <a:lstStyle/>
+          <a:p>
+            <a:pPr algn="ctr"/>
+            <a:endParaRPr lang="fr-FR"/>
+          </a:p>
+        </p:txBody>
+      </p:sp>
+      <p:sp>
+        <p:nvSpPr>
+          <p:cNvPr id="64" name="Rectangle : coins arrondis 63">
+            <a:extLst>
+              <a:ext uri="{FF2B5EF4-FFF2-40B4-BE49-F238E27FC236}">
+                <a16:creationId xmlns:a16="http://schemas.microsoft.com/office/drawing/2014/main" id="{3A4B8977-1BB1-43F3-99D4-719FCD5C25A9}"/>
+              </a:ext>
+            </a:extLst>
+          </p:cNvPr>
+          <p:cNvSpPr/>
+          <p:nvPr/>
+        </p:nvSpPr>
+        <p:spPr>
+          <a:xfrm>
+            <a:off x="2438400" y="1704478"/>
+            <a:ext cx="1575077" cy="643830"/>
+          </a:xfrm>
+          <a:prstGeom prst="roundRect">
+            <a:avLst/>
+          </a:prstGeom>
+          <a:noFill/>
+          <a:ln w="57150">
+            <a:solidFill>
+              <a:srgbClr val="FF0000"/>
+            </a:solidFill>
+          </a:ln>
+        </p:spPr>
+        <p:style>
+          <a:lnRef idx="2">
+            <a:schemeClr val="accent1">
+              <a:shade val="50000"/>
+            </a:schemeClr>
+          </a:lnRef>
+          <a:fillRef idx="1">
+            <a:schemeClr val="accent1"/>
+          </a:fillRef>
+          <a:effectRef idx="0">
+            <a:schemeClr val="accent1"/>
+          </a:effectRef>
+          <a:fontRef idx="minor">
+            <a:schemeClr val="lt1"/>
+          </a:fontRef>
+        </p:style>
+        <p:txBody>
+          <a:bodyPr rtlCol="0" anchor="ctr"/>
+          <a:lstStyle/>
+          <a:p>
+            <a:pPr algn="ctr"/>
+            <a:endParaRPr lang="fr-FR"/>
+          </a:p>
+        </p:txBody>
+      </p:sp>
+      <p:sp>
+        <p:nvSpPr>
+          <p:cNvPr id="65" name="Rectangle : coins arrondis 64">
+            <a:extLst>
+              <a:ext uri="{FF2B5EF4-FFF2-40B4-BE49-F238E27FC236}">
+                <a16:creationId xmlns:a16="http://schemas.microsoft.com/office/drawing/2014/main" id="{EC18987B-8C57-4993-8E44-75C73F71D2E3}"/>
+              </a:ext>
+            </a:extLst>
+          </p:cNvPr>
+          <p:cNvSpPr/>
+          <p:nvPr/>
+        </p:nvSpPr>
+        <p:spPr>
+          <a:xfrm>
+            <a:off x="2438400" y="2493206"/>
+            <a:ext cx="1575077" cy="643830"/>
+          </a:xfrm>
+          <a:prstGeom prst="roundRect">
+            <a:avLst/>
+          </a:prstGeom>
+          <a:noFill/>
+          <a:ln w="57150">
+            <a:solidFill>
+              <a:srgbClr val="1EEA14"/>
+            </a:solidFill>
+          </a:ln>
+        </p:spPr>
+        <p:style>
+          <a:lnRef idx="2">
+            <a:schemeClr val="accent1">
+              <a:shade val="50000"/>
+            </a:schemeClr>
+          </a:lnRef>
+          <a:fillRef idx="1">
+            <a:schemeClr val="accent1"/>
+          </a:fillRef>
+          <a:effectRef idx="0">
+            <a:schemeClr val="accent1"/>
+          </a:effectRef>
+          <a:fontRef idx="minor">
+            <a:schemeClr val="lt1"/>
+          </a:fontRef>
+        </p:style>
+        <p:txBody>
+          <a:bodyPr rtlCol="0" anchor="ctr"/>
+          <a:lstStyle/>
+          <a:p>
+            <a:pPr algn="ctr"/>
+            <a:endParaRPr lang="fr-FR"/>
+          </a:p>
+        </p:txBody>
+      </p:sp>
+      <p:sp>
+        <p:nvSpPr>
+          <p:cNvPr id="66" name="Rectangle : coins arrondis 65">
+            <a:extLst>
+              <a:ext uri="{FF2B5EF4-FFF2-40B4-BE49-F238E27FC236}">
+                <a16:creationId xmlns:a16="http://schemas.microsoft.com/office/drawing/2014/main" id="{8EC72652-F7F1-4C7E-8147-EB240C570E32}"/>
+              </a:ext>
+            </a:extLst>
+          </p:cNvPr>
+          <p:cNvSpPr/>
+          <p:nvPr/>
+        </p:nvSpPr>
+        <p:spPr>
+          <a:xfrm>
+            <a:off x="4105791" y="2493206"/>
+            <a:ext cx="1575077" cy="643830"/>
+          </a:xfrm>
+          <a:prstGeom prst="roundRect">
+            <a:avLst/>
+          </a:prstGeom>
+          <a:noFill/>
+          <a:ln w="57150">
+            <a:solidFill>
+              <a:srgbClr val="FF0000"/>
+            </a:solidFill>
+          </a:ln>
+        </p:spPr>
+        <p:style>
+          <a:lnRef idx="2">
+            <a:schemeClr val="accent1">
+              <a:shade val="50000"/>
+            </a:schemeClr>
+          </a:lnRef>
+          <a:fillRef idx="1">
+            <a:schemeClr val="accent1"/>
+          </a:fillRef>
+          <a:effectRef idx="0">
+            <a:schemeClr val="accent1"/>
+          </a:effectRef>
+          <a:fontRef idx="minor">
+            <a:schemeClr val="lt1"/>
+          </a:fontRef>
+        </p:style>
+        <p:txBody>
+          <a:bodyPr rtlCol="0" anchor="ctr"/>
+          <a:lstStyle/>
+          <a:p>
+            <a:pPr algn="ctr"/>
+            <a:endParaRPr lang="fr-FR"/>
+          </a:p>
+        </p:txBody>
+      </p:sp>
+      <p:sp>
+        <p:nvSpPr>
+          <p:cNvPr id="67" name="Rectangle : coins arrondis 66">
+            <a:extLst>
+              <a:ext uri="{FF2B5EF4-FFF2-40B4-BE49-F238E27FC236}">
+                <a16:creationId xmlns:a16="http://schemas.microsoft.com/office/drawing/2014/main" id="{F4512861-9BE1-4A4A-8DFB-303BD5878746}"/>
+              </a:ext>
+            </a:extLst>
+          </p:cNvPr>
+          <p:cNvSpPr/>
+          <p:nvPr/>
+        </p:nvSpPr>
+        <p:spPr>
+          <a:xfrm>
+            <a:off x="4112324" y="1701660"/>
+            <a:ext cx="1575077" cy="643830"/>
+          </a:xfrm>
+          <a:prstGeom prst="roundRect">
+            <a:avLst/>
+          </a:prstGeom>
+          <a:noFill/>
+          <a:ln w="57150">
+            <a:solidFill>
+              <a:srgbClr val="2FC9FF"/>
+            </a:solidFill>
+          </a:ln>
+        </p:spPr>
+        <p:style>
+          <a:lnRef idx="2">
+            <a:schemeClr val="accent1">
+              <a:shade val="50000"/>
+            </a:schemeClr>
+          </a:lnRef>
+          <a:fillRef idx="1">
+            <a:schemeClr val="accent1"/>
+          </a:fillRef>
+          <a:effectRef idx="0">
+            <a:schemeClr val="accent1"/>
+          </a:effectRef>
+          <a:fontRef idx="minor">
+            <a:schemeClr val="lt1"/>
+          </a:fontRef>
+        </p:style>
+        <p:txBody>
+          <a:bodyPr rtlCol="0" anchor="ctr"/>
+          <a:lstStyle/>
+          <a:p>
+            <a:pPr algn="ctr"/>
+            <a:endParaRPr lang="fr-FR"/>
+          </a:p>
+        </p:txBody>
+      </p:sp>
+      <p:sp>
+        <p:nvSpPr>
+          <p:cNvPr id="68" name="Rectangle : coins arrondis 67">
+            <a:extLst>
+              <a:ext uri="{FF2B5EF4-FFF2-40B4-BE49-F238E27FC236}">
+                <a16:creationId xmlns:a16="http://schemas.microsoft.com/office/drawing/2014/main" id="{5EA783FD-2988-4BAB-B0D5-73A50FD743F5}"/>
+              </a:ext>
+            </a:extLst>
+          </p:cNvPr>
+          <p:cNvSpPr/>
+          <p:nvPr/>
+        </p:nvSpPr>
+        <p:spPr>
+          <a:xfrm>
+            <a:off x="5783268" y="2495984"/>
+            <a:ext cx="1575077" cy="643830"/>
+          </a:xfrm>
+          <a:prstGeom prst="roundRect">
+            <a:avLst/>
+          </a:prstGeom>
+          <a:noFill/>
+          <a:ln w="57150">
+            <a:solidFill>
+              <a:srgbClr val="2FC9FF"/>
+            </a:solidFill>
+          </a:ln>
+        </p:spPr>
+        <p:style>
+          <a:lnRef idx="2">
+            <a:schemeClr val="accent1">
+              <a:shade val="50000"/>
+            </a:schemeClr>
+          </a:lnRef>
+          <a:fillRef idx="1">
+            <a:schemeClr val="accent1"/>
+          </a:fillRef>
+          <a:effectRef idx="0">
+            <a:schemeClr val="accent1"/>
+          </a:effectRef>
+          <a:fontRef idx="minor">
+            <a:schemeClr val="lt1"/>
+          </a:fontRef>
+        </p:style>
+        <p:txBody>
+          <a:bodyPr rtlCol="0" anchor="ctr"/>
+          <a:lstStyle/>
+          <a:p>
+            <a:pPr algn="ctr"/>
+            <a:endParaRPr lang="fr-FR"/>
+          </a:p>
+        </p:txBody>
+      </p:sp>
+      <p:sp>
+        <p:nvSpPr>
+          <p:cNvPr id="69" name="Rectangle : coins arrondis 68">
+            <a:extLst>
+              <a:ext uri="{FF2B5EF4-FFF2-40B4-BE49-F238E27FC236}">
+                <a16:creationId xmlns:a16="http://schemas.microsoft.com/office/drawing/2014/main" id="{567B667A-7A3C-4B0D-ADDD-01DB03593895}"/>
+              </a:ext>
+            </a:extLst>
+          </p:cNvPr>
+          <p:cNvSpPr/>
+          <p:nvPr/>
+        </p:nvSpPr>
+        <p:spPr>
+          <a:xfrm>
+            <a:off x="4111784" y="899179"/>
+            <a:ext cx="1575077" cy="643830"/>
+          </a:xfrm>
+          <a:prstGeom prst="roundRect">
+            <a:avLst/>
+          </a:prstGeom>
+          <a:noFill/>
+          <a:ln w="57150">
+            <a:solidFill>
+              <a:srgbClr val="BF9000"/>
+            </a:solidFill>
+          </a:ln>
+        </p:spPr>
+        <p:style>
+          <a:lnRef idx="2">
+            <a:schemeClr val="accent1">
+              <a:shade val="50000"/>
+            </a:schemeClr>
+          </a:lnRef>
+          <a:fillRef idx="1">
+            <a:schemeClr val="accent1"/>
+          </a:fillRef>
+          <a:effectRef idx="0">
+            <a:schemeClr val="accent1"/>
+          </a:effectRef>
+          <a:fontRef idx="minor">
+            <a:schemeClr val="lt1"/>
+          </a:fontRef>
+        </p:style>
+        <p:txBody>
+          <a:bodyPr rtlCol="0" anchor="ctr"/>
+          <a:lstStyle/>
+          <a:p>
+            <a:pPr algn="ctr"/>
+            <a:endParaRPr lang="fr-FR"/>
+          </a:p>
+        </p:txBody>
+      </p:sp>
+      <p:sp>
+        <p:nvSpPr>
+          <p:cNvPr id="70" name="Rectangle : coins arrondis 69">
+            <a:extLst>
+              <a:ext uri="{FF2B5EF4-FFF2-40B4-BE49-F238E27FC236}">
+                <a16:creationId xmlns:a16="http://schemas.microsoft.com/office/drawing/2014/main" id="{157D04AC-64E4-42C6-B72A-2866F8EDBF8D}"/>
+              </a:ext>
+            </a:extLst>
+          </p:cNvPr>
+          <p:cNvSpPr/>
+          <p:nvPr/>
+        </p:nvSpPr>
+        <p:spPr>
+          <a:xfrm>
+            <a:off x="5785211" y="1704478"/>
+            <a:ext cx="1575077" cy="643830"/>
+          </a:xfrm>
+          <a:prstGeom prst="roundRect">
+            <a:avLst/>
+          </a:prstGeom>
+          <a:noFill/>
+          <a:ln w="57150">
+            <a:solidFill>
+              <a:srgbClr val="1EEA14"/>
+            </a:solidFill>
+          </a:ln>
+        </p:spPr>
+        <p:style>
+          <a:lnRef idx="2">
+            <a:schemeClr val="accent1">
+              <a:shade val="50000"/>
+            </a:schemeClr>
+          </a:lnRef>
+          <a:fillRef idx="1">
+            <a:schemeClr val="accent1"/>
+          </a:fillRef>
+          <a:effectRef idx="0">
+            <a:schemeClr val="accent1"/>
+          </a:effectRef>
+          <a:fontRef idx="minor">
+            <a:schemeClr val="lt1"/>
+          </a:fontRef>
+        </p:style>
+        <p:txBody>
+          <a:bodyPr rtlCol="0" anchor="ctr"/>
+          <a:lstStyle/>
+          <a:p>
+            <a:pPr algn="ctr"/>
+            <a:endParaRPr lang="fr-FR"/>
+          </a:p>
+        </p:txBody>
+      </p:sp>
+      <p:sp>
+        <p:nvSpPr>
+          <p:cNvPr id="71" name="Rectangle : coins arrondis 70">
+            <a:extLst>
+              <a:ext uri="{FF2B5EF4-FFF2-40B4-BE49-F238E27FC236}">
+                <a16:creationId xmlns:a16="http://schemas.microsoft.com/office/drawing/2014/main" id="{E073AE55-3065-4ABC-A891-EE35F55FA550}"/>
+              </a:ext>
+            </a:extLst>
+          </p:cNvPr>
+          <p:cNvSpPr/>
+          <p:nvPr/>
+        </p:nvSpPr>
+        <p:spPr>
+          <a:xfrm>
+            <a:off x="5785211" y="900815"/>
+            <a:ext cx="1575077" cy="643830"/>
+          </a:xfrm>
+          <a:prstGeom prst="roundRect">
+            <a:avLst/>
+          </a:prstGeom>
+          <a:noFill/>
+          <a:ln w="57150">
+            <a:solidFill>
+              <a:srgbClr val="BF9000"/>
+            </a:solidFill>
+          </a:ln>
+        </p:spPr>
+        <p:style>
+          <a:lnRef idx="2">
+            <a:schemeClr val="accent1">
+              <a:shade val="50000"/>
+            </a:schemeClr>
+          </a:lnRef>
+          <a:fillRef idx="1">
+            <a:schemeClr val="accent1"/>
+          </a:fillRef>
+          <a:effectRef idx="0">
+            <a:schemeClr val="accent1"/>
+          </a:effectRef>
+          <a:fontRef idx="minor">
+            <a:schemeClr val="lt1"/>
+          </a:fontRef>
+        </p:style>
+        <p:txBody>
+          <a:bodyPr rtlCol="0" anchor="ctr"/>
+          <a:lstStyle/>
+          <a:p>
+            <a:pPr algn="ctr"/>
+            <a:endParaRPr lang="fr-FR"/>
+          </a:p>
+        </p:txBody>
+      </p:sp>
+      <p:sp>
+        <p:nvSpPr>
+          <p:cNvPr id="72" name="Flèche : droite 71">
+            <a:extLst>
+              <a:ext uri="{FF2B5EF4-FFF2-40B4-BE49-F238E27FC236}">
+                <a16:creationId xmlns:a16="http://schemas.microsoft.com/office/drawing/2014/main" id="{25FA2464-5805-445E-8439-B3A6FC4B4C7D}"/>
+              </a:ext>
+            </a:extLst>
+          </p:cNvPr>
+          <p:cNvSpPr/>
+          <p:nvPr/>
+        </p:nvSpPr>
+        <p:spPr>
+          <a:xfrm>
+            <a:off x="4152290" y="3822799"/>
+            <a:ext cx="2799845" cy="234950"/>
+          </a:xfrm>
+          <a:prstGeom prst="rightArrow">
+            <a:avLst/>
+          </a:prstGeom>
+          <a:solidFill>
+            <a:srgbClr val="2FC9FF"/>
+          </a:solidFill>
+          <a:ln>
+            <a:solidFill>
+              <a:schemeClr val="tx1"/>
+            </a:solidFill>
+          </a:ln>
+        </p:spPr>
+        <p:style>
+          <a:lnRef idx="2">
+            <a:schemeClr val="accent1">
+              <a:shade val="50000"/>
+            </a:schemeClr>
+          </a:lnRef>
+          <a:fillRef idx="1">
+            <a:schemeClr val="accent1"/>
+          </a:fillRef>
+          <a:effectRef idx="0">
+            <a:schemeClr val="accent1"/>
+          </a:effectRef>
+          <a:fontRef idx="minor">
+            <a:schemeClr val="lt1"/>
+          </a:fontRef>
+        </p:style>
+        <p:txBody>
+          <a:bodyPr rtlCol="0" anchor="ctr"/>
+          <a:lstStyle/>
+          <a:p>
+            <a:pPr algn="ctr"/>
+            <a:endParaRPr lang="fr-FR"/>
+          </a:p>
+        </p:txBody>
+      </p:sp>
+      <p:sp>
+        <p:nvSpPr>
+          <p:cNvPr id="73" name="Flèche : droite 72">
+            <a:extLst>
+              <a:ext uri="{FF2B5EF4-FFF2-40B4-BE49-F238E27FC236}">
+                <a16:creationId xmlns:a16="http://schemas.microsoft.com/office/drawing/2014/main" id="{21CA190E-86EE-4993-A0DE-18649B522B22}"/>
+              </a:ext>
+            </a:extLst>
+          </p:cNvPr>
+          <p:cNvSpPr/>
+          <p:nvPr/>
+        </p:nvSpPr>
+        <p:spPr>
+          <a:xfrm rot="10800000">
+            <a:off x="4089909" y="3558518"/>
+            <a:ext cx="2799845" cy="234950"/>
+          </a:xfrm>
+          <a:prstGeom prst="rightArrow">
+            <a:avLst/>
+          </a:prstGeom>
+          <a:solidFill>
+            <a:srgbClr val="1EEA14"/>
+          </a:solidFill>
+          <a:ln>
+            <a:solidFill>
+              <a:schemeClr val="tx1"/>
+            </a:solidFill>
+          </a:ln>
+        </p:spPr>
+        <p:style>
+          <a:lnRef idx="2">
+            <a:schemeClr val="accent1">
+              <a:shade val="50000"/>
+            </a:schemeClr>
+          </a:lnRef>
+          <a:fillRef idx="1">
+            <a:schemeClr val="accent1"/>
+          </a:fillRef>
+          <a:effectRef idx="0">
+            <a:schemeClr val="accent1"/>
+          </a:effectRef>
+          <a:fontRef idx="minor">
+            <a:schemeClr val="lt1"/>
+          </a:fontRef>
+        </p:style>
+        <p:txBody>
+          <a:bodyPr rtlCol="0" anchor="ctr"/>
+          <a:lstStyle/>
+          <a:p>
+            <a:pPr algn="ctr"/>
+            <a:endParaRPr lang="fr-FR"/>
+          </a:p>
+        </p:txBody>
+      </p:sp>
     </p:spTree>
     <p:extLst>
       <p:ext uri="{BB962C8B-B14F-4D97-AF65-F5344CB8AC3E}">
@@ -7370,6 +8731,1851 @@
   <p:transition spd="med">
     <p:pull/>
   </p:transition>
+  <p:timing>
+    <p:tnLst>
+      <p:par>
+        <p:cTn id="1" dur="indefinite" restart="never" nodeType="tmRoot">
+          <p:childTnLst>
+            <p:seq concurrent="1" nextAc="seek">
+              <p:cTn id="2" dur="indefinite" nodeType="mainSeq">
+                <p:childTnLst>
+                  <p:par>
+                    <p:cTn id="3" fill="hold">
+                      <p:stCondLst>
+                        <p:cond delay="indefinite"/>
+                      </p:stCondLst>
+                      <p:childTnLst>
+                        <p:par>
+                          <p:cTn id="4" fill="hold">
+                            <p:stCondLst>
+                              <p:cond delay="0"/>
+                            </p:stCondLst>
+                            <p:childTnLst>
+                              <p:par>
+                                <p:cTn id="5" presetID="1" presetClass="entr" presetSubtype="0" fill="hold" grpId="0" nodeType="clickEffect">
+                                  <p:stCondLst>
+                                    <p:cond delay="0"/>
+                                  </p:stCondLst>
+                                  <p:childTnLst>
+                                    <p:set>
+                                      <p:cBhvr>
+                                        <p:cTn id="6" dur="1" fill="hold">
+                                          <p:stCondLst>
+                                            <p:cond delay="0"/>
+                                          </p:stCondLst>
+                                        </p:cTn>
+                                        <p:tgtEl>
+                                          <p:spTgt spid="33"/>
+                                        </p:tgtEl>
+                                        <p:attrNameLst>
+                                          <p:attrName>style.visibility</p:attrName>
+                                        </p:attrNameLst>
+                                      </p:cBhvr>
+                                      <p:to>
+                                        <p:strVal val="visible"/>
+                                      </p:to>
+                                    </p:set>
+                                  </p:childTnLst>
+                                  <p:subTnLst>
+                                    <p:set>
+                                      <p:cBhvr override="childStyle">
+                                        <p:cTn dur="1" fill="hold" display="0" masterRel="nextClick" afterEffect="1"/>
+                                        <p:tgtEl>
+                                          <p:spTgt spid="33"/>
+                                        </p:tgtEl>
+                                        <p:attrNameLst>
+                                          <p:attrName>style.visibility</p:attrName>
+                                        </p:attrNameLst>
+                                      </p:cBhvr>
+                                      <p:to>
+                                        <p:strVal val="hidden"/>
+                                      </p:to>
+                                    </p:set>
+                                  </p:subTnLst>
+                                </p:cTn>
+                              </p:par>
+                              <p:par>
+                                <p:cTn id="7" presetID="1" presetClass="entr" presetSubtype="0" fill="hold" grpId="0" nodeType="withEffect">
+                                  <p:stCondLst>
+                                    <p:cond delay="0"/>
+                                  </p:stCondLst>
+                                  <p:childTnLst>
+                                    <p:set>
+                                      <p:cBhvr>
+                                        <p:cTn id="8" dur="1" fill="hold">
+                                          <p:stCondLst>
+                                            <p:cond delay="0"/>
+                                          </p:stCondLst>
+                                        </p:cTn>
+                                        <p:tgtEl>
+                                          <p:spTgt spid="39"/>
+                                        </p:tgtEl>
+                                        <p:attrNameLst>
+                                          <p:attrName>style.visibility</p:attrName>
+                                        </p:attrNameLst>
+                                      </p:cBhvr>
+                                      <p:to>
+                                        <p:strVal val="visible"/>
+                                      </p:to>
+                                    </p:set>
+                                  </p:childTnLst>
+                                  <p:subTnLst>
+                                    <p:set>
+                                      <p:cBhvr override="childStyle">
+                                        <p:cTn dur="1" fill="hold" display="0" masterRel="nextClick" afterEffect="1"/>
+                                        <p:tgtEl>
+                                          <p:spTgt spid="39"/>
+                                        </p:tgtEl>
+                                        <p:attrNameLst>
+                                          <p:attrName>style.visibility</p:attrName>
+                                        </p:attrNameLst>
+                                      </p:cBhvr>
+                                      <p:to>
+                                        <p:strVal val="hidden"/>
+                                      </p:to>
+                                    </p:set>
+                                  </p:subTnLst>
+                                </p:cTn>
+                              </p:par>
+                              <p:par>
+                                <p:cTn id="9" presetID="1" presetClass="entr" presetSubtype="0" fill="hold" grpId="0" nodeType="withEffect">
+                                  <p:stCondLst>
+                                    <p:cond delay="0"/>
+                                  </p:stCondLst>
+                                  <p:childTnLst>
+                                    <p:set>
+                                      <p:cBhvr>
+                                        <p:cTn id="10" dur="1" fill="hold">
+                                          <p:stCondLst>
+                                            <p:cond delay="0"/>
+                                          </p:stCondLst>
+                                        </p:cTn>
+                                        <p:tgtEl>
+                                          <p:spTgt spid="41"/>
+                                        </p:tgtEl>
+                                        <p:attrNameLst>
+                                          <p:attrName>style.visibility</p:attrName>
+                                        </p:attrNameLst>
+                                      </p:cBhvr>
+                                      <p:to>
+                                        <p:strVal val="visible"/>
+                                      </p:to>
+                                    </p:set>
+                                  </p:childTnLst>
+                                  <p:subTnLst>
+                                    <p:set>
+                                      <p:cBhvr override="childStyle">
+                                        <p:cTn dur="1" fill="hold" display="0" masterRel="nextClick" afterEffect="1"/>
+                                        <p:tgtEl>
+                                          <p:spTgt spid="41"/>
+                                        </p:tgtEl>
+                                        <p:attrNameLst>
+                                          <p:attrName>style.visibility</p:attrName>
+                                        </p:attrNameLst>
+                                      </p:cBhvr>
+                                      <p:to>
+                                        <p:strVal val="hidden"/>
+                                      </p:to>
+                                    </p:set>
+                                  </p:subTnLst>
+                                </p:cTn>
+                              </p:par>
+                              <p:par>
+                                <p:cTn id="11" presetID="1" presetClass="entr" presetSubtype="0" fill="hold" grpId="0" nodeType="withEffect">
+                                  <p:stCondLst>
+                                    <p:cond delay="0"/>
+                                  </p:stCondLst>
+                                  <p:childTnLst>
+                                    <p:set>
+                                      <p:cBhvr>
+                                        <p:cTn id="12" dur="1" fill="hold">
+                                          <p:stCondLst>
+                                            <p:cond delay="0"/>
+                                          </p:stCondLst>
+                                        </p:cTn>
+                                        <p:tgtEl>
+                                          <p:spTgt spid="24"/>
+                                        </p:tgtEl>
+                                        <p:attrNameLst>
+                                          <p:attrName>style.visibility</p:attrName>
+                                        </p:attrNameLst>
+                                      </p:cBhvr>
+                                      <p:to>
+                                        <p:strVal val="visible"/>
+                                      </p:to>
+                                    </p:set>
+                                  </p:childTnLst>
+                                  <p:subTnLst>
+                                    <p:set>
+                                      <p:cBhvr override="childStyle">
+                                        <p:cTn dur="1" fill="hold" display="0" masterRel="nextClick" afterEffect="1"/>
+                                        <p:tgtEl>
+                                          <p:spTgt spid="24"/>
+                                        </p:tgtEl>
+                                        <p:attrNameLst>
+                                          <p:attrName>style.visibility</p:attrName>
+                                        </p:attrNameLst>
+                                      </p:cBhvr>
+                                      <p:to>
+                                        <p:strVal val="hidden"/>
+                                      </p:to>
+                                    </p:set>
+                                  </p:subTnLst>
+                                </p:cTn>
+                              </p:par>
+                              <p:par>
+                                <p:cTn id="13" presetID="1" presetClass="entr" presetSubtype="0" fill="hold" nodeType="withEffect">
+                                  <p:stCondLst>
+                                    <p:cond delay="0"/>
+                                  </p:stCondLst>
+                                  <p:childTnLst>
+                                    <p:set>
+                                      <p:cBhvr>
+                                        <p:cTn id="14" dur="1" fill="hold">
+                                          <p:stCondLst>
+                                            <p:cond delay="0"/>
+                                          </p:stCondLst>
+                                        </p:cTn>
+                                        <p:tgtEl>
+                                          <p:spTgt spid="22"/>
+                                        </p:tgtEl>
+                                        <p:attrNameLst>
+                                          <p:attrName>style.visibility</p:attrName>
+                                        </p:attrNameLst>
+                                      </p:cBhvr>
+                                      <p:to>
+                                        <p:strVal val="visible"/>
+                                      </p:to>
+                                    </p:set>
+                                  </p:childTnLst>
+                                  <p:subTnLst>
+                                    <p:set>
+                                      <p:cBhvr override="childStyle">
+                                        <p:cTn dur="1" fill="hold" display="0" masterRel="nextClick" afterEffect="1"/>
+                                        <p:tgtEl>
+                                          <p:spTgt spid="22"/>
+                                        </p:tgtEl>
+                                        <p:attrNameLst>
+                                          <p:attrName>style.visibility</p:attrName>
+                                        </p:attrNameLst>
+                                      </p:cBhvr>
+                                      <p:to>
+                                        <p:strVal val="hidden"/>
+                                      </p:to>
+                                    </p:set>
+                                  </p:subTnLst>
+                                </p:cTn>
+                              </p:par>
+                              <p:par>
+                                <p:cTn id="15" presetID="1" presetClass="entr" presetSubtype="0" fill="hold" grpId="0" nodeType="withEffect">
+                                  <p:stCondLst>
+                                    <p:cond delay="0"/>
+                                  </p:stCondLst>
+                                  <p:childTnLst>
+                                    <p:set>
+                                      <p:cBhvr>
+                                        <p:cTn id="16" dur="1" fill="hold">
+                                          <p:stCondLst>
+                                            <p:cond delay="0"/>
+                                          </p:stCondLst>
+                                        </p:cTn>
+                                        <p:tgtEl>
+                                          <p:spTgt spid="18"/>
+                                        </p:tgtEl>
+                                        <p:attrNameLst>
+                                          <p:attrName>style.visibility</p:attrName>
+                                        </p:attrNameLst>
+                                      </p:cBhvr>
+                                      <p:to>
+                                        <p:strVal val="visible"/>
+                                      </p:to>
+                                    </p:set>
+                                  </p:childTnLst>
+                                  <p:subTnLst>
+                                    <p:set>
+                                      <p:cBhvr override="childStyle">
+                                        <p:cTn dur="1" fill="hold" display="0" masterRel="nextClick" afterEffect="1"/>
+                                        <p:tgtEl>
+                                          <p:spTgt spid="18"/>
+                                        </p:tgtEl>
+                                        <p:attrNameLst>
+                                          <p:attrName>style.visibility</p:attrName>
+                                        </p:attrNameLst>
+                                      </p:cBhvr>
+                                      <p:to>
+                                        <p:strVal val="hidden"/>
+                                      </p:to>
+                                    </p:set>
+                                  </p:subTnLst>
+                                </p:cTn>
+                              </p:par>
+                              <p:par>
+                                <p:cTn id="17" presetID="1" presetClass="entr" presetSubtype="0" fill="hold" grpId="0" nodeType="withEffect">
+                                  <p:stCondLst>
+                                    <p:cond delay="0"/>
+                                  </p:stCondLst>
+                                  <p:childTnLst>
+                                    <p:set>
+                                      <p:cBhvr>
+                                        <p:cTn id="18" dur="1" fill="hold">
+                                          <p:stCondLst>
+                                            <p:cond delay="0"/>
+                                          </p:stCondLst>
+                                        </p:cTn>
+                                        <p:tgtEl>
+                                          <p:spTgt spid="19"/>
+                                        </p:tgtEl>
+                                        <p:attrNameLst>
+                                          <p:attrName>style.visibility</p:attrName>
+                                        </p:attrNameLst>
+                                      </p:cBhvr>
+                                      <p:to>
+                                        <p:strVal val="visible"/>
+                                      </p:to>
+                                    </p:set>
+                                  </p:childTnLst>
+                                  <p:subTnLst>
+                                    <p:set>
+                                      <p:cBhvr override="childStyle">
+                                        <p:cTn dur="1" fill="hold" display="0" masterRel="nextClick" afterEffect="1"/>
+                                        <p:tgtEl>
+                                          <p:spTgt spid="19"/>
+                                        </p:tgtEl>
+                                        <p:attrNameLst>
+                                          <p:attrName>style.visibility</p:attrName>
+                                        </p:attrNameLst>
+                                      </p:cBhvr>
+                                      <p:to>
+                                        <p:strVal val="hidden"/>
+                                      </p:to>
+                                    </p:set>
+                                  </p:subTnLst>
+                                </p:cTn>
+                              </p:par>
+                              <p:par>
+                                <p:cTn id="19" presetID="1" presetClass="entr" presetSubtype="0" fill="hold" grpId="0" nodeType="withEffect">
+                                  <p:stCondLst>
+                                    <p:cond delay="0"/>
+                                  </p:stCondLst>
+                                  <p:childTnLst>
+                                    <p:set>
+                                      <p:cBhvr>
+                                        <p:cTn id="20" dur="1" fill="hold">
+                                          <p:stCondLst>
+                                            <p:cond delay="0"/>
+                                          </p:stCondLst>
+                                        </p:cTn>
+                                        <p:tgtEl>
+                                          <p:spTgt spid="20"/>
+                                        </p:tgtEl>
+                                        <p:attrNameLst>
+                                          <p:attrName>style.visibility</p:attrName>
+                                        </p:attrNameLst>
+                                      </p:cBhvr>
+                                      <p:to>
+                                        <p:strVal val="visible"/>
+                                      </p:to>
+                                    </p:set>
+                                  </p:childTnLst>
+                                  <p:subTnLst>
+                                    <p:set>
+                                      <p:cBhvr override="childStyle">
+                                        <p:cTn dur="1" fill="hold" display="0" masterRel="nextClick" afterEffect="1"/>
+                                        <p:tgtEl>
+                                          <p:spTgt spid="20"/>
+                                        </p:tgtEl>
+                                        <p:attrNameLst>
+                                          <p:attrName>style.visibility</p:attrName>
+                                        </p:attrNameLst>
+                                      </p:cBhvr>
+                                      <p:to>
+                                        <p:strVal val="hidden"/>
+                                      </p:to>
+                                    </p:set>
+                                  </p:subTnLst>
+                                </p:cTn>
+                              </p:par>
+                              <p:par>
+                                <p:cTn id="21" presetID="1" presetClass="entr" presetSubtype="0" fill="hold" grpId="0" nodeType="withEffect">
+                                  <p:stCondLst>
+                                    <p:cond delay="0"/>
+                                  </p:stCondLst>
+                                  <p:childTnLst>
+                                    <p:set>
+                                      <p:cBhvr>
+                                        <p:cTn id="22" dur="1" fill="hold">
+                                          <p:stCondLst>
+                                            <p:cond delay="0"/>
+                                          </p:stCondLst>
+                                        </p:cTn>
+                                        <p:tgtEl>
+                                          <p:spTgt spid="29"/>
+                                        </p:tgtEl>
+                                        <p:attrNameLst>
+                                          <p:attrName>style.visibility</p:attrName>
+                                        </p:attrNameLst>
+                                      </p:cBhvr>
+                                      <p:to>
+                                        <p:strVal val="visible"/>
+                                      </p:to>
+                                    </p:set>
+                                  </p:childTnLst>
+                                  <p:subTnLst>
+                                    <p:set>
+                                      <p:cBhvr override="childStyle">
+                                        <p:cTn dur="1" fill="hold" display="0" masterRel="nextClick" afterEffect="1"/>
+                                        <p:tgtEl>
+                                          <p:spTgt spid="29"/>
+                                        </p:tgtEl>
+                                        <p:attrNameLst>
+                                          <p:attrName>style.visibility</p:attrName>
+                                        </p:attrNameLst>
+                                      </p:cBhvr>
+                                      <p:to>
+                                        <p:strVal val="hidden"/>
+                                      </p:to>
+                                    </p:set>
+                                  </p:subTnLst>
+                                </p:cTn>
+                              </p:par>
+                            </p:childTnLst>
+                          </p:cTn>
+                        </p:par>
+                      </p:childTnLst>
+                    </p:cTn>
+                  </p:par>
+                  <p:par>
+                    <p:cTn id="23" fill="hold">
+                      <p:stCondLst>
+                        <p:cond delay="indefinite"/>
+                      </p:stCondLst>
+                      <p:childTnLst>
+                        <p:par>
+                          <p:cTn id="24" fill="hold">
+                            <p:stCondLst>
+                              <p:cond delay="0"/>
+                            </p:stCondLst>
+                            <p:childTnLst>
+                              <p:par>
+                                <p:cTn id="25" presetID="1" presetClass="entr" presetSubtype="0" fill="hold" grpId="0" nodeType="clickEffect">
+                                  <p:stCondLst>
+                                    <p:cond delay="0"/>
+                                  </p:stCondLst>
+                                  <p:childTnLst>
+                                    <p:set>
+                                      <p:cBhvr>
+                                        <p:cTn id="26" dur="1" fill="hold">
+                                          <p:stCondLst>
+                                            <p:cond delay="0"/>
+                                          </p:stCondLst>
+                                        </p:cTn>
+                                        <p:tgtEl>
+                                          <p:spTgt spid="34"/>
+                                        </p:tgtEl>
+                                        <p:attrNameLst>
+                                          <p:attrName>style.visibility</p:attrName>
+                                        </p:attrNameLst>
+                                      </p:cBhvr>
+                                      <p:to>
+                                        <p:strVal val="visible"/>
+                                      </p:to>
+                                    </p:set>
+                                  </p:childTnLst>
+                                  <p:subTnLst>
+                                    <p:set>
+                                      <p:cBhvr override="childStyle">
+                                        <p:cTn dur="1" fill="hold" display="0" masterRel="nextClick" afterEffect="1"/>
+                                        <p:tgtEl>
+                                          <p:spTgt spid="34"/>
+                                        </p:tgtEl>
+                                        <p:attrNameLst>
+                                          <p:attrName>style.visibility</p:attrName>
+                                        </p:attrNameLst>
+                                      </p:cBhvr>
+                                      <p:to>
+                                        <p:strVal val="hidden"/>
+                                      </p:to>
+                                    </p:set>
+                                  </p:subTnLst>
+                                </p:cTn>
+                              </p:par>
+                              <p:par>
+                                <p:cTn id="27" presetID="1" presetClass="entr" presetSubtype="0" fill="hold" grpId="0" nodeType="withEffect">
+                                  <p:stCondLst>
+                                    <p:cond delay="0"/>
+                                  </p:stCondLst>
+                                  <p:childTnLst>
+                                    <p:set>
+                                      <p:cBhvr>
+                                        <p:cTn id="28" dur="1" fill="hold">
+                                          <p:stCondLst>
+                                            <p:cond delay="0"/>
+                                          </p:stCondLst>
+                                        </p:cTn>
+                                        <p:tgtEl>
+                                          <p:spTgt spid="36"/>
+                                        </p:tgtEl>
+                                        <p:attrNameLst>
+                                          <p:attrName>style.visibility</p:attrName>
+                                        </p:attrNameLst>
+                                      </p:cBhvr>
+                                      <p:to>
+                                        <p:strVal val="visible"/>
+                                      </p:to>
+                                    </p:set>
+                                  </p:childTnLst>
+                                  <p:subTnLst>
+                                    <p:set>
+                                      <p:cBhvr override="childStyle">
+                                        <p:cTn dur="1" fill="hold" display="0" masterRel="nextClick" afterEffect="1"/>
+                                        <p:tgtEl>
+                                          <p:spTgt spid="36"/>
+                                        </p:tgtEl>
+                                        <p:attrNameLst>
+                                          <p:attrName>style.visibility</p:attrName>
+                                        </p:attrNameLst>
+                                      </p:cBhvr>
+                                      <p:to>
+                                        <p:strVal val="hidden"/>
+                                      </p:to>
+                                    </p:set>
+                                  </p:subTnLst>
+                                </p:cTn>
+                              </p:par>
+                              <p:par>
+                                <p:cTn id="29" presetID="1" presetClass="entr" presetSubtype="0" fill="hold" grpId="0" nodeType="withEffect">
+                                  <p:stCondLst>
+                                    <p:cond delay="0"/>
+                                  </p:stCondLst>
+                                  <p:childTnLst>
+                                    <p:set>
+                                      <p:cBhvr>
+                                        <p:cTn id="30" dur="1" fill="hold">
+                                          <p:stCondLst>
+                                            <p:cond delay="0"/>
+                                          </p:stCondLst>
+                                        </p:cTn>
+                                        <p:tgtEl>
+                                          <p:spTgt spid="6"/>
+                                        </p:tgtEl>
+                                        <p:attrNameLst>
+                                          <p:attrName>style.visibility</p:attrName>
+                                        </p:attrNameLst>
+                                      </p:cBhvr>
+                                      <p:to>
+                                        <p:strVal val="visible"/>
+                                      </p:to>
+                                    </p:set>
+                                  </p:childTnLst>
+                                  <p:subTnLst>
+                                    <p:set>
+                                      <p:cBhvr override="childStyle">
+                                        <p:cTn dur="1" fill="hold" display="0" masterRel="nextClick" afterEffect="1"/>
+                                        <p:tgtEl>
+                                          <p:spTgt spid="6"/>
+                                        </p:tgtEl>
+                                        <p:attrNameLst>
+                                          <p:attrName>style.visibility</p:attrName>
+                                        </p:attrNameLst>
+                                      </p:cBhvr>
+                                      <p:to>
+                                        <p:strVal val="hidden"/>
+                                      </p:to>
+                                    </p:set>
+                                  </p:subTnLst>
+                                </p:cTn>
+                              </p:par>
+                              <p:par>
+                                <p:cTn id="31" presetID="1" presetClass="entr" presetSubtype="0" fill="hold" grpId="0" nodeType="withEffect">
+                                  <p:stCondLst>
+                                    <p:cond delay="0"/>
+                                  </p:stCondLst>
+                                  <p:childTnLst>
+                                    <p:set>
+                                      <p:cBhvr>
+                                        <p:cTn id="32" dur="1" fill="hold">
+                                          <p:stCondLst>
+                                            <p:cond delay="0"/>
+                                          </p:stCondLst>
+                                        </p:cTn>
+                                        <p:tgtEl>
+                                          <p:spTgt spid="17"/>
+                                        </p:tgtEl>
+                                        <p:attrNameLst>
+                                          <p:attrName>style.visibility</p:attrName>
+                                        </p:attrNameLst>
+                                      </p:cBhvr>
+                                      <p:to>
+                                        <p:strVal val="visible"/>
+                                      </p:to>
+                                    </p:set>
+                                  </p:childTnLst>
+                                  <p:subTnLst>
+                                    <p:set>
+                                      <p:cBhvr override="childStyle">
+                                        <p:cTn dur="1" fill="hold" display="0" masterRel="nextClick" afterEffect="1"/>
+                                        <p:tgtEl>
+                                          <p:spTgt spid="17"/>
+                                        </p:tgtEl>
+                                        <p:attrNameLst>
+                                          <p:attrName>style.visibility</p:attrName>
+                                        </p:attrNameLst>
+                                      </p:cBhvr>
+                                      <p:to>
+                                        <p:strVal val="hidden"/>
+                                      </p:to>
+                                    </p:set>
+                                  </p:subTnLst>
+                                </p:cTn>
+                              </p:par>
+                              <p:par>
+                                <p:cTn id="33" presetID="1" presetClass="entr" presetSubtype="0" fill="hold" grpId="0" nodeType="withEffect">
+                                  <p:stCondLst>
+                                    <p:cond delay="0"/>
+                                  </p:stCondLst>
+                                  <p:childTnLst>
+                                    <p:set>
+                                      <p:cBhvr>
+                                        <p:cTn id="34" dur="1" fill="hold">
+                                          <p:stCondLst>
+                                            <p:cond delay="0"/>
+                                          </p:stCondLst>
+                                        </p:cTn>
+                                        <p:tgtEl>
+                                          <p:spTgt spid="26"/>
+                                        </p:tgtEl>
+                                        <p:attrNameLst>
+                                          <p:attrName>style.visibility</p:attrName>
+                                        </p:attrNameLst>
+                                      </p:cBhvr>
+                                      <p:to>
+                                        <p:strVal val="visible"/>
+                                      </p:to>
+                                    </p:set>
+                                  </p:childTnLst>
+                                  <p:subTnLst>
+                                    <p:set>
+                                      <p:cBhvr override="childStyle">
+                                        <p:cTn dur="1" fill="hold" display="0" masterRel="nextClick" afterEffect="1"/>
+                                        <p:tgtEl>
+                                          <p:spTgt spid="26"/>
+                                        </p:tgtEl>
+                                        <p:attrNameLst>
+                                          <p:attrName>style.visibility</p:attrName>
+                                        </p:attrNameLst>
+                                      </p:cBhvr>
+                                      <p:to>
+                                        <p:strVal val="hidden"/>
+                                      </p:to>
+                                    </p:set>
+                                  </p:subTnLst>
+                                </p:cTn>
+                              </p:par>
+                            </p:childTnLst>
+                          </p:cTn>
+                        </p:par>
+                      </p:childTnLst>
+                    </p:cTn>
+                  </p:par>
+                  <p:par>
+                    <p:cTn id="35" fill="hold">
+                      <p:stCondLst>
+                        <p:cond delay="indefinite"/>
+                      </p:stCondLst>
+                      <p:childTnLst>
+                        <p:par>
+                          <p:cTn id="36" fill="hold">
+                            <p:stCondLst>
+                              <p:cond delay="0"/>
+                            </p:stCondLst>
+                            <p:childTnLst>
+                              <p:par>
+                                <p:cTn id="37" presetID="1" presetClass="entr" presetSubtype="0" fill="hold" grpId="0" nodeType="clickEffect">
+                                  <p:stCondLst>
+                                    <p:cond delay="0"/>
+                                  </p:stCondLst>
+                                  <p:childTnLst>
+                                    <p:set>
+                                      <p:cBhvr>
+                                        <p:cTn id="38" dur="1" fill="hold">
+                                          <p:stCondLst>
+                                            <p:cond delay="0"/>
+                                          </p:stCondLst>
+                                        </p:cTn>
+                                        <p:tgtEl>
+                                          <p:spTgt spid="40"/>
+                                        </p:tgtEl>
+                                        <p:attrNameLst>
+                                          <p:attrName>style.visibility</p:attrName>
+                                        </p:attrNameLst>
+                                      </p:cBhvr>
+                                      <p:to>
+                                        <p:strVal val="visible"/>
+                                      </p:to>
+                                    </p:set>
+                                  </p:childTnLst>
+                                  <p:subTnLst>
+                                    <p:set>
+                                      <p:cBhvr override="childStyle">
+                                        <p:cTn dur="1" fill="hold" display="0" masterRel="nextClick" afterEffect="1"/>
+                                        <p:tgtEl>
+                                          <p:spTgt spid="40"/>
+                                        </p:tgtEl>
+                                        <p:attrNameLst>
+                                          <p:attrName>style.visibility</p:attrName>
+                                        </p:attrNameLst>
+                                      </p:cBhvr>
+                                      <p:to>
+                                        <p:strVal val="hidden"/>
+                                      </p:to>
+                                    </p:set>
+                                  </p:subTnLst>
+                                </p:cTn>
+                              </p:par>
+                              <p:par>
+                                <p:cTn id="39" presetID="1" presetClass="entr" presetSubtype="0" fill="hold" grpId="0" nodeType="withEffect">
+                                  <p:stCondLst>
+                                    <p:cond delay="0"/>
+                                  </p:stCondLst>
+                                  <p:childTnLst>
+                                    <p:set>
+                                      <p:cBhvr>
+                                        <p:cTn id="40" dur="1" fill="hold">
+                                          <p:stCondLst>
+                                            <p:cond delay="0"/>
+                                          </p:stCondLst>
+                                        </p:cTn>
+                                        <p:tgtEl>
+                                          <p:spTgt spid="35"/>
+                                        </p:tgtEl>
+                                        <p:attrNameLst>
+                                          <p:attrName>style.visibility</p:attrName>
+                                        </p:attrNameLst>
+                                      </p:cBhvr>
+                                      <p:to>
+                                        <p:strVal val="visible"/>
+                                      </p:to>
+                                    </p:set>
+                                  </p:childTnLst>
+                                  <p:subTnLst>
+                                    <p:set>
+                                      <p:cBhvr override="childStyle">
+                                        <p:cTn dur="1" fill="hold" display="0" masterRel="nextClick" afterEffect="1"/>
+                                        <p:tgtEl>
+                                          <p:spTgt spid="35"/>
+                                        </p:tgtEl>
+                                        <p:attrNameLst>
+                                          <p:attrName>style.visibility</p:attrName>
+                                        </p:attrNameLst>
+                                      </p:cBhvr>
+                                      <p:to>
+                                        <p:strVal val="hidden"/>
+                                      </p:to>
+                                    </p:set>
+                                  </p:subTnLst>
+                                </p:cTn>
+                              </p:par>
+                              <p:par>
+                                <p:cTn id="41" presetID="1" presetClass="entr" presetSubtype="0" fill="hold" grpId="0" nodeType="withEffect">
+                                  <p:stCondLst>
+                                    <p:cond delay="0"/>
+                                  </p:stCondLst>
+                                  <p:childTnLst>
+                                    <p:set>
+                                      <p:cBhvr>
+                                        <p:cTn id="42" dur="1" fill="hold">
+                                          <p:stCondLst>
+                                            <p:cond delay="0"/>
+                                          </p:stCondLst>
+                                        </p:cTn>
+                                        <p:tgtEl>
+                                          <p:spTgt spid="42"/>
+                                        </p:tgtEl>
+                                        <p:attrNameLst>
+                                          <p:attrName>style.visibility</p:attrName>
+                                        </p:attrNameLst>
+                                      </p:cBhvr>
+                                      <p:to>
+                                        <p:strVal val="visible"/>
+                                      </p:to>
+                                    </p:set>
+                                  </p:childTnLst>
+                                  <p:subTnLst>
+                                    <p:set>
+                                      <p:cBhvr override="childStyle">
+                                        <p:cTn dur="1" fill="hold" display="0" masterRel="nextClick" afterEffect="1"/>
+                                        <p:tgtEl>
+                                          <p:spTgt spid="42"/>
+                                        </p:tgtEl>
+                                        <p:attrNameLst>
+                                          <p:attrName>style.visibility</p:attrName>
+                                        </p:attrNameLst>
+                                      </p:cBhvr>
+                                      <p:to>
+                                        <p:strVal val="hidden"/>
+                                      </p:to>
+                                    </p:set>
+                                  </p:subTnLst>
+                                </p:cTn>
+                              </p:par>
+                              <p:par>
+                                <p:cTn id="43" presetID="1" presetClass="entr" presetSubtype="0" fill="hold" grpId="0" nodeType="withEffect">
+                                  <p:stCondLst>
+                                    <p:cond delay="0"/>
+                                  </p:stCondLst>
+                                  <p:childTnLst>
+                                    <p:set>
+                                      <p:cBhvr>
+                                        <p:cTn id="44" dur="1" fill="hold">
+                                          <p:stCondLst>
+                                            <p:cond delay="0"/>
+                                          </p:stCondLst>
+                                        </p:cTn>
+                                        <p:tgtEl>
+                                          <p:spTgt spid="30"/>
+                                        </p:tgtEl>
+                                        <p:attrNameLst>
+                                          <p:attrName>style.visibility</p:attrName>
+                                        </p:attrNameLst>
+                                      </p:cBhvr>
+                                      <p:to>
+                                        <p:strVal val="visible"/>
+                                      </p:to>
+                                    </p:set>
+                                  </p:childTnLst>
+                                  <p:subTnLst>
+                                    <p:set>
+                                      <p:cBhvr override="childStyle">
+                                        <p:cTn dur="1" fill="hold" display="0" masterRel="nextClick" afterEffect="1"/>
+                                        <p:tgtEl>
+                                          <p:spTgt spid="30"/>
+                                        </p:tgtEl>
+                                        <p:attrNameLst>
+                                          <p:attrName>style.visibility</p:attrName>
+                                        </p:attrNameLst>
+                                      </p:cBhvr>
+                                      <p:to>
+                                        <p:strVal val="hidden"/>
+                                      </p:to>
+                                    </p:set>
+                                  </p:subTnLst>
+                                </p:cTn>
+                              </p:par>
+                            </p:childTnLst>
+                          </p:cTn>
+                        </p:par>
+                      </p:childTnLst>
+                    </p:cTn>
+                  </p:par>
+                  <p:par>
+                    <p:cTn id="45" fill="hold">
+                      <p:stCondLst>
+                        <p:cond delay="indefinite"/>
+                      </p:stCondLst>
+                      <p:childTnLst>
+                        <p:par>
+                          <p:cTn id="46" fill="hold">
+                            <p:stCondLst>
+                              <p:cond delay="0"/>
+                            </p:stCondLst>
+                            <p:childTnLst>
+                              <p:par>
+                                <p:cTn id="47" presetID="1" presetClass="entr" presetSubtype="0" fill="hold" nodeType="clickEffect">
+                                  <p:stCondLst>
+                                    <p:cond delay="0"/>
+                                  </p:stCondLst>
+                                  <p:childTnLst>
+                                    <p:set>
+                                      <p:cBhvr>
+                                        <p:cTn id="48" dur="1" fill="hold">
+                                          <p:stCondLst>
+                                            <p:cond delay="0"/>
+                                          </p:stCondLst>
+                                        </p:cTn>
+                                        <p:tgtEl>
+                                          <p:spTgt spid="21"/>
+                                        </p:tgtEl>
+                                        <p:attrNameLst>
+                                          <p:attrName>style.visibility</p:attrName>
+                                        </p:attrNameLst>
+                                      </p:cBhvr>
+                                      <p:to>
+                                        <p:strVal val="visible"/>
+                                      </p:to>
+                                    </p:set>
+                                  </p:childTnLst>
+                                  <p:subTnLst>
+                                    <p:set>
+                                      <p:cBhvr override="childStyle">
+                                        <p:cTn dur="1" fill="hold" display="0" masterRel="nextClick" afterEffect="1"/>
+                                        <p:tgtEl>
+                                          <p:spTgt spid="21"/>
+                                        </p:tgtEl>
+                                        <p:attrNameLst>
+                                          <p:attrName>style.visibility</p:attrName>
+                                        </p:attrNameLst>
+                                      </p:cBhvr>
+                                      <p:to>
+                                        <p:strVal val="hidden"/>
+                                      </p:to>
+                                    </p:set>
+                                  </p:subTnLst>
+                                </p:cTn>
+                              </p:par>
+                              <p:par>
+                                <p:cTn id="49" presetID="1" presetClass="entr" presetSubtype="0" fill="hold" grpId="0" nodeType="withEffect">
+                                  <p:stCondLst>
+                                    <p:cond delay="0"/>
+                                  </p:stCondLst>
+                                  <p:childTnLst>
+                                    <p:set>
+                                      <p:cBhvr>
+                                        <p:cTn id="50" dur="1" fill="hold">
+                                          <p:stCondLst>
+                                            <p:cond delay="0"/>
+                                          </p:stCondLst>
+                                        </p:cTn>
+                                        <p:tgtEl>
+                                          <p:spTgt spid="23"/>
+                                        </p:tgtEl>
+                                        <p:attrNameLst>
+                                          <p:attrName>style.visibility</p:attrName>
+                                        </p:attrNameLst>
+                                      </p:cBhvr>
+                                      <p:to>
+                                        <p:strVal val="visible"/>
+                                      </p:to>
+                                    </p:set>
+                                  </p:childTnLst>
+                                  <p:subTnLst>
+                                    <p:set>
+                                      <p:cBhvr override="childStyle">
+                                        <p:cTn dur="1" fill="hold" display="0" masterRel="nextClick" afterEffect="1"/>
+                                        <p:tgtEl>
+                                          <p:spTgt spid="23"/>
+                                        </p:tgtEl>
+                                        <p:attrNameLst>
+                                          <p:attrName>style.visibility</p:attrName>
+                                        </p:attrNameLst>
+                                      </p:cBhvr>
+                                      <p:to>
+                                        <p:strVal val="hidden"/>
+                                      </p:to>
+                                    </p:set>
+                                  </p:subTnLst>
+                                </p:cTn>
+                              </p:par>
+                              <p:par>
+                                <p:cTn id="51" presetID="1" presetClass="entr" presetSubtype="0" fill="hold" grpId="0" nodeType="withEffect">
+                                  <p:stCondLst>
+                                    <p:cond delay="0"/>
+                                  </p:stCondLst>
+                                  <p:childTnLst>
+                                    <p:set>
+                                      <p:cBhvr>
+                                        <p:cTn id="52" dur="1" fill="hold">
+                                          <p:stCondLst>
+                                            <p:cond delay="0"/>
+                                          </p:stCondLst>
+                                        </p:cTn>
+                                        <p:tgtEl>
+                                          <p:spTgt spid="2"/>
+                                        </p:tgtEl>
+                                        <p:attrNameLst>
+                                          <p:attrName>style.visibility</p:attrName>
+                                        </p:attrNameLst>
+                                      </p:cBhvr>
+                                      <p:to>
+                                        <p:strVal val="visible"/>
+                                      </p:to>
+                                    </p:set>
+                                  </p:childTnLst>
+                                  <p:subTnLst>
+                                    <p:set>
+                                      <p:cBhvr override="childStyle">
+                                        <p:cTn dur="1" fill="hold" display="0" masterRel="nextClick" afterEffect="1"/>
+                                        <p:tgtEl>
+                                          <p:spTgt spid="2"/>
+                                        </p:tgtEl>
+                                        <p:attrNameLst>
+                                          <p:attrName>style.visibility</p:attrName>
+                                        </p:attrNameLst>
+                                      </p:cBhvr>
+                                      <p:to>
+                                        <p:strVal val="hidden"/>
+                                      </p:to>
+                                    </p:set>
+                                  </p:subTnLst>
+                                </p:cTn>
+                              </p:par>
+                              <p:par>
+                                <p:cTn id="53" presetID="1" presetClass="entr" presetSubtype="0" fill="hold" grpId="0" nodeType="withEffect">
+                                  <p:stCondLst>
+                                    <p:cond delay="0"/>
+                                  </p:stCondLst>
+                                  <p:childTnLst>
+                                    <p:set>
+                                      <p:cBhvr>
+                                        <p:cTn id="54" dur="1" fill="hold">
+                                          <p:stCondLst>
+                                            <p:cond delay="0"/>
+                                          </p:stCondLst>
+                                        </p:cTn>
+                                        <p:tgtEl>
+                                          <p:spTgt spid="37"/>
+                                        </p:tgtEl>
+                                        <p:attrNameLst>
+                                          <p:attrName>style.visibility</p:attrName>
+                                        </p:attrNameLst>
+                                      </p:cBhvr>
+                                      <p:to>
+                                        <p:strVal val="visible"/>
+                                      </p:to>
+                                    </p:set>
+                                  </p:childTnLst>
+                                  <p:subTnLst>
+                                    <p:set>
+                                      <p:cBhvr override="childStyle">
+                                        <p:cTn dur="1" fill="hold" display="0" masterRel="nextClick" afterEffect="1"/>
+                                        <p:tgtEl>
+                                          <p:spTgt spid="37"/>
+                                        </p:tgtEl>
+                                        <p:attrNameLst>
+                                          <p:attrName>style.visibility</p:attrName>
+                                        </p:attrNameLst>
+                                      </p:cBhvr>
+                                      <p:to>
+                                        <p:strVal val="hidden"/>
+                                      </p:to>
+                                    </p:set>
+                                  </p:subTnLst>
+                                </p:cTn>
+                              </p:par>
+                              <p:par>
+                                <p:cTn id="55" presetID="1" presetClass="entr" presetSubtype="0" fill="hold" grpId="0" nodeType="withEffect">
+                                  <p:stCondLst>
+                                    <p:cond delay="0"/>
+                                  </p:stCondLst>
+                                  <p:childTnLst>
+                                    <p:set>
+                                      <p:cBhvr>
+                                        <p:cTn id="56" dur="1" fill="hold">
+                                          <p:stCondLst>
+                                            <p:cond delay="0"/>
+                                          </p:stCondLst>
+                                        </p:cTn>
+                                        <p:tgtEl>
+                                          <p:spTgt spid="38"/>
+                                        </p:tgtEl>
+                                        <p:attrNameLst>
+                                          <p:attrName>style.visibility</p:attrName>
+                                        </p:attrNameLst>
+                                      </p:cBhvr>
+                                      <p:to>
+                                        <p:strVal val="visible"/>
+                                      </p:to>
+                                    </p:set>
+                                  </p:childTnLst>
+                                  <p:subTnLst>
+                                    <p:set>
+                                      <p:cBhvr override="childStyle">
+                                        <p:cTn dur="1" fill="hold" display="0" masterRel="nextClick" afterEffect="1"/>
+                                        <p:tgtEl>
+                                          <p:spTgt spid="38"/>
+                                        </p:tgtEl>
+                                        <p:attrNameLst>
+                                          <p:attrName>style.visibility</p:attrName>
+                                        </p:attrNameLst>
+                                      </p:cBhvr>
+                                      <p:to>
+                                        <p:strVal val="hidden"/>
+                                      </p:to>
+                                    </p:set>
+                                  </p:subTnLst>
+                                </p:cTn>
+                              </p:par>
+                              <p:par>
+                                <p:cTn id="57" presetID="1" presetClass="entr" presetSubtype="0" fill="hold" grpId="0" nodeType="withEffect">
+                                  <p:stCondLst>
+                                    <p:cond delay="0"/>
+                                  </p:stCondLst>
+                                  <p:childTnLst>
+                                    <p:set>
+                                      <p:cBhvr>
+                                        <p:cTn id="58" dur="1" fill="hold">
+                                          <p:stCondLst>
+                                            <p:cond delay="0"/>
+                                          </p:stCondLst>
+                                        </p:cTn>
+                                        <p:tgtEl>
+                                          <p:spTgt spid="27"/>
+                                        </p:tgtEl>
+                                        <p:attrNameLst>
+                                          <p:attrName>style.visibility</p:attrName>
+                                        </p:attrNameLst>
+                                      </p:cBhvr>
+                                      <p:to>
+                                        <p:strVal val="visible"/>
+                                      </p:to>
+                                    </p:set>
+                                  </p:childTnLst>
+                                  <p:subTnLst>
+                                    <p:set>
+                                      <p:cBhvr override="childStyle">
+                                        <p:cTn dur="1" fill="hold" display="0" masterRel="nextClick" afterEffect="1"/>
+                                        <p:tgtEl>
+                                          <p:spTgt spid="27"/>
+                                        </p:tgtEl>
+                                        <p:attrNameLst>
+                                          <p:attrName>style.visibility</p:attrName>
+                                        </p:attrNameLst>
+                                      </p:cBhvr>
+                                      <p:to>
+                                        <p:strVal val="hidden"/>
+                                      </p:to>
+                                    </p:set>
+                                  </p:subTnLst>
+                                </p:cTn>
+                              </p:par>
+                            </p:childTnLst>
+                          </p:cTn>
+                        </p:par>
+                      </p:childTnLst>
+                    </p:cTn>
+                  </p:par>
+                  <p:par>
+                    <p:cTn id="59" fill="hold">
+                      <p:stCondLst>
+                        <p:cond delay="indefinite"/>
+                      </p:stCondLst>
+                      <p:childTnLst>
+                        <p:par>
+                          <p:cTn id="60" fill="hold">
+                            <p:stCondLst>
+                              <p:cond delay="0"/>
+                            </p:stCondLst>
+                            <p:childTnLst>
+                              <p:par>
+                                <p:cTn id="61" presetID="1" presetClass="entr" presetSubtype="0" fill="hold" nodeType="clickEffect">
+                                  <p:stCondLst>
+                                    <p:cond delay="0"/>
+                                  </p:stCondLst>
+                                  <p:childTnLst>
+                                    <p:set>
+                                      <p:cBhvr>
+                                        <p:cTn id="62" dur="1" fill="hold">
+                                          <p:stCondLst>
+                                            <p:cond delay="0"/>
+                                          </p:stCondLst>
+                                        </p:cTn>
+                                        <p:tgtEl>
+                                          <p:spTgt spid="43"/>
+                                        </p:tgtEl>
+                                        <p:attrNameLst>
+                                          <p:attrName>style.visibility</p:attrName>
+                                        </p:attrNameLst>
+                                      </p:cBhvr>
+                                      <p:to>
+                                        <p:strVal val="visible"/>
+                                      </p:to>
+                                    </p:set>
+                                  </p:childTnLst>
+                                </p:cTn>
+                              </p:par>
+                              <p:par>
+                                <p:cTn id="63" presetID="1" presetClass="entr" presetSubtype="0" fill="hold" grpId="0" nodeType="withEffect">
+                                  <p:stCondLst>
+                                    <p:cond delay="0"/>
+                                  </p:stCondLst>
+                                  <p:childTnLst>
+                                    <p:set>
+                                      <p:cBhvr>
+                                        <p:cTn id="64" dur="1" fill="hold">
+                                          <p:stCondLst>
+                                            <p:cond delay="0"/>
+                                          </p:stCondLst>
+                                        </p:cTn>
+                                        <p:tgtEl>
+                                          <p:spTgt spid="44"/>
+                                        </p:tgtEl>
+                                        <p:attrNameLst>
+                                          <p:attrName>style.visibility</p:attrName>
+                                        </p:attrNameLst>
+                                      </p:cBhvr>
+                                      <p:to>
+                                        <p:strVal val="visible"/>
+                                      </p:to>
+                                    </p:set>
+                                  </p:childTnLst>
+                                </p:cTn>
+                              </p:par>
+                              <p:par>
+                                <p:cTn id="65" presetID="1" presetClass="entr" presetSubtype="0" fill="hold" grpId="0" nodeType="withEffect">
+                                  <p:stCondLst>
+                                    <p:cond delay="0"/>
+                                  </p:stCondLst>
+                                  <p:childTnLst>
+                                    <p:set>
+                                      <p:cBhvr>
+                                        <p:cTn id="66" dur="1" fill="hold">
+                                          <p:stCondLst>
+                                            <p:cond delay="0"/>
+                                          </p:stCondLst>
+                                        </p:cTn>
+                                        <p:tgtEl>
+                                          <p:spTgt spid="45"/>
+                                        </p:tgtEl>
+                                        <p:attrNameLst>
+                                          <p:attrName>style.visibility</p:attrName>
+                                        </p:attrNameLst>
+                                      </p:cBhvr>
+                                      <p:to>
+                                        <p:strVal val="visible"/>
+                                      </p:to>
+                                    </p:set>
+                                  </p:childTnLst>
+                                </p:cTn>
+                              </p:par>
+                              <p:par>
+                                <p:cTn id="67" presetID="1" presetClass="entr" presetSubtype="0" fill="hold" grpId="0" nodeType="withEffect">
+                                  <p:stCondLst>
+                                    <p:cond delay="0"/>
+                                  </p:stCondLst>
+                                  <p:childTnLst>
+                                    <p:set>
+                                      <p:cBhvr>
+                                        <p:cTn id="68" dur="1" fill="hold">
+                                          <p:stCondLst>
+                                            <p:cond delay="0"/>
+                                          </p:stCondLst>
+                                        </p:cTn>
+                                        <p:tgtEl>
+                                          <p:spTgt spid="53"/>
+                                        </p:tgtEl>
+                                        <p:attrNameLst>
+                                          <p:attrName>style.visibility</p:attrName>
+                                        </p:attrNameLst>
+                                      </p:cBhvr>
+                                      <p:to>
+                                        <p:strVal val="visible"/>
+                                      </p:to>
+                                    </p:set>
+                                  </p:childTnLst>
+                                </p:cTn>
+                              </p:par>
+                              <p:par>
+                                <p:cTn id="69" presetID="1" presetClass="entr" presetSubtype="0" fill="hold" nodeType="withEffect">
+                                  <p:stCondLst>
+                                    <p:cond delay="0"/>
+                                  </p:stCondLst>
+                                  <p:childTnLst>
+                                    <p:set>
+                                      <p:cBhvr>
+                                        <p:cTn id="70" dur="1" fill="hold">
+                                          <p:stCondLst>
+                                            <p:cond delay="0"/>
+                                          </p:stCondLst>
+                                        </p:cTn>
+                                        <p:tgtEl>
+                                          <p:spTgt spid="54"/>
+                                        </p:tgtEl>
+                                        <p:attrNameLst>
+                                          <p:attrName>style.visibility</p:attrName>
+                                        </p:attrNameLst>
+                                      </p:cBhvr>
+                                      <p:to>
+                                        <p:strVal val="visible"/>
+                                      </p:to>
+                                    </p:set>
+                                  </p:childTnLst>
+                                </p:cTn>
+                              </p:par>
+                              <p:par>
+                                <p:cTn id="71" presetID="1" presetClass="entr" presetSubtype="0" fill="hold" nodeType="withEffect">
+                                  <p:stCondLst>
+                                    <p:cond delay="0"/>
+                                  </p:stCondLst>
+                                  <p:childTnLst>
+                                    <p:set>
+                                      <p:cBhvr>
+                                        <p:cTn id="72" dur="1" fill="hold">
+                                          <p:stCondLst>
+                                            <p:cond delay="0"/>
+                                          </p:stCondLst>
+                                        </p:cTn>
+                                        <p:tgtEl>
+                                          <p:spTgt spid="55"/>
+                                        </p:tgtEl>
+                                        <p:attrNameLst>
+                                          <p:attrName>style.visibility</p:attrName>
+                                        </p:attrNameLst>
+                                      </p:cBhvr>
+                                      <p:to>
+                                        <p:strVal val="visible"/>
+                                      </p:to>
+                                    </p:set>
+                                  </p:childTnLst>
+                                </p:cTn>
+                              </p:par>
+                              <p:par>
+                                <p:cTn id="73" presetID="1" presetClass="entr" presetSubtype="0" fill="hold" grpId="0" nodeType="withEffect">
+                                  <p:stCondLst>
+                                    <p:cond delay="0"/>
+                                  </p:stCondLst>
+                                  <p:childTnLst>
+                                    <p:set>
+                                      <p:cBhvr>
+                                        <p:cTn id="74" dur="1" fill="hold">
+                                          <p:stCondLst>
+                                            <p:cond delay="0"/>
+                                          </p:stCondLst>
+                                        </p:cTn>
+                                        <p:tgtEl>
+                                          <p:spTgt spid="56"/>
+                                        </p:tgtEl>
+                                        <p:attrNameLst>
+                                          <p:attrName>style.visibility</p:attrName>
+                                        </p:attrNameLst>
+                                      </p:cBhvr>
+                                      <p:to>
+                                        <p:strVal val="visible"/>
+                                      </p:to>
+                                    </p:set>
+                                  </p:childTnLst>
+                                </p:cTn>
+                              </p:par>
+                              <p:par>
+                                <p:cTn id="75" presetID="1" presetClass="entr" presetSubtype="0" fill="hold" grpId="0" nodeType="withEffect">
+                                  <p:stCondLst>
+                                    <p:cond delay="0"/>
+                                  </p:stCondLst>
+                                  <p:childTnLst>
+                                    <p:set>
+                                      <p:cBhvr>
+                                        <p:cTn id="76" dur="1" fill="hold">
+                                          <p:stCondLst>
+                                            <p:cond delay="0"/>
+                                          </p:stCondLst>
+                                        </p:cTn>
+                                        <p:tgtEl>
+                                          <p:spTgt spid="57"/>
+                                        </p:tgtEl>
+                                        <p:attrNameLst>
+                                          <p:attrName>style.visibility</p:attrName>
+                                        </p:attrNameLst>
+                                      </p:cBhvr>
+                                      <p:to>
+                                        <p:strVal val="visible"/>
+                                      </p:to>
+                                    </p:set>
+                                  </p:childTnLst>
+                                </p:cTn>
+                              </p:par>
+                              <p:par>
+                                <p:cTn id="77" presetID="1" presetClass="entr" presetSubtype="0" fill="hold" grpId="0" nodeType="withEffect">
+                                  <p:stCondLst>
+                                    <p:cond delay="0"/>
+                                  </p:stCondLst>
+                                  <p:childTnLst>
+                                    <p:set>
+                                      <p:cBhvr>
+                                        <p:cTn id="78" dur="1" fill="hold">
+                                          <p:stCondLst>
+                                            <p:cond delay="0"/>
+                                          </p:stCondLst>
+                                        </p:cTn>
+                                        <p:tgtEl>
+                                          <p:spTgt spid="58"/>
+                                        </p:tgtEl>
+                                        <p:attrNameLst>
+                                          <p:attrName>style.visibility</p:attrName>
+                                        </p:attrNameLst>
+                                      </p:cBhvr>
+                                      <p:to>
+                                        <p:strVal val="visible"/>
+                                      </p:to>
+                                    </p:set>
+                                  </p:childTnLst>
+                                </p:cTn>
+                              </p:par>
+                              <p:par>
+                                <p:cTn id="79" presetID="1" presetClass="entr" presetSubtype="0" fill="hold" grpId="0" nodeType="withEffect">
+                                  <p:stCondLst>
+                                    <p:cond delay="0"/>
+                                  </p:stCondLst>
+                                  <p:childTnLst>
+                                    <p:set>
+                                      <p:cBhvr>
+                                        <p:cTn id="80" dur="1" fill="hold">
+                                          <p:stCondLst>
+                                            <p:cond delay="0"/>
+                                          </p:stCondLst>
+                                        </p:cTn>
+                                        <p:tgtEl>
+                                          <p:spTgt spid="59"/>
+                                        </p:tgtEl>
+                                        <p:attrNameLst>
+                                          <p:attrName>style.visibility</p:attrName>
+                                        </p:attrNameLst>
+                                      </p:cBhvr>
+                                      <p:to>
+                                        <p:strVal val="visible"/>
+                                      </p:to>
+                                    </p:set>
+                                  </p:childTnLst>
+                                </p:cTn>
+                              </p:par>
+                              <p:par>
+                                <p:cTn id="81" presetID="1" presetClass="entr" presetSubtype="0" fill="hold" grpId="0" nodeType="withEffect">
+                                  <p:stCondLst>
+                                    <p:cond delay="0"/>
+                                  </p:stCondLst>
+                                  <p:childTnLst>
+                                    <p:set>
+                                      <p:cBhvr>
+                                        <p:cTn id="82" dur="1" fill="hold">
+                                          <p:stCondLst>
+                                            <p:cond delay="0"/>
+                                          </p:stCondLst>
+                                        </p:cTn>
+                                        <p:tgtEl>
+                                          <p:spTgt spid="60"/>
+                                        </p:tgtEl>
+                                        <p:attrNameLst>
+                                          <p:attrName>style.visibility</p:attrName>
+                                        </p:attrNameLst>
+                                      </p:cBhvr>
+                                      <p:to>
+                                        <p:strVal val="visible"/>
+                                      </p:to>
+                                    </p:set>
+                                  </p:childTnLst>
+                                </p:cTn>
+                              </p:par>
+                              <p:par>
+                                <p:cTn id="83" presetID="1" presetClass="entr" presetSubtype="0" fill="hold" grpId="0" nodeType="withEffect">
+                                  <p:stCondLst>
+                                    <p:cond delay="0"/>
+                                  </p:stCondLst>
+                                  <p:childTnLst>
+                                    <p:set>
+                                      <p:cBhvr>
+                                        <p:cTn id="84" dur="1" fill="hold">
+                                          <p:stCondLst>
+                                            <p:cond delay="0"/>
+                                          </p:stCondLst>
+                                        </p:cTn>
+                                        <p:tgtEl>
+                                          <p:spTgt spid="61"/>
+                                        </p:tgtEl>
+                                        <p:attrNameLst>
+                                          <p:attrName>style.visibility</p:attrName>
+                                        </p:attrNameLst>
+                                      </p:cBhvr>
+                                      <p:to>
+                                        <p:strVal val="visible"/>
+                                      </p:to>
+                                    </p:set>
+                                  </p:childTnLst>
+                                </p:cTn>
+                              </p:par>
+                              <p:par>
+                                <p:cTn id="85" presetID="1" presetClass="entr" presetSubtype="0" fill="hold" grpId="0" nodeType="withEffect">
+                                  <p:stCondLst>
+                                    <p:cond delay="0"/>
+                                  </p:stCondLst>
+                                  <p:childTnLst>
+                                    <p:set>
+                                      <p:cBhvr>
+                                        <p:cTn id="86" dur="1" fill="hold">
+                                          <p:stCondLst>
+                                            <p:cond delay="0"/>
+                                          </p:stCondLst>
+                                        </p:cTn>
+                                        <p:tgtEl>
+                                          <p:spTgt spid="62"/>
+                                        </p:tgtEl>
+                                        <p:attrNameLst>
+                                          <p:attrName>style.visibility</p:attrName>
+                                        </p:attrNameLst>
+                                      </p:cBhvr>
+                                      <p:to>
+                                        <p:strVal val="visible"/>
+                                      </p:to>
+                                    </p:set>
+                                  </p:childTnLst>
+                                </p:cTn>
+                              </p:par>
+                              <p:par>
+                                <p:cTn id="87" presetID="1" presetClass="entr" presetSubtype="0" fill="hold" grpId="0" nodeType="withEffect">
+                                  <p:stCondLst>
+                                    <p:cond delay="0"/>
+                                  </p:stCondLst>
+                                  <p:childTnLst>
+                                    <p:set>
+                                      <p:cBhvr>
+                                        <p:cTn id="88" dur="1" fill="hold">
+                                          <p:stCondLst>
+                                            <p:cond delay="0"/>
+                                          </p:stCondLst>
+                                        </p:cTn>
+                                        <p:tgtEl>
+                                          <p:spTgt spid="63"/>
+                                        </p:tgtEl>
+                                        <p:attrNameLst>
+                                          <p:attrName>style.visibility</p:attrName>
+                                        </p:attrNameLst>
+                                      </p:cBhvr>
+                                      <p:to>
+                                        <p:strVal val="visible"/>
+                                      </p:to>
+                                    </p:set>
+                                  </p:childTnLst>
+                                </p:cTn>
+                              </p:par>
+                              <p:par>
+                                <p:cTn id="89" presetID="1" presetClass="entr" presetSubtype="0" fill="hold" grpId="0" nodeType="withEffect">
+                                  <p:stCondLst>
+                                    <p:cond delay="0"/>
+                                  </p:stCondLst>
+                                  <p:childTnLst>
+                                    <p:set>
+                                      <p:cBhvr>
+                                        <p:cTn id="90" dur="1" fill="hold">
+                                          <p:stCondLst>
+                                            <p:cond delay="0"/>
+                                          </p:stCondLst>
+                                        </p:cTn>
+                                        <p:tgtEl>
+                                          <p:spTgt spid="64"/>
+                                        </p:tgtEl>
+                                        <p:attrNameLst>
+                                          <p:attrName>style.visibility</p:attrName>
+                                        </p:attrNameLst>
+                                      </p:cBhvr>
+                                      <p:to>
+                                        <p:strVal val="visible"/>
+                                      </p:to>
+                                    </p:set>
+                                  </p:childTnLst>
+                                </p:cTn>
+                              </p:par>
+                              <p:par>
+                                <p:cTn id="91" presetID="1" presetClass="entr" presetSubtype="0" fill="hold" grpId="0" nodeType="withEffect">
+                                  <p:stCondLst>
+                                    <p:cond delay="0"/>
+                                  </p:stCondLst>
+                                  <p:childTnLst>
+                                    <p:set>
+                                      <p:cBhvr>
+                                        <p:cTn id="92" dur="1" fill="hold">
+                                          <p:stCondLst>
+                                            <p:cond delay="0"/>
+                                          </p:stCondLst>
+                                        </p:cTn>
+                                        <p:tgtEl>
+                                          <p:spTgt spid="65"/>
+                                        </p:tgtEl>
+                                        <p:attrNameLst>
+                                          <p:attrName>style.visibility</p:attrName>
+                                        </p:attrNameLst>
+                                      </p:cBhvr>
+                                      <p:to>
+                                        <p:strVal val="visible"/>
+                                      </p:to>
+                                    </p:set>
+                                  </p:childTnLst>
+                                </p:cTn>
+                              </p:par>
+                              <p:par>
+                                <p:cTn id="93" presetID="1" presetClass="entr" presetSubtype="0" fill="hold" grpId="0" nodeType="withEffect">
+                                  <p:stCondLst>
+                                    <p:cond delay="0"/>
+                                  </p:stCondLst>
+                                  <p:childTnLst>
+                                    <p:set>
+                                      <p:cBhvr>
+                                        <p:cTn id="94" dur="1" fill="hold">
+                                          <p:stCondLst>
+                                            <p:cond delay="0"/>
+                                          </p:stCondLst>
+                                        </p:cTn>
+                                        <p:tgtEl>
+                                          <p:spTgt spid="66"/>
+                                        </p:tgtEl>
+                                        <p:attrNameLst>
+                                          <p:attrName>style.visibility</p:attrName>
+                                        </p:attrNameLst>
+                                      </p:cBhvr>
+                                      <p:to>
+                                        <p:strVal val="visible"/>
+                                      </p:to>
+                                    </p:set>
+                                  </p:childTnLst>
+                                </p:cTn>
+                              </p:par>
+                              <p:par>
+                                <p:cTn id="95" presetID="1" presetClass="entr" presetSubtype="0" fill="hold" grpId="0" nodeType="withEffect">
+                                  <p:stCondLst>
+                                    <p:cond delay="0"/>
+                                  </p:stCondLst>
+                                  <p:childTnLst>
+                                    <p:set>
+                                      <p:cBhvr>
+                                        <p:cTn id="96" dur="1" fill="hold">
+                                          <p:stCondLst>
+                                            <p:cond delay="0"/>
+                                          </p:stCondLst>
+                                        </p:cTn>
+                                        <p:tgtEl>
+                                          <p:spTgt spid="67"/>
+                                        </p:tgtEl>
+                                        <p:attrNameLst>
+                                          <p:attrName>style.visibility</p:attrName>
+                                        </p:attrNameLst>
+                                      </p:cBhvr>
+                                      <p:to>
+                                        <p:strVal val="visible"/>
+                                      </p:to>
+                                    </p:set>
+                                  </p:childTnLst>
+                                </p:cTn>
+                              </p:par>
+                              <p:par>
+                                <p:cTn id="97" presetID="1" presetClass="entr" presetSubtype="0" fill="hold" grpId="0" nodeType="withEffect">
+                                  <p:stCondLst>
+                                    <p:cond delay="0"/>
+                                  </p:stCondLst>
+                                  <p:childTnLst>
+                                    <p:set>
+                                      <p:cBhvr>
+                                        <p:cTn id="98" dur="1" fill="hold">
+                                          <p:stCondLst>
+                                            <p:cond delay="0"/>
+                                          </p:stCondLst>
+                                        </p:cTn>
+                                        <p:tgtEl>
+                                          <p:spTgt spid="68"/>
+                                        </p:tgtEl>
+                                        <p:attrNameLst>
+                                          <p:attrName>style.visibility</p:attrName>
+                                        </p:attrNameLst>
+                                      </p:cBhvr>
+                                      <p:to>
+                                        <p:strVal val="visible"/>
+                                      </p:to>
+                                    </p:set>
+                                  </p:childTnLst>
+                                </p:cTn>
+                              </p:par>
+                              <p:par>
+                                <p:cTn id="99" presetID="1" presetClass="entr" presetSubtype="0" fill="hold" grpId="0" nodeType="withEffect">
+                                  <p:stCondLst>
+                                    <p:cond delay="0"/>
+                                  </p:stCondLst>
+                                  <p:childTnLst>
+                                    <p:set>
+                                      <p:cBhvr>
+                                        <p:cTn id="100" dur="1" fill="hold">
+                                          <p:stCondLst>
+                                            <p:cond delay="0"/>
+                                          </p:stCondLst>
+                                        </p:cTn>
+                                        <p:tgtEl>
+                                          <p:spTgt spid="69"/>
+                                        </p:tgtEl>
+                                        <p:attrNameLst>
+                                          <p:attrName>style.visibility</p:attrName>
+                                        </p:attrNameLst>
+                                      </p:cBhvr>
+                                      <p:to>
+                                        <p:strVal val="visible"/>
+                                      </p:to>
+                                    </p:set>
+                                  </p:childTnLst>
+                                </p:cTn>
+                              </p:par>
+                              <p:par>
+                                <p:cTn id="101" presetID="1" presetClass="entr" presetSubtype="0" fill="hold" grpId="0" nodeType="withEffect">
+                                  <p:stCondLst>
+                                    <p:cond delay="0"/>
+                                  </p:stCondLst>
+                                  <p:childTnLst>
+                                    <p:set>
+                                      <p:cBhvr>
+                                        <p:cTn id="102" dur="1" fill="hold">
+                                          <p:stCondLst>
+                                            <p:cond delay="0"/>
+                                          </p:stCondLst>
+                                        </p:cTn>
+                                        <p:tgtEl>
+                                          <p:spTgt spid="70"/>
+                                        </p:tgtEl>
+                                        <p:attrNameLst>
+                                          <p:attrName>style.visibility</p:attrName>
+                                        </p:attrNameLst>
+                                      </p:cBhvr>
+                                      <p:to>
+                                        <p:strVal val="visible"/>
+                                      </p:to>
+                                    </p:set>
+                                  </p:childTnLst>
+                                </p:cTn>
+                              </p:par>
+                              <p:par>
+                                <p:cTn id="103" presetID="1" presetClass="entr" presetSubtype="0" fill="hold" grpId="0" nodeType="withEffect">
+                                  <p:stCondLst>
+                                    <p:cond delay="0"/>
+                                  </p:stCondLst>
+                                  <p:childTnLst>
+                                    <p:set>
+                                      <p:cBhvr>
+                                        <p:cTn id="104" dur="1" fill="hold">
+                                          <p:stCondLst>
+                                            <p:cond delay="0"/>
+                                          </p:stCondLst>
+                                        </p:cTn>
+                                        <p:tgtEl>
+                                          <p:spTgt spid="71"/>
+                                        </p:tgtEl>
+                                        <p:attrNameLst>
+                                          <p:attrName>style.visibility</p:attrName>
+                                        </p:attrNameLst>
+                                      </p:cBhvr>
+                                      <p:to>
+                                        <p:strVal val="visible"/>
+                                      </p:to>
+                                    </p:set>
+                                  </p:childTnLst>
+                                </p:cTn>
+                              </p:par>
+                              <p:par>
+                                <p:cTn id="105" presetID="1" presetClass="entr" presetSubtype="0" fill="hold" grpId="0" nodeType="withEffect">
+                                  <p:stCondLst>
+                                    <p:cond delay="0"/>
+                                  </p:stCondLst>
+                                  <p:childTnLst>
+                                    <p:set>
+                                      <p:cBhvr>
+                                        <p:cTn id="106" dur="1" fill="hold">
+                                          <p:stCondLst>
+                                            <p:cond delay="0"/>
+                                          </p:stCondLst>
+                                        </p:cTn>
+                                        <p:tgtEl>
+                                          <p:spTgt spid="72"/>
+                                        </p:tgtEl>
+                                        <p:attrNameLst>
+                                          <p:attrName>style.visibility</p:attrName>
+                                        </p:attrNameLst>
+                                      </p:cBhvr>
+                                      <p:to>
+                                        <p:strVal val="visible"/>
+                                      </p:to>
+                                    </p:set>
+                                  </p:childTnLst>
+                                </p:cTn>
+                              </p:par>
+                              <p:par>
+                                <p:cTn id="107" presetID="1" presetClass="entr" presetSubtype="0" fill="hold" grpId="0" nodeType="withEffect">
+                                  <p:stCondLst>
+                                    <p:cond delay="0"/>
+                                  </p:stCondLst>
+                                  <p:childTnLst>
+                                    <p:set>
+                                      <p:cBhvr>
+                                        <p:cTn id="108" dur="1" fill="hold">
+                                          <p:stCondLst>
+                                            <p:cond delay="0"/>
+                                          </p:stCondLst>
+                                        </p:cTn>
+                                        <p:tgtEl>
+                                          <p:spTgt spid="73"/>
+                                        </p:tgtEl>
+                                        <p:attrNameLst>
+                                          <p:attrName>style.visibility</p:attrName>
+                                        </p:attrNameLst>
+                                      </p:cBhvr>
+                                      <p:to>
+                                        <p:strVal val="visible"/>
+                                      </p:to>
+                                    </p:set>
+                                  </p:childTnLst>
+                                </p:cTn>
+                              </p:par>
+                            </p:childTnLst>
+                          </p:cTn>
+                        </p:par>
+                      </p:childTnLst>
+                    </p:cTn>
+                  </p:par>
+                </p:childTnLst>
+              </p:cTn>
+              <p:prevCondLst>
+                <p:cond evt="onPrev" delay="0">
+                  <p:tgtEl>
+                    <p:sldTgt/>
+                  </p:tgtEl>
+                </p:cond>
+              </p:prevCondLst>
+              <p:nextCondLst>
+                <p:cond evt="onNext" delay="0">
+                  <p:tgtEl>
+                    <p:sldTgt/>
+                  </p:tgtEl>
+                </p:cond>
+              </p:nextCondLst>
+            </p:seq>
+          </p:childTnLst>
+        </p:cTn>
+      </p:par>
+    </p:tnLst>
+    <p:bldLst>
+      <p:bldP spid="6" grpId="0" animBg="1"/>
+      <p:bldP spid="17" grpId="0" animBg="1"/>
+      <p:bldP spid="18" grpId="0" animBg="1"/>
+      <p:bldP spid="19" grpId="0" animBg="1"/>
+      <p:bldP spid="20" grpId="0" animBg="1"/>
+      <p:bldP spid="23" grpId="0" animBg="1"/>
+      <p:bldP spid="24" grpId="0" animBg="1"/>
+      <p:bldP spid="26" grpId="0" animBg="1"/>
+      <p:bldP spid="27" grpId="0" animBg="1"/>
+      <p:bldP spid="29" grpId="0" animBg="1"/>
+      <p:bldP spid="30" grpId="0" animBg="1"/>
+      <p:bldP spid="33" grpId="0" animBg="1"/>
+      <p:bldP spid="34" grpId="0" animBg="1"/>
+      <p:bldP spid="35" grpId="0" animBg="1"/>
+      <p:bldP spid="36" grpId="0" animBg="1"/>
+      <p:bldP spid="37" grpId="0" animBg="1"/>
+      <p:bldP spid="38" grpId="0" animBg="1"/>
+      <p:bldP spid="39" grpId="0" animBg="1"/>
+      <p:bldP spid="40" grpId="0" animBg="1"/>
+      <p:bldP spid="41" grpId="0" animBg="1"/>
+      <p:bldP spid="2" grpId="0" animBg="1"/>
+      <p:bldP spid="42" grpId="0" animBg="1"/>
+      <p:bldP spid="44" grpId="0" animBg="1"/>
+      <p:bldP spid="45" grpId="0" animBg="1"/>
+      <p:bldP spid="53" grpId="0" animBg="1"/>
+      <p:bldP spid="56" grpId="0" animBg="1"/>
+      <p:bldP spid="57" grpId="0" animBg="1"/>
+      <p:bldP spid="58" grpId="0" animBg="1"/>
+      <p:bldP spid="59" grpId="0" animBg="1"/>
+      <p:bldP spid="60" grpId="0" animBg="1"/>
+      <p:bldP spid="61" grpId="0" animBg="1"/>
+      <p:bldP spid="62" grpId="0" animBg="1"/>
+      <p:bldP spid="63" grpId="0" animBg="1"/>
+      <p:bldP spid="64" grpId="0" animBg="1"/>
+      <p:bldP spid="65" grpId="0" animBg="1"/>
+      <p:bldP spid="66" grpId="0" animBg="1"/>
+      <p:bldP spid="67" grpId="0" animBg="1"/>
+      <p:bldP spid="68" grpId="0" animBg="1"/>
+      <p:bldP spid="69" grpId="0" animBg="1"/>
+      <p:bldP spid="70" grpId="0" animBg="1"/>
+      <p:bldP spid="71" grpId="0" animBg="1"/>
+      <p:bldP spid="72" grpId="0" animBg="1"/>
+      <p:bldP spid="73" grpId="0" animBg="1"/>
+    </p:bldLst>
+  </p:timing>
 </p:sld>
 </file>
 
@@ -8685,443 +11891,6 @@
           </a:prstGeom>
         </p:spPr>
       </p:pic>
-      <p:pic>
-        <p:nvPicPr>
-          <p:cNvPr id="17" name="Image 16">
-            <a:extLst>
-              <a:ext uri="{FF2B5EF4-FFF2-40B4-BE49-F238E27FC236}">
-                <a16:creationId xmlns:a16="http://schemas.microsoft.com/office/drawing/2014/main" id="{99994DDB-E9AE-44E2-A491-0A040ADFD550}"/>
-              </a:ext>
-            </a:extLst>
-          </p:cNvPr>
-          <p:cNvPicPr/>
-          <p:nvPr/>
-        </p:nvPicPr>
-        <p:blipFill rotWithShape="1">
-          <a:blip r:embed="rId4" cstate="print">
-            <a:extLst>
-              <a:ext uri="{28A0092B-C50C-407E-A947-70E740481C1C}">
-                <a14:useLocalDpi xmlns:a14="http://schemas.microsoft.com/office/drawing/2010/main" val="0"/>
-              </a:ext>
-            </a:extLst>
-          </a:blip>
-          <a:srcRect l="150" t="4442" r="1"/>
-          <a:stretch/>
-        </p:blipFill>
-        <p:spPr bwMode="auto">
-          <a:xfrm>
-            <a:off x="1075333" y="859277"/>
-            <a:ext cx="6970714" cy="4272557"/>
-          </a:xfrm>
-          <a:prstGeom prst="round2DiagRect">
-            <a:avLst>
-              <a:gd name="adj1" fmla="val 16667"/>
-              <a:gd name="adj2" fmla="val 0"/>
-            </a:avLst>
-          </a:prstGeom>
-          <a:ln w="88900" cap="sq">
-            <a:solidFill>
-              <a:srgbClr val="FFFFFF"/>
-            </a:solidFill>
-            <a:miter lim="800000"/>
-          </a:ln>
-          <a:effectLst>
-            <a:glow rad="571500">
-              <a:schemeClr val="accent3"/>
-            </a:glow>
-            <a:outerShdw blurRad="254000" algn="tl" rotWithShape="0">
-              <a:srgbClr val="000000">
-                <a:alpha val="43000"/>
-              </a:srgbClr>
-            </a:outerShdw>
-          </a:effectLst>
-        </p:spPr>
-      </p:pic>
-      <p:sp>
-        <p:nvSpPr>
-          <p:cNvPr id="18" name="Ellipse 17">
-            <a:extLst>
-              <a:ext uri="{FF2B5EF4-FFF2-40B4-BE49-F238E27FC236}">
-                <a16:creationId xmlns:a16="http://schemas.microsoft.com/office/drawing/2014/main" id="{CB2BECB1-932F-41F0-ABDB-2C1DD2328E48}"/>
-              </a:ext>
-            </a:extLst>
-          </p:cNvPr>
-          <p:cNvSpPr/>
-          <p:nvPr/>
-        </p:nvSpPr>
-        <p:spPr>
-          <a:xfrm>
-            <a:off x="6488455" y="3150555"/>
-            <a:ext cx="504497" cy="349470"/>
-          </a:xfrm>
-          <a:prstGeom prst="ellipse">
-            <a:avLst/>
-          </a:prstGeom>
-          <a:noFill/>
-          <a:ln w="57150">
-            <a:solidFill>
-              <a:srgbClr val="FF0000"/>
-            </a:solidFill>
-          </a:ln>
-        </p:spPr>
-        <p:style>
-          <a:lnRef idx="2">
-            <a:schemeClr val="accent6"/>
-          </a:lnRef>
-          <a:fillRef idx="1">
-            <a:schemeClr val="lt1"/>
-          </a:fillRef>
-          <a:effectRef idx="0">
-            <a:schemeClr val="accent6"/>
-          </a:effectRef>
-          <a:fontRef idx="minor">
-            <a:schemeClr val="dk1"/>
-          </a:fontRef>
-        </p:style>
-        <p:txBody>
-          <a:bodyPr rot="0" spcFirstLastPara="0" vert="horz" wrap="square" lIns="91440" tIns="45720" rIns="91440" bIns="45720" numCol="1" spcCol="0" rtlCol="0" fromWordArt="0" anchor="ctr" anchorCtr="0" forceAA="0" compatLnSpc="1">
-            <a:prstTxWarp prst="textNoShape">
-              <a:avLst/>
-            </a:prstTxWarp>
-            <a:noAutofit/>
-          </a:bodyPr>
-          <a:lstStyle/>
-          <a:p>
-            <a:endParaRPr lang="fr-FR"/>
-          </a:p>
-        </p:txBody>
-      </p:sp>
-      <p:sp>
-        <p:nvSpPr>
-          <p:cNvPr id="19" name="Rectangle : coins arrondis 18">
-            <a:extLst>
-              <a:ext uri="{FF2B5EF4-FFF2-40B4-BE49-F238E27FC236}">
-                <a16:creationId xmlns:a16="http://schemas.microsoft.com/office/drawing/2014/main" id="{AF9A071F-7281-4658-B9A2-49B4081C9AF1}"/>
-              </a:ext>
-            </a:extLst>
-          </p:cNvPr>
-          <p:cNvSpPr/>
-          <p:nvPr/>
-        </p:nvSpPr>
-        <p:spPr>
-          <a:xfrm>
-            <a:off x="1401150" y="1838681"/>
-            <a:ext cx="1575077" cy="643830"/>
-          </a:xfrm>
-          <a:prstGeom prst="roundRect">
-            <a:avLst/>
-          </a:prstGeom>
-          <a:noFill/>
-          <a:ln w="57150">
-            <a:solidFill>
-              <a:srgbClr val="FF0000"/>
-            </a:solidFill>
-          </a:ln>
-        </p:spPr>
-        <p:style>
-          <a:lnRef idx="2">
-            <a:schemeClr val="accent1">
-              <a:shade val="50000"/>
-            </a:schemeClr>
-          </a:lnRef>
-          <a:fillRef idx="1">
-            <a:schemeClr val="accent1"/>
-          </a:fillRef>
-          <a:effectRef idx="0">
-            <a:schemeClr val="accent1"/>
-          </a:effectRef>
-          <a:fontRef idx="minor">
-            <a:schemeClr val="lt1"/>
-          </a:fontRef>
-        </p:style>
-        <p:txBody>
-          <a:bodyPr rtlCol="0" anchor="ctr"/>
-          <a:lstStyle/>
-          <a:p>
-            <a:pPr algn="ctr"/>
-            <a:endParaRPr lang="fr-FR"/>
-          </a:p>
-        </p:txBody>
-      </p:sp>
-      <p:sp>
-        <p:nvSpPr>
-          <p:cNvPr id="20" name="Rectangle : coins arrondis 19">
-            <a:extLst>
-              <a:ext uri="{FF2B5EF4-FFF2-40B4-BE49-F238E27FC236}">
-                <a16:creationId xmlns:a16="http://schemas.microsoft.com/office/drawing/2014/main" id="{D3A0DAAC-9237-4969-BFA2-96FDE29E5712}"/>
-              </a:ext>
-            </a:extLst>
-          </p:cNvPr>
-          <p:cNvSpPr/>
-          <p:nvPr/>
-        </p:nvSpPr>
-        <p:spPr>
-          <a:xfrm>
-            <a:off x="3068541" y="2627409"/>
-            <a:ext cx="1575077" cy="643830"/>
-          </a:xfrm>
-          <a:prstGeom prst="roundRect">
-            <a:avLst/>
-          </a:prstGeom>
-          <a:noFill/>
-          <a:ln w="57150">
-            <a:solidFill>
-              <a:srgbClr val="FF0000"/>
-            </a:solidFill>
-          </a:ln>
-        </p:spPr>
-        <p:style>
-          <a:lnRef idx="2">
-            <a:schemeClr val="accent1">
-              <a:shade val="50000"/>
-            </a:schemeClr>
-          </a:lnRef>
-          <a:fillRef idx="1">
-            <a:schemeClr val="accent1"/>
-          </a:fillRef>
-          <a:effectRef idx="0">
-            <a:schemeClr val="accent1"/>
-          </a:effectRef>
-          <a:fontRef idx="minor">
-            <a:schemeClr val="lt1"/>
-          </a:fontRef>
-        </p:style>
-        <p:txBody>
-          <a:bodyPr rtlCol="0" anchor="ctr"/>
-          <a:lstStyle/>
-          <a:p>
-            <a:pPr algn="ctr"/>
-            <a:endParaRPr lang="fr-FR"/>
-          </a:p>
-        </p:txBody>
-      </p:sp>
-      <p:sp>
-        <p:nvSpPr>
-          <p:cNvPr id="22" name="Rectangle : coins arrondis 21">
-            <a:extLst>
-              <a:ext uri="{FF2B5EF4-FFF2-40B4-BE49-F238E27FC236}">
-                <a16:creationId xmlns:a16="http://schemas.microsoft.com/office/drawing/2014/main" id="{592FBC7C-522C-417B-AD6F-D54FE56CE28F}"/>
-              </a:ext>
-            </a:extLst>
-          </p:cNvPr>
-          <p:cNvSpPr/>
-          <p:nvPr/>
-        </p:nvSpPr>
-        <p:spPr>
-          <a:xfrm>
-            <a:off x="5807627" y="3679991"/>
-            <a:ext cx="770728" cy="474560"/>
-          </a:xfrm>
-          <a:prstGeom prst="roundRect">
-            <a:avLst/>
-          </a:prstGeom>
-          <a:noFill/>
-          <a:ln w="57150">
-            <a:solidFill>
-              <a:srgbClr val="FF0000"/>
-            </a:solidFill>
-          </a:ln>
-        </p:spPr>
-        <p:style>
-          <a:lnRef idx="2">
-            <a:schemeClr val="accent1">
-              <a:shade val="50000"/>
-            </a:schemeClr>
-          </a:lnRef>
-          <a:fillRef idx="1">
-            <a:schemeClr val="accent1"/>
-          </a:fillRef>
-          <a:effectRef idx="0">
-            <a:schemeClr val="accent1"/>
-          </a:effectRef>
-          <a:fontRef idx="minor">
-            <a:schemeClr val="lt1"/>
-          </a:fontRef>
-        </p:style>
-        <p:txBody>
-          <a:bodyPr rtlCol="0" anchor="ctr"/>
-          <a:lstStyle/>
-          <a:p>
-            <a:pPr algn="ctr"/>
-            <a:endParaRPr lang="fr-FR"/>
-          </a:p>
-        </p:txBody>
-      </p:sp>
-      <p:cxnSp>
-        <p:nvCxnSpPr>
-          <p:cNvPr id="9" name="Connecteur droit 8">
-            <a:extLst>
-              <a:ext uri="{FF2B5EF4-FFF2-40B4-BE49-F238E27FC236}">
-                <a16:creationId xmlns:a16="http://schemas.microsoft.com/office/drawing/2014/main" id="{54938946-F4BB-4D6C-BA69-53E8A733972A}"/>
-              </a:ext>
-            </a:extLst>
-          </p:cNvPr>
-          <p:cNvCxnSpPr>
-            <a:cxnSpLocks/>
-            <a:stCxn id="19" idx="3"/>
-          </p:cNvCxnSpPr>
-          <p:nvPr/>
-        </p:nvCxnSpPr>
-        <p:spPr>
-          <a:xfrm>
-            <a:off x="2976227" y="2160596"/>
-            <a:ext cx="7241824" cy="0"/>
-          </a:xfrm>
-          <a:prstGeom prst="line">
-            <a:avLst/>
-          </a:prstGeom>
-          <a:ln w="38100">
-            <a:solidFill>
-              <a:srgbClr val="FF0000"/>
-            </a:solidFill>
-          </a:ln>
-        </p:spPr>
-        <p:style>
-          <a:lnRef idx="1">
-            <a:schemeClr val="accent1"/>
-          </a:lnRef>
-          <a:fillRef idx="0">
-            <a:schemeClr val="accent1"/>
-          </a:fillRef>
-          <a:effectRef idx="0">
-            <a:schemeClr val="accent1"/>
-          </a:effectRef>
-          <a:fontRef idx="minor">
-            <a:schemeClr val="tx1"/>
-          </a:fontRef>
-        </p:style>
-      </p:cxnSp>
-      <p:cxnSp>
-        <p:nvCxnSpPr>
-          <p:cNvPr id="25" name="Connecteur droit 24">
-            <a:extLst>
-              <a:ext uri="{FF2B5EF4-FFF2-40B4-BE49-F238E27FC236}">
-                <a16:creationId xmlns:a16="http://schemas.microsoft.com/office/drawing/2014/main" id="{D09C2222-70A3-4C8C-95B5-D7789E32F744}"/>
-              </a:ext>
-            </a:extLst>
-          </p:cNvPr>
-          <p:cNvCxnSpPr>
-            <a:cxnSpLocks/>
-          </p:cNvCxnSpPr>
-          <p:nvPr/>
-        </p:nvCxnSpPr>
-        <p:spPr>
-          <a:xfrm flipV="1">
-            <a:off x="4639354" y="2158555"/>
-            <a:ext cx="5578697" cy="613628"/>
-          </a:xfrm>
-          <a:prstGeom prst="line">
-            <a:avLst/>
-          </a:prstGeom>
-          <a:ln w="38100">
-            <a:solidFill>
-              <a:srgbClr val="FF0000"/>
-            </a:solidFill>
-          </a:ln>
-        </p:spPr>
-        <p:style>
-          <a:lnRef idx="1">
-            <a:schemeClr val="accent1"/>
-          </a:lnRef>
-          <a:fillRef idx="0">
-            <a:schemeClr val="accent1"/>
-          </a:fillRef>
-          <a:effectRef idx="0">
-            <a:schemeClr val="accent1"/>
-          </a:effectRef>
-          <a:fontRef idx="minor">
-            <a:schemeClr val="tx1"/>
-          </a:fontRef>
-        </p:style>
-      </p:cxnSp>
-      <p:cxnSp>
-        <p:nvCxnSpPr>
-          <p:cNvPr id="29" name="Connecteur droit 28">
-            <a:extLst>
-              <a:ext uri="{FF2B5EF4-FFF2-40B4-BE49-F238E27FC236}">
-                <a16:creationId xmlns:a16="http://schemas.microsoft.com/office/drawing/2014/main" id="{CD94A121-E363-4E3E-83C9-AE3294FF538C}"/>
-              </a:ext>
-            </a:extLst>
-          </p:cNvPr>
-          <p:cNvCxnSpPr>
-            <a:cxnSpLocks/>
-            <a:stCxn id="18" idx="7"/>
-          </p:cNvCxnSpPr>
-          <p:nvPr/>
-        </p:nvCxnSpPr>
-        <p:spPr>
-          <a:xfrm flipV="1">
-            <a:off x="6919070" y="2156514"/>
-            <a:ext cx="3298981" cy="1045220"/>
-          </a:xfrm>
-          <a:prstGeom prst="line">
-            <a:avLst/>
-          </a:prstGeom>
-          <a:ln w="38100">
-            <a:solidFill>
-              <a:srgbClr val="FF0000"/>
-            </a:solidFill>
-          </a:ln>
-        </p:spPr>
-        <p:style>
-          <a:lnRef idx="1">
-            <a:schemeClr val="accent1"/>
-          </a:lnRef>
-          <a:fillRef idx="0">
-            <a:schemeClr val="accent1"/>
-          </a:fillRef>
-          <a:effectRef idx="0">
-            <a:schemeClr val="accent1"/>
-          </a:effectRef>
-          <a:fontRef idx="minor">
-            <a:schemeClr val="tx1"/>
-          </a:fontRef>
-        </p:style>
-      </p:cxnSp>
-      <p:cxnSp>
-        <p:nvCxnSpPr>
-          <p:cNvPr id="31" name="Connecteur droit 30">
-            <a:extLst>
-              <a:ext uri="{FF2B5EF4-FFF2-40B4-BE49-F238E27FC236}">
-                <a16:creationId xmlns:a16="http://schemas.microsoft.com/office/drawing/2014/main" id="{C12898B4-183C-43EF-AD80-FF8265464625}"/>
-              </a:ext>
-            </a:extLst>
-          </p:cNvPr>
-          <p:cNvCxnSpPr>
-            <a:cxnSpLocks/>
-            <a:stCxn id="22" idx="3"/>
-          </p:cNvCxnSpPr>
-          <p:nvPr/>
-        </p:nvCxnSpPr>
-        <p:spPr>
-          <a:xfrm flipV="1">
-            <a:off x="6578355" y="2162638"/>
-            <a:ext cx="3639696" cy="1754633"/>
-          </a:xfrm>
-          <a:prstGeom prst="line">
-            <a:avLst/>
-          </a:prstGeom>
-          <a:ln w="38100">
-            <a:solidFill>
-              <a:srgbClr val="FF0000"/>
-            </a:solidFill>
-          </a:ln>
-        </p:spPr>
-        <p:style>
-          <a:lnRef idx="1">
-            <a:schemeClr val="accent1"/>
-          </a:lnRef>
-          <a:fillRef idx="0">
-            <a:schemeClr val="accent1"/>
-          </a:fillRef>
-          <a:effectRef idx="0">
-            <a:schemeClr val="accent1"/>
-          </a:effectRef>
-          <a:fontRef idx="minor">
-            <a:schemeClr val="tx1"/>
-          </a:fontRef>
-        </p:style>
-      </p:cxnSp>
       <p:sp>
         <p:nvSpPr>
           <p:cNvPr id="13" name="Rectangle 12">
@@ -9638,64 +12407,7 @@
           <a:p>
             <a:r>
               <a:rPr lang="fr-FR" b="1" dirty="0"/>
-              <a:t>Ma tâche personnelle</a:t>
-            </a:r>
-          </a:p>
-        </p:txBody>
-      </p:sp>
-      <p:sp>
-        <p:nvSpPr>
-          <p:cNvPr id="2" name="Rectangle 1">
-            <a:extLst>
-              <a:ext uri="{FF2B5EF4-FFF2-40B4-BE49-F238E27FC236}">
-                <a16:creationId xmlns:a16="http://schemas.microsoft.com/office/drawing/2014/main" id="{B4B5134A-5DE9-4A37-A9F4-48B7B97BD0AC}"/>
-              </a:ext>
-            </a:extLst>
-          </p:cNvPr>
-          <p:cNvSpPr/>
-          <p:nvPr/>
-        </p:nvSpPr>
-        <p:spPr>
-          <a:xfrm>
-            <a:off x="9919106" y="1871479"/>
-            <a:ext cx="1323702" cy="472384"/>
-          </a:xfrm>
-          <a:prstGeom prst="rect">
-            <a:avLst/>
-          </a:prstGeom>
-          <a:solidFill>
-            <a:srgbClr val="EE0706"/>
-          </a:solidFill>
-          <a:ln>
-            <a:solidFill>
-              <a:schemeClr val="tx1"/>
-            </a:solidFill>
-          </a:ln>
-        </p:spPr>
-        <p:style>
-          <a:lnRef idx="2">
-            <a:schemeClr val="accent1">
-              <a:shade val="50000"/>
-            </a:schemeClr>
-          </a:lnRef>
-          <a:fillRef idx="1">
-            <a:schemeClr val="accent1"/>
-          </a:fillRef>
-          <a:effectRef idx="0">
-            <a:schemeClr val="accent1"/>
-          </a:effectRef>
-          <a:fontRef idx="minor">
-            <a:schemeClr val="lt1"/>
-          </a:fontRef>
-        </p:style>
-        <p:txBody>
-          <a:bodyPr rtlCol="0" anchor="ctr"/>
-          <a:lstStyle/>
-          <a:p>
-            <a:pPr algn="ctr"/>
-            <a:r>
-              <a:rPr lang="fr-FR" dirty="0"/>
-              <a:t>Ma tâche</a:t>
+              <a:t>titre</a:t>
             </a:r>
           </a:p>
         </p:txBody>

--- a/Etudiants/Constantin/Constantin.MInos.RDPno1.pptx
+++ b/Etudiants/Constantin/Constantin.MInos.RDPno1.pptx
@@ -5027,9 +5027,10 @@
           <a:lstStyle/>
           <a:p>
             <a:r>
-              <a:rPr lang="fr-FR" b="1" dirty="0"/>
-              <a:t>- Ma tâche personnelle</a:t>
+              <a:rPr lang="fr-FR" b="1"/>
+              <a:t>- titre</a:t>
             </a:r>
+            <a:endParaRPr lang="fr-FR" b="1" dirty="0"/>
           </a:p>
         </p:txBody>
       </p:sp>
